--- a/Documentación/Documentation.pptx
+++ b/Documentación/Documentation.pptx
@@ -9,7 +9,10 @@
     <p:sldId id="260" r:id="rId3"/>
     <p:sldId id="256" r:id="rId4"/>
     <p:sldId id="258" r:id="rId5"/>
-    <p:sldId id="259" r:id="rId6"/>
+    <p:sldId id="262" r:id="rId6"/>
+    <p:sldId id="263" r:id="rId7"/>
+    <p:sldId id="259" r:id="rId8"/>
+    <p:sldId id="261" r:id="rId9"/>
   </p:sldIdLst>
   <p:sldSz cx="12192000" cy="6858000"/>
   <p:notesSz cx="6858000" cy="9144000"/>
@@ -247,7 +250,7 @@
           <a:p>
             <a:fld id="{5DB37A09-4840-4F25-837A-CE4EEBE13FCB}" type="datetimeFigureOut">
               <a:rPr lang="es-CO" smtClean="0"/>
-              <a:t>2/06/2020</a:t>
+              <a:t>9/06/2020</a:t>
             </a:fld>
             <a:endParaRPr lang="es-CO"/>
           </a:p>
@@ -417,7 +420,7 @@
           <a:p>
             <a:fld id="{5DB37A09-4840-4F25-837A-CE4EEBE13FCB}" type="datetimeFigureOut">
               <a:rPr lang="es-CO" smtClean="0"/>
-              <a:t>2/06/2020</a:t>
+              <a:t>9/06/2020</a:t>
             </a:fld>
             <a:endParaRPr lang="es-CO"/>
           </a:p>
@@ -597,7 +600,7 @@
           <a:p>
             <a:fld id="{5DB37A09-4840-4F25-837A-CE4EEBE13FCB}" type="datetimeFigureOut">
               <a:rPr lang="es-CO" smtClean="0"/>
-              <a:t>2/06/2020</a:t>
+              <a:t>9/06/2020</a:t>
             </a:fld>
             <a:endParaRPr lang="es-CO"/>
           </a:p>
@@ -767,7 +770,7 @@
           <a:p>
             <a:fld id="{5DB37A09-4840-4F25-837A-CE4EEBE13FCB}" type="datetimeFigureOut">
               <a:rPr lang="es-CO" smtClean="0"/>
-              <a:t>2/06/2020</a:t>
+              <a:t>9/06/2020</a:t>
             </a:fld>
             <a:endParaRPr lang="es-CO"/>
           </a:p>
@@ -1013,7 +1016,7 @@
           <a:p>
             <a:fld id="{5DB37A09-4840-4F25-837A-CE4EEBE13FCB}" type="datetimeFigureOut">
               <a:rPr lang="es-CO" smtClean="0"/>
-              <a:t>2/06/2020</a:t>
+              <a:t>9/06/2020</a:t>
             </a:fld>
             <a:endParaRPr lang="es-CO"/>
           </a:p>
@@ -1245,7 +1248,7 @@
           <a:p>
             <a:fld id="{5DB37A09-4840-4F25-837A-CE4EEBE13FCB}" type="datetimeFigureOut">
               <a:rPr lang="es-CO" smtClean="0"/>
-              <a:t>2/06/2020</a:t>
+              <a:t>9/06/2020</a:t>
             </a:fld>
             <a:endParaRPr lang="es-CO"/>
           </a:p>
@@ -1612,7 +1615,7 @@
           <a:p>
             <a:fld id="{5DB37A09-4840-4F25-837A-CE4EEBE13FCB}" type="datetimeFigureOut">
               <a:rPr lang="es-CO" smtClean="0"/>
-              <a:t>2/06/2020</a:t>
+              <a:t>9/06/2020</a:t>
             </a:fld>
             <a:endParaRPr lang="es-CO"/>
           </a:p>
@@ -1730,7 +1733,7 @@
           <a:p>
             <a:fld id="{5DB37A09-4840-4F25-837A-CE4EEBE13FCB}" type="datetimeFigureOut">
               <a:rPr lang="es-CO" smtClean="0"/>
-              <a:t>2/06/2020</a:t>
+              <a:t>9/06/2020</a:t>
             </a:fld>
             <a:endParaRPr lang="es-CO"/>
           </a:p>
@@ -1825,7 +1828,7 @@
           <a:p>
             <a:fld id="{5DB37A09-4840-4F25-837A-CE4EEBE13FCB}" type="datetimeFigureOut">
               <a:rPr lang="es-CO" smtClean="0"/>
-              <a:t>2/06/2020</a:t>
+              <a:t>9/06/2020</a:t>
             </a:fld>
             <a:endParaRPr lang="es-CO"/>
           </a:p>
@@ -2102,7 +2105,7 @@
           <a:p>
             <a:fld id="{5DB37A09-4840-4F25-837A-CE4EEBE13FCB}" type="datetimeFigureOut">
               <a:rPr lang="es-CO" smtClean="0"/>
-              <a:t>2/06/2020</a:t>
+              <a:t>9/06/2020</a:t>
             </a:fld>
             <a:endParaRPr lang="es-CO"/>
           </a:p>
@@ -2355,7 +2358,7 @@
           <a:p>
             <a:fld id="{5DB37A09-4840-4F25-837A-CE4EEBE13FCB}" type="datetimeFigureOut">
               <a:rPr lang="es-CO" smtClean="0"/>
-              <a:t>2/06/2020</a:t>
+              <a:t>9/06/2020</a:t>
             </a:fld>
             <a:endParaRPr lang="es-CO"/>
           </a:p>
@@ -2568,7 +2571,7 @@
           <a:p>
             <a:fld id="{5DB37A09-4840-4F25-837A-CE4EEBE13FCB}" type="datetimeFigureOut">
               <a:rPr lang="es-CO" smtClean="0"/>
-              <a:t>2/06/2020</a:t>
+              <a:t>9/06/2020</a:t>
             </a:fld>
             <a:endParaRPr lang="es-CO"/>
           </a:p>
@@ -3201,44 +3204,6 @@
           <a:chExt cx="0" cy="0"/>
         </a:xfrm>
       </p:grpSpPr>
-      <p:sp>
-        <p:nvSpPr>
-          <p:cNvPr id="2" name="Título 1"/>
-          <p:cNvSpPr>
-            <a:spLocks noGrp="1"/>
-          </p:cNvSpPr>
-          <p:nvPr>
-            <p:ph type="ctrTitle"/>
-          </p:nvPr>
-        </p:nvSpPr>
-        <p:spPr/>
-        <p:txBody>
-          <a:bodyPr/>
-          <a:lstStyle/>
-          <a:p>
-            <a:endParaRPr lang="es-CO"/>
-          </a:p>
-        </p:txBody>
-      </p:sp>
-      <p:sp>
-        <p:nvSpPr>
-          <p:cNvPr id="3" name="Subtítulo 2"/>
-          <p:cNvSpPr>
-            <a:spLocks noGrp="1"/>
-          </p:cNvSpPr>
-          <p:nvPr>
-            <p:ph type="subTitle" idx="1"/>
-          </p:nvPr>
-        </p:nvSpPr>
-        <p:spPr/>
-        <p:txBody>
-          <a:bodyPr/>
-          <a:lstStyle/>
-          <a:p>
-            <a:endParaRPr lang="es-CO"/>
-          </a:p>
-        </p:txBody>
-      </p:sp>
       <p:pic>
         <p:nvPicPr>
           <p:cNvPr id="4" name="Imagen 3"/>
@@ -3261,7 +3226,7 @@
         </p:blipFill>
         <p:spPr>
           <a:xfrm>
-            <a:off x="951704" y="-1640805"/>
+            <a:off x="1462067" y="-348573"/>
             <a:ext cx="9416955" cy="6647909"/>
           </a:xfrm>
           <a:prstGeom prst="rect">
@@ -3375,6 +3340,211 @@
 </file>
 
 <file path=ppt/slides/slide5.xml><?xml version="1.0" encoding="utf-8"?>
+<p:sld xmlns:a="http://schemas.openxmlformats.org/drawingml/2006/main" xmlns:r="http://schemas.openxmlformats.org/officeDocument/2006/relationships" xmlns:p="http://schemas.openxmlformats.org/presentationml/2006/main">
+  <p:cSld>
+    <p:spTree>
+      <p:nvGrpSpPr>
+        <p:cNvPr id="1" name=""/>
+        <p:cNvGrpSpPr/>
+        <p:nvPr/>
+      </p:nvGrpSpPr>
+      <p:grpSpPr>
+        <a:xfrm>
+          <a:off x="0" y="0"/>
+          <a:ext cx="0" cy="0"/>
+          <a:chOff x="0" y="0"/>
+          <a:chExt cx="0" cy="0"/>
+        </a:xfrm>
+      </p:grpSpPr>
+      <p:sp>
+        <p:nvSpPr>
+          <p:cNvPr id="2" name="Título 1"/>
+          <p:cNvSpPr>
+            <a:spLocks noGrp="1"/>
+          </p:cNvSpPr>
+          <p:nvPr>
+            <p:ph type="title"/>
+          </p:nvPr>
+        </p:nvSpPr>
+        <p:spPr/>
+        <p:txBody>
+          <a:bodyPr/>
+          <a:lstStyle/>
+          <a:p>
+            <a:r>
+              <a:rPr lang="es-ES" dirty="0" smtClean="0"/>
+              <a:t>Cliente</a:t>
+            </a:r>
+            <a:endParaRPr lang="es-CO" dirty="0"/>
+          </a:p>
+        </p:txBody>
+      </p:sp>
+      <p:sp>
+        <p:nvSpPr>
+          <p:cNvPr id="3" name="Marcador de contenido 2"/>
+          <p:cNvSpPr>
+            <a:spLocks noGrp="1"/>
+          </p:cNvSpPr>
+          <p:nvPr>
+            <p:ph idx="1"/>
+          </p:nvPr>
+        </p:nvSpPr>
+        <p:spPr/>
+        <p:txBody>
+          <a:bodyPr/>
+          <a:lstStyle/>
+          <a:p>
+            <a:r>
+              <a:rPr lang="es-ES" dirty="0" smtClean="0"/>
+              <a:t>Tarea</a:t>
+            </a:r>
+          </a:p>
+          <a:p>
+            <a:pPr lvl="1"/>
+            <a:r>
+              <a:rPr lang="es-ES" dirty="0" smtClean="0"/>
+              <a:t>El sistema debe buscar los clientes y mostrarlos unas vez inicia el programa.</a:t>
+            </a:r>
+          </a:p>
+          <a:p>
+            <a:pPr lvl="1"/>
+            <a:r>
+              <a:rPr lang="es-ES" dirty="0" smtClean="0"/>
+              <a:t>El sistema debe preguntar, si es un cliente nuevo, </a:t>
+            </a:r>
+            <a:r>
+              <a:rPr lang="es-ES" dirty="0" smtClean="0"/>
+              <a:t>o me </a:t>
+            </a:r>
+            <a:r>
+              <a:rPr lang="es-ES" dirty="0" smtClean="0"/>
+              <a:t>equivoqué digitando.  </a:t>
+            </a:r>
+          </a:p>
+          <a:p>
+            <a:pPr lvl="2"/>
+            <a:r>
+              <a:rPr lang="es-ES" dirty="0" smtClean="0">
+                <a:solidFill>
+                  <a:schemeClr val="accent6">
+                    <a:lumMod val="50000"/>
+                  </a:schemeClr>
+                </a:solidFill>
+              </a:rPr>
+              <a:t>Si el cliente es nuevo entonces lo agregar</a:t>
+            </a:r>
+          </a:p>
+          <a:p>
+            <a:pPr lvl="2"/>
+            <a:r>
+              <a:rPr lang="es-ES" dirty="0" smtClean="0"/>
+              <a:t>Si me equivoqué digitando el cliente, entonces, el sistema debe permitir corregir el cliente, por ahora se debe escribir todo el nombre del cliente.</a:t>
+            </a:r>
+          </a:p>
+          <a:p>
+            <a:pPr lvl="1"/>
+            <a:r>
+              <a:rPr lang="es-ES" dirty="0" smtClean="0"/>
+              <a:t>El sistema debe permitir cambiar el nombre de los clientes.</a:t>
+            </a:r>
+          </a:p>
+          <a:p>
+            <a:pPr lvl="1"/>
+            <a:r>
+              <a:rPr lang="es-ES" dirty="0" smtClean="0"/>
+              <a:t>El sistema debe permitir eliminar un cliente.</a:t>
+            </a:r>
+            <a:endParaRPr lang="es-CO" dirty="0"/>
+          </a:p>
+        </p:txBody>
+      </p:sp>
+    </p:spTree>
+    <p:extLst>
+      <p:ext uri="{BB962C8B-B14F-4D97-AF65-F5344CB8AC3E}">
+        <p14:creationId xmlns:p14="http://schemas.microsoft.com/office/powerpoint/2010/main" val="697877812"/>
+      </p:ext>
+    </p:extLst>
+  </p:cSld>
+  <p:clrMapOvr>
+    <a:masterClrMapping/>
+  </p:clrMapOvr>
+  <p:timing>
+    <p:tnLst>
+      <p:par>
+        <p:cTn id="1" dur="indefinite" restart="never" nodeType="tmRoot"/>
+      </p:par>
+    </p:tnLst>
+  </p:timing>
+</p:sld>
+</file>
+
+<file path=ppt/slides/slide6.xml><?xml version="1.0" encoding="utf-8"?>
+<p:sld xmlns:a="http://schemas.openxmlformats.org/drawingml/2006/main" xmlns:r="http://schemas.openxmlformats.org/officeDocument/2006/relationships" xmlns:p="http://schemas.openxmlformats.org/presentationml/2006/main">
+  <p:cSld>
+    <p:spTree>
+      <p:nvGrpSpPr>
+        <p:cNvPr id="1" name=""/>
+        <p:cNvGrpSpPr/>
+        <p:nvPr/>
+      </p:nvGrpSpPr>
+      <p:grpSpPr>
+        <a:xfrm>
+          <a:off x="0" y="0"/>
+          <a:ext cx="0" cy="0"/>
+          <a:chOff x="0" y="0"/>
+          <a:chExt cx="0" cy="0"/>
+        </a:xfrm>
+      </p:grpSpPr>
+      <p:pic>
+        <p:nvPicPr>
+          <p:cNvPr id="4" name="Marcador de contenido 3"/>
+          <p:cNvPicPr>
+            <a:picLocks noGrp="1" noChangeAspect="1"/>
+          </p:cNvPicPr>
+          <p:nvPr>
+            <p:ph idx="1"/>
+          </p:nvPr>
+        </p:nvPicPr>
+        <p:blipFill>
+          <a:blip r:embed="rId2" cstate="print">
+            <a:extLst>
+              <a:ext uri="{28A0092B-C50C-407E-A947-70E740481C1C}">
+                <a14:useLocalDpi xmlns:a14="http://schemas.microsoft.com/office/drawing/2010/main" val="0"/>
+              </a:ext>
+            </a:extLst>
+          </a:blip>
+          <a:stretch>
+            <a:fillRect/>
+          </a:stretch>
+        </p:blipFill>
+        <p:spPr>
+          <a:xfrm>
+            <a:off x="2524042" y="0"/>
+            <a:ext cx="5118704" cy="7129426"/>
+          </a:xfrm>
+        </p:spPr>
+      </p:pic>
+    </p:spTree>
+    <p:extLst>
+      <p:ext uri="{BB962C8B-B14F-4D97-AF65-F5344CB8AC3E}">
+        <p14:creationId xmlns:p14="http://schemas.microsoft.com/office/powerpoint/2010/main" val="1887276535"/>
+      </p:ext>
+    </p:extLst>
+  </p:cSld>
+  <p:clrMapOvr>
+    <a:masterClrMapping/>
+  </p:clrMapOvr>
+  <p:timing>
+    <p:tnLst>
+      <p:par>
+        <p:cTn id="1" dur="indefinite" restart="never" nodeType="tmRoot"/>
+      </p:par>
+    </p:tnLst>
+  </p:timing>
+</p:sld>
+</file>
+
+<file path=ppt/slides/slide7.xml><?xml version="1.0" encoding="utf-8"?>
 <p:sld xmlns:a="http://schemas.openxmlformats.org/drawingml/2006/main" xmlns:r="http://schemas.openxmlformats.org/officeDocument/2006/relationships" xmlns:p="http://schemas.openxmlformats.org/presentationml/2006/main">
   <p:cSld>
     <p:spTree>
@@ -3807,6 +3977,3758 @@
     <p:extLst>
       <p:ext uri="{BB962C8B-B14F-4D97-AF65-F5344CB8AC3E}">
         <p14:creationId xmlns:p14="http://schemas.microsoft.com/office/powerpoint/2010/main" val="1153346066"/>
+      </p:ext>
+    </p:extLst>
+  </p:cSld>
+  <p:clrMapOvr>
+    <a:masterClrMapping/>
+  </p:clrMapOvr>
+  <p:timing>
+    <p:tnLst>
+      <p:par>
+        <p:cTn id="1" dur="indefinite" restart="never" nodeType="tmRoot"/>
+      </p:par>
+    </p:tnLst>
+  </p:timing>
+</p:sld>
+</file>
+
+<file path=ppt/slides/slide8.xml><?xml version="1.0" encoding="utf-8"?>
+<p:sld xmlns:a="http://schemas.openxmlformats.org/drawingml/2006/main" xmlns:r="http://schemas.openxmlformats.org/officeDocument/2006/relationships" xmlns:p="http://schemas.openxmlformats.org/presentationml/2006/main">
+  <p:cSld>
+    <p:spTree>
+      <p:nvGrpSpPr>
+        <p:cNvPr id="1" name=""/>
+        <p:cNvGrpSpPr/>
+        <p:nvPr/>
+      </p:nvGrpSpPr>
+      <p:grpSpPr>
+        <a:xfrm>
+          <a:off x="0" y="0"/>
+          <a:ext cx="0" cy="0"/>
+          <a:chOff x="0" y="0"/>
+          <a:chExt cx="0" cy="0"/>
+        </a:xfrm>
+      </p:grpSpPr>
+      <p:sp>
+        <p:nvSpPr>
+          <p:cNvPr id="4" name="Elipse 3"/>
+          <p:cNvSpPr/>
+          <p:nvPr/>
+        </p:nvSpPr>
+        <p:spPr>
+          <a:xfrm>
+            <a:off x="7950217" y="15217"/>
+            <a:ext cx="191069" cy="204717"/>
+          </a:xfrm>
+          <a:prstGeom prst="ellipse">
+            <a:avLst/>
+          </a:prstGeom>
+        </p:spPr>
+        <p:style>
+          <a:lnRef idx="2">
+            <a:schemeClr val="accent1">
+              <a:shade val="50000"/>
+            </a:schemeClr>
+          </a:lnRef>
+          <a:fillRef idx="1">
+            <a:schemeClr val="accent1"/>
+          </a:fillRef>
+          <a:effectRef idx="0">
+            <a:schemeClr val="accent1"/>
+          </a:effectRef>
+          <a:fontRef idx="minor">
+            <a:schemeClr val="lt1"/>
+          </a:fontRef>
+        </p:style>
+        <p:txBody>
+          <a:bodyPr rtlCol="0" anchor="ctr"/>
+          <a:lstStyle/>
+          <a:p>
+            <a:pPr algn="ctr"/>
+            <a:endParaRPr lang="es-CO"/>
+          </a:p>
+        </p:txBody>
+      </p:sp>
+      <p:sp>
+        <p:nvSpPr>
+          <p:cNvPr id="5" name="CuadroTexto 4"/>
+          <p:cNvSpPr txBox="1"/>
+          <p:nvPr/>
+        </p:nvSpPr>
+        <p:spPr>
+          <a:xfrm>
+            <a:off x="104576" y="26613"/>
+            <a:ext cx="2439983" cy="369332"/>
+          </a:xfrm>
+          <a:prstGeom prst="rect">
+            <a:avLst/>
+          </a:prstGeom>
+          <a:noFill/>
+        </p:spPr>
+        <p:txBody>
+          <a:bodyPr wrap="square" rtlCol="0">
+            <a:spAutoFit/>
+          </a:bodyPr>
+          <a:lstStyle/>
+          <a:p>
+            <a:r>
+              <a:rPr lang="es-CO" dirty="0" err="1" smtClean="0"/>
+              <a:t>tigobo</a:t>
+            </a:r>
+            <a:r>
+              <a:rPr lang="es-CO" dirty="0" smtClean="0"/>
+              <a:t> </a:t>
+            </a:r>
+            <a:r>
+              <a:rPr lang="es-CO" dirty="0"/>
+              <a:t>2233 4456 5544</a:t>
+            </a:r>
+          </a:p>
+        </p:txBody>
+      </p:sp>
+      <p:sp>
+        <p:nvSpPr>
+          <p:cNvPr id="6" name="CuadroTexto 5"/>
+          <p:cNvSpPr txBox="1"/>
+          <p:nvPr/>
+        </p:nvSpPr>
+        <p:spPr>
+          <a:xfrm>
+            <a:off x="229624" y="440378"/>
+            <a:ext cx="261610" cy="369332"/>
+          </a:xfrm>
+          <a:prstGeom prst="rect">
+            <a:avLst/>
+          </a:prstGeom>
+          <a:noFill/>
+        </p:spPr>
+        <p:txBody>
+          <a:bodyPr wrap="none" rtlCol="0">
+            <a:spAutoFit/>
+          </a:bodyPr>
+          <a:lstStyle/>
+          <a:p>
+            <a:r>
+              <a:rPr lang="es-ES" dirty="0" smtClean="0"/>
+              <a:t>t</a:t>
+            </a:r>
+            <a:endParaRPr lang="es-CO" dirty="0"/>
+          </a:p>
+        </p:txBody>
+      </p:sp>
+      <p:sp>
+        <p:nvSpPr>
+          <p:cNvPr id="7" name="CuadroTexto 6"/>
+          <p:cNvSpPr txBox="1"/>
+          <p:nvPr/>
+        </p:nvSpPr>
+        <p:spPr>
+          <a:xfrm>
+            <a:off x="491234" y="440378"/>
+            <a:ext cx="237566" cy="369332"/>
+          </a:xfrm>
+          <a:prstGeom prst="rect">
+            <a:avLst/>
+          </a:prstGeom>
+          <a:noFill/>
+        </p:spPr>
+        <p:txBody>
+          <a:bodyPr wrap="none" rtlCol="0">
+            <a:spAutoFit/>
+          </a:bodyPr>
+          <a:lstStyle/>
+          <a:p>
+            <a:r>
+              <a:rPr lang="es-ES" dirty="0" smtClean="0"/>
+              <a:t>i</a:t>
+            </a:r>
+            <a:endParaRPr lang="es-CO" dirty="0"/>
+          </a:p>
+        </p:txBody>
+      </p:sp>
+      <p:sp>
+        <p:nvSpPr>
+          <p:cNvPr id="8" name="CuadroTexto 7"/>
+          <p:cNvSpPr txBox="1"/>
+          <p:nvPr/>
+        </p:nvSpPr>
+        <p:spPr>
+          <a:xfrm>
+            <a:off x="728800" y="440378"/>
+            <a:ext cx="293670" cy="369332"/>
+          </a:xfrm>
+          <a:prstGeom prst="rect">
+            <a:avLst/>
+          </a:prstGeom>
+          <a:noFill/>
+        </p:spPr>
+        <p:txBody>
+          <a:bodyPr wrap="none" rtlCol="0">
+            <a:spAutoFit/>
+          </a:bodyPr>
+          <a:lstStyle/>
+          <a:p>
+            <a:r>
+              <a:rPr lang="es-ES" dirty="0" smtClean="0"/>
+              <a:t>g</a:t>
+            </a:r>
+            <a:endParaRPr lang="es-CO" dirty="0"/>
+          </a:p>
+        </p:txBody>
+      </p:sp>
+      <p:sp>
+        <p:nvSpPr>
+          <p:cNvPr id="9" name="CuadroTexto 8"/>
+          <p:cNvSpPr txBox="1"/>
+          <p:nvPr/>
+        </p:nvSpPr>
+        <p:spPr>
+          <a:xfrm>
+            <a:off x="972484" y="440378"/>
+            <a:ext cx="306494" cy="369332"/>
+          </a:xfrm>
+          <a:prstGeom prst="rect">
+            <a:avLst/>
+          </a:prstGeom>
+          <a:noFill/>
+        </p:spPr>
+        <p:txBody>
+          <a:bodyPr wrap="none" rtlCol="0">
+            <a:spAutoFit/>
+          </a:bodyPr>
+          <a:lstStyle/>
+          <a:p>
+            <a:r>
+              <a:rPr lang="es-ES" dirty="0" smtClean="0"/>
+              <a:t>o</a:t>
+            </a:r>
+            <a:endParaRPr lang="es-CO" dirty="0"/>
+          </a:p>
+        </p:txBody>
+      </p:sp>
+      <p:sp>
+        <p:nvSpPr>
+          <p:cNvPr id="10" name="CuadroTexto 9"/>
+          <p:cNvSpPr txBox="1"/>
+          <p:nvPr/>
+        </p:nvSpPr>
+        <p:spPr>
+          <a:xfrm>
+            <a:off x="1244865" y="440378"/>
+            <a:ext cx="306494" cy="369332"/>
+          </a:xfrm>
+          <a:prstGeom prst="rect">
+            <a:avLst/>
+          </a:prstGeom>
+          <a:noFill/>
+        </p:spPr>
+        <p:txBody>
+          <a:bodyPr wrap="none" rtlCol="0">
+            <a:spAutoFit/>
+          </a:bodyPr>
+          <a:lstStyle/>
+          <a:p>
+            <a:r>
+              <a:rPr lang="es-ES" dirty="0" smtClean="0"/>
+              <a:t>b</a:t>
+            </a:r>
+            <a:endParaRPr lang="es-CO" dirty="0"/>
+          </a:p>
+        </p:txBody>
+      </p:sp>
+      <p:sp>
+        <p:nvSpPr>
+          <p:cNvPr id="11" name="CuadroTexto 10"/>
+          <p:cNvSpPr txBox="1"/>
+          <p:nvPr/>
+        </p:nvSpPr>
+        <p:spPr>
+          <a:xfrm>
+            <a:off x="1495582" y="440378"/>
+            <a:ext cx="306494" cy="369332"/>
+          </a:xfrm>
+          <a:prstGeom prst="rect">
+            <a:avLst/>
+          </a:prstGeom>
+          <a:noFill/>
+        </p:spPr>
+        <p:txBody>
+          <a:bodyPr wrap="none" rtlCol="0">
+            <a:spAutoFit/>
+          </a:bodyPr>
+          <a:lstStyle/>
+          <a:p>
+            <a:r>
+              <a:rPr lang="es-ES" dirty="0" smtClean="0"/>
+              <a:t>o</a:t>
+            </a:r>
+            <a:endParaRPr lang="es-CO" dirty="0"/>
+          </a:p>
+        </p:txBody>
+      </p:sp>
+      <p:sp>
+        <p:nvSpPr>
+          <p:cNvPr id="12" name="CuadroTexto 11"/>
+          <p:cNvSpPr txBox="1"/>
+          <p:nvPr/>
+        </p:nvSpPr>
+        <p:spPr>
+          <a:xfrm>
+            <a:off x="1721568" y="440378"/>
+            <a:ext cx="255198" cy="369332"/>
+          </a:xfrm>
+          <a:prstGeom prst="rect">
+            <a:avLst/>
+          </a:prstGeom>
+          <a:noFill/>
+        </p:spPr>
+        <p:txBody>
+          <a:bodyPr wrap="none" rtlCol="0">
+            <a:spAutoFit/>
+          </a:bodyPr>
+          <a:lstStyle/>
+          <a:p>
+            <a:r>
+              <a:rPr lang="es-ES" dirty="0" smtClean="0"/>
+              <a:t>-</a:t>
+            </a:r>
+            <a:endParaRPr lang="es-CO" dirty="0"/>
+          </a:p>
+        </p:txBody>
+      </p:sp>
+      <p:sp>
+        <p:nvSpPr>
+          <p:cNvPr id="13" name="Rectángulo 12"/>
+          <p:cNvSpPr/>
+          <p:nvPr/>
+        </p:nvSpPr>
+        <p:spPr>
+          <a:xfrm>
+            <a:off x="7215509" y="481948"/>
+            <a:ext cx="1680736" cy="931544"/>
+          </a:xfrm>
+          <a:prstGeom prst="rect">
+            <a:avLst/>
+          </a:prstGeom>
+        </p:spPr>
+        <p:style>
+          <a:lnRef idx="2">
+            <a:schemeClr val="accent1">
+              <a:shade val="50000"/>
+            </a:schemeClr>
+          </a:lnRef>
+          <a:fillRef idx="1">
+            <a:schemeClr val="accent1"/>
+          </a:fillRef>
+          <a:effectRef idx="0">
+            <a:schemeClr val="accent1"/>
+          </a:effectRef>
+          <a:fontRef idx="minor">
+            <a:schemeClr val="lt1"/>
+          </a:fontRef>
+        </p:style>
+        <p:txBody>
+          <a:bodyPr rtlCol="0" anchor="ctr"/>
+          <a:lstStyle/>
+          <a:p>
+            <a:pPr algn="ctr"/>
+            <a:r>
+              <a:rPr lang="es-ES" sz="800" dirty="0" smtClean="0"/>
+              <a:t>Tarea=“</a:t>
+            </a:r>
+            <a:r>
+              <a:rPr lang="es-CO" sz="800" dirty="0" err="1" smtClean="0"/>
+              <a:t>tigobo</a:t>
+            </a:r>
+            <a:r>
+              <a:rPr lang="es-CO" sz="800" dirty="0" smtClean="0"/>
+              <a:t> </a:t>
+            </a:r>
+            <a:r>
+              <a:rPr lang="es-CO" sz="800" dirty="0"/>
+              <a:t>2233 4456 </a:t>
+            </a:r>
+            <a:r>
+              <a:rPr lang="es-CO" sz="800" dirty="0" smtClean="0"/>
+              <a:t>5544</a:t>
+            </a:r>
+            <a:r>
+              <a:rPr lang="es-ES" sz="800" dirty="0" smtClean="0"/>
+              <a:t>”</a:t>
+            </a:r>
+          </a:p>
+          <a:p>
+            <a:pPr algn="ctr"/>
+            <a:r>
+              <a:rPr lang="es-ES" sz="800" dirty="0" err="1" smtClean="0"/>
+              <a:t>longuitdDeLaTarea</a:t>
+            </a:r>
+            <a:r>
+              <a:rPr lang="es-ES" sz="800" dirty="0" smtClean="0"/>
+              <a:t>=</a:t>
+            </a:r>
+            <a:r>
+              <a:rPr lang="es-ES" sz="800" dirty="0" err="1" smtClean="0"/>
+              <a:t>leng</a:t>
+            </a:r>
+            <a:r>
+              <a:rPr lang="es-ES" sz="800" dirty="0" smtClean="0"/>
+              <a:t>(tarea)</a:t>
+            </a:r>
+          </a:p>
+          <a:p>
+            <a:pPr algn="ctr"/>
+            <a:r>
+              <a:rPr lang="es-ES" sz="800" dirty="0" err="1" smtClean="0"/>
+              <a:t>logitudDeLaTarea</a:t>
+            </a:r>
+            <a:r>
+              <a:rPr lang="es-ES" sz="800" dirty="0" smtClean="0"/>
+              <a:t>=15</a:t>
+            </a:r>
+          </a:p>
+          <a:p>
+            <a:pPr algn="ctr"/>
+            <a:r>
+              <a:rPr lang="es-ES" sz="800" dirty="0" smtClean="0"/>
+              <a:t>navegador=0</a:t>
+            </a:r>
+          </a:p>
+          <a:p>
+            <a:pPr algn="ctr"/>
+            <a:r>
+              <a:rPr lang="es-ES" sz="800" dirty="0" smtClean="0"/>
+              <a:t>Tarea[0]</a:t>
+            </a:r>
+          </a:p>
+          <a:p>
+            <a:pPr algn="ctr"/>
+            <a:r>
+              <a:rPr lang="es-ES" sz="800" dirty="0" smtClean="0"/>
+              <a:t>Cliente,</a:t>
+            </a:r>
+          </a:p>
+          <a:p>
+            <a:pPr algn="ctr"/>
+            <a:r>
+              <a:rPr lang="es-ES" sz="800" dirty="0" err="1" smtClean="0"/>
+              <a:t>ContadorSondas</a:t>
+            </a:r>
+            <a:r>
+              <a:rPr lang="es-ES" sz="800" dirty="0" smtClean="0"/>
+              <a:t>=0</a:t>
+            </a:r>
+          </a:p>
+        </p:txBody>
+      </p:sp>
+      <p:cxnSp>
+        <p:nvCxnSpPr>
+          <p:cNvPr id="15" name="Conector recto de flecha 14"/>
+          <p:cNvCxnSpPr>
+            <a:stCxn id="4" idx="4"/>
+            <a:endCxn id="13" idx="0"/>
+          </p:cNvCxnSpPr>
+          <p:nvPr/>
+        </p:nvCxnSpPr>
+        <p:spPr>
+          <a:xfrm>
+            <a:off x="8045752" y="219934"/>
+            <a:ext cx="10125" cy="262014"/>
+          </a:xfrm>
+          <a:prstGeom prst="straightConnector1">
+            <a:avLst/>
+          </a:prstGeom>
+          <a:ln>
+            <a:tailEnd type="triangle"/>
+          </a:ln>
+        </p:spPr>
+        <p:style>
+          <a:lnRef idx="1">
+            <a:schemeClr val="accent1"/>
+          </a:lnRef>
+          <a:fillRef idx="0">
+            <a:schemeClr val="accent1"/>
+          </a:fillRef>
+          <a:effectRef idx="0">
+            <a:schemeClr val="accent1"/>
+          </a:effectRef>
+          <a:fontRef idx="minor">
+            <a:schemeClr val="tx1"/>
+          </a:fontRef>
+        </p:style>
+      </p:cxnSp>
+      <p:sp>
+        <p:nvSpPr>
+          <p:cNvPr id="16" name="Rombo 15"/>
+          <p:cNvSpPr/>
+          <p:nvPr/>
+        </p:nvSpPr>
+        <p:spPr>
+          <a:xfrm>
+            <a:off x="10082334" y="3181419"/>
+            <a:ext cx="313899" cy="341194"/>
+          </a:xfrm>
+          <a:prstGeom prst="diamond">
+            <a:avLst/>
+          </a:prstGeom>
+        </p:spPr>
+        <p:style>
+          <a:lnRef idx="2">
+            <a:schemeClr val="accent1">
+              <a:shade val="50000"/>
+            </a:schemeClr>
+          </a:lnRef>
+          <a:fillRef idx="1">
+            <a:schemeClr val="accent1"/>
+          </a:fillRef>
+          <a:effectRef idx="0">
+            <a:schemeClr val="accent1"/>
+          </a:effectRef>
+          <a:fontRef idx="minor">
+            <a:schemeClr val="lt1"/>
+          </a:fontRef>
+        </p:style>
+        <p:txBody>
+          <a:bodyPr rtlCol="0" anchor="ctr"/>
+          <a:lstStyle/>
+          <a:p>
+            <a:pPr algn="ctr"/>
+            <a:endParaRPr lang="es-CO"/>
+          </a:p>
+        </p:txBody>
+      </p:sp>
+      <p:sp>
+        <p:nvSpPr>
+          <p:cNvPr id="19" name="CuadroTexto 18"/>
+          <p:cNvSpPr txBox="1"/>
+          <p:nvPr/>
+        </p:nvSpPr>
+        <p:spPr>
+          <a:xfrm>
+            <a:off x="9565791" y="2821491"/>
+            <a:ext cx="1858201" cy="430887"/>
+          </a:xfrm>
+          <a:prstGeom prst="rect">
+            <a:avLst/>
+          </a:prstGeom>
+          <a:noFill/>
+        </p:spPr>
+        <p:txBody>
+          <a:bodyPr wrap="none" rtlCol="0">
+            <a:spAutoFit/>
+          </a:bodyPr>
+          <a:lstStyle/>
+          <a:p>
+            <a:r>
+              <a:rPr lang="es-ES" sz="1100" dirty="0" smtClean="0"/>
+              <a:t>¿Este carácter es un espacio?</a:t>
+            </a:r>
+          </a:p>
+          <a:p>
+            <a:r>
+              <a:rPr lang="es-ES" sz="1100" dirty="0" smtClean="0"/>
+              <a:t>Tarea[navegador]==“ “</a:t>
+            </a:r>
+            <a:endParaRPr lang="es-CO" sz="1100" dirty="0"/>
+          </a:p>
+        </p:txBody>
+      </p:sp>
+      <p:sp>
+        <p:nvSpPr>
+          <p:cNvPr id="22" name="CuadroTexto 21"/>
+          <p:cNvSpPr txBox="1"/>
+          <p:nvPr/>
+        </p:nvSpPr>
+        <p:spPr>
+          <a:xfrm>
+            <a:off x="8085899" y="1702657"/>
+            <a:ext cx="335348" cy="230832"/>
+          </a:xfrm>
+          <a:prstGeom prst="rect">
+            <a:avLst/>
+          </a:prstGeom>
+          <a:noFill/>
+        </p:spPr>
+        <p:txBody>
+          <a:bodyPr wrap="none" rtlCol="0">
+            <a:spAutoFit/>
+          </a:bodyPr>
+          <a:lstStyle/>
+          <a:p>
+            <a:r>
+              <a:rPr lang="es-ES" sz="900" dirty="0" smtClean="0"/>
+              <a:t>NO</a:t>
+            </a:r>
+            <a:endParaRPr lang="es-CO" sz="900" dirty="0"/>
+          </a:p>
+        </p:txBody>
+      </p:sp>
+      <p:sp>
+        <p:nvSpPr>
+          <p:cNvPr id="23" name="CuadroTexto 22"/>
+          <p:cNvSpPr txBox="1"/>
+          <p:nvPr/>
+        </p:nvSpPr>
+        <p:spPr>
+          <a:xfrm>
+            <a:off x="6314371" y="1748823"/>
+            <a:ext cx="284052" cy="261610"/>
+          </a:xfrm>
+          <a:prstGeom prst="rect">
+            <a:avLst/>
+          </a:prstGeom>
+          <a:noFill/>
+        </p:spPr>
+        <p:txBody>
+          <a:bodyPr wrap="none" rtlCol="0">
+            <a:spAutoFit/>
+          </a:bodyPr>
+          <a:lstStyle/>
+          <a:p>
+            <a:r>
+              <a:rPr lang="es-ES" sz="1100" dirty="0" smtClean="0"/>
+              <a:t>SI</a:t>
+            </a:r>
+            <a:endParaRPr lang="es-CO" sz="1100" dirty="0"/>
+          </a:p>
+        </p:txBody>
+      </p:sp>
+      <p:sp>
+        <p:nvSpPr>
+          <p:cNvPr id="28" name="Rectángulo 27"/>
+          <p:cNvSpPr/>
+          <p:nvPr/>
+        </p:nvSpPr>
+        <p:spPr>
+          <a:xfrm>
+            <a:off x="9904205" y="2157493"/>
+            <a:ext cx="1938975" cy="364845"/>
+          </a:xfrm>
+          <a:prstGeom prst="rect">
+            <a:avLst/>
+          </a:prstGeom>
+        </p:spPr>
+        <p:style>
+          <a:lnRef idx="2">
+            <a:schemeClr val="accent1">
+              <a:shade val="50000"/>
+            </a:schemeClr>
+          </a:lnRef>
+          <a:fillRef idx="1">
+            <a:schemeClr val="accent1"/>
+          </a:fillRef>
+          <a:effectRef idx="0">
+            <a:schemeClr val="accent1"/>
+          </a:effectRef>
+          <a:fontRef idx="minor">
+            <a:schemeClr val="lt1"/>
+          </a:fontRef>
+        </p:style>
+        <p:txBody>
+          <a:bodyPr rtlCol="0" anchor="ctr"/>
+          <a:lstStyle/>
+          <a:p>
+            <a:pPr algn="ctr"/>
+            <a:r>
+              <a:rPr lang="es-ES" sz="800" dirty="0" smtClean="0"/>
+              <a:t>Cliente= Cliente+ tarea[navegador]</a:t>
+            </a:r>
+          </a:p>
+          <a:p>
+            <a:pPr algn="ctr"/>
+            <a:endParaRPr lang="es-ES" sz="800" dirty="0" smtClean="0"/>
+          </a:p>
+        </p:txBody>
+      </p:sp>
+      <p:sp>
+        <p:nvSpPr>
+          <p:cNvPr id="47" name="CuadroTexto 46"/>
+          <p:cNvSpPr txBox="1"/>
+          <p:nvPr/>
+        </p:nvSpPr>
+        <p:spPr>
+          <a:xfrm>
+            <a:off x="1931760" y="440378"/>
+            <a:ext cx="301686" cy="369332"/>
+          </a:xfrm>
+          <a:prstGeom prst="rect">
+            <a:avLst/>
+          </a:prstGeom>
+          <a:noFill/>
+        </p:spPr>
+        <p:txBody>
+          <a:bodyPr wrap="none" rtlCol="0">
+            <a:spAutoFit/>
+          </a:bodyPr>
+          <a:lstStyle/>
+          <a:p>
+            <a:r>
+              <a:rPr lang="es-ES" dirty="0" smtClean="0"/>
+              <a:t>2</a:t>
+            </a:r>
+          </a:p>
+        </p:txBody>
+      </p:sp>
+      <p:sp>
+        <p:nvSpPr>
+          <p:cNvPr id="48" name="CuadroTexto 47"/>
+          <p:cNvSpPr txBox="1"/>
+          <p:nvPr/>
+        </p:nvSpPr>
+        <p:spPr>
+          <a:xfrm>
+            <a:off x="2202057" y="440378"/>
+            <a:ext cx="301686" cy="369332"/>
+          </a:xfrm>
+          <a:prstGeom prst="rect">
+            <a:avLst/>
+          </a:prstGeom>
+          <a:noFill/>
+        </p:spPr>
+        <p:txBody>
+          <a:bodyPr wrap="none" rtlCol="0">
+            <a:spAutoFit/>
+          </a:bodyPr>
+          <a:lstStyle/>
+          <a:p>
+            <a:r>
+              <a:rPr lang="es-ES" dirty="0"/>
+              <a:t>2</a:t>
+            </a:r>
+            <a:endParaRPr lang="es-CO" dirty="0"/>
+          </a:p>
+        </p:txBody>
+      </p:sp>
+      <p:sp>
+        <p:nvSpPr>
+          <p:cNvPr id="49" name="CuadroTexto 48"/>
+          <p:cNvSpPr txBox="1"/>
+          <p:nvPr/>
+        </p:nvSpPr>
+        <p:spPr>
+          <a:xfrm>
+            <a:off x="2409525" y="440378"/>
+            <a:ext cx="301686" cy="369332"/>
+          </a:xfrm>
+          <a:prstGeom prst="rect">
+            <a:avLst/>
+          </a:prstGeom>
+          <a:noFill/>
+        </p:spPr>
+        <p:txBody>
+          <a:bodyPr wrap="none" rtlCol="0">
+            <a:spAutoFit/>
+          </a:bodyPr>
+          <a:lstStyle/>
+          <a:p>
+            <a:r>
+              <a:rPr lang="es-ES" dirty="0" smtClean="0"/>
+              <a:t>3</a:t>
+            </a:r>
+            <a:endParaRPr lang="es-CO" dirty="0"/>
+          </a:p>
+        </p:txBody>
+      </p:sp>
+      <p:sp>
+        <p:nvSpPr>
+          <p:cNvPr id="50" name="CuadroTexto 49"/>
+          <p:cNvSpPr txBox="1"/>
+          <p:nvPr/>
+        </p:nvSpPr>
+        <p:spPr>
+          <a:xfrm>
+            <a:off x="2605798" y="440378"/>
+            <a:ext cx="301686" cy="369332"/>
+          </a:xfrm>
+          <a:prstGeom prst="rect">
+            <a:avLst/>
+          </a:prstGeom>
+          <a:noFill/>
+        </p:spPr>
+        <p:txBody>
+          <a:bodyPr wrap="none" rtlCol="0">
+            <a:spAutoFit/>
+          </a:bodyPr>
+          <a:lstStyle/>
+          <a:p>
+            <a:r>
+              <a:rPr lang="es-ES" dirty="0" smtClean="0"/>
+              <a:t>3</a:t>
+            </a:r>
+            <a:endParaRPr lang="es-CO" dirty="0"/>
+          </a:p>
+        </p:txBody>
+      </p:sp>
+      <p:sp>
+        <p:nvSpPr>
+          <p:cNvPr id="55" name="CuadroTexto 54"/>
+          <p:cNvSpPr txBox="1"/>
+          <p:nvPr/>
+        </p:nvSpPr>
+        <p:spPr>
+          <a:xfrm>
+            <a:off x="3144743" y="440378"/>
+            <a:ext cx="301686" cy="369332"/>
+          </a:xfrm>
+          <a:prstGeom prst="rect">
+            <a:avLst/>
+          </a:prstGeom>
+          <a:noFill/>
+        </p:spPr>
+        <p:txBody>
+          <a:bodyPr wrap="none" rtlCol="0">
+            <a:spAutoFit/>
+          </a:bodyPr>
+          <a:lstStyle/>
+          <a:p>
+            <a:r>
+              <a:rPr lang="es-ES" dirty="0" smtClean="0"/>
+              <a:t>4</a:t>
+            </a:r>
+          </a:p>
+        </p:txBody>
+      </p:sp>
+      <p:sp>
+        <p:nvSpPr>
+          <p:cNvPr id="56" name="CuadroTexto 55"/>
+          <p:cNvSpPr txBox="1"/>
+          <p:nvPr/>
+        </p:nvSpPr>
+        <p:spPr>
+          <a:xfrm>
+            <a:off x="2905784" y="440378"/>
+            <a:ext cx="255198" cy="369332"/>
+          </a:xfrm>
+          <a:prstGeom prst="rect">
+            <a:avLst/>
+          </a:prstGeom>
+          <a:noFill/>
+        </p:spPr>
+        <p:txBody>
+          <a:bodyPr wrap="none" rtlCol="0">
+            <a:spAutoFit/>
+          </a:bodyPr>
+          <a:lstStyle/>
+          <a:p>
+            <a:r>
+              <a:rPr lang="es-ES" dirty="0" smtClean="0"/>
+              <a:t>-</a:t>
+            </a:r>
+            <a:endParaRPr lang="es-CO" dirty="0"/>
+          </a:p>
+        </p:txBody>
+      </p:sp>
+      <p:sp>
+        <p:nvSpPr>
+          <p:cNvPr id="57" name="CuadroTexto 56"/>
+          <p:cNvSpPr txBox="1"/>
+          <p:nvPr/>
+        </p:nvSpPr>
+        <p:spPr>
+          <a:xfrm>
+            <a:off x="4057906" y="440378"/>
+            <a:ext cx="301686" cy="369332"/>
+          </a:xfrm>
+          <a:prstGeom prst="rect">
+            <a:avLst/>
+          </a:prstGeom>
+          <a:noFill/>
+        </p:spPr>
+        <p:txBody>
+          <a:bodyPr wrap="none" rtlCol="0">
+            <a:spAutoFit/>
+          </a:bodyPr>
+          <a:lstStyle/>
+          <a:p>
+            <a:r>
+              <a:rPr lang="es-ES" dirty="0"/>
+              <a:t>6</a:t>
+            </a:r>
+            <a:endParaRPr lang="es-ES" dirty="0" smtClean="0"/>
+          </a:p>
+        </p:txBody>
+      </p:sp>
+      <p:sp>
+        <p:nvSpPr>
+          <p:cNvPr id="58" name="CuadroTexto 57"/>
+          <p:cNvSpPr txBox="1"/>
+          <p:nvPr/>
+        </p:nvSpPr>
+        <p:spPr>
+          <a:xfrm>
+            <a:off x="3737310" y="440378"/>
+            <a:ext cx="301686" cy="369332"/>
+          </a:xfrm>
+          <a:prstGeom prst="rect">
+            <a:avLst/>
+          </a:prstGeom>
+          <a:noFill/>
+        </p:spPr>
+        <p:txBody>
+          <a:bodyPr wrap="none" rtlCol="0">
+            <a:spAutoFit/>
+          </a:bodyPr>
+          <a:lstStyle/>
+          <a:p>
+            <a:r>
+              <a:rPr lang="es-ES" dirty="0" smtClean="0"/>
+              <a:t>5</a:t>
+            </a:r>
+          </a:p>
+        </p:txBody>
+      </p:sp>
+      <p:sp>
+        <p:nvSpPr>
+          <p:cNvPr id="59" name="CuadroTexto 58"/>
+          <p:cNvSpPr txBox="1"/>
+          <p:nvPr/>
+        </p:nvSpPr>
+        <p:spPr>
+          <a:xfrm>
+            <a:off x="3483084" y="440378"/>
+            <a:ext cx="301686" cy="369332"/>
+          </a:xfrm>
+          <a:prstGeom prst="rect">
+            <a:avLst/>
+          </a:prstGeom>
+          <a:noFill/>
+        </p:spPr>
+        <p:txBody>
+          <a:bodyPr wrap="none" rtlCol="0">
+            <a:spAutoFit/>
+          </a:bodyPr>
+          <a:lstStyle/>
+          <a:p>
+            <a:r>
+              <a:rPr lang="es-ES" dirty="0" smtClean="0"/>
+              <a:t>4</a:t>
+            </a:r>
+          </a:p>
+        </p:txBody>
+      </p:sp>
+      <p:sp>
+        <p:nvSpPr>
+          <p:cNvPr id="61" name="CuadroTexto 60"/>
+          <p:cNvSpPr txBox="1"/>
+          <p:nvPr/>
+        </p:nvSpPr>
+        <p:spPr>
+          <a:xfrm>
+            <a:off x="192553" y="684937"/>
+            <a:ext cx="301686" cy="369332"/>
+          </a:xfrm>
+          <a:prstGeom prst="rect">
+            <a:avLst/>
+          </a:prstGeom>
+          <a:noFill/>
+        </p:spPr>
+        <p:txBody>
+          <a:bodyPr wrap="none" rtlCol="0">
+            <a:spAutoFit/>
+          </a:bodyPr>
+          <a:lstStyle/>
+          <a:p>
+            <a:r>
+              <a:rPr lang="es-ES" dirty="0" smtClean="0">
+                <a:solidFill>
+                  <a:schemeClr val="accent1">
+                    <a:lumMod val="75000"/>
+                  </a:schemeClr>
+                </a:solidFill>
+              </a:rPr>
+              <a:t>0</a:t>
+            </a:r>
+            <a:endParaRPr lang="es-CO" dirty="0">
+              <a:solidFill>
+                <a:schemeClr val="accent1">
+                  <a:lumMod val="75000"/>
+                </a:schemeClr>
+              </a:solidFill>
+            </a:endParaRPr>
+          </a:p>
+        </p:txBody>
+      </p:sp>
+      <p:sp>
+        <p:nvSpPr>
+          <p:cNvPr id="62" name="CuadroTexto 61"/>
+          <p:cNvSpPr txBox="1"/>
+          <p:nvPr/>
+        </p:nvSpPr>
+        <p:spPr>
+          <a:xfrm>
+            <a:off x="434635" y="684937"/>
+            <a:ext cx="301686" cy="369332"/>
+          </a:xfrm>
+          <a:prstGeom prst="rect">
+            <a:avLst/>
+          </a:prstGeom>
+          <a:noFill/>
+        </p:spPr>
+        <p:txBody>
+          <a:bodyPr wrap="none" rtlCol="0">
+            <a:spAutoFit/>
+          </a:bodyPr>
+          <a:lstStyle/>
+          <a:p>
+            <a:r>
+              <a:rPr lang="es-ES" dirty="0">
+                <a:solidFill>
+                  <a:schemeClr val="accent1">
+                    <a:lumMod val="75000"/>
+                  </a:schemeClr>
+                </a:solidFill>
+              </a:rPr>
+              <a:t>1</a:t>
+            </a:r>
+            <a:endParaRPr lang="es-CO" dirty="0">
+              <a:solidFill>
+                <a:schemeClr val="accent1">
+                  <a:lumMod val="75000"/>
+                </a:schemeClr>
+              </a:solidFill>
+            </a:endParaRPr>
+          </a:p>
+        </p:txBody>
+      </p:sp>
+      <p:sp>
+        <p:nvSpPr>
+          <p:cNvPr id="63" name="CuadroTexto 62"/>
+          <p:cNvSpPr txBox="1"/>
+          <p:nvPr/>
+        </p:nvSpPr>
+        <p:spPr>
+          <a:xfrm>
+            <a:off x="693665" y="684937"/>
+            <a:ext cx="301686" cy="369332"/>
+          </a:xfrm>
+          <a:prstGeom prst="rect">
+            <a:avLst/>
+          </a:prstGeom>
+          <a:noFill/>
+        </p:spPr>
+        <p:txBody>
+          <a:bodyPr wrap="none" rtlCol="0">
+            <a:spAutoFit/>
+          </a:bodyPr>
+          <a:lstStyle/>
+          <a:p>
+            <a:r>
+              <a:rPr lang="es-ES" dirty="0" smtClean="0">
+                <a:solidFill>
+                  <a:schemeClr val="accent1">
+                    <a:lumMod val="75000"/>
+                  </a:schemeClr>
+                </a:solidFill>
+              </a:rPr>
+              <a:t>2</a:t>
+            </a:r>
+            <a:endParaRPr lang="es-CO" dirty="0">
+              <a:solidFill>
+                <a:schemeClr val="accent1">
+                  <a:lumMod val="75000"/>
+                </a:schemeClr>
+              </a:solidFill>
+            </a:endParaRPr>
+          </a:p>
+        </p:txBody>
+      </p:sp>
+      <p:sp>
+        <p:nvSpPr>
+          <p:cNvPr id="64" name="CuadroTexto 63"/>
+          <p:cNvSpPr txBox="1"/>
+          <p:nvPr/>
+        </p:nvSpPr>
+        <p:spPr>
+          <a:xfrm>
+            <a:off x="945745" y="684937"/>
+            <a:ext cx="301686" cy="369332"/>
+          </a:xfrm>
+          <a:prstGeom prst="rect">
+            <a:avLst/>
+          </a:prstGeom>
+          <a:noFill/>
+        </p:spPr>
+        <p:txBody>
+          <a:bodyPr wrap="none" rtlCol="0">
+            <a:spAutoFit/>
+          </a:bodyPr>
+          <a:lstStyle/>
+          <a:p>
+            <a:r>
+              <a:rPr lang="es-ES" dirty="0" smtClean="0">
+                <a:solidFill>
+                  <a:schemeClr val="accent1">
+                    <a:lumMod val="75000"/>
+                  </a:schemeClr>
+                </a:solidFill>
+              </a:rPr>
+              <a:t>3</a:t>
+            </a:r>
+            <a:endParaRPr lang="es-CO" dirty="0">
+              <a:solidFill>
+                <a:schemeClr val="accent1">
+                  <a:lumMod val="75000"/>
+                </a:schemeClr>
+              </a:solidFill>
+            </a:endParaRPr>
+          </a:p>
+        </p:txBody>
+      </p:sp>
+      <p:sp>
+        <p:nvSpPr>
+          <p:cNvPr id="65" name="CuadroTexto 64"/>
+          <p:cNvSpPr txBox="1"/>
+          <p:nvPr/>
+        </p:nvSpPr>
+        <p:spPr>
+          <a:xfrm>
+            <a:off x="1211311" y="684937"/>
+            <a:ext cx="301686" cy="369332"/>
+          </a:xfrm>
+          <a:prstGeom prst="rect">
+            <a:avLst/>
+          </a:prstGeom>
+          <a:noFill/>
+        </p:spPr>
+        <p:txBody>
+          <a:bodyPr wrap="none" rtlCol="0">
+            <a:spAutoFit/>
+          </a:bodyPr>
+          <a:lstStyle/>
+          <a:p>
+            <a:r>
+              <a:rPr lang="es-ES" dirty="0" smtClean="0">
+                <a:solidFill>
+                  <a:schemeClr val="accent1">
+                    <a:lumMod val="75000"/>
+                  </a:schemeClr>
+                </a:solidFill>
+              </a:rPr>
+              <a:t>4</a:t>
+            </a:r>
+            <a:endParaRPr lang="es-CO" dirty="0">
+              <a:solidFill>
+                <a:schemeClr val="accent1">
+                  <a:lumMod val="75000"/>
+                </a:schemeClr>
+              </a:solidFill>
+            </a:endParaRPr>
+          </a:p>
+        </p:txBody>
+      </p:sp>
+      <p:sp>
+        <p:nvSpPr>
+          <p:cNvPr id="66" name="CuadroTexto 65"/>
+          <p:cNvSpPr txBox="1"/>
+          <p:nvPr/>
+        </p:nvSpPr>
+        <p:spPr>
+          <a:xfrm>
+            <a:off x="1473366" y="684937"/>
+            <a:ext cx="301686" cy="369332"/>
+          </a:xfrm>
+          <a:prstGeom prst="rect">
+            <a:avLst/>
+          </a:prstGeom>
+          <a:noFill/>
+        </p:spPr>
+        <p:txBody>
+          <a:bodyPr wrap="none" rtlCol="0">
+            <a:spAutoFit/>
+          </a:bodyPr>
+          <a:lstStyle/>
+          <a:p>
+            <a:r>
+              <a:rPr lang="es-ES" dirty="0" smtClean="0">
+                <a:solidFill>
+                  <a:schemeClr val="accent1">
+                    <a:lumMod val="75000"/>
+                  </a:schemeClr>
+                </a:solidFill>
+              </a:rPr>
+              <a:t>5</a:t>
+            </a:r>
+            <a:endParaRPr lang="es-CO" dirty="0">
+              <a:solidFill>
+                <a:schemeClr val="accent1">
+                  <a:lumMod val="75000"/>
+                </a:schemeClr>
+              </a:solidFill>
+            </a:endParaRPr>
+          </a:p>
+        </p:txBody>
+      </p:sp>
+      <p:sp>
+        <p:nvSpPr>
+          <p:cNvPr id="67" name="CuadroTexto 66"/>
+          <p:cNvSpPr txBox="1"/>
+          <p:nvPr/>
+        </p:nvSpPr>
+        <p:spPr>
+          <a:xfrm>
+            <a:off x="1951513" y="684937"/>
+            <a:ext cx="301686" cy="369332"/>
+          </a:xfrm>
+          <a:prstGeom prst="rect">
+            <a:avLst/>
+          </a:prstGeom>
+          <a:noFill/>
+        </p:spPr>
+        <p:txBody>
+          <a:bodyPr wrap="none" rtlCol="0">
+            <a:spAutoFit/>
+          </a:bodyPr>
+          <a:lstStyle/>
+          <a:p>
+            <a:r>
+              <a:rPr lang="es-ES" dirty="0" smtClean="0">
+                <a:solidFill>
+                  <a:schemeClr val="accent1">
+                    <a:lumMod val="75000"/>
+                  </a:schemeClr>
+                </a:solidFill>
+              </a:rPr>
+              <a:t>7</a:t>
+            </a:r>
+            <a:endParaRPr lang="es-CO" dirty="0">
+              <a:solidFill>
+                <a:schemeClr val="accent1">
+                  <a:lumMod val="75000"/>
+                </a:schemeClr>
+              </a:solidFill>
+            </a:endParaRPr>
+          </a:p>
+        </p:txBody>
+      </p:sp>
+      <p:sp>
+        <p:nvSpPr>
+          <p:cNvPr id="68" name="CuadroTexto 67"/>
+          <p:cNvSpPr txBox="1"/>
+          <p:nvPr/>
+        </p:nvSpPr>
+        <p:spPr>
+          <a:xfrm>
+            <a:off x="1714951" y="684937"/>
+            <a:ext cx="301686" cy="369332"/>
+          </a:xfrm>
+          <a:prstGeom prst="rect">
+            <a:avLst/>
+          </a:prstGeom>
+          <a:noFill/>
+        </p:spPr>
+        <p:txBody>
+          <a:bodyPr wrap="none" rtlCol="0">
+            <a:spAutoFit/>
+          </a:bodyPr>
+          <a:lstStyle/>
+          <a:p>
+            <a:r>
+              <a:rPr lang="es-ES" dirty="0" smtClean="0">
+                <a:solidFill>
+                  <a:schemeClr val="accent1">
+                    <a:lumMod val="75000"/>
+                  </a:schemeClr>
+                </a:solidFill>
+              </a:rPr>
+              <a:t>6</a:t>
+            </a:r>
+            <a:endParaRPr lang="es-CO" dirty="0">
+              <a:solidFill>
+                <a:schemeClr val="accent1">
+                  <a:lumMod val="75000"/>
+                </a:schemeClr>
+              </a:solidFill>
+            </a:endParaRPr>
+          </a:p>
+        </p:txBody>
+      </p:sp>
+      <p:sp>
+        <p:nvSpPr>
+          <p:cNvPr id="69" name="CuadroTexto 68"/>
+          <p:cNvSpPr txBox="1"/>
+          <p:nvPr/>
+        </p:nvSpPr>
+        <p:spPr>
+          <a:xfrm>
+            <a:off x="2224105" y="684937"/>
+            <a:ext cx="301686" cy="369332"/>
+          </a:xfrm>
+          <a:prstGeom prst="rect">
+            <a:avLst/>
+          </a:prstGeom>
+          <a:noFill/>
+        </p:spPr>
+        <p:txBody>
+          <a:bodyPr wrap="none" rtlCol="0">
+            <a:spAutoFit/>
+          </a:bodyPr>
+          <a:lstStyle/>
+          <a:p>
+            <a:r>
+              <a:rPr lang="es-ES" dirty="0" smtClean="0">
+                <a:solidFill>
+                  <a:schemeClr val="accent1">
+                    <a:lumMod val="75000"/>
+                  </a:schemeClr>
+                </a:solidFill>
+              </a:rPr>
+              <a:t>8</a:t>
+            </a:r>
+            <a:endParaRPr lang="es-CO" dirty="0">
+              <a:solidFill>
+                <a:schemeClr val="accent1">
+                  <a:lumMod val="75000"/>
+                </a:schemeClr>
+              </a:solidFill>
+            </a:endParaRPr>
+          </a:p>
+        </p:txBody>
+      </p:sp>
+      <p:sp>
+        <p:nvSpPr>
+          <p:cNvPr id="70" name="CuadroTexto 69"/>
+          <p:cNvSpPr txBox="1"/>
+          <p:nvPr/>
+        </p:nvSpPr>
+        <p:spPr>
+          <a:xfrm>
+            <a:off x="2422582" y="684937"/>
+            <a:ext cx="301686" cy="369332"/>
+          </a:xfrm>
+          <a:prstGeom prst="rect">
+            <a:avLst/>
+          </a:prstGeom>
+          <a:noFill/>
+        </p:spPr>
+        <p:txBody>
+          <a:bodyPr wrap="none" rtlCol="0">
+            <a:spAutoFit/>
+          </a:bodyPr>
+          <a:lstStyle/>
+          <a:p>
+            <a:r>
+              <a:rPr lang="es-ES" dirty="0" smtClean="0">
+                <a:solidFill>
+                  <a:schemeClr val="accent1">
+                    <a:lumMod val="75000"/>
+                  </a:schemeClr>
+                </a:solidFill>
+              </a:rPr>
+              <a:t>9</a:t>
+            </a:r>
+            <a:endParaRPr lang="es-CO" dirty="0">
+              <a:solidFill>
+                <a:schemeClr val="accent1">
+                  <a:lumMod val="75000"/>
+                </a:schemeClr>
+              </a:solidFill>
+            </a:endParaRPr>
+          </a:p>
+        </p:txBody>
+      </p:sp>
+      <p:sp>
+        <p:nvSpPr>
+          <p:cNvPr id="71" name="CuadroTexto 70"/>
+          <p:cNvSpPr txBox="1"/>
+          <p:nvPr/>
+        </p:nvSpPr>
+        <p:spPr>
+          <a:xfrm>
+            <a:off x="2584023" y="684937"/>
+            <a:ext cx="418704" cy="369332"/>
+          </a:xfrm>
+          <a:prstGeom prst="rect">
+            <a:avLst/>
+          </a:prstGeom>
+          <a:noFill/>
+        </p:spPr>
+        <p:txBody>
+          <a:bodyPr wrap="none" rtlCol="0">
+            <a:spAutoFit/>
+          </a:bodyPr>
+          <a:lstStyle/>
+          <a:p>
+            <a:r>
+              <a:rPr lang="es-ES" dirty="0" smtClean="0">
+                <a:solidFill>
+                  <a:schemeClr val="accent1">
+                    <a:lumMod val="75000"/>
+                  </a:schemeClr>
+                </a:solidFill>
+              </a:rPr>
+              <a:t>10</a:t>
+            </a:r>
+            <a:endParaRPr lang="es-CO" dirty="0">
+              <a:solidFill>
+                <a:schemeClr val="accent1">
+                  <a:lumMod val="75000"/>
+                </a:schemeClr>
+              </a:solidFill>
+            </a:endParaRPr>
+          </a:p>
+        </p:txBody>
+      </p:sp>
+      <p:sp>
+        <p:nvSpPr>
+          <p:cNvPr id="72" name="CuadroTexto 71"/>
+          <p:cNvSpPr txBox="1"/>
+          <p:nvPr/>
+        </p:nvSpPr>
+        <p:spPr>
+          <a:xfrm>
+            <a:off x="3156009" y="684937"/>
+            <a:ext cx="418704" cy="369332"/>
+          </a:xfrm>
+          <a:prstGeom prst="rect">
+            <a:avLst/>
+          </a:prstGeom>
+          <a:noFill/>
+        </p:spPr>
+        <p:txBody>
+          <a:bodyPr wrap="none" rtlCol="0">
+            <a:spAutoFit/>
+          </a:bodyPr>
+          <a:lstStyle/>
+          <a:p>
+            <a:r>
+              <a:rPr lang="es-ES" dirty="0" smtClean="0">
+                <a:solidFill>
+                  <a:schemeClr val="accent1">
+                    <a:lumMod val="75000"/>
+                  </a:schemeClr>
+                </a:solidFill>
+              </a:rPr>
+              <a:t>12</a:t>
+            </a:r>
+          </a:p>
+        </p:txBody>
+      </p:sp>
+      <p:sp>
+        <p:nvSpPr>
+          <p:cNvPr id="73" name="CuadroTexto 72"/>
+          <p:cNvSpPr txBox="1"/>
+          <p:nvPr/>
+        </p:nvSpPr>
+        <p:spPr>
+          <a:xfrm>
+            <a:off x="2873503" y="684937"/>
+            <a:ext cx="418704" cy="369332"/>
+          </a:xfrm>
+          <a:prstGeom prst="rect">
+            <a:avLst/>
+          </a:prstGeom>
+          <a:noFill/>
+        </p:spPr>
+        <p:txBody>
+          <a:bodyPr wrap="none" rtlCol="0">
+            <a:spAutoFit/>
+          </a:bodyPr>
+          <a:lstStyle/>
+          <a:p>
+            <a:r>
+              <a:rPr lang="es-ES" dirty="0" smtClean="0">
+                <a:solidFill>
+                  <a:schemeClr val="accent1">
+                    <a:lumMod val="75000"/>
+                  </a:schemeClr>
+                </a:solidFill>
+              </a:rPr>
+              <a:t>11</a:t>
+            </a:r>
+            <a:endParaRPr lang="es-CO" dirty="0">
+              <a:solidFill>
+                <a:schemeClr val="accent1">
+                  <a:lumMod val="75000"/>
+                </a:schemeClr>
+              </a:solidFill>
+            </a:endParaRPr>
+          </a:p>
+        </p:txBody>
+      </p:sp>
+      <p:sp>
+        <p:nvSpPr>
+          <p:cNvPr id="74" name="CuadroTexto 73"/>
+          <p:cNvSpPr txBox="1"/>
+          <p:nvPr/>
+        </p:nvSpPr>
+        <p:spPr>
+          <a:xfrm>
+            <a:off x="4045792" y="684937"/>
+            <a:ext cx="418704" cy="369332"/>
+          </a:xfrm>
+          <a:prstGeom prst="rect">
+            <a:avLst/>
+          </a:prstGeom>
+          <a:noFill/>
+        </p:spPr>
+        <p:txBody>
+          <a:bodyPr wrap="none" rtlCol="0">
+            <a:spAutoFit/>
+          </a:bodyPr>
+          <a:lstStyle/>
+          <a:p>
+            <a:r>
+              <a:rPr lang="es-ES" dirty="0" smtClean="0">
+                <a:solidFill>
+                  <a:schemeClr val="accent1">
+                    <a:lumMod val="75000"/>
+                  </a:schemeClr>
+                </a:solidFill>
+              </a:rPr>
+              <a:t>15</a:t>
+            </a:r>
+            <a:endParaRPr lang="es-CO" dirty="0">
+              <a:solidFill>
+                <a:schemeClr val="accent1">
+                  <a:lumMod val="75000"/>
+                </a:schemeClr>
+              </a:solidFill>
+            </a:endParaRPr>
+          </a:p>
+        </p:txBody>
+      </p:sp>
+      <p:sp>
+        <p:nvSpPr>
+          <p:cNvPr id="75" name="CuadroTexto 74"/>
+          <p:cNvSpPr txBox="1"/>
+          <p:nvPr/>
+        </p:nvSpPr>
+        <p:spPr>
+          <a:xfrm>
+            <a:off x="3452956" y="684937"/>
+            <a:ext cx="418704" cy="369332"/>
+          </a:xfrm>
+          <a:prstGeom prst="rect">
+            <a:avLst/>
+          </a:prstGeom>
+          <a:noFill/>
+        </p:spPr>
+        <p:txBody>
+          <a:bodyPr wrap="none" rtlCol="0">
+            <a:spAutoFit/>
+          </a:bodyPr>
+          <a:lstStyle/>
+          <a:p>
+            <a:r>
+              <a:rPr lang="es-ES" dirty="0" smtClean="0">
+                <a:solidFill>
+                  <a:schemeClr val="accent1">
+                    <a:lumMod val="75000"/>
+                  </a:schemeClr>
+                </a:solidFill>
+              </a:rPr>
+              <a:t>13</a:t>
+            </a:r>
+            <a:endParaRPr lang="es-CO" dirty="0">
+              <a:solidFill>
+                <a:schemeClr val="accent1">
+                  <a:lumMod val="75000"/>
+                </a:schemeClr>
+              </a:solidFill>
+            </a:endParaRPr>
+          </a:p>
+        </p:txBody>
+      </p:sp>
+      <p:sp>
+        <p:nvSpPr>
+          <p:cNvPr id="76" name="CuadroTexto 75"/>
+          <p:cNvSpPr txBox="1"/>
+          <p:nvPr/>
+        </p:nvSpPr>
+        <p:spPr>
+          <a:xfrm>
+            <a:off x="3702424" y="684937"/>
+            <a:ext cx="418704" cy="369332"/>
+          </a:xfrm>
+          <a:prstGeom prst="rect">
+            <a:avLst/>
+          </a:prstGeom>
+          <a:noFill/>
+        </p:spPr>
+        <p:txBody>
+          <a:bodyPr wrap="none" rtlCol="0">
+            <a:spAutoFit/>
+          </a:bodyPr>
+          <a:lstStyle/>
+          <a:p>
+            <a:r>
+              <a:rPr lang="es-ES" dirty="0" smtClean="0">
+                <a:solidFill>
+                  <a:schemeClr val="accent1">
+                    <a:lumMod val="75000"/>
+                  </a:schemeClr>
+                </a:solidFill>
+              </a:rPr>
+              <a:t>14</a:t>
+            </a:r>
+            <a:endParaRPr lang="es-CO" dirty="0">
+              <a:solidFill>
+                <a:schemeClr val="accent1">
+                  <a:lumMod val="75000"/>
+                </a:schemeClr>
+              </a:solidFill>
+            </a:endParaRPr>
+          </a:p>
+        </p:txBody>
+      </p:sp>
+      <p:sp>
+        <p:nvSpPr>
+          <p:cNvPr id="81" name="Rombo 80"/>
+          <p:cNvSpPr/>
+          <p:nvPr/>
+        </p:nvSpPr>
+        <p:spPr>
+          <a:xfrm>
+            <a:off x="8838401" y="2208813"/>
+            <a:ext cx="295275" cy="261760"/>
+          </a:xfrm>
+          <a:prstGeom prst="diamond">
+            <a:avLst/>
+          </a:prstGeom>
+        </p:spPr>
+        <p:style>
+          <a:lnRef idx="2">
+            <a:schemeClr val="accent1">
+              <a:shade val="50000"/>
+            </a:schemeClr>
+          </a:lnRef>
+          <a:fillRef idx="1">
+            <a:schemeClr val="accent1"/>
+          </a:fillRef>
+          <a:effectRef idx="0">
+            <a:schemeClr val="accent1"/>
+          </a:effectRef>
+          <a:fontRef idx="minor">
+            <a:schemeClr val="lt1"/>
+          </a:fontRef>
+        </p:style>
+        <p:txBody>
+          <a:bodyPr rtlCol="0" anchor="ctr"/>
+          <a:lstStyle/>
+          <a:p>
+            <a:pPr algn="ctr"/>
+            <a:endParaRPr lang="es-CO"/>
+          </a:p>
+        </p:txBody>
+      </p:sp>
+      <p:sp>
+        <p:nvSpPr>
+          <p:cNvPr id="85" name="CuadroTexto 84"/>
+          <p:cNvSpPr txBox="1"/>
+          <p:nvPr/>
+        </p:nvSpPr>
+        <p:spPr>
+          <a:xfrm>
+            <a:off x="8894979" y="1705053"/>
+            <a:ext cx="1341624" cy="338554"/>
+          </a:xfrm>
+          <a:prstGeom prst="rect">
+            <a:avLst/>
+          </a:prstGeom>
+          <a:noFill/>
+        </p:spPr>
+        <p:txBody>
+          <a:bodyPr wrap="square" rtlCol="0">
+            <a:spAutoFit/>
+          </a:bodyPr>
+          <a:lstStyle/>
+          <a:p>
+            <a:r>
+              <a:rPr lang="es-ES" sz="800" dirty="0" smtClean="0"/>
+              <a:t>¿Es una letra?</a:t>
+            </a:r>
+          </a:p>
+          <a:p>
+            <a:r>
+              <a:rPr lang="es-ES" sz="800" dirty="0" smtClean="0"/>
+              <a:t>Tarea[navegador]</a:t>
+            </a:r>
+            <a:r>
+              <a:rPr lang="es-CO" sz="800" dirty="0" smtClean="0"/>
+              <a:t>==“ ”</a:t>
+            </a:r>
+            <a:endParaRPr lang="es-ES" sz="800" dirty="0"/>
+          </a:p>
+        </p:txBody>
+      </p:sp>
+      <p:sp>
+        <p:nvSpPr>
+          <p:cNvPr id="123" name="Rectángulo 122"/>
+          <p:cNvSpPr/>
+          <p:nvPr/>
+        </p:nvSpPr>
+        <p:spPr>
+          <a:xfrm>
+            <a:off x="8047621" y="5650310"/>
+            <a:ext cx="1876834" cy="842194"/>
+          </a:xfrm>
+          <a:prstGeom prst="rect">
+            <a:avLst/>
+          </a:prstGeom>
+        </p:spPr>
+        <p:style>
+          <a:lnRef idx="2">
+            <a:schemeClr val="accent1">
+              <a:shade val="50000"/>
+            </a:schemeClr>
+          </a:lnRef>
+          <a:fillRef idx="1">
+            <a:schemeClr val="accent1"/>
+          </a:fillRef>
+          <a:effectRef idx="0">
+            <a:schemeClr val="accent1"/>
+          </a:effectRef>
+          <a:fontRef idx="minor">
+            <a:schemeClr val="lt1"/>
+          </a:fontRef>
+        </p:style>
+        <p:txBody>
+          <a:bodyPr rtlCol="0" anchor="ctr"/>
+          <a:lstStyle/>
+          <a:p>
+            <a:pPr algn="ctr"/>
+            <a:r>
+              <a:rPr lang="es-ES" sz="1100" dirty="0"/>
+              <a:t>Aumenta al navegador</a:t>
+            </a:r>
+          </a:p>
+          <a:p>
+            <a:pPr algn="ctr"/>
+            <a:r>
+              <a:rPr lang="es-ES" sz="1100" dirty="0"/>
+              <a:t>Navegador=navegador+1</a:t>
+            </a:r>
+          </a:p>
+          <a:p>
+            <a:pPr algn="ctr"/>
+            <a:r>
+              <a:rPr lang="es-ES" sz="1100" dirty="0"/>
+              <a:t>Navegador +=</a:t>
+            </a:r>
+          </a:p>
+        </p:txBody>
+      </p:sp>
+      <p:sp>
+        <p:nvSpPr>
+          <p:cNvPr id="132" name="CuadroTexto 131"/>
+          <p:cNvSpPr txBox="1"/>
+          <p:nvPr/>
+        </p:nvSpPr>
+        <p:spPr>
+          <a:xfrm>
+            <a:off x="9320252" y="2051185"/>
+            <a:ext cx="284052" cy="261610"/>
+          </a:xfrm>
+          <a:prstGeom prst="rect">
+            <a:avLst/>
+          </a:prstGeom>
+          <a:noFill/>
+        </p:spPr>
+        <p:txBody>
+          <a:bodyPr wrap="none" rtlCol="0">
+            <a:spAutoFit/>
+          </a:bodyPr>
+          <a:lstStyle/>
+          <a:p>
+            <a:r>
+              <a:rPr lang="es-ES" sz="1100" dirty="0" smtClean="0"/>
+              <a:t>SI</a:t>
+            </a:r>
+            <a:endParaRPr lang="es-CO" sz="1100" dirty="0"/>
+          </a:p>
+        </p:txBody>
+      </p:sp>
+      <p:cxnSp>
+        <p:nvCxnSpPr>
+          <p:cNvPr id="134" name="Conector angular 133"/>
+          <p:cNvCxnSpPr>
+            <a:stCxn id="81" idx="3"/>
+            <a:endCxn id="28" idx="1"/>
+          </p:cNvCxnSpPr>
+          <p:nvPr/>
+        </p:nvCxnSpPr>
+        <p:spPr>
+          <a:xfrm>
+            <a:off x="9133676" y="2339693"/>
+            <a:ext cx="770529" cy="223"/>
+          </a:xfrm>
+          <a:prstGeom prst="bentConnector3">
+            <a:avLst/>
+          </a:prstGeom>
+          <a:ln>
+            <a:tailEnd type="triangle"/>
+          </a:ln>
+        </p:spPr>
+        <p:style>
+          <a:lnRef idx="1">
+            <a:schemeClr val="accent1"/>
+          </a:lnRef>
+          <a:fillRef idx="0">
+            <a:schemeClr val="accent1"/>
+          </a:fillRef>
+          <a:effectRef idx="0">
+            <a:schemeClr val="accent1"/>
+          </a:effectRef>
+          <a:fontRef idx="minor">
+            <a:schemeClr val="tx1"/>
+          </a:fontRef>
+        </p:style>
+      </p:cxnSp>
+      <p:cxnSp>
+        <p:nvCxnSpPr>
+          <p:cNvPr id="140" name="Conector angular 139"/>
+          <p:cNvCxnSpPr>
+            <a:stCxn id="28" idx="2"/>
+            <a:endCxn id="123" idx="3"/>
+          </p:cNvCxnSpPr>
+          <p:nvPr/>
+        </p:nvCxnSpPr>
+        <p:spPr>
+          <a:xfrm rot="5400000">
+            <a:off x="8624540" y="3822253"/>
+            <a:ext cx="3549069" cy="949238"/>
+          </a:xfrm>
+          <a:prstGeom prst="bentConnector2">
+            <a:avLst/>
+          </a:prstGeom>
+          <a:ln>
+            <a:tailEnd type="triangle"/>
+          </a:ln>
+        </p:spPr>
+        <p:style>
+          <a:lnRef idx="1">
+            <a:schemeClr val="accent1"/>
+          </a:lnRef>
+          <a:fillRef idx="0">
+            <a:schemeClr val="accent1"/>
+          </a:fillRef>
+          <a:effectRef idx="0">
+            <a:schemeClr val="accent1"/>
+          </a:effectRef>
+          <a:fontRef idx="minor">
+            <a:schemeClr val="tx1"/>
+          </a:fontRef>
+        </p:style>
+      </p:cxnSp>
+      <p:sp>
+        <p:nvSpPr>
+          <p:cNvPr id="153" name="Rombo 152"/>
+          <p:cNvSpPr/>
+          <p:nvPr/>
+        </p:nvSpPr>
+        <p:spPr>
+          <a:xfrm>
+            <a:off x="8873837" y="3215260"/>
+            <a:ext cx="224403" cy="273512"/>
+          </a:xfrm>
+          <a:prstGeom prst="diamond">
+            <a:avLst/>
+          </a:prstGeom>
+        </p:spPr>
+        <p:style>
+          <a:lnRef idx="2">
+            <a:schemeClr val="accent1">
+              <a:shade val="50000"/>
+            </a:schemeClr>
+          </a:lnRef>
+          <a:fillRef idx="1">
+            <a:schemeClr val="accent1"/>
+          </a:fillRef>
+          <a:effectRef idx="0">
+            <a:schemeClr val="accent1"/>
+          </a:effectRef>
+          <a:fontRef idx="minor">
+            <a:schemeClr val="lt1"/>
+          </a:fontRef>
+        </p:style>
+        <p:txBody>
+          <a:bodyPr rtlCol="0" anchor="ctr"/>
+          <a:lstStyle/>
+          <a:p>
+            <a:pPr algn="ctr"/>
+            <a:endParaRPr lang="es-CO"/>
+          </a:p>
+        </p:txBody>
+      </p:sp>
+      <p:sp>
+        <p:nvSpPr>
+          <p:cNvPr id="156" name="CuadroTexto 155"/>
+          <p:cNvSpPr txBox="1"/>
+          <p:nvPr/>
+        </p:nvSpPr>
+        <p:spPr>
+          <a:xfrm>
+            <a:off x="9279151" y="3186049"/>
+            <a:ext cx="1069857" cy="215444"/>
+          </a:xfrm>
+          <a:prstGeom prst="rect">
+            <a:avLst/>
+          </a:prstGeom>
+          <a:noFill/>
+        </p:spPr>
+        <p:txBody>
+          <a:bodyPr wrap="square" rtlCol="0">
+            <a:spAutoFit/>
+          </a:bodyPr>
+          <a:lstStyle/>
+          <a:p>
+            <a:r>
+              <a:rPr lang="es-ES" sz="800" dirty="0" smtClean="0"/>
+              <a:t>Es un número?</a:t>
+            </a:r>
+            <a:endParaRPr lang="es-CO" sz="800" dirty="0"/>
+          </a:p>
+        </p:txBody>
+      </p:sp>
+      <p:sp>
+        <p:nvSpPr>
+          <p:cNvPr id="157" name="Rectángulo 156"/>
+          <p:cNvSpPr/>
+          <p:nvPr/>
+        </p:nvSpPr>
+        <p:spPr>
+          <a:xfrm>
+            <a:off x="7777402" y="3943551"/>
+            <a:ext cx="2495700" cy="249140"/>
+          </a:xfrm>
+          <a:prstGeom prst="rect">
+            <a:avLst/>
+          </a:prstGeom>
+        </p:spPr>
+        <p:style>
+          <a:lnRef idx="2">
+            <a:schemeClr val="accent1">
+              <a:shade val="50000"/>
+            </a:schemeClr>
+          </a:lnRef>
+          <a:fillRef idx="1">
+            <a:schemeClr val="accent1"/>
+          </a:fillRef>
+          <a:effectRef idx="0">
+            <a:schemeClr val="accent1"/>
+          </a:effectRef>
+          <a:fontRef idx="minor">
+            <a:schemeClr val="lt1"/>
+          </a:fontRef>
+        </p:style>
+        <p:txBody>
+          <a:bodyPr rtlCol="0" anchor="t"/>
+          <a:lstStyle/>
+          <a:p>
+            <a:pPr algn="ctr"/>
+            <a:r>
+              <a:rPr lang="es-ES" sz="800" dirty="0"/>
+              <a:t>Sonda[</a:t>
+            </a:r>
+            <a:r>
+              <a:rPr lang="es-ES" sz="800" dirty="0" err="1"/>
+              <a:t>ContadorSondas</a:t>
+            </a:r>
+            <a:r>
+              <a:rPr lang="es-ES" sz="800" dirty="0"/>
+              <a:t>]= </a:t>
+            </a:r>
+            <a:r>
+              <a:rPr lang="es-ES" sz="800" dirty="0" smtClean="0"/>
+              <a:t>Sonda[]+ tarea[navegador]</a:t>
+            </a:r>
+          </a:p>
+          <a:p>
+            <a:pPr algn="ctr"/>
+            <a:endParaRPr lang="es-ES" sz="800" dirty="0" smtClean="0"/>
+          </a:p>
+        </p:txBody>
+      </p:sp>
+      <p:cxnSp>
+        <p:nvCxnSpPr>
+          <p:cNvPr id="161" name="Conector recto de flecha 160"/>
+          <p:cNvCxnSpPr>
+            <a:stCxn id="153" idx="2"/>
+            <a:endCxn id="157" idx="0"/>
+          </p:cNvCxnSpPr>
+          <p:nvPr/>
+        </p:nvCxnSpPr>
+        <p:spPr>
+          <a:xfrm>
+            <a:off x="8986039" y="3488772"/>
+            <a:ext cx="39213" cy="454779"/>
+          </a:xfrm>
+          <a:prstGeom prst="straightConnector1">
+            <a:avLst/>
+          </a:prstGeom>
+          <a:ln>
+            <a:tailEnd type="triangle"/>
+          </a:ln>
+        </p:spPr>
+        <p:style>
+          <a:lnRef idx="1">
+            <a:schemeClr val="accent1"/>
+          </a:lnRef>
+          <a:fillRef idx="0">
+            <a:schemeClr val="accent1"/>
+          </a:fillRef>
+          <a:effectRef idx="0">
+            <a:schemeClr val="accent1"/>
+          </a:effectRef>
+          <a:fontRef idx="minor">
+            <a:schemeClr val="tx1"/>
+          </a:fontRef>
+        </p:style>
+      </p:cxnSp>
+      <p:sp>
+        <p:nvSpPr>
+          <p:cNvPr id="167" name="CuadroTexto 166"/>
+          <p:cNvSpPr txBox="1"/>
+          <p:nvPr/>
+        </p:nvSpPr>
+        <p:spPr>
+          <a:xfrm>
+            <a:off x="8800522" y="3533987"/>
+            <a:ext cx="464208" cy="215444"/>
+          </a:xfrm>
+          <a:prstGeom prst="rect">
+            <a:avLst/>
+          </a:prstGeom>
+          <a:noFill/>
+        </p:spPr>
+        <p:txBody>
+          <a:bodyPr wrap="square" rtlCol="0">
+            <a:spAutoFit/>
+          </a:bodyPr>
+          <a:lstStyle/>
+          <a:p>
+            <a:r>
+              <a:rPr lang="es-ES" sz="800" dirty="0" smtClean="0"/>
+              <a:t>Si</a:t>
+            </a:r>
+            <a:endParaRPr lang="es-CO" sz="800" dirty="0"/>
+          </a:p>
+        </p:txBody>
+      </p:sp>
+      <p:sp>
+        <p:nvSpPr>
+          <p:cNvPr id="168" name="CuadroTexto 167"/>
+          <p:cNvSpPr txBox="1"/>
+          <p:nvPr/>
+        </p:nvSpPr>
+        <p:spPr>
+          <a:xfrm>
+            <a:off x="9604720" y="3294549"/>
+            <a:ext cx="378405" cy="215444"/>
+          </a:xfrm>
+          <a:prstGeom prst="rect">
+            <a:avLst/>
+          </a:prstGeom>
+          <a:noFill/>
+        </p:spPr>
+        <p:txBody>
+          <a:bodyPr wrap="square" rtlCol="0">
+            <a:spAutoFit/>
+          </a:bodyPr>
+          <a:lstStyle/>
+          <a:p>
+            <a:r>
+              <a:rPr lang="es-ES" sz="800" dirty="0" smtClean="0"/>
+              <a:t>No</a:t>
+            </a:r>
+            <a:endParaRPr lang="es-CO" sz="800" dirty="0"/>
+          </a:p>
+        </p:txBody>
+      </p:sp>
+      <p:cxnSp>
+        <p:nvCxnSpPr>
+          <p:cNvPr id="21" name="Conector angular 20"/>
+          <p:cNvCxnSpPr>
+            <a:stCxn id="157" idx="2"/>
+            <a:endCxn id="123" idx="0"/>
+          </p:cNvCxnSpPr>
+          <p:nvPr/>
+        </p:nvCxnSpPr>
+        <p:spPr>
+          <a:xfrm rot="5400000">
+            <a:off x="8276836" y="4901893"/>
+            <a:ext cx="1457619" cy="39214"/>
+          </a:xfrm>
+          <a:prstGeom prst="bentConnector3">
+            <a:avLst/>
+          </a:prstGeom>
+          <a:ln>
+            <a:tailEnd type="triangle"/>
+          </a:ln>
+        </p:spPr>
+        <p:style>
+          <a:lnRef idx="1">
+            <a:schemeClr val="accent1"/>
+          </a:lnRef>
+          <a:fillRef idx="0">
+            <a:schemeClr val="accent1"/>
+          </a:fillRef>
+          <a:effectRef idx="0">
+            <a:schemeClr val="accent1"/>
+          </a:effectRef>
+          <a:fontRef idx="minor">
+            <a:schemeClr val="tx1"/>
+          </a:fontRef>
+        </p:style>
+      </p:cxnSp>
+      <p:graphicFrame>
+        <p:nvGraphicFramePr>
+          <p:cNvPr id="41" name="Tabla 40"/>
+          <p:cNvGraphicFramePr>
+            <a:graphicFrameLocks noGrp="1"/>
+          </p:cNvGraphicFramePr>
+          <p:nvPr>
+            <p:extLst>
+              <p:ext uri="{D42A27DB-BD31-4B8C-83A1-F6EECF244321}">
+                <p14:modId xmlns:p14="http://schemas.microsoft.com/office/powerpoint/2010/main" val="2494151852"/>
+              </p:ext>
+            </p:extLst>
+          </p:nvPr>
+        </p:nvGraphicFramePr>
+        <p:xfrm>
+          <a:off x="180262" y="1119962"/>
+          <a:ext cx="4851072" cy="1506370"/>
+        </p:xfrm>
+        <a:graphic>
+          <a:graphicData uri="http://schemas.openxmlformats.org/drawingml/2006/table">
+            <a:tbl>
+              <a:tblPr firstRow="1" bandRow="1">
+                <a:tableStyleId>{5C22544A-7EE6-4342-B048-85BDC9FD1C3A}</a:tableStyleId>
+              </a:tblPr>
+              <a:tblGrid>
+                <a:gridCol w="633124"/>
+                <a:gridCol w="214190"/>
+                <a:gridCol w="241671"/>
+                <a:gridCol w="339826"/>
+                <a:gridCol w="374322"/>
+                <a:gridCol w="357074"/>
+                <a:gridCol w="357074"/>
+                <a:gridCol w="357074"/>
+                <a:gridCol w="214190"/>
+                <a:gridCol w="279209"/>
+                <a:gridCol w="312592"/>
+                <a:gridCol w="390242"/>
+                <a:gridCol w="390242"/>
+                <a:gridCol w="390242"/>
+              </a:tblGrid>
+              <a:tr h="250265">
+                <a:tc>
+                  <a:txBody>
+                    <a:bodyPr/>
+                    <a:lstStyle/>
+                    <a:p>
+                      <a:endParaRPr lang="es-CO" sz="800" dirty="0"/>
+                    </a:p>
+                  </a:txBody>
+                  <a:tcPr/>
+                </a:tc>
+                <a:tc>
+                  <a:txBody>
+                    <a:bodyPr/>
+                    <a:lstStyle/>
+                    <a:p>
+                      <a:endParaRPr lang="es-CO" sz="800" dirty="0"/>
+                    </a:p>
+                  </a:txBody>
+                  <a:tcPr/>
+                </a:tc>
+                <a:tc>
+                  <a:txBody>
+                    <a:bodyPr/>
+                    <a:lstStyle/>
+                    <a:p>
+                      <a:endParaRPr lang="es-CO" sz="800" dirty="0"/>
+                    </a:p>
+                  </a:txBody>
+                  <a:tcPr/>
+                </a:tc>
+                <a:tc>
+                  <a:txBody>
+                    <a:bodyPr/>
+                    <a:lstStyle/>
+                    <a:p>
+                      <a:endParaRPr lang="es-CO" sz="800" dirty="0"/>
+                    </a:p>
+                  </a:txBody>
+                  <a:tcPr/>
+                </a:tc>
+                <a:tc>
+                  <a:txBody>
+                    <a:bodyPr/>
+                    <a:lstStyle/>
+                    <a:p>
+                      <a:endParaRPr lang="es-CO" sz="800" dirty="0"/>
+                    </a:p>
+                  </a:txBody>
+                  <a:tcPr/>
+                </a:tc>
+                <a:tc>
+                  <a:txBody>
+                    <a:bodyPr/>
+                    <a:lstStyle/>
+                    <a:p>
+                      <a:endParaRPr lang="es-CO" sz="800" dirty="0"/>
+                    </a:p>
+                  </a:txBody>
+                  <a:tcPr/>
+                </a:tc>
+                <a:tc>
+                  <a:txBody>
+                    <a:bodyPr/>
+                    <a:lstStyle/>
+                    <a:p>
+                      <a:r>
+                        <a:rPr lang="es-ES" sz="800" dirty="0" smtClean="0"/>
+                        <a:t>x</a:t>
+                      </a:r>
+                      <a:endParaRPr lang="es-CO" sz="800" dirty="0"/>
+                    </a:p>
+                  </a:txBody>
+                  <a:tcPr/>
+                </a:tc>
+                <a:tc>
+                  <a:txBody>
+                    <a:bodyPr/>
+                    <a:lstStyle/>
+                    <a:p>
+                      <a:endParaRPr lang="es-CO" sz="800" dirty="0"/>
+                    </a:p>
+                  </a:txBody>
+                  <a:tcPr/>
+                </a:tc>
+                <a:tc>
+                  <a:txBody>
+                    <a:bodyPr/>
+                    <a:lstStyle/>
+                    <a:p>
+                      <a:endParaRPr lang="es-CO" sz="800"/>
+                    </a:p>
+                  </a:txBody>
+                  <a:tcPr/>
+                </a:tc>
+                <a:tc>
+                  <a:txBody>
+                    <a:bodyPr/>
+                    <a:lstStyle/>
+                    <a:p>
+                      <a:endParaRPr lang="es-CO" sz="800"/>
+                    </a:p>
+                  </a:txBody>
+                  <a:tcPr/>
+                </a:tc>
+                <a:tc>
+                  <a:txBody>
+                    <a:bodyPr/>
+                    <a:lstStyle/>
+                    <a:p>
+                      <a:endParaRPr lang="es-CO" sz="800"/>
+                    </a:p>
+                  </a:txBody>
+                  <a:tcPr/>
+                </a:tc>
+                <a:tc>
+                  <a:txBody>
+                    <a:bodyPr/>
+                    <a:lstStyle/>
+                    <a:p>
+                      <a:endParaRPr lang="es-CO" sz="800"/>
+                    </a:p>
+                  </a:txBody>
+                  <a:tcPr/>
+                </a:tc>
+                <a:tc>
+                  <a:txBody>
+                    <a:bodyPr/>
+                    <a:lstStyle/>
+                    <a:p>
+                      <a:endParaRPr lang="es-CO" sz="800"/>
+                    </a:p>
+                  </a:txBody>
+                  <a:tcPr/>
+                </a:tc>
+                <a:tc>
+                  <a:txBody>
+                    <a:bodyPr/>
+                    <a:lstStyle/>
+                    <a:p>
+                      <a:endParaRPr lang="es-CO" sz="800"/>
+                    </a:p>
+                  </a:txBody>
+                  <a:tcPr/>
+                </a:tc>
+              </a:tr>
+              <a:tr h="292192">
+                <a:tc>
+                  <a:txBody>
+                    <a:bodyPr/>
+                    <a:lstStyle/>
+                    <a:p>
+                      <a:pPr marL="0" marR="0" lvl="0" indent="0" algn="l" defTabSz="914400" rtl="0" eaLnBrk="1" fontAlgn="auto" latinLnBrk="0" hangingPunct="1">
+                        <a:lnSpc>
+                          <a:spcPct val="100000"/>
+                        </a:lnSpc>
+                        <a:spcBef>
+                          <a:spcPts val="0"/>
+                        </a:spcBef>
+                        <a:spcAft>
+                          <a:spcPts val="0"/>
+                        </a:spcAft>
+                        <a:buClrTx/>
+                        <a:buSzTx/>
+                        <a:buFontTx/>
+                        <a:buNone/>
+                        <a:tabLst/>
+                        <a:defRPr/>
+                      </a:pPr>
+                      <a:r>
+                        <a:rPr lang="es-ES" sz="800" dirty="0" smtClean="0"/>
+                        <a:t>NAVEGADOR</a:t>
+                      </a:r>
+                      <a:endParaRPr lang="es-CO" sz="800" dirty="0"/>
+                    </a:p>
+                  </a:txBody>
+                  <a:tcPr/>
+                </a:tc>
+                <a:tc>
+                  <a:txBody>
+                    <a:bodyPr/>
+                    <a:lstStyle/>
+                    <a:p>
+                      <a:r>
+                        <a:rPr lang="es-ES" sz="800" dirty="0" smtClean="0"/>
+                        <a:t>0</a:t>
+                      </a:r>
+                      <a:endParaRPr lang="es-CO" sz="800" dirty="0"/>
+                    </a:p>
+                  </a:txBody>
+                  <a:tcPr/>
+                </a:tc>
+                <a:tc>
+                  <a:txBody>
+                    <a:bodyPr/>
+                    <a:lstStyle/>
+                    <a:p>
+                      <a:r>
+                        <a:rPr lang="es-ES" sz="800" dirty="0" smtClean="0"/>
+                        <a:t>1</a:t>
+                      </a:r>
+                      <a:endParaRPr lang="es-CO" sz="800" dirty="0"/>
+                    </a:p>
+                  </a:txBody>
+                  <a:tcPr/>
+                </a:tc>
+                <a:tc>
+                  <a:txBody>
+                    <a:bodyPr/>
+                    <a:lstStyle/>
+                    <a:p>
+                      <a:r>
+                        <a:rPr lang="es-ES" sz="800" dirty="0" smtClean="0"/>
+                        <a:t>2</a:t>
+                      </a:r>
+                      <a:endParaRPr lang="es-CO" sz="800" dirty="0"/>
+                    </a:p>
+                  </a:txBody>
+                  <a:tcPr/>
+                </a:tc>
+                <a:tc>
+                  <a:txBody>
+                    <a:bodyPr/>
+                    <a:lstStyle/>
+                    <a:p>
+                      <a:r>
+                        <a:rPr lang="es-ES" sz="800" dirty="0" smtClean="0"/>
+                        <a:t>3</a:t>
+                      </a:r>
+                      <a:endParaRPr lang="es-CO" sz="800" dirty="0"/>
+                    </a:p>
+                  </a:txBody>
+                  <a:tcPr/>
+                </a:tc>
+                <a:tc>
+                  <a:txBody>
+                    <a:bodyPr/>
+                    <a:lstStyle/>
+                    <a:p>
+                      <a:r>
+                        <a:rPr lang="es-ES" sz="800" dirty="0" smtClean="0"/>
+                        <a:t>4</a:t>
+                      </a:r>
+                      <a:endParaRPr lang="es-CO" sz="800" dirty="0"/>
+                    </a:p>
+                  </a:txBody>
+                  <a:tcPr/>
+                </a:tc>
+                <a:tc>
+                  <a:txBody>
+                    <a:bodyPr/>
+                    <a:lstStyle/>
+                    <a:p>
+                      <a:r>
+                        <a:rPr lang="es-ES" sz="800" dirty="0" smtClean="0"/>
+                        <a:t>5</a:t>
+                      </a:r>
+                      <a:endParaRPr lang="es-CO" sz="800" dirty="0"/>
+                    </a:p>
+                  </a:txBody>
+                  <a:tcPr/>
+                </a:tc>
+                <a:tc>
+                  <a:txBody>
+                    <a:bodyPr/>
+                    <a:lstStyle/>
+                    <a:p>
+                      <a:r>
+                        <a:rPr lang="es-ES" sz="800" dirty="0" smtClean="0"/>
+                        <a:t>6</a:t>
+                      </a:r>
+                      <a:endParaRPr lang="es-CO" sz="800" dirty="0"/>
+                    </a:p>
+                  </a:txBody>
+                  <a:tcPr/>
+                </a:tc>
+                <a:tc>
+                  <a:txBody>
+                    <a:bodyPr/>
+                    <a:lstStyle/>
+                    <a:p>
+                      <a:r>
+                        <a:rPr lang="es-ES" sz="800" dirty="0" smtClean="0"/>
+                        <a:t>7</a:t>
+                      </a:r>
+                      <a:endParaRPr lang="es-CO" sz="800" dirty="0"/>
+                    </a:p>
+                  </a:txBody>
+                  <a:tcPr/>
+                </a:tc>
+                <a:tc>
+                  <a:txBody>
+                    <a:bodyPr/>
+                    <a:lstStyle/>
+                    <a:p>
+                      <a:r>
+                        <a:rPr lang="es-ES" sz="800" dirty="0" smtClean="0"/>
+                        <a:t>8</a:t>
+                      </a:r>
+                      <a:endParaRPr lang="es-CO" sz="800" dirty="0"/>
+                    </a:p>
+                  </a:txBody>
+                  <a:tcPr/>
+                </a:tc>
+                <a:tc>
+                  <a:txBody>
+                    <a:bodyPr/>
+                    <a:lstStyle/>
+                    <a:p>
+                      <a:r>
+                        <a:rPr lang="es-ES" sz="800" dirty="0" smtClean="0"/>
+                        <a:t>9</a:t>
+                      </a:r>
+                      <a:endParaRPr lang="es-CO" sz="800" dirty="0"/>
+                    </a:p>
+                  </a:txBody>
+                  <a:tcPr/>
+                </a:tc>
+                <a:tc>
+                  <a:txBody>
+                    <a:bodyPr/>
+                    <a:lstStyle/>
+                    <a:p>
+                      <a:r>
+                        <a:rPr lang="es-ES" sz="800" dirty="0" smtClean="0"/>
+                        <a:t>10</a:t>
+                      </a:r>
+                      <a:endParaRPr lang="es-CO" sz="800" dirty="0"/>
+                    </a:p>
+                  </a:txBody>
+                  <a:tcPr/>
+                </a:tc>
+                <a:tc>
+                  <a:txBody>
+                    <a:bodyPr/>
+                    <a:lstStyle/>
+                    <a:p>
+                      <a:r>
+                        <a:rPr lang="es-ES" sz="800" dirty="0" smtClean="0"/>
+                        <a:t>11</a:t>
+                      </a:r>
+                      <a:endParaRPr lang="es-CO" sz="800" dirty="0"/>
+                    </a:p>
+                  </a:txBody>
+                  <a:tcPr/>
+                </a:tc>
+                <a:tc>
+                  <a:txBody>
+                    <a:bodyPr/>
+                    <a:lstStyle/>
+                    <a:p>
+                      <a:endParaRPr lang="es-CO" sz="800" dirty="0"/>
+                    </a:p>
+                  </a:txBody>
+                  <a:tcPr/>
+                </a:tc>
+              </a:tr>
+              <a:tr h="250265">
+                <a:tc>
+                  <a:txBody>
+                    <a:bodyPr/>
+                    <a:lstStyle/>
+                    <a:p>
+                      <a:r>
+                        <a:rPr lang="es-ES" sz="800" dirty="0" smtClean="0"/>
+                        <a:t>TAREA</a:t>
+                      </a:r>
+                      <a:endParaRPr lang="es-CO" sz="800" dirty="0"/>
+                    </a:p>
+                  </a:txBody>
+                  <a:tcPr/>
+                </a:tc>
+                <a:tc>
+                  <a:txBody>
+                    <a:bodyPr/>
+                    <a:lstStyle/>
+                    <a:p>
+                      <a:r>
+                        <a:rPr lang="es-ES" sz="800" dirty="0" smtClean="0"/>
+                        <a:t>t</a:t>
+                      </a:r>
+                      <a:endParaRPr lang="es-CO" sz="800" dirty="0"/>
+                    </a:p>
+                  </a:txBody>
+                  <a:tcPr/>
+                </a:tc>
+                <a:tc>
+                  <a:txBody>
+                    <a:bodyPr/>
+                    <a:lstStyle/>
+                    <a:p>
+                      <a:r>
+                        <a:rPr lang="es-ES" sz="800" dirty="0" smtClean="0"/>
+                        <a:t>i</a:t>
+                      </a:r>
+                      <a:endParaRPr lang="es-CO" sz="800" dirty="0"/>
+                    </a:p>
+                  </a:txBody>
+                  <a:tcPr/>
+                </a:tc>
+                <a:tc>
+                  <a:txBody>
+                    <a:bodyPr/>
+                    <a:lstStyle/>
+                    <a:p>
+                      <a:r>
+                        <a:rPr lang="es-ES" sz="800" dirty="0" smtClean="0"/>
+                        <a:t>g</a:t>
+                      </a:r>
+                      <a:endParaRPr lang="es-CO" sz="800" dirty="0"/>
+                    </a:p>
+                  </a:txBody>
+                  <a:tcPr/>
+                </a:tc>
+                <a:tc>
+                  <a:txBody>
+                    <a:bodyPr/>
+                    <a:lstStyle/>
+                    <a:p>
+                      <a:r>
+                        <a:rPr lang="es-ES" sz="800" dirty="0" smtClean="0"/>
+                        <a:t>o</a:t>
+                      </a:r>
+                      <a:endParaRPr lang="es-CO" sz="800" dirty="0"/>
+                    </a:p>
+                  </a:txBody>
+                  <a:tcPr/>
+                </a:tc>
+                <a:tc>
+                  <a:txBody>
+                    <a:bodyPr/>
+                    <a:lstStyle/>
+                    <a:p>
+                      <a:r>
+                        <a:rPr lang="es-ES" sz="800" dirty="0" smtClean="0"/>
+                        <a:t>b</a:t>
+                      </a:r>
+                      <a:endParaRPr lang="es-CO" sz="800" dirty="0"/>
+                    </a:p>
+                  </a:txBody>
+                  <a:tcPr/>
+                </a:tc>
+                <a:tc>
+                  <a:txBody>
+                    <a:bodyPr/>
+                    <a:lstStyle/>
+                    <a:p>
+                      <a:r>
+                        <a:rPr lang="es-ES" sz="800" dirty="0" smtClean="0"/>
+                        <a:t>o</a:t>
+                      </a:r>
+                      <a:endParaRPr lang="es-CO" sz="800" dirty="0"/>
+                    </a:p>
+                  </a:txBody>
+                  <a:tcPr/>
+                </a:tc>
+                <a:tc>
+                  <a:txBody>
+                    <a:bodyPr/>
+                    <a:lstStyle/>
+                    <a:p>
+                      <a:r>
+                        <a:rPr lang="es-ES" sz="800" dirty="0" smtClean="0"/>
+                        <a:t>-</a:t>
+                      </a:r>
+                      <a:endParaRPr lang="es-CO" sz="800" dirty="0"/>
+                    </a:p>
+                  </a:txBody>
+                  <a:tcPr/>
+                </a:tc>
+                <a:tc>
+                  <a:txBody>
+                    <a:bodyPr/>
+                    <a:lstStyle/>
+                    <a:p>
+                      <a:r>
+                        <a:rPr lang="es-ES" sz="800" dirty="0" smtClean="0"/>
+                        <a:t>2</a:t>
+                      </a:r>
+                      <a:endParaRPr lang="es-CO" sz="800" dirty="0"/>
+                    </a:p>
+                  </a:txBody>
+                  <a:tcPr/>
+                </a:tc>
+                <a:tc>
+                  <a:txBody>
+                    <a:bodyPr/>
+                    <a:lstStyle/>
+                    <a:p>
+                      <a:r>
+                        <a:rPr lang="es-ES" sz="800" dirty="0" smtClean="0"/>
+                        <a:t>2</a:t>
+                      </a:r>
+                      <a:endParaRPr lang="es-CO" sz="800" dirty="0"/>
+                    </a:p>
+                  </a:txBody>
+                  <a:tcPr/>
+                </a:tc>
+                <a:tc>
+                  <a:txBody>
+                    <a:bodyPr/>
+                    <a:lstStyle/>
+                    <a:p>
+                      <a:r>
+                        <a:rPr lang="es-ES" sz="800" dirty="0" smtClean="0"/>
+                        <a:t>3</a:t>
+                      </a:r>
+                      <a:endParaRPr lang="es-CO" sz="800" dirty="0"/>
+                    </a:p>
+                  </a:txBody>
+                  <a:tcPr/>
+                </a:tc>
+                <a:tc>
+                  <a:txBody>
+                    <a:bodyPr/>
+                    <a:lstStyle/>
+                    <a:p>
+                      <a:r>
+                        <a:rPr lang="es-ES" sz="800" dirty="0" smtClean="0"/>
+                        <a:t>3</a:t>
+                      </a:r>
+                      <a:endParaRPr lang="es-CO" sz="800" dirty="0"/>
+                    </a:p>
+                  </a:txBody>
+                  <a:tcPr/>
+                </a:tc>
+                <a:tc>
+                  <a:txBody>
+                    <a:bodyPr/>
+                    <a:lstStyle/>
+                    <a:p>
+                      <a:r>
+                        <a:rPr lang="es-ES" sz="800" dirty="0" smtClean="0"/>
+                        <a:t>-</a:t>
+                      </a:r>
+                      <a:endParaRPr lang="es-CO" sz="800" dirty="0"/>
+                    </a:p>
+                  </a:txBody>
+                  <a:tcPr/>
+                </a:tc>
+                <a:tc>
+                  <a:txBody>
+                    <a:bodyPr/>
+                    <a:lstStyle/>
+                    <a:p>
+                      <a:endParaRPr lang="es-CO" sz="800" dirty="0"/>
+                    </a:p>
+                  </a:txBody>
+                  <a:tcPr/>
+                </a:tc>
+              </a:tr>
+              <a:tr h="292192">
+                <a:tc>
+                  <a:txBody>
+                    <a:bodyPr/>
+                    <a:lstStyle/>
+                    <a:p>
+                      <a:r>
+                        <a:rPr lang="es-ES" sz="800" dirty="0" smtClean="0"/>
+                        <a:t>CLIENTE</a:t>
+                      </a:r>
+                      <a:endParaRPr lang="es-CO" sz="800" dirty="0"/>
+                    </a:p>
+                  </a:txBody>
+                  <a:tcPr/>
+                </a:tc>
+                <a:tc>
+                  <a:txBody>
+                    <a:bodyPr/>
+                    <a:lstStyle/>
+                    <a:p>
+                      <a:r>
+                        <a:rPr lang="es-ES" sz="800" dirty="0" smtClean="0"/>
+                        <a:t>t</a:t>
+                      </a:r>
+                      <a:endParaRPr lang="es-CO" sz="800" dirty="0"/>
+                    </a:p>
+                  </a:txBody>
+                  <a:tcPr/>
+                </a:tc>
+                <a:tc>
+                  <a:txBody>
+                    <a:bodyPr/>
+                    <a:lstStyle/>
+                    <a:p>
+                      <a:r>
+                        <a:rPr lang="es-ES" sz="800" dirty="0" smtClean="0"/>
+                        <a:t>ti</a:t>
+                      </a:r>
+                      <a:endParaRPr lang="es-CO" sz="800" dirty="0"/>
+                    </a:p>
+                  </a:txBody>
+                  <a:tcPr/>
+                </a:tc>
+                <a:tc>
+                  <a:txBody>
+                    <a:bodyPr/>
+                    <a:lstStyle/>
+                    <a:p>
+                      <a:r>
+                        <a:rPr lang="es-ES" sz="800" dirty="0" err="1" smtClean="0"/>
+                        <a:t>tig</a:t>
+                      </a:r>
+                      <a:endParaRPr lang="es-CO" sz="800" dirty="0"/>
+                    </a:p>
+                  </a:txBody>
+                  <a:tcPr/>
+                </a:tc>
+                <a:tc>
+                  <a:txBody>
+                    <a:bodyPr/>
+                    <a:lstStyle/>
+                    <a:p>
+                      <a:r>
+                        <a:rPr lang="es-ES" sz="800" dirty="0" err="1" smtClean="0"/>
+                        <a:t>tigo</a:t>
+                      </a:r>
+                      <a:endParaRPr lang="es-CO" sz="800" dirty="0"/>
+                    </a:p>
+                  </a:txBody>
+                  <a:tcPr/>
+                </a:tc>
+                <a:tc>
+                  <a:txBody>
+                    <a:bodyPr/>
+                    <a:lstStyle/>
+                    <a:p>
+                      <a:r>
+                        <a:rPr lang="es-ES" sz="800" dirty="0" err="1" smtClean="0"/>
+                        <a:t>tigob</a:t>
+                      </a:r>
+                      <a:endParaRPr lang="es-CO" sz="800" dirty="0"/>
+                    </a:p>
+                  </a:txBody>
+                  <a:tcPr/>
+                </a:tc>
+                <a:tc>
+                  <a:txBody>
+                    <a:bodyPr/>
+                    <a:lstStyle/>
+                    <a:p>
+                      <a:r>
+                        <a:rPr lang="es-ES" sz="800" dirty="0" err="1" smtClean="0"/>
+                        <a:t>tigobo</a:t>
+                      </a:r>
+                      <a:endParaRPr lang="es-CO" sz="800" dirty="0"/>
+                    </a:p>
+                  </a:txBody>
+                  <a:tcPr/>
+                </a:tc>
+                <a:tc>
+                  <a:txBody>
+                    <a:bodyPr/>
+                    <a:lstStyle/>
+                    <a:p>
+                      <a:endParaRPr lang="es-CO" sz="800" dirty="0"/>
+                    </a:p>
+                  </a:txBody>
+                  <a:tcPr/>
+                </a:tc>
+                <a:tc>
+                  <a:txBody>
+                    <a:bodyPr/>
+                    <a:lstStyle/>
+                    <a:p>
+                      <a:endParaRPr lang="es-CO" sz="800" dirty="0"/>
+                    </a:p>
+                  </a:txBody>
+                  <a:tcPr/>
+                </a:tc>
+                <a:tc>
+                  <a:txBody>
+                    <a:bodyPr/>
+                    <a:lstStyle/>
+                    <a:p>
+                      <a:endParaRPr lang="es-CO" sz="800" dirty="0"/>
+                    </a:p>
+                  </a:txBody>
+                  <a:tcPr/>
+                </a:tc>
+                <a:tc>
+                  <a:txBody>
+                    <a:bodyPr/>
+                    <a:lstStyle/>
+                    <a:p>
+                      <a:endParaRPr lang="es-CO" sz="800" dirty="0"/>
+                    </a:p>
+                  </a:txBody>
+                  <a:tcPr/>
+                </a:tc>
+                <a:tc>
+                  <a:txBody>
+                    <a:bodyPr/>
+                    <a:lstStyle/>
+                    <a:p>
+                      <a:endParaRPr lang="es-CO" sz="800" dirty="0"/>
+                    </a:p>
+                  </a:txBody>
+                  <a:tcPr/>
+                </a:tc>
+                <a:tc>
+                  <a:txBody>
+                    <a:bodyPr/>
+                    <a:lstStyle/>
+                    <a:p>
+                      <a:endParaRPr lang="es-CO" sz="800" dirty="0"/>
+                    </a:p>
+                  </a:txBody>
+                  <a:tcPr/>
+                </a:tc>
+                <a:tc>
+                  <a:txBody>
+                    <a:bodyPr/>
+                    <a:lstStyle/>
+                    <a:p>
+                      <a:endParaRPr lang="es-CO" sz="800" dirty="0"/>
+                    </a:p>
+                  </a:txBody>
+                  <a:tcPr/>
+                </a:tc>
+              </a:tr>
+              <a:tr h="292192">
+                <a:tc>
+                  <a:txBody>
+                    <a:bodyPr/>
+                    <a:lstStyle/>
+                    <a:p>
+                      <a:r>
+                        <a:rPr lang="es-ES" sz="800" dirty="0" smtClean="0"/>
+                        <a:t>sonda</a:t>
+                      </a:r>
+                      <a:endParaRPr lang="es-CO" sz="800" dirty="0"/>
+                    </a:p>
+                  </a:txBody>
+                  <a:tcPr/>
+                </a:tc>
+                <a:tc>
+                  <a:txBody>
+                    <a:bodyPr/>
+                    <a:lstStyle/>
+                    <a:p>
+                      <a:endParaRPr lang="es-CO" sz="800" dirty="0"/>
+                    </a:p>
+                  </a:txBody>
+                  <a:tcPr/>
+                </a:tc>
+                <a:tc>
+                  <a:txBody>
+                    <a:bodyPr/>
+                    <a:lstStyle/>
+                    <a:p>
+                      <a:endParaRPr lang="es-CO" sz="800"/>
+                    </a:p>
+                  </a:txBody>
+                  <a:tcPr/>
+                </a:tc>
+                <a:tc>
+                  <a:txBody>
+                    <a:bodyPr/>
+                    <a:lstStyle/>
+                    <a:p>
+                      <a:endParaRPr lang="es-CO" sz="800"/>
+                    </a:p>
+                  </a:txBody>
+                  <a:tcPr/>
+                </a:tc>
+                <a:tc>
+                  <a:txBody>
+                    <a:bodyPr/>
+                    <a:lstStyle/>
+                    <a:p>
+                      <a:endParaRPr lang="es-CO" sz="800"/>
+                    </a:p>
+                  </a:txBody>
+                  <a:tcPr/>
+                </a:tc>
+                <a:tc>
+                  <a:txBody>
+                    <a:bodyPr/>
+                    <a:lstStyle/>
+                    <a:p>
+                      <a:endParaRPr lang="es-CO" sz="800"/>
+                    </a:p>
+                  </a:txBody>
+                  <a:tcPr/>
+                </a:tc>
+                <a:tc>
+                  <a:txBody>
+                    <a:bodyPr/>
+                    <a:lstStyle/>
+                    <a:p>
+                      <a:endParaRPr lang="es-CO" sz="800" dirty="0"/>
+                    </a:p>
+                  </a:txBody>
+                  <a:tcPr/>
+                </a:tc>
+                <a:tc>
+                  <a:txBody>
+                    <a:bodyPr/>
+                    <a:lstStyle/>
+                    <a:p>
+                      <a:endParaRPr lang="es-CO" sz="800"/>
+                    </a:p>
+                  </a:txBody>
+                  <a:tcPr/>
+                </a:tc>
+                <a:tc>
+                  <a:txBody>
+                    <a:bodyPr/>
+                    <a:lstStyle/>
+                    <a:p>
+                      <a:r>
+                        <a:rPr lang="es-ES" sz="800" dirty="0" smtClean="0"/>
+                        <a:t>2</a:t>
+                      </a:r>
+                      <a:endParaRPr lang="es-CO" sz="800" dirty="0"/>
+                    </a:p>
+                  </a:txBody>
+                  <a:tcPr/>
+                </a:tc>
+                <a:tc>
+                  <a:txBody>
+                    <a:bodyPr/>
+                    <a:lstStyle/>
+                    <a:p>
+                      <a:r>
+                        <a:rPr lang="es-ES" sz="800" dirty="0" smtClean="0"/>
+                        <a:t>22</a:t>
+                      </a:r>
+                      <a:endParaRPr lang="es-CO" sz="800" dirty="0"/>
+                    </a:p>
+                  </a:txBody>
+                  <a:tcPr/>
+                </a:tc>
+                <a:tc>
+                  <a:txBody>
+                    <a:bodyPr/>
+                    <a:lstStyle/>
+                    <a:p>
+                      <a:r>
+                        <a:rPr lang="es-ES" sz="800" dirty="0" smtClean="0"/>
+                        <a:t>223</a:t>
+                      </a:r>
+                      <a:endParaRPr lang="es-CO" sz="800" dirty="0"/>
+                    </a:p>
+                  </a:txBody>
+                  <a:tcPr/>
+                </a:tc>
+                <a:tc>
+                  <a:txBody>
+                    <a:bodyPr/>
+                    <a:lstStyle/>
+                    <a:p>
+                      <a:r>
+                        <a:rPr lang="es-ES" sz="800" dirty="0" smtClean="0"/>
+                        <a:t>2233</a:t>
+                      </a:r>
+                      <a:endParaRPr lang="es-CO" sz="800" dirty="0"/>
+                    </a:p>
+                  </a:txBody>
+                  <a:tcPr/>
+                </a:tc>
+                <a:tc>
+                  <a:txBody>
+                    <a:bodyPr/>
+                    <a:lstStyle/>
+                    <a:p>
+                      <a:endParaRPr lang="es-CO" sz="800" dirty="0"/>
+                    </a:p>
+                  </a:txBody>
+                  <a:tcPr/>
+                </a:tc>
+                <a:tc>
+                  <a:txBody>
+                    <a:bodyPr/>
+                    <a:lstStyle/>
+                    <a:p>
+                      <a:endParaRPr lang="es-CO" sz="800" dirty="0"/>
+                    </a:p>
+                  </a:txBody>
+                  <a:tcPr/>
+                </a:tc>
+              </a:tr>
+            </a:tbl>
+          </a:graphicData>
+        </a:graphic>
+      </p:graphicFrame>
+      <p:sp>
+        <p:nvSpPr>
+          <p:cNvPr id="110" name="Rombo 109"/>
+          <p:cNvSpPr/>
+          <p:nvPr/>
+        </p:nvSpPr>
+        <p:spPr>
+          <a:xfrm>
+            <a:off x="7888801" y="1873455"/>
+            <a:ext cx="313899" cy="341194"/>
+          </a:xfrm>
+          <a:prstGeom prst="diamond">
+            <a:avLst/>
+          </a:prstGeom>
+        </p:spPr>
+        <p:style>
+          <a:lnRef idx="2">
+            <a:schemeClr val="accent1">
+              <a:shade val="50000"/>
+            </a:schemeClr>
+          </a:lnRef>
+          <a:fillRef idx="1">
+            <a:schemeClr val="accent1"/>
+          </a:fillRef>
+          <a:effectRef idx="0">
+            <a:schemeClr val="accent1"/>
+          </a:effectRef>
+          <a:fontRef idx="minor">
+            <a:schemeClr val="lt1"/>
+          </a:fontRef>
+        </p:style>
+        <p:txBody>
+          <a:bodyPr rtlCol="0" anchor="ctr"/>
+          <a:lstStyle/>
+          <a:p>
+            <a:pPr algn="ctr"/>
+            <a:endParaRPr lang="es-CO"/>
+          </a:p>
+        </p:txBody>
+      </p:sp>
+      <p:cxnSp>
+        <p:nvCxnSpPr>
+          <p:cNvPr id="82" name="Conector recto de flecha 81"/>
+          <p:cNvCxnSpPr>
+            <a:stCxn id="13" idx="2"/>
+            <a:endCxn id="110" idx="0"/>
+          </p:cNvCxnSpPr>
+          <p:nvPr/>
+        </p:nvCxnSpPr>
+        <p:spPr>
+          <a:xfrm flipH="1">
+            <a:off x="8045751" y="1413492"/>
+            <a:ext cx="10126" cy="459963"/>
+          </a:xfrm>
+          <a:prstGeom prst="straightConnector1">
+            <a:avLst/>
+          </a:prstGeom>
+          <a:ln>
+            <a:tailEnd type="triangle"/>
+          </a:ln>
+        </p:spPr>
+        <p:style>
+          <a:lnRef idx="1">
+            <a:schemeClr val="accent1"/>
+          </a:lnRef>
+          <a:fillRef idx="0">
+            <a:schemeClr val="accent1"/>
+          </a:fillRef>
+          <a:effectRef idx="0">
+            <a:schemeClr val="accent1"/>
+          </a:effectRef>
+          <a:fontRef idx="minor">
+            <a:schemeClr val="tx1"/>
+          </a:fontRef>
+        </p:style>
+      </p:cxnSp>
+      <p:sp>
+        <p:nvSpPr>
+          <p:cNvPr id="88" name="CuadroTexto 87"/>
+          <p:cNvSpPr txBox="1"/>
+          <p:nvPr/>
+        </p:nvSpPr>
+        <p:spPr>
+          <a:xfrm>
+            <a:off x="6535837" y="1487689"/>
+            <a:ext cx="1598515" cy="338554"/>
+          </a:xfrm>
+          <a:prstGeom prst="rect">
+            <a:avLst/>
+          </a:prstGeom>
+          <a:noFill/>
+        </p:spPr>
+        <p:txBody>
+          <a:bodyPr wrap="none" rtlCol="0">
+            <a:spAutoFit/>
+          </a:bodyPr>
+          <a:lstStyle/>
+          <a:p>
+            <a:r>
+              <a:rPr lang="es-ES" sz="800" dirty="0" smtClean="0"/>
+              <a:t>¿Ya se llegó al último carácter?</a:t>
+            </a:r>
+          </a:p>
+          <a:p>
+            <a:r>
+              <a:rPr lang="es-ES" sz="800" dirty="0" smtClean="0"/>
+              <a:t>Navegador==Longitud de la tarea</a:t>
+            </a:r>
+            <a:endParaRPr lang="es-CO" sz="800" dirty="0"/>
+          </a:p>
+        </p:txBody>
+      </p:sp>
+      <p:sp>
+        <p:nvSpPr>
+          <p:cNvPr id="89" name="CuadroTexto 88"/>
+          <p:cNvSpPr txBox="1"/>
+          <p:nvPr/>
+        </p:nvSpPr>
+        <p:spPr>
+          <a:xfrm>
+            <a:off x="8978751" y="2580764"/>
+            <a:ext cx="362133" cy="261610"/>
+          </a:xfrm>
+          <a:prstGeom prst="rect">
+            <a:avLst/>
+          </a:prstGeom>
+          <a:noFill/>
+        </p:spPr>
+        <p:txBody>
+          <a:bodyPr wrap="square" rtlCol="0">
+            <a:spAutoFit/>
+          </a:bodyPr>
+          <a:lstStyle/>
+          <a:p>
+            <a:r>
+              <a:rPr lang="es-ES" sz="1100" dirty="0" smtClean="0"/>
+              <a:t>No</a:t>
+            </a:r>
+            <a:endParaRPr lang="es-CO" sz="1100" dirty="0"/>
+          </a:p>
+        </p:txBody>
+      </p:sp>
+      <p:cxnSp>
+        <p:nvCxnSpPr>
+          <p:cNvPr id="120" name="Conector angular 119"/>
+          <p:cNvCxnSpPr>
+            <a:stCxn id="110" idx="3"/>
+            <a:endCxn id="81" idx="0"/>
+          </p:cNvCxnSpPr>
+          <p:nvPr/>
+        </p:nvCxnSpPr>
+        <p:spPr>
+          <a:xfrm>
+            <a:off x="8202700" y="2044052"/>
+            <a:ext cx="783339" cy="164761"/>
+          </a:xfrm>
+          <a:prstGeom prst="bentConnector2">
+            <a:avLst/>
+          </a:prstGeom>
+          <a:ln>
+            <a:tailEnd type="triangle"/>
+          </a:ln>
+        </p:spPr>
+        <p:style>
+          <a:lnRef idx="1">
+            <a:schemeClr val="accent1"/>
+          </a:lnRef>
+          <a:fillRef idx="0">
+            <a:schemeClr val="accent1"/>
+          </a:fillRef>
+          <a:effectRef idx="0">
+            <a:schemeClr val="accent1"/>
+          </a:effectRef>
+          <a:fontRef idx="minor">
+            <a:schemeClr val="tx1"/>
+          </a:fontRef>
+        </p:style>
+      </p:cxnSp>
+      <p:cxnSp>
+        <p:nvCxnSpPr>
+          <p:cNvPr id="141" name="Conector recto de flecha 140"/>
+          <p:cNvCxnSpPr>
+            <a:stCxn id="81" idx="2"/>
+            <a:endCxn id="153" idx="0"/>
+          </p:cNvCxnSpPr>
+          <p:nvPr/>
+        </p:nvCxnSpPr>
+        <p:spPr>
+          <a:xfrm>
+            <a:off x="8986039" y="2470573"/>
+            <a:ext cx="0" cy="744687"/>
+          </a:xfrm>
+          <a:prstGeom prst="straightConnector1">
+            <a:avLst/>
+          </a:prstGeom>
+          <a:ln>
+            <a:tailEnd type="triangle"/>
+          </a:ln>
+        </p:spPr>
+        <p:style>
+          <a:lnRef idx="1">
+            <a:schemeClr val="accent1"/>
+          </a:lnRef>
+          <a:fillRef idx="0">
+            <a:schemeClr val="accent1"/>
+          </a:fillRef>
+          <a:effectRef idx="0">
+            <a:schemeClr val="accent1"/>
+          </a:effectRef>
+          <a:fontRef idx="minor">
+            <a:schemeClr val="tx1"/>
+          </a:fontRef>
+        </p:style>
+      </p:cxnSp>
+      <p:cxnSp>
+        <p:nvCxnSpPr>
+          <p:cNvPr id="144" name="Conector recto de flecha 143"/>
+          <p:cNvCxnSpPr/>
+          <p:nvPr/>
+        </p:nvCxnSpPr>
+        <p:spPr>
+          <a:xfrm>
+            <a:off x="9073744" y="3344348"/>
+            <a:ext cx="1044957" cy="7668"/>
+          </a:xfrm>
+          <a:prstGeom prst="straightConnector1">
+            <a:avLst/>
+          </a:prstGeom>
+          <a:ln>
+            <a:tailEnd type="triangle"/>
+          </a:ln>
+        </p:spPr>
+        <p:style>
+          <a:lnRef idx="1">
+            <a:schemeClr val="accent1"/>
+          </a:lnRef>
+          <a:fillRef idx="0">
+            <a:schemeClr val="accent1"/>
+          </a:fillRef>
+          <a:effectRef idx="0">
+            <a:schemeClr val="accent1"/>
+          </a:effectRef>
+          <a:fontRef idx="minor">
+            <a:schemeClr val="tx1"/>
+          </a:fontRef>
+        </p:style>
+      </p:cxnSp>
+      <p:sp>
+        <p:nvSpPr>
+          <p:cNvPr id="174" name="CuadroTexto 173"/>
+          <p:cNvSpPr txBox="1"/>
+          <p:nvPr/>
+        </p:nvSpPr>
+        <p:spPr>
+          <a:xfrm>
+            <a:off x="9976675" y="3579300"/>
+            <a:ext cx="284052" cy="261610"/>
+          </a:xfrm>
+          <a:prstGeom prst="rect">
+            <a:avLst/>
+          </a:prstGeom>
+          <a:noFill/>
+        </p:spPr>
+        <p:txBody>
+          <a:bodyPr wrap="none" rtlCol="0">
+            <a:spAutoFit/>
+          </a:bodyPr>
+          <a:lstStyle/>
+          <a:p>
+            <a:r>
+              <a:rPr lang="es-ES" sz="1100" dirty="0" smtClean="0"/>
+              <a:t>SI</a:t>
+            </a:r>
+            <a:endParaRPr lang="es-CO" sz="1100" dirty="0"/>
+          </a:p>
+        </p:txBody>
+      </p:sp>
+      <p:cxnSp>
+        <p:nvCxnSpPr>
+          <p:cNvPr id="187" name="Conector angular 186"/>
+          <p:cNvCxnSpPr>
+            <a:stCxn id="123" idx="1"/>
+            <a:endCxn id="110" idx="1"/>
+          </p:cNvCxnSpPr>
+          <p:nvPr/>
+        </p:nvCxnSpPr>
+        <p:spPr>
+          <a:xfrm rot="10800000">
+            <a:off x="7888801" y="2044053"/>
+            <a:ext cx="158820" cy="4027355"/>
+          </a:xfrm>
+          <a:prstGeom prst="bentConnector3">
+            <a:avLst>
+              <a:gd name="adj1" fmla="val 243937"/>
+            </a:avLst>
+          </a:prstGeom>
+          <a:ln>
+            <a:tailEnd type="triangle"/>
+          </a:ln>
+        </p:spPr>
+        <p:style>
+          <a:lnRef idx="1">
+            <a:schemeClr val="accent1"/>
+          </a:lnRef>
+          <a:fillRef idx="0">
+            <a:schemeClr val="accent1"/>
+          </a:fillRef>
+          <a:effectRef idx="0">
+            <a:schemeClr val="accent1"/>
+          </a:effectRef>
+          <a:fontRef idx="minor">
+            <a:schemeClr val="tx1"/>
+          </a:fontRef>
+        </p:style>
+      </p:cxnSp>
+      <p:sp>
+        <p:nvSpPr>
+          <p:cNvPr id="189" name="Rectángulo 188"/>
+          <p:cNvSpPr/>
+          <p:nvPr/>
+        </p:nvSpPr>
+        <p:spPr>
+          <a:xfrm>
+            <a:off x="10349008" y="3627109"/>
+            <a:ext cx="477459" cy="226235"/>
+          </a:xfrm>
+          <a:prstGeom prst="rect">
+            <a:avLst/>
+          </a:prstGeom>
+        </p:spPr>
+        <p:style>
+          <a:lnRef idx="2">
+            <a:schemeClr val="accent1">
+              <a:shade val="50000"/>
+            </a:schemeClr>
+          </a:lnRef>
+          <a:fillRef idx="1">
+            <a:schemeClr val="accent1"/>
+          </a:fillRef>
+          <a:effectRef idx="0">
+            <a:schemeClr val="accent1"/>
+          </a:effectRef>
+          <a:fontRef idx="minor">
+            <a:schemeClr val="lt1"/>
+          </a:fontRef>
+        </p:style>
+        <p:txBody>
+          <a:bodyPr rtlCol="0" anchor="ctr"/>
+          <a:lstStyle/>
+          <a:p>
+            <a:pPr algn="ctr"/>
+            <a:r>
+              <a:rPr lang="es-ES" sz="600" dirty="0" smtClean="0"/>
+              <a:t>Carácter inválido</a:t>
+            </a:r>
+            <a:endParaRPr lang="es-CO" sz="600" dirty="0"/>
+          </a:p>
+        </p:txBody>
+      </p:sp>
+      <p:cxnSp>
+        <p:nvCxnSpPr>
+          <p:cNvPr id="191" name="Conector angular 190"/>
+          <p:cNvCxnSpPr>
+            <a:stCxn id="16" idx="3"/>
+            <a:endCxn id="189" idx="0"/>
+          </p:cNvCxnSpPr>
+          <p:nvPr/>
+        </p:nvCxnSpPr>
+        <p:spPr>
+          <a:xfrm>
+            <a:off x="10396233" y="3352016"/>
+            <a:ext cx="191505" cy="275093"/>
+          </a:xfrm>
+          <a:prstGeom prst="bentConnector2">
+            <a:avLst/>
+          </a:prstGeom>
+          <a:ln>
+            <a:tailEnd type="triangle"/>
+          </a:ln>
+        </p:spPr>
+        <p:style>
+          <a:lnRef idx="1">
+            <a:schemeClr val="accent1"/>
+          </a:lnRef>
+          <a:fillRef idx="0">
+            <a:schemeClr val="accent1"/>
+          </a:fillRef>
+          <a:effectRef idx="0">
+            <a:schemeClr val="accent1"/>
+          </a:effectRef>
+          <a:fontRef idx="minor">
+            <a:schemeClr val="tx1"/>
+          </a:fontRef>
+        </p:style>
+      </p:cxnSp>
+      <p:sp>
+        <p:nvSpPr>
+          <p:cNvPr id="192" name="CuadroTexto 191"/>
+          <p:cNvSpPr txBox="1"/>
+          <p:nvPr/>
+        </p:nvSpPr>
+        <p:spPr>
+          <a:xfrm>
+            <a:off x="10369588" y="3189244"/>
+            <a:ext cx="378405" cy="215444"/>
+          </a:xfrm>
+          <a:prstGeom prst="rect">
+            <a:avLst/>
+          </a:prstGeom>
+          <a:noFill/>
+        </p:spPr>
+        <p:txBody>
+          <a:bodyPr wrap="square" rtlCol="0">
+            <a:spAutoFit/>
+          </a:bodyPr>
+          <a:lstStyle/>
+          <a:p>
+            <a:r>
+              <a:rPr lang="es-ES" sz="800" dirty="0" smtClean="0"/>
+              <a:t>No</a:t>
+            </a:r>
+            <a:endParaRPr lang="es-CO" sz="800" dirty="0"/>
+          </a:p>
+        </p:txBody>
+      </p:sp>
+      <p:sp>
+        <p:nvSpPr>
+          <p:cNvPr id="204" name="Rectángulo 203"/>
+          <p:cNvSpPr/>
+          <p:nvPr/>
+        </p:nvSpPr>
+        <p:spPr>
+          <a:xfrm>
+            <a:off x="9133676" y="4825465"/>
+            <a:ext cx="1105824" cy="249140"/>
+          </a:xfrm>
+          <a:prstGeom prst="rect">
+            <a:avLst/>
+          </a:prstGeom>
+        </p:spPr>
+        <p:style>
+          <a:lnRef idx="2">
+            <a:schemeClr val="accent1">
+              <a:shade val="50000"/>
+            </a:schemeClr>
+          </a:lnRef>
+          <a:fillRef idx="1">
+            <a:schemeClr val="accent1"/>
+          </a:fillRef>
+          <a:effectRef idx="0">
+            <a:schemeClr val="accent1"/>
+          </a:effectRef>
+          <a:fontRef idx="minor">
+            <a:schemeClr val="lt1"/>
+          </a:fontRef>
+        </p:style>
+        <p:txBody>
+          <a:bodyPr rtlCol="0" anchor="t"/>
+          <a:lstStyle/>
+          <a:p>
+            <a:pPr algn="ctr"/>
+            <a:r>
+              <a:rPr lang="es-ES" sz="800" dirty="0" err="1" smtClean="0"/>
+              <a:t>ContadorSondas</a:t>
+            </a:r>
+            <a:r>
+              <a:rPr lang="es-ES" sz="800" dirty="0" smtClean="0"/>
+              <a:t>+=</a:t>
+            </a:r>
+          </a:p>
+          <a:p>
+            <a:pPr algn="ctr"/>
+            <a:endParaRPr lang="es-ES" sz="800" dirty="0" smtClean="0"/>
+          </a:p>
+        </p:txBody>
+      </p:sp>
+      <p:cxnSp>
+        <p:nvCxnSpPr>
+          <p:cNvPr id="208" name="Conector angular 207"/>
+          <p:cNvCxnSpPr>
+            <a:stCxn id="204" idx="2"/>
+            <a:endCxn id="123" idx="3"/>
+          </p:cNvCxnSpPr>
+          <p:nvPr/>
+        </p:nvCxnSpPr>
+        <p:spPr>
+          <a:xfrm rot="16200000" flipH="1">
+            <a:off x="9307120" y="5454072"/>
+            <a:ext cx="996802" cy="237867"/>
+          </a:xfrm>
+          <a:prstGeom prst="bentConnector4">
+            <a:avLst>
+              <a:gd name="adj1" fmla="val 28878"/>
+              <a:gd name="adj2" fmla="val 328550"/>
+            </a:avLst>
+          </a:prstGeom>
+          <a:ln>
+            <a:tailEnd type="triangle"/>
+          </a:ln>
+        </p:spPr>
+        <p:style>
+          <a:lnRef idx="1">
+            <a:schemeClr val="accent1"/>
+          </a:lnRef>
+          <a:fillRef idx="0">
+            <a:schemeClr val="accent1"/>
+          </a:fillRef>
+          <a:effectRef idx="0">
+            <a:schemeClr val="accent1"/>
+          </a:effectRef>
+          <a:fontRef idx="minor">
+            <a:schemeClr val="tx1"/>
+          </a:fontRef>
+        </p:style>
+      </p:cxnSp>
+      <p:sp>
+        <p:nvSpPr>
+          <p:cNvPr id="211" name="Rombo 210"/>
+          <p:cNvSpPr/>
+          <p:nvPr/>
+        </p:nvSpPr>
+        <p:spPr>
+          <a:xfrm>
+            <a:off x="10124401" y="4382434"/>
+            <a:ext cx="224403" cy="273512"/>
+          </a:xfrm>
+          <a:prstGeom prst="diamond">
+            <a:avLst/>
+          </a:prstGeom>
+        </p:spPr>
+        <p:style>
+          <a:lnRef idx="2">
+            <a:schemeClr val="accent1">
+              <a:shade val="50000"/>
+            </a:schemeClr>
+          </a:lnRef>
+          <a:fillRef idx="1">
+            <a:schemeClr val="accent1"/>
+          </a:fillRef>
+          <a:effectRef idx="0">
+            <a:schemeClr val="accent1"/>
+          </a:effectRef>
+          <a:fontRef idx="minor">
+            <a:schemeClr val="lt1"/>
+          </a:fontRef>
+        </p:style>
+        <p:txBody>
+          <a:bodyPr rtlCol="0" anchor="ctr"/>
+          <a:lstStyle/>
+          <a:p>
+            <a:pPr algn="ctr"/>
+            <a:endParaRPr lang="es-CO"/>
+          </a:p>
+        </p:txBody>
+      </p:sp>
+      <p:cxnSp>
+        <p:nvCxnSpPr>
+          <p:cNvPr id="213" name="Conector recto de flecha 212"/>
+          <p:cNvCxnSpPr>
+            <a:stCxn id="16" idx="2"/>
+            <a:endCxn id="211" idx="0"/>
+          </p:cNvCxnSpPr>
+          <p:nvPr/>
+        </p:nvCxnSpPr>
+        <p:spPr>
+          <a:xfrm flipH="1">
+            <a:off x="10236603" y="3522613"/>
+            <a:ext cx="2681" cy="859821"/>
+          </a:xfrm>
+          <a:prstGeom prst="straightConnector1">
+            <a:avLst/>
+          </a:prstGeom>
+          <a:ln>
+            <a:tailEnd type="triangle"/>
+          </a:ln>
+        </p:spPr>
+        <p:style>
+          <a:lnRef idx="1">
+            <a:schemeClr val="accent1"/>
+          </a:lnRef>
+          <a:fillRef idx="0">
+            <a:schemeClr val="accent1"/>
+          </a:fillRef>
+          <a:effectRef idx="0">
+            <a:schemeClr val="accent1"/>
+          </a:effectRef>
+          <a:fontRef idx="minor">
+            <a:schemeClr val="tx1"/>
+          </a:fontRef>
+        </p:style>
+      </p:cxnSp>
+      <p:sp>
+        <p:nvSpPr>
+          <p:cNvPr id="218" name="CuadroTexto 217"/>
+          <p:cNvSpPr txBox="1"/>
+          <p:nvPr/>
+        </p:nvSpPr>
+        <p:spPr>
+          <a:xfrm flipH="1">
+            <a:off x="10273102" y="4253687"/>
+            <a:ext cx="2059095" cy="215444"/>
+          </a:xfrm>
+          <a:prstGeom prst="rect">
+            <a:avLst/>
+          </a:prstGeom>
+          <a:noFill/>
+        </p:spPr>
+        <p:txBody>
+          <a:bodyPr wrap="square" rtlCol="0">
+            <a:spAutoFit/>
+          </a:bodyPr>
+          <a:lstStyle/>
+          <a:p>
+            <a:r>
+              <a:rPr lang="es-ES" sz="800" dirty="0" err="1" smtClean="0"/>
+              <a:t>contadorsonda</a:t>
+            </a:r>
+            <a:r>
+              <a:rPr lang="es-ES" sz="800" dirty="0" smtClean="0"/>
+              <a:t> == 0 &amp;&amp; sonda[0]==0?</a:t>
+            </a:r>
+            <a:endParaRPr lang="es-CO" sz="800" dirty="0"/>
+          </a:p>
+        </p:txBody>
+      </p:sp>
+      <p:cxnSp>
+        <p:nvCxnSpPr>
+          <p:cNvPr id="225" name="Conector angular 224"/>
+          <p:cNvCxnSpPr>
+            <a:stCxn id="211" idx="1"/>
+            <a:endCxn id="204" idx="0"/>
+          </p:cNvCxnSpPr>
+          <p:nvPr/>
+        </p:nvCxnSpPr>
+        <p:spPr>
+          <a:xfrm rot="10800000" flipV="1">
+            <a:off x="9686589" y="4519189"/>
+            <a:ext cx="437813" cy="306275"/>
+          </a:xfrm>
+          <a:prstGeom prst="bentConnector2">
+            <a:avLst/>
+          </a:prstGeom>
+          <a:ln>
+            <a:tailEnd type="triangle"/>
+          </a:ln>
+        </p:spPr>
+        <p:style>
+          <a:lnRef idx="1">
+            <a:schemeClr val="accent1"/>
+          </a:lnRef>
+          <a:fillRef idx="0">
+            <a:schemeClr val="accent1"/>
+          </a:fillRef>
+          <a:effectRef idx="0">
+            <a:schemeClr val="accent1"/>
+          </a:effectRef>
+          <a:fontRef idx="minor">
+            <a:schemeClr val="tx1"/>
+          </a:fontRef>
+        </p:style>
+      </p:cxnSp>
+      <p:cxnSp>
+        <p:nvCxnSpPr>
+          <p:cNvPr id="230" name="Conector angular 229"/>
+          <p:cNvCxnSpPr>
+            <a:stCxn id="211" idx="3"/>
+          </p:cNvCxnSpPr>
+          <p:nvPr/>
+        </p:nvCxnSpPr>
+        <p:spPr>
+          <a:xfrm>
+            <a:off x="10348804" y="4519190"/>
+            <a:ext cx="312846" cy="1552217"/>
+          </a:xfrm>
+          <a:prstGeom prst="bentConnector2">
+            <a:avLst/>
+          </a:prstGeom>
+          <a:ln>
+            <a:tailEnd type="triangle"/>
+          </a:ln>
+        </p:spPr>
+        <p:style>
+          <a:lnRef idx="1">
+            <a:schemeClr val="accent1"/>
+          </a:lnRef>
+          <a:fillRef idx="0">
+            <a:schemeClr val="accent1"/>
+          </a:fillRef>
+          <a:effectRef idx="0">
+            <a:schemeClr val="accent1"/>
+          </a:effectRef>
+          <a:fontRef idx="minor">
+            <a:schemeClr val="tx1"/>
+          </a:fontRef>
+        </p:style>
+      </p:cxnSp>
+      <p:sp>
+        <p:nvSpPr>
+          <p:cNvPr id="231" name="CuadroTexto 230"/>
+          <p:cNvSpPr txBox="1"/>
+          <p:nvPr/>
+        </p:nvSpPr>
+        <p:spPr>
+          <a:xfrm>
+            <a:off x="10348804" y="4368437"/>
+            <a:ext cx="464208" cy="215444"/>
+          </a:xfrm>
+          <a:prstGeom prst="rect">
+            <a:avLst/>
+          </a:prstGeom>
+          <a:noFill/>
+        </p:spPr>
+        <p:txBody>
+          <a:bodyPr wrap="square" rtlCol="0">
+            <a:spAutoFit/>
+          </a:bodyPr>
+          <a:lstStyle/>
+          <a:p>
+            <a:r>
+              <a:rPr lang="es-ES" sz="800" dirty="0" smtClean="0"/>
+              <a:t>Si</a:t>
+            </a:r>
+            <a:endParaRPr lang="es-CO" sz="800" dirty="0"/>
+          </a:p>
+        </p:txBody>
+      </p:sp>
+    </p:spTree>
+    <p:extLst>
+      <p:ext uri="{BB962C8B-B14F-4D97-AF65-F5344CB8AC3E}">
+        <p14:creationId xmlns:p14="http://schemas.microsoft.com/office/powerpoint/2010/main" val="541857137"/>
       </p:ext>
     </p:extLst>
   </p:cSld>

--- a/Documentación/Documentation.pptx
+++ b/Documentación/Documentation.pptx
@@ -8,11 +8,15 @@
     <p:sldId id="257" r:id="rId2"/>
     <p:sldId id="260" r:id="rId3"/>
     <p:sldId id="256" r:id="rId4"/>
-    <p:sldId id="258" r:id="rId5"/>
-    <p:sldId id="262" r:id="rId6"/>
-    <p:sldId id="263" r:id="rId7"/>
-    <p:sldId id="259" r:id="rId8"/>
-    <p:sldId id="261" r:id="rId9"/>
+    <p:sldId id="266" r:id="rId5"/>
+    <p:sldId id="258" r:id="rId6"/>
+    <p:sldId id="262" r:id="rId7"/>
+    <p:sldId id="267" r:id="rId8"/>
+    <p:sldId id="264" r:id="rId9"/>
+    <p:sldId id="263" r:id="rId10"/>
+    <p:sldId id="265" r:id="rId11"/>
+    <p:sldId id="259" r:id="rId12"/>
+    <p:sldId id="261" r:id="rId13"/>
   </p:sldIdLst>
   <p:sldSz cx="12192000" cy="6858000"/>
   <p:notesSz cx="6858000" cy="9144000"/>
@@ -112,6 +116,30 @@
     </a:lvl9pPr>
   </p:defaultTextStyle>
   <p:extLst>
+    <p:ext uri="{521415D9-36F7-43E2-AB2F-B90AF26B5E84}">
+      <p14:sectionLst xmlns:p14="http://schemas.microsoft.com/office/powerpoint/2010/main">
+        <p14:section name="Sección predeterminada" id="{09DC8E3C-BE87-4982-B8C1-FE6BA513ABAA}">
+          <p14:sldIdLst>
+            <p14:sldId id="257"/>
+          </p14:sldIdLst>
+        </p14:section>
+        <p14:section name="Sección sin título" id="{73B088E5-2CB1-4672-87C4-7ED6F92491A3}">
+          <p14:sldIdLst>
+            <p14:sldId id="260"/>
+            <p14:sldId id="256"/>
+            <p14:sldId id="266"/>
+            <p14:sldId id="258"/>
+            <p14:sldId id="262"/>
+            <p14:sldId id="267"/>
+            <p14:sldId id="264"/>
+            <p14:sldId id="263"/>
+            <p14:sldId id="265"/>
+            <p14:sldId id="259"/>
+            <p14:sldId id="261"/>
+          </p14:sldIdLst>
+        </p14:section>
+      </p14:sectionLst>
+    </p:ext>
     <p:ext uri="{EFAFB233-063F-42B5-8137-9DF3F51BA10A}">
       <p15:sldGuideLst xmlns:p15="http://schemas.microsoft.com/office/powerpoint/2012/main"/>
     </p:ext>
@@ -250,7 +278,7 @@
           <a:p>
             <a:fld id="{5DB37A09-4840-4F25-837A-CE4EEBE13FCB}" type="datetimeFigureOut">
               <a:rPr lang="es-CO" smtClean="0"/>
-              <a:t>9/06/2020</a:t>
+              <a:t>23/06/2020</a:t>
             </a:fld>
             <a:endParaRPr lang="es-CO"/>
           </a:p>
@@ -420,7 +448,7 @@
           <a:p>
             <a:fld id="{5DB37A09-4840-4F25-837A-CE4EEBE13FCB}" type="datetimeFigureOut">
               <a:rPr lang="es-CO" smtClean="0"/>
-              <a:t>9/06/2020</a:t>
+              <a:t>23/06/2020</a:t>
             </a:fld>
             <a:endParaRPr lang="es-CO"/>
           </a:p>
@@ -600,7 +628,7 @@
           <a:p>
             <a:fld id="{5DB37A09-4840-4F25-837A-CE4EEBE13FCB}" type="datetimeFigureOut">
               <a:rPr lang="es-CO" smtClean="0"/>
-              <a:t>9/06/2020</a:t>
+              <a:t>23/06/2020</a:t>
             </a:fld>
             <a:endParaRPr lang="es-CO"/>
           </a:p>
@@ -770,7 +798,7 @@
           <a:p>
             <a:fld id="{5DB37A09-4840-4F25-837A-CE4EEBE13FCB}" type="datetimeFigureOut">
               <a:rPr lang="es-CO" smtClean="0"/>
-              <a:t>9/06/2020</a:t>
+              <a:t>23/06/2020</a:t>
             </a:fld>
             <a:endParaRPr lang="es-CO"/>
           </a:p>
@@ -1016,7 +1044,7 @@
           <a:p>
             <a:fld id="{5DB37A09-4840-4F25-837A-CE4EEBE13FCB}" type="datetimeFigureOut">
               <a:rPr lang="es-CO" smtClean="0"/>
-              <a:t>9/06/2020</a:t>
+              <a:t>23/06/2020</a:t>
             </a:fld>
             <a:endParaRPr lang="es-CO"/>
           </a:p>
@@ -1248,7 +1276,7 @@
           <a:p>
             <a:fld id="{5DB37A09-4840-4F25-837A-CE4EEBE13FCB}" type="datetimeFigureOut">
               <a:rPr lang="es-CO" smtClean="0"/>
-              <a:t>9/06/2020</a:t>
+              <a:t>23/06/2020</a:t>
             </a:fld>
             <a:endParaRPr lang="es-CO"/>
           </a:p>
@@ -1615,7 +1643,7 @@
           <a:p>
             <a:fld id="{5DB37A09-4840-4F25-837A-CE4EEBE13FCB}" type="datetimeFigureOut">
               <a:rPr lang="es-CO" smtClean="0"/>
-              <a:t>9/06/2020</a:t>
+              <a:t>23/06/2020</a:t>
             </a:fld>
             <a:endParaRPr lang="es-CO"/>
           </a:p>
@@ -1733,7 +1761,7 @@
           <a:p>
             <a:fld id="{5DB37A09-4840-4F25-837A-CE4EEBE13FCB}" type="datetimeFigureOut">
               <a:rPr lang="es-CO" smtClean="0"/>
-              <a:t>9/06/2020</a:t>
+              <a:t>23/06/2020</a:t>
             </a:fld>
             <a:endParaRPr lang="es-CO"/>
           </a:p>
@@ -1828,7 +1856,7 @@
           <a:p>
             <a:fld id="{5DB37A09-4840-4F25-837A-CE4EEBE13FCB}" type="datetimeFigureOut">
               <a:rPr lang="es-CO" smtClean="0"/>
-              <a:t>9/06/2020</a:t>
+              <a:t>23/06/2020</a:t>
             </a:fld>
             <a:endParaRPr lang="es-CO"/>
           </a:p>
@@ -2105,7 +2133,7 @@
           <a:p>
             <a:fld id="{5DB37A09-4840-4F25-837A-CE4EEBE13FCB}" type="datetimeFigureOut">
               <a:rPr lang="es-CO" smtClean="0"/>
-              <a:t>9/06/2020</a:t>
+              <a:t>23/06/2020</a:t>
             </a:fld>
             <a:endParaRPr lang="es-CO"/>
           </a:p>
@@ -2358,7 +2386,7 @@
           <a:p>
             <a:fld id="{5DB37A09-4840-4F25-837A-CE4EEBE13FCB}" type="datetimeFigureOut">
               <a:rPr lang="es-CO" smtClean="0"/>
-              <a:t>9/06/2020</a:t>
+              <a:t>23/06/2020</a:t>
             </a:fld>
             <a:endParaRPr lang="es-CO"/>
           </a:p>
@@ -2571,7 +2599,7 @@
           <a:p>
             <a:fld id="{5DB37A09-4840-4F25-837A-CE4EEBE13FCB}" type="datetimeFigureOut">
               <a:rPr lang="es-CO" smtClean="0"/>
-              <a:t>9/06/2020</a:t>
+              <a:t>23/06/2020</a:t>
             </a:fld>
             <a:endParaRPr lang="es-CO"/>
           </a:p>
@@ -2991,7 +3019,7 @@
           <a:bodyPr/>
           <a:lstStyle/>
           <a:p>
-            <a:endParaRPr lang="es-CO"/>
+            <a:endParaRPr lang="es-CO" dirty="0"/>
           </a:p>
         </p:txBody>
       </p:sp>
@@ -3019,7 +3047,7 @@
         </p:blipFill>
         <p:spPr>
           <a:xfrm>
-            <a:off x="838199" y="365124"/>
+            <a:off x="646814" y="-473726"/>
             <a:ext cx="9861645" cy="6420001"/>
           </a:xfrm>
         </p:spPr>
@@ -3044,7 +3072,7 @@
 </p:sld>
 </file>
 
-<file path=ppt/slides/slide2.xml><?xml version="1.0" encoding="utf-8"?>
+<file path=ppt/slides/slide10.xml><?xml version="1.0" encoding="utf-8"?>
 <p:sld xmlns:a="http://schemas.openxmlformats.org/drawingml/2006/main" xmlns:r="http://schemas.openxmlformats.org/officeDocument/2006/relationships" xmlns:p="http://schemas.openxmlformats.org/presentationml/2006/main">
   <p:cSld>
     <p:spTree>
@@ -3061,89 +3089,18 @@
           <a:chExt cx="0" cy="0"/>
         </a:xfrm>
       </p:grpSpPr>
-      <p:sp>
-        <p:nvSpPr>
-          <p:cNvPr id="4" name="Elipse 3"/>
-          <p:cNvSpPr/>
-          <p:nvPr/>
-        </p:nvSpPr>
-        <p:spPr>
-          <a:xfrm>
-            <a:off x="3779520" y="322217"/>
-            <a:ext cx="139337" cy="156754"/>
-          </a:xfrm>
-          <a:prstGeom prst="ellipse">
-            <a:avLst/>
-          </a:prstGeom>
-        </p:spPr>
-        <p:style>
-          <a:lnRef idx="2">
-            <a:schemeClr val="accent1">
-              <a:shade val="50000"/>
-            </a:schemeClr>
-          </a:lnRef>
-          <a:fillRef idx="1">
-            <a:schemeClr val="accent1"/>
-          </a:fillRef>
-          <a:effectRef idx="0">
-            <a:schemeClr val="accent1"/>
-          </a:effectRef>
-          <a:fontRef idx="minor">
-            <a:schemeClr val="lt1"/>
-          </a:fontRef>
-        </p:style>
-        <p:txBody>
-          <a:bodyPr rtlCol="0" anchor="ctr"/>
-          <a:lstStyle/>
-          <a:p>
-            <a:pPr algn="ctr"/>
-            <a:endParaRPr lang="es-CO"/>
-          </a:p>
-        </p:txBody>
-      </p:sp>
-      <p:sp>
-        <p:nvSpPr>
-          <p:cNvPr id="5" name="CuadroTexto 4"/>
-          <p:cNvSpPr txBox="1"/>
-          <p:nvPr/>
-        </p:nvSpPr>
-        <p:spPr>
-          <a:xfrm>
-            <a:off x="3108960" y="1541417"/>
-            <a:ext cx="1105880" cy="369332"/>
-          </a:xfrm>
-          <a:prstGeom prst="rect">
-            <a:avLst/>
-          </a:prstGeom>
-          <a:noFill/>
-        </p:spPr>
-        <p:txBody>
-          <a:bodyPr wrap="none" rtlCol="0">
-            <a:spAutoFit/>
-          </a:bodyPr>
-          <a:lstStyle/>
-          <a:p>
-            <a:r>
-              <a:rPr lang="es-ES" dirty="0" smtClean="0"/>
-              <a:t>Error 1…n</a:t>
-            </a:r>
-            <a:endParaRPr lang="es-CO" dirty="0"/>
-          </a:p>
-        </p:txBody>
-      </p:sp>
       <p:cxnSp>
         <p:nvCxnSpPr>
-          <p:cNvPr id="7" name="Conector recto de flecha 6"/>
+          <p:cNvPr id="16" name="Conector recto de flecha 15"/>
           <p:cNvCxnSpPr>
-            <a:stCxn id="5" idx="0"/>
-            <a:endCxn id="4" idx="0"/>
+            <a:endCxn id="14" idx="0"/>
           </p:cNvCxnSpPr>
           <p:nvPr/>
         </p:nvCxnSpPr>
         <p:spPr>
-          <a:xfrm flipV="1">
-            <a:off x="3661900" y="322217"/>
-            <a:ext cx="187289" cy="1219200"/>
+          <a:xfrm flipH="1">
+            <a:off x="5130472" y="487139"/>
+            <a:ext cx="78163" cy="211847"/>
           </a:xfrm>
           <a:prstGeom prst="straightConnector1">
             <a:avLst/>
@@ -3167,10 +3124,1392 @@
           </a:fontRef>
         </p:style>
       </p:cxnSp>
+      <p:cxnSp>
+        <p:nvCxnSpPr>
+          <p:cNvPr id="25" name="Conector recto de flecha 24"/>
+          <p:cNvCxnSpPr>
+            <a:stCxn id="14" idx="2"/>
+            <a:endCxn id="23" idx="0"/>
+          </p:cNvCxnSpPr>
+          <p:nvPr/>
+        </p:nvCxnSpPr>
+        <p:spPr>
+          <a:xfrm>
+            <a:off x="5130472" y="865335"/>
+            <a:ext cx="91042" cy="303100"/>
+          </a:xfrm>
+          <a:prstGeom prst="straightConnector1">
+            <a:avLst/>
+          </a:prstGeom>
+          <a:ln>
+            <a:tailEnd type="triangle"/>
+          </a:ln>
+        </p:spPr>
+        <p:style>
+          <a:lnRef idx="1">
+            <a:schemeClr val="accent1"/>
+          </a:lnRef>
+          <a:fillRef idx="0">
+            <a:schemeClr val="accent1"/>
+          </a:fillRef>
+          <a:effectRef idx="0">
+            <a:schemeClr val="accent1"/>
+          </a:effectRef>
+          <a:fontRef idx="minor">
+            <a:schemeClr val="tx1"/>
+          </a:fontRef>
+        </p:style>
+      </p:cxnSp>
+      <p:cxnSp>
+        <p:nvCxnSpPr>
+          <p:cNvPr id="3" name="Conector angular 2"/>
+          <p:cNvCxnSpPr>
+            <a:stCxn id="87" idx="2"/>
+            <a:endCxn id="97" idx="1"/>
+          </p:cNvCxnSpPr>
+          <p:nvPr/>
+        </p:nvCxnSpPr>
+        <p:spPr>
+          <a:xfrm rot="16200000" flipH="1">
+            <a:off x="3601197" y="3598293"/>
+            <a:ext cx="645230" cy="223690"/>
+          </a:xfrm>
+          <a:prstGeom prst="bentConnector2">
+            <a:avLst/>
+          </a:prstGeom>
+          <a:ln>
+            <a:tailEnd type="triangle"/>
+          </a:ln>
+        </p:spPr>
+        <p:style>
+          <a:lnRef idx="1">
+            <a:schemeClr val="accent1"/>
+          </a:lnRef>
+          <a:fillRef idx="0">
+            <a:schemeClr val="accent1"/>
+          </a:fillRef>
+          <a:effectRef idx="0">
+            <a:schemeClr val="accent1"/>
+          </a:effectRef>
+          <a:fontRef idx="minor">
+            <a:schemeClr val="tx1"/>
+          </a:fontRef>
+        </p:style>
+      </p:cxnSp>
+      <p:cxnSp>
+        <p:nvCxnSpPr>
+          <p:cNvPr id="7" name="Conector recto de flecha 6"/>
+          <p:cNvCxnSpPr>
+            <a:endCxn id="44" idx="3"/>
+          </p:cNvCxnSpPr>
+          <p:nvPr/>
+        </p:nvCxnSpPr>
+        <p:spPr>
+          <a:xfrm flipH="1">
+            <a:off x="6482640" y="1948892"/>
+            <a:ext cx="669590" cy="9735"/>
+          </a:xfrm>
+          <a:prstGeom prst="straightConnector1">
+            <a:avLst/>
+          </a:prstGeom>
+          <a:ln>
+            <a:tailEnd type="triangle"/>
+          </a:ln>
+        </p:spPr>
+        <p:style>
+          <a:lnRef idx="1">
+            <a:schemeClr val="accent1"/>
+          </a:lnRef>
+          <a:fillRef idx="0">
+            <a:schemeClr val="accent1"/>
+          </a:fillRef>
+          <a:effectRef idx="0">
+            <a:schemeClr val="accent1"/>
+          </a:effectRef>
+          <a:fontRef idx="minor">
+            <a:schemeClr val="tx1"/>
+          </a:fontRef>
+        </p:style>
+      </p:cxnSp>
+      <p:cxnSp>
+        <p:nvCxnSpPr>
+          <p:cNvPr id="27" name="Conector recto de flecha 26"/>
+          <p:cNvCxnSpPr>
+            <a:stCxn id="43" idx="2"/>
+            <a:endCxn id="87" idx="0"/>
+          </p:cNvCxnSpPr>
+          <p:nvPr/>
+        </p:nvCxnSpPr>
+        <p:spPr>
+          <a:xfrm>
+            <a:off x="3811966" y="2288636"/>
+            <a:ext cx="1" cy="749557"/>
+          </a:xfrm>
+          <a:prstGeom prst="straightConnector1">
+            <a:avLst/>
+          </a:prstGeom>
+          <a:ln>
+            <a:tailEnd type="triangle"/>
+          </a:ln>
+        </p:spPr>
+        <p:style>
+          <a:lnRef idx="1">
+            <a:schemeClr val="accent1"/>
+          </a:lnRef>
+          <a:fillRef idx="0">
+            <a:schemeClr val="accent1"/>
+          </a:fillRef>
+          <a:effectRef idx="0">
+            <a:schemeClr val="accent1"/>
+          </a:effectRef>
+          <a:fontRef idx="minor">
+            <a:schemeClr val="tx1"/>
+          </a:fontRef>
+        </p:style>
+      </p:cxnSp>
+      <p:grpSp>
+        <p:nvGrpSpPr>
+          <p:cNvPr id="180" name="Grupo 179"/>
+          <p:cNvGrpSpPr/>
+          <p:nvPr/>
+        </p:nvGrpSpPr>
+        <p:grpSpPr>
+          <a:xfrm>
+            <a:off x="3811967" y="782161"/>
+            <a:ext cx="3353141" cy="3721053"/>
+            <a:chOff x="3811967" y="782161"/>
+            <a:chExt cx="3353141" cy="3721053"/>
+          </a:xfrm>
+        </p:grpSpPr>
+        <p:cxnSp>
+          <p:nvCxnSpPr>
+            <p:cNvPr id="17" name="Conector angular 16"/>
+            <p:cNvCxnSpPr/>
+            <p:nvPr/>
+          </p:nvCxnSpPr>
+          <p:spPr>
+            <a:xfrm rot="5400000">
+              <a:off x="5408438" y="2746544"/>
+              <a:ext cx="3104319" cy="409021"/>
+            </a:xfrm>
+            <a:prstGeom prst="bentConnector2">
+              <a:avLst/>
+            </a:prstGeom>
+            <a:ln>
+              <a:tailEnd type="triangle"/>
+            </a:ln>
+          </p:spPr>
+          <p:style>
+            <a:lnRef idx="1">
+              <a:schemeClr val="accent1"/>
+            </a:lnRef>
+            <a:fillRef idx="0">
+              <a:schemeClr val="accent1"/>
+            </a:fillRef>
+            <a:effectRef idx="0">
+              <a:schemeClr val="accent1"/>
+            </a:effectRef>
+            <a:fontRef idx="minor">
+              <a:schemeClr val="tx1"/>
+            </a:fontRef>
+          </p:style>
+        </p:cxnSp>
+        <p:cxnSp>
+          <p:nvCxnSpPr>
+            <p:cNvPr id="56" name="Conector angular 55"/>
+            <p:cNvCxnSpPr>
+              <a:stCxn id="14" idx="3"/>
+              <a:endCxn id="84" idx="0"/>
+            </p:cNvCxnSpPr>
+            <p:nvPr/>
+          </p:nvCxnSpPr>
+          <p:spPr>
+            <a:xfrm>
+              <a:off x="6010252" y="782161"/>
+              <a:ext cx="1013836" cy="479680"/>
+            </a:xfrm>
+            <a:prstGeom prst="bentConnector2">
+              <a:avLst/>
+            </a:prstGeom>
+            <a:ln>
+              <a:tailEnd type="triangle"/>
+            </a:ln>
+          </p:spPr>
+          <p:style>
+            <a:lnRef idx="1">
+              <a:schemeClr val="accent1"/>
+            </a:lnRef>
+            <a:fillRef idx="0">
+              <a:schemeClr val="accent1"/>
+            </a:fillRef>
+            <a:effectRef idx="0">
+              <a:schemeClr val="accent1"/>
+            </a:effectRef>
+            <a:fontRef idx="minor">
+              <a:schemeClr val="tx1"/>
+            </a:fontRef>
+          </p:style>
+        </p:cxnSp>
+        <p:cxnSp>
+          <p:nvCxnSpPr>
+            <p:cNvPr id="58" name="Conector angular 57"/>
+            <p:cNvCxnSpPr>
+              <a:stCxn id="23" idx="1"/>
+              <a:endCxn id="43" idx="0"/>
+            </p:cNvCxnSpPr>
+            <p:nvPr/>
+          </p:nvCxnSpPr>
+          <p:spPr>
+            <a:xfrm rot="10800000" flipV="1">
+              <a:off x="3811967" y="1386016"/>
+              <a:ext cx="880737" cy="252993"/>
+            </a:xfrm>
+            <a:prstGeom prst="bentConnector2">
+              <a:avLst/>
+            </a:prstGeom>
+            <a:ln>
+              <a:tailEnd type="triangle"/>
+            </a:ln>
+          </p:spPr>
+          <p:style>
+            <a:lnRef idx="1">
+              <a:schemeClr val="accent1"/>
+            </a:lnRef>
+            <a:fillRef idx="0">
+              <a:schemeClr val="accent1"/>
+            </a:fillRef>
+            <a:effectRef idx="0">
+              <a:schemeClr val="accent1"/>
+            </a:effectRef>
+            <a:fontRef idx="minor">
+              <a:schemeClr val="tx1"/>
+            </a:fontRef>
+          </p:style>
+        </p:cxnSp>
+      </p:grpSp>
+      <p:cxnSp>
+        <p:nvCxnSpPr>
+          <p:cNvPr id="60" name="Conector recto de flecha 59"/>
+          <p:cNvCxnSpPr>
+            <a:stCxn id="87" idx="3"/>
+            <a:endCxn id="85" idx="1"/>
+          </p:cNvCxnSpPr>
+          <p:nvPr/>
+        </p:nvCxnSpPr>
+        <p:spPr>
+          <a:xfrm>
+            <a:off x="4168606" y="3212858"/>
+            <a:ext cx="223690" cy="2814"/>
+          </a:xfrm>
+          <a:prstGeom prst="straightConnector1">
+            <a:avLst/>
+          </a:prstGeom>
+          <a:ln>
+            <a:tailEnd type="triangle"/>
+          </a:ln>
+        </p:spPr>
+        <p:style>
+          <a:lnRef idx="1">
+            <a:schemeClr val="accent1"/>
+          </a:lnRef>
+          <a:fillRef idx="0">
+            <a:schemeClr val="accent1"/>
+          </a:fillRef>
+          <a:effectRef idx="0">
+            <a:schemeClr val="accent1"/>
+          </a:effectRef>
+          <a:fontRef idx="minor">
+            <a:schemeClr val="tx1"/>
+          </a:fontRef>
+        </p:style>
+      </p:cxnSp>
+      <p:cxnSp>
+        <p:nvCxnSpPr>
+          <p:cNvPr id="70" name="Conector angular 69"/>
+          <p:cNvCxnSpPr>
+            <a:stCxn id="87" idx="1"/>
+            <a:endCxn id="114" idx="1"/>
+          </p:cNvCxnSpPr>
+          <p:nvPr/>
+        </p:nvCxnSpPr>
+        <p:spPr>
+          <a:xfrm rot="10800000" flipH="1" flipV="1">
+            <a:off x="3455326" y="3212858"/>
+            <a:ext cx="2183935" cy="1337866"/>
+          </a:xfrm>
+          <a:prstGeom prst="bentConnector3">
+            <a:avLst>
+              <a:gd name="adj1" fmla="val -10467"/>
+            </a:avLst>
+          </a:prstGeom>
+          <a:ln>
+            <a:tailEnd type="triangle"/>
+          </a:ln>
+        </p:spPr>
+        <p:style>
+          <a:lnRef idx="1">
+            <a:schemeClr val="accent1"/>
+          </a:lnRef>
+          <a:fillRef idx="0">
+            <a:schemeClr val="accent1"/>
+          </a:fillRef>
+          <a:effectRef idx="0">
+            <a:schemeClr val="accent1"/>
+          </a:effectRef>
+          <a:fontRef idx="minor">
+            <a:schemeClr val="tx1"/>
+          </a:fontRef>
+        </p:style>
+      </p:cxnSp>
+      <p:cxnSp>
+        <p:nvCxnSpPr>
+          <p:cNvPr id="74" name="Conector recto de flecha 73"/>
+          <p:cNvCxnSpPr/>
+          <p:nvPr/>
+        </p:nvCxnSpPr>
+        <p:spPr>
+          <a:xfrm>
+            <a:off x="6423088" y="3012096"/>
+            <a:ext cx="0" cy="0"/>
+          </a:xfrm>
+          <a:prstGeom prst="straightConnector1">
+            <a:avLst/>
+          </a:prstGeom>
+          <a:ln>
+            <a:tailEnd type="triangle"/>
+          </a:ln>
+        </p:spPr>
+        <p:style>
+          <a:lnRef idx="1">
+            <a:schemeClr val="accent1"/>
+          </a:lnRef>
+          <a:fillRef idx="0">
+            <a:schemeClr val="accent1"/>
+          </a:fillRef>
+          <a:effectRef idx="0">
+            <a:schemeClr val="accent1"/>
+          </a:effectRef>
+          <a:fontRef idx="minor">
+            <a:schemeClr val="tx1"/>
+          </a:fontRef>
+        </p:style>
+      </p:cxnSp>
+      <p:cxnSp>
+        <p:nvCxnSpPr>
+          <p:cNvPr id="76" name="Conector recto de flecha 75"/>
+          <p:cNvCxnSpPr>
+            <a:stCxn id="44" idx="2"/>
+            <a:endCxn id="71" idx="0"/>
+          </p:cNvCxnSpPr>
+          <p:nvPr/>
+        </p:nvCxnSpPr>
+        <p:spPr>
+          <a:xfrm>
+            <a:off x="6129757" y="2094476"/>
+            <a:ext cx="5998" cy="657312"/>
+          </a:xfrm>
+          <a:prstGeom prst="straightConnector1">
+            <a:avLst/>
+          </a:prstGeom>
+          <a:ln>
+            <a:tailEnd type="triangle"/>
+          </a:ln>
+        </p:spPr>
+        <p:style>
+          <a:lnRef idx="1">
+            <a:schemeClr val="accent1"/>
+          </a:lnRef>
+          <a:fillRef idx="0">
+            <a:schemeClr val="accent1"/>
+          </a:fillRef>
+          <a:effectRef idx="0">
+            <a:schemeClr val="accent1"/>
+          </a:effectRef>
+          <a:fontRef idx="minor">
+            <a:schemeClr val="tx1"/>
+          </a:fontRef>
+        </p:style>
+      </p:cxnSp>
+      <p:grpSp>
+        <p:nvGrpSpPr>
+          <p:cNvPr id="181" name="Grupo 180"/>
+          <p:cNvGrpSpPr/>
+          <p:nvPr/>
+        </p:nvGrpSpPr>
+        <p:grpSpPr>
+          <a:xfrm>
+            <a:off x="4692703" y="1168435"/>
+            <a:ext cx="1437054" cy="654343"/>
+            <a:chOff x="4692703" y="1168435"/>
+            <a:chExt cx="1437054" cy="654343"/>
+          </a:xfrm>
+        </p:grpSpPr>
+        <p:sp>
+          <p:nvSpPr>
+            <p:cNvPr id="23" name="Rombo 22"/>
+            <p:cNvSpPr/>
+            <p:nvPr/>
+          </p:nvSpPr>
+          <p:spPr>
+            <a:xfrm>
+              <a:off x="4692703" y="1168435"/>
+              <a:ext cx="1057622" cy="435164"/>
+            </a:xfrm>
+            <a:prstGeom prst="diamond">
+              <a:avLst/>
+            </a:prstGeom>
+          </p:spPr>
+          <p:style>
+            <a:lnRef idx="2">
+              <a:schemeClr val="accent1">
+                <a:shade val="50000"/>
+              </a:schemeClr>
+            </a:lnRef>
+            <a:fillRef idx="1">
+              <a:schemeClr val="accent1"/>
+            </a:fillRef>
+            <a:effectRef idx="0">
+              <a:schemeClr val="accent1"/>
+            </a:effectRef>
+            <a:fontRef idx="minor">
+              <a:schemeClr val="lt1"/>
+            </a:fontRef>
+          </p:style>
+          <p:txBody>
+            <a:bodyPr rtlCol="0" anchor="ctr"/>
+            <a:lstStyle/>
+            <a:p>
+              <a:pPr algn="ctr"/>
+              <a:endParaRPr lang="es-CO"/>
+            </a:p>
+          </p:txBody>
+        </p:sp>
+        <p:cxnSp>
+          <p:nvCxnSpPr>
+            <p:cNvPr id="90" name="Conector angular 89"/>
+            <p:cNvCxnSpPr>
+              <a:stCxn id="23" idx="3"/>
+              <a:endCxn id="44" idx="0"/>
+            </p:cNvCxnSpPr>
+            <p:nvPr/>
+          </p:nvCxnSpPr>
+          <p:spPr>
+            <a:xfrm>
+              <a:off x="5750325" y="1386017"/>
+              <a:ext cx="379432" cy="436761"/>
+            </a:xfrm>
+            <a:prstGeom prst="bentConnector2">
+              <a:avLst/>
+            </a:prstGeom>
+            <a:ln>
+              <a:tailEnd type="triangle"/>
+            </a:ln>
+          </p:spPr>
+          <p:style>
+            <a:lnRef idx="1">
+              <a:schemeClr val="accent1"/>
+            </a:lnRef>
+            <a:fillRef idx="0">
+              <a:schemeClr val="accent1"/>
+            </a:fillRef>
+            <a:effectRef idx="0">
+              <a:schemeClr val="accent1"/>
+            </a:effectRef>
+            <a:fontRef idx="minor">
+              <a:schemeClr val="tx1"/>
+            </a:fontRef>
+          </p:style>
+        </p:cxnSp>
+      </p:grpSp>
+      <p:grpSp>
+        <p:nvGrpSpPr>
+          <p:cNvPr id="179" name="Grupo 178"/>
+          <p:cNvGrpSpPr/>
+          <p:nvPr/>
+        </p:nvGrpSpPr>
+        <p:grpSpPr>
+          <a:xfrm>
+            <a:off x="3144232" y="174923"/>
+            <a:ext cx="4446740" cy="4455134"/>
+            <a:chOff x="3157110" y="149164"/>
+            <a:chExt cx="4621730" cy="4425763"/>
+          </a:xfrm>
+        </p:grpSpPr>
+        <p:sp>
+          <p:nvSpPr>
+            <p:cNvPr id="14" name="Rectángulo 13"/>
+            <p:cNvSpPr/>
+            <p:nvPr/>
+          </p:nvSpPr>
+          <p:spPr>
+            <a:xfrm>
+              <a:off x="4307112" y="669772"/>
+              <a:ext cx="1828803" cy="165252"/>
+            </a:xfrm>
+            <a:prstGeom prst="rect">
+              <a:avLst/>
+            </a:prstGeom>
+          </p:spPr>
+          <p:style>
+            <a:lnRef idx="2">
+              <a:schemeClr val="accent1">
+                <a:shade val="50000"/>
+              </a:schemeClr>
+            </a:lnRef>
+            <a:fillRef idx="1">
+              <a:schemeClr val="accent1"/>
+            </a:fillRef>
+            <a:effectRef idx="0">
+              <a:schemeClr val="accent1"/>
+            </a:effectRef>
+            <a:fontRef idx="minor">
+              <a:schemeClr val="lt1"/>
+            </a:fontRef>
+          </p:style>
+          <p:txBody>
+            <a:bodyPr rtlCol="0" anchor="ctr"/>
+            <a:lstStyle/>
+            <a:p>
+              <a:pPr algn="ctr"/>
+              <a:r>
+                <a:rPr lang="es-ES" sz="1000" dirty="0" smtClean="0">
+                  <a:solidFill>
+                    <a:schemeClr val="tx1"/>
+                  </a:solidFill>
+                </a:rPr>
+                <a:t>“Buscar cliente”</a:t>
+              </a:r>
+              <a:endParaRPr lang="es-CO" sz="1000" dirty="0"/>
+            </a:p>
+          </p:txBody>
+        </p:sp>
+        <p:sp>
+          <p:nvSpPr>
+            <p:cNvPr id="43" name="Rectángulo 42"/>
+            <p:cNvSpPr/>
+            <p:nvPr/>
+          </p:nvSpPr>
+          <p:spPr>
+            <a:xfrm>
+              <a:off x="3157110" y="1603599"/>
+              <a:ext cx="1388021" cy="645343"/>
+            </a:xfrm>
+            <a:prstGeom prst="rect">
+              <a:avLst/>
+            </a:prstGeom>
+          </p:spPr>
+          <p:style>
+            <a:lnRef idx="2">
+              <a:schemeClr val="accent1">
+                <a:shade val="50000"/>
+              </a:schemeClr>
+            </a:lnRef>
+            <a:fillRef idx="1">
+              <a:schemeClr val="accent1"/>
+            </a:fillRef>
+            <a:effectRef idx="0">
+              <a:schemeClr val="accent1"/>
+            </a:effectRef>
+            <a:fontRef idx="minor">
+              <a:schemeClr val="lt1"/>
+            </a:fontRef>
+          </p:style>
+          <p:txBody>
+            <a:bodyPr rtlCol="0" anchor="ctr"/>
+            <a:lstStyle/>
+            <a:p>
+              <a:r>
+                <a:rPr lang="es-ES" sz="1100" dirty="0" smtClean="0">
+                  <a:solidFill>
+                    <a:schemeClr val="tx1"/>
+                  </a:solidFill>
+                </a:rPr>
+                <a:t>Realice una opción:</a:t>
+              </a:r>
+            </a:p>
+            <a:p>
+              <a:pPr marL="228600" indent="-228600">
+                <a:buFont typeface="+mj-lt"/>
+                <a:buAutoNum type="arabicPeriod"/>
+              </a:pPr>
+              <a:r>
+                <a:rPr lang="es-ES" sz="1100" dirty="0" smtClean="0">
+                  <a:solidFill>
+                    <a:schemeClr val="tx1"/>
+                  </a:solidFill>
+                </a:rPr>
+                <a:t>Editar cliente</a:t>
+              </a:r>
+            </a:p>
+            <a:p>
+              <a:pPr marL="228600" indent="-228600">
+                <a:buFont typeface="+mj-lt"/>
+                <a:buAutoNum type="arabicPeriod"/>
+              </a:pPr>
+              <a:r>
+                <a:rPr lang="es-ES" sz="1100" dirty="0" smtClean="0">
+                  <a:solidFill>
+                    <a:schemeClr val="tx1"/>
+                  </a:solidFill>
+                </a:rPr>
+                <a:t>Editar “cliente”</a:t>
+              </a:r>
+            </a:p>
+            <a:p>
+              <a:pPr marL="228600" indent="-228600" algn="ctr">
+                <a:buFont typeface="+mj-lt"/>
+                <a:buAutoNum type="alphaLcParenR"/>
+              </a:pPr>
+              <a:endParaRPr lang="es-CO" sz="1100" dirty="0">
+                <a:solidFill>
+                  <a:schemeClr val="tx1"/>
+                </a:solidFill>
+              </a:endParaRPr>
+            </a:p>
+          </p:txBody>
+        </p:sp>
+        <p:sp>
+          <p:nvSpPr>
+            <p:cNvPr id="44" name="Rombo 43"/>
+            <p:cNvSpPr/>
+            <p:nvPr/>
+          </p:nvSpPr>
+          <p:spPr>
+            <a:xfrm>
+              <a:off x="5893353" y="1786155"/>
+              <a:ext cx="733540" cy="269907"/>
+            </a:xfrm>
+            <a:prstGeom prst="diamond">
+              <a:avLst/>
+            </a:prstGeom>
+          </p:spPr>
+          <p:style>
+            <a:lnRef idx="2">
+              <a:schemeClr val="accent1">
+                <a:shade val="50000"/>
+              </a:schemeClr>
+            </a:lnRef>
+            <a:fillRef idx="1">
+              <a:schemeClr val="accent1"/>
+            </a:fillRef>
+            <a:effectRef idx="0">
+              <a:schemeClr val="accent1"/>
+            </a:effectRef>
+            <a:fontRef idx="minor">
+              <a:schemeClr val="lt1"/>
+            </a:fontRef>
+          </p:style>
+          <p:txBody>
+            <a:bodyPr rtlCol="0" anchor="ctr"/>
+            <a:lstStyle/>
+            <a:p>
+              <a:pPr algn="ctr"/>
+              <a:endParaRPr lang="es-CO"/>
+            </a:p>
+          </p:txBody>
+        </p:sp>
+        <p:sp>
+          <p:nvSpPr>
+            <p:cNvPr id="71" name="Rectángulo 70"/>
+            <p:cNvSpPr/>
+            <p:nvPr/>
+          </p:nvSpPr>
+          <p:spPr>
+            <a:xfrm>
+              <a:off x="5752087" y="2709041"/>
+              <a:ext cx="1028539" cy="526862"/>
+            </a:xfrm>
+            <a:prstGeom prst="rect">
+              <a:avLst/>
+            </a:prstGeom>
+          </p:spPr>
+          <p:style>
+            <a:lnRef idx="2">
+              <a:schemeClr val="accent1">
+                <a:shade val="50000"/>
+              </a:schemeClr>
+            </a:lnRef>
+            <a:fillRef idx="1">
+              <a:schemeClr val="accent1"/>
+            </a:fillRef>
+            <a:effectRef idx="0">
+              <a:schemeClr val="accent1"/>
+            </a:effectRef>
+            <a:fontRef idx="minor">
+              <a:schemeClr val="lt1"/>
+            </a:fontRef>
+          </p:style>
+          <p:txBody>
+            <a:bodyPr rtlCol="0" anchor="ctr"/>
+            <a:lstStyle/>
+            <a:p>
+              <a:pPr algn="ctr"/>
+              <a:r>
+                <a:rPr lang="es-ES" sz="1100" dirty="0" smtClean="0">
+                  <a:solidFill>
+                    <a:schemeClr val="tx1"/>
+                  </a:solidFill>
+                </a:rPr>
+                <a:t>Agregar nuevo cliente</a:t>
+              </a:r>
+              <a:endParaRPr lang="es-CO" sz="1100" dirty="0">
+                <a:solidFill>
+                  <a:schemeClr val="tx1"/>
+                </a:solidFill>
+              </a:endParaRPr>
+            </a:p>
+          </p:txBody>
+        </p:sp>
+        <p:sp>
+          <p:nvSpPr>
+            <p:cNvPr id="84" name="Rectángulo 83"/>
+            <p:cNvSpPr/>
+            <p:nvPr/>
+          </p:nvSpPr>
+          <p:spPr>
+            <a:xfrm>
+              <a:off x="6600456" y="1228916"/>
+              <a:ext cx="1178384" cy="187176"/>
+            </a:xfrm>
+            <a:prstGeom prst="rect">
+              <a:avLst/>
+            </a:prstGeom>
+          </p:spPr>
+          <p:style>
+            <a:lnRef idx="2">
+              <a:schemeClr val="accent1">
+                <a:shade val="50000"/>
+              </a:schemeClr>
+            </a:lnRef>
+            <a:fillRef idx="1">
+              <a:schemeClr val="accent1"/>
+            </a:fillRef>
+            <a:effectRef idx="0">
+              <a:schemeClr val="accent1"/>
+            </a:effectRef>
+            <a:fontRef idx="minor">
+              <a:schemeClr val="lt1"/>
+            </a:fontRef>
+          </p:style>
+          <p:txBody>
+            <a:bodyPr rtlCol="0" anchor="ctr"/>
+            <a:lstStyle/>
+            <a:p>
+              <a:pPr algn="ctr"/>
+              <a:r>
+                <a:rPr lang="es-ES" sz="1100" dirty="0" smtClean="0">
+                  <a:solidFill>
+                    <a:schemeClr val="tx1"/>
+                  </a:solidFill>
+                </a:rPr>
+                <a:t>Error digitando</a:t>
+              </a:r>
+            </a:p>
+          </p:txBody>
+        </p:sp>
+        <p:sp>
+          <p:nvSpPr>
+            <p:cNvPr id="85" name="Rectángulo 84"/>
+            <p:cNvSpPr/>
+            <p:nvPr/>
+          </p:nvSpPr>
+          <p:spPr>
+            <a:xfrm>
+              <a:off x="4454288" y="2905463"/>
+              <a:ext cx="1159619" cy="528806"/>
+            </a:xfrm>
+            <a:prstGeom prst="rect">
+              <a:avLst/>
+            </a:prstGeom>
+          </p:spPr>
+          <p:style>
+            <a:lnRef idx="2">
+              <a:schemeClr val="accent1">
+                <a:shade val="50000"/>
+              </a:schemeClr>
+            </a:lnRef>
+            <a:fillRef idx="1">
+              <a:schemeClr val="accent1"/>
+            </a:fillRef>
+            <a:effectRef idx="0">
+              <a:schemeClr val="accent1"/>
+            </a:effectRef>
+            <a:fontRef idx="minor">
+              <a:schemeClr val="lt1"/>
+            </a:fontRef>
+          </p:style>
+          <p:txBody>
+            <a:bodyPr rtlCol="0" anchor="ctr"/>
+            <a:lstStyle/>
+            <a:p>
+              <a:r>
+                <a:rPr lang="es-ES" sz="1100" dirty="0" smtClean="0">
+                  <a:solidFill>
+                    <a:schemeClr val="tx1"/>
+                  </a:solidFill>
+                </a:rPr>
+                <a:t>Editar cliente</a:t>
+              </a:r>
+            </a:p>
+            <a:p>
+              <a:r>
+                <a:rPr lang="es-ES" sz="1100" dirty="0" smtClean="0">
+                  <a:solidFill>
+                    <a:schemeClr val="tx1"/>
+                  </a:solidFill>
+                </a:rPr>
+                <a:t>Nombre cliente:</a:t>
+              </a:r>
+            </a:p>
+            <a:p>
+              <a:pPr algn="ctr"/>
+              <a:endParaRPr lang="es-CO" sz="1100" dirty="0">
+                <a:solidFill>
+                  <a:schemeClr val="tx1"/>
+                </a:solidFill>
+              </a:endParaRPr>
+            </a:p>
+          </p:txBody>
+        </p:sp>
+        <p:grpSp>
+          <p:nvGrpSpPr>
+            <p:cNvPr id="5" name="Grupo 4"/>
+            <p:cNvGrpSpPr/>
+            <p:nvPr/>
+          </p:nvGrpSpPr>
+          <p:grpSpPr>
+            <a:xfrm>
+              <a:off x="3480447" y="2993558"/>
+              <a:ext cx="1741067" cy="1100701"/>
+              <a:chOff x="3908468" y="2459718"/>
+              <a:chExt cx="1741067" cy="1100701"/>
+            </a:xfrm>
+          </p:grpSpPr>
+          <p:sp>
+            <p:nvSpPr>
+              <p:cNvPr id="87" name="Rombo 86"/>
+              <p:cNvSpPr/>
+              <p:nvPr/>
+            </p:nvSpPr>
+            <p:spPr>
+              <a:xfrm>
+                <a:off x="3908468" y="2459718"/>
+                <a:ext cx="741348" cy="347027"/>
+              </a:xfrm>
+              <a:prstGeom prst="diamond">
+                <a:avLst/>
+              </a:prstGeom>
+            </p:spPr>
+            <p:style>
+              <a:lnRef idx="2">
+                <a:schemeClr val="accent1">
+                  <a:shade val="50000"/>
+                </a:schemeClr>
+              </a:lnRef>
+              <a:fillRef idx="1">
+                <a:schemeClr val="accent1"/>
+              </a:fillRef>
+              <a:effectRef idx="0">
+                <a:schemeClr val="accent1"/>
+              </a:effectRef>
+              <a:fontRef idx="minor">
+                <a:schemeClr val="lt1"/>
+              </a:fontRef>
+            </p:style>
+            <p:txBody>
+              <a:bodyPr rtlCol="0" anchor="ctr"/>
+              <a:lstStyle/>
+              <a:p>
+                <a:pPr algn="ctr"/>
+                <a:endParaRPr lang="es-CO"/>
+              </a:p>
+            </p:txBody>
+          </p:sp>
+          <p:sp>
+            <p:nvSpPr>
+              <p:cNvPr id="97" name="Rectángulo 96"/>
+              <p:cNvSpPr/>
+              <p:nvPr/>
+            </p:nvSpPr>
+            <p:spPr>
+              <a:xfrm>
+                <a:off x="4511635" y="3335022"/>
+                <a:ext cx="1137900" cy="225397"/>
+              </a:xfrm>
+              <a:prstGeom prst="rect">
+                <a:avLst/>
+              </a:prstGeom>
+            </p:spPr>
+            <p:style>
+              <a:lnRef idx="2">
+                <a:schemeClr val="accent1">
+                  <a:shade val="50000"/>
+                </a:schemeClr>
+              </a:lnRef>
+              <a:fillRef idx="1">
+                <a:schemeClr val="accent1"/>
+              </a:fillRef>
+              <a:effectRef idx="0">
+                <a:schemeClr val="accent1"/>
+              </a:effectRef>
+              <a:fontRef idx="minor">
+                <a:schemeClr val="lt1"/>
+              </a:fontRef>
+            </p:style>
+            <p:txBody>
+              <a:bodyPr rtlCol="0" anchor="ctr"/>
+              <a:lstStyle/>
+              <a:p>
+                <a:pPr algn="ctr"/>
+                <a:r>
+                  <a:rPr lang="es-ES" sz="1100" dirty="0" smtClean="0">
+                    <a:solidFill>
+                      <a:schemeClr val="tx1"/>
+                    </a:solidFill>
+                  </a:rPr>
+                  <a:t>Eliminar cliente</a:t>
+                </a:r>
+                <a:endParaRPr lang="es-CO" sz="1100" dirty="0">
+                  <a:solidFill>
+                    <a:schemeClr val="tx1"/>
+                  </a:solidFill>
+                </a:endParaRPr>
+              </a:p>
+            </p:txBody>
+          </p:sp>
+        </p:grpSp>
+        <p:sp>
+          <p:nvSpPr>
+            <p:cNvPr id="114" name="Rectángulo 113"/>
+            <p:cNvSpPr/>
+            <p:nvPr/>
+          </p:nvSpPr>
+          <p:spPr>
+            <a:xfrm>
+              <a:off x="5750325" y="4417307"/>
+              <a:ext cx="1030301" cy="157620"/>
+            </a:xfrm>
+            <a:prstGeom prst="rect">
+              <a:avLst/>
+            </a:prstGeom>
+          </p:spPr>
+          <p:style>
+            <a:lnRef idx="2">
+              <a:schemeClr val="accent1">
+                <a:shade val="50000"/>
+              </a:schemeClr>
+            </a:lnRef>
+            <a:fillRef idx="1">
+              <a:schemeClr val="accent1"/>
+            </a:fillRef>
+            <a:effectRef idx="0">
+              <a:schemeClr val="accent1"/>
+            </a:effectRef>
+            <a:fontRef idx="minor">
+              <a:schemeClr val="lt1"/>
+            </a:fontRef>
+          </p:style>
+          <p:txBody>
+            <a:bodyPr rtlCol="0" anchor="ctr"/>
+            <a:lstStyle/>
+            <a:p>
+              <a:pPr algn="ctr"/>
+              <a:r>
+                <a:rPr lang="es-ES" sz="1100" dirty="0" smtClean="0">
+                  <a:solidFill>
+                    <a:schemeClr val="tx1"/>
+                  </a:solidFill>
+                </a:rPr>
+                <a:t>Opción = &gt; 3</a:t>
+              </a:r>
+            </a:p>
+          </p:txBody>
+        </p:sp>
+        <p:sp>
+          <p:nvSpPr>
+            <p:cNvPr id="31" name="CuadroTexto 30"/>
+            <p:cNvSpPr txBox="1"/>
+            <p:nvPr/>
+          </p:nvSpPr>
+          <p:spPr>
+            <a:xfrm>
+              <a:off x="4665945" y="869322"/>
+              <a:ext cx="1200970" cy="261610"/>
+            </a:xfrm>
+            <a:prstGeom prst="rect">
+              <a:avLst/>
+            </a:prstGeom>
+            <a:noFill/>
+          </p:spPr>
+          <p:txBody>
+            <a:bodyPr wrap="none" rtlCol="0">
+              <a:spAutoFit/>
+            </a:bodyPr>
+            <a:lstStyle/>
+            <a:p>
+              <a:r>
+                <a:rPr lang="es-ES" sz="1100" dirty="0" smtClean="0"/>
+                <a:t>¿El cliente existe?</a:t>
+              </a:r>
+              <a:endParaRPr lang="es-CO" sz="1100" dirty="0"/>
+            </a:p>
+          </p:txBody>
+        </p:sp>
+        <p:sp>
+          <p:nvSpPr>
+            <p:cNvPr id="94" name="CuadroTexto 93"/>
+            <p:cNvSpPr txBox="1"/>
+            <p:nvPr/>
+          </p:nvSpPr>
+          <p:spPr>
+            <a:xfrm>
+              <a:off x="3788985" y="1059700"/>
+              <a:ext cx="317124" cy="261610"/>
+            </a:xfrm>
+            <a:prstGeom prst="rect">
+              <a:avLst/>
+            </a:prstGeom>
+            <a:noFill/>
+          </p:spPr>
+          <p:txBody>
+            <a:bodyPr wrap="square" rtlCol="0">
+              <a:spAutoFit/>
+            </a:bodyPr>
+            <a:lstStyle/>
+            <a:p>
+              <a:r>
+                <a:rPr lang="es-ES" sz="1100" dirty="0" smtClean="0"/>
+                <a:t>Si</a:t>
+              </a:r>
+              <a:endParaRPr lang="es-CO" sz="1100" dirty="0"/>
+            </a:p>
+          </p:txBody>
+        </p:sp>
+        <p:sp>
+          <p:nvSpPr>
+            <p:cNvPr id="96" name="CuadroTexto 95"/>
+            <p:cNvSpPr txBox="1"/>
+            <p:nvPr/>
+          </p:nvSpPr>
+          <p:spPr>
+            <a:xfrm>
+              <a:off x="5912363" y="1041690"/>
+              <a:ext cx="349776" cy="261610"/>
+            </a:xfrm>
+            <a:prstGeom prst="rect">
+              <a:avLst/>
+            </a:prstGeom>
+            <a:noFill/>
+          </p:spPr>
+          <p:txBody>
+            <a:bodyPr wrap="none" rtlCol="0">
+              <a:spAutoFit/>
+            </a:bodyPr>
+            <a:lstStyle/>
+            <a:p>
+              <a:r>
+                <a:rPr lang="es-ES" sz="1100" dirty="0" smtClean="0"/>
+                <a:t>No</a:t>
+              </a:r>
+              <a:endParaRPr lang="es-CO" sz="1100" dirty="0"/>
+            </a:p>
+          </p:txBody>
+        </p:sp>
+        <p:sp>
+          <p:nvSpPr>
+            <p:cNvPr id="104" name="CuadroTexto 103"/>
+            <p:cNvSpPr txBox="1"/>
+            <p:nvPr/>
+          </p:nvSpPr>
+          <p:spPr>
+            <a:xfrm>
+              <a:off x="5501678" y="1491543"/>
+              <a:ext cx="1378904" cy="261610"/>
+            </a:xfrm>
+            <a:prstGeom prst="rect">
+              <a:avLst/>
+            </a:prstGeom>
+            <a:noFill/>
+          </p:spPr>
+          <p:txBody>
+            <a:bodyPr wrap="none" rtlCol="0">
+              <a:spAutoFit/>
+            </a:bodyPr>
+            <a:lstStyle/>
+            <a:p>
+              <a:r>
+                <a:rPr lang="es-ES" sz="1100" dirty="0" smtClean="0"/>
+                <a:t>¿El cliente es nuevo?</a:t>
+              </a:r>
+              <a:endParaRPr lang="es-CO" sz="1100" dirty="0"/>
+            </a:p>
+          </p:txBody>
+        </p:sp>
+        <p:sp>
+          <p:nvSpPr>
+            <p:cNvPr id="125" name="Elipse 124"/>
+            <p:cNvSpPr/>
+            <p:nvPr/>
+          </p:nvSpPr>
+          <p:spPr>
+            <a:xfrm>
+              <a:off x="5028716" y="149164"/>
+              <a:ext cx="385594" cy="352539"/>
+            </a:xfrm>
+            <a:prstGeom prst="ellipse">
+              <a:avLst/>
+            </a:prstGeom>
+          </p:spPr>
+          <p:style>
+            <a:lnRef idx="2">
+              <a:schemeClr val="accent1">
+                <a:shade val="50000"/>
+              </a:schemeClr>
+            </a:lnRef>
+            <a:fillRef idx="1">
+              <a:schemeClr val="accent1"/>
+            </a:fillRef>
+            <a:effectRef idx="0">
+              <a:schemeClr val="accent1"/>
+            </a:effectRef>
+            <a:fontRef idx="minor">
+              <a:schemeClr val="lt1"/>
+            </a:fontRef>
+          </p:style>
+          <p:txBody>
+            <a:bodyPr rtlCol="0" anchor="ctr"/>
+            <a:lstStyle/>
+            <a:p>
+              <a:pPr algn="ctr"/>
+              <a:endParaRPr lang="es-CO"/>
+            </a:p>
+          </p:txBody>
+        </p:sp>
+        <p:sp>
+          <p:nvSpPr>
+            <p:cNvPr id="122" name="CuadroTexto 121"/>
+            <p:cNvSpPr txBox="1"/>
+            <p:nvPr/>
+          </p:nvSpPr>
+          <p:spPr>
+            <a:xfrm>
+              <a:off x="6260123" y="2223094"/>
+              <a:ext cx="280846" cy="261610"/>
+            </a:xfrm>
+            <a:prstGeom prst="rect">
+              <a:avLst/>
+            </a:prstGeom>
+            <a:noFill/>
+          </p:spPr>
+          <p:txBody>
+            <a:bodyPr wrap="none" rtlCol="0">
+              <a:spAutoFit/>
+            </a:bodyPr>
+            <a:lstStyle/>
+            <a:p>
+              <a:r>
+                <a:rPr lang="es-ES" sz="1100" dirty="0" smtClean="0"/>
+                <a:t>Si</a:t>
+              </a:r>
+              <a:endParaRPr lang="es-CO" sz="1100" dirty="0"/>
+            </a:p>
+          </p:txBody>
+        </p:sp>
+        <p:sp>
+          <p:nvSpPr>
+            <p:cNvPr id="123" name="CuadroTexto 122"/>
+            <p:cNvSpPr txBox="1"/>
+            <p:nvPr/>
+          </p:nvSpPr>
+          <p:spPr>
+            <a:xfrm>
+              <a:off x="6593828" y="1709778"/>
+              <a:ext cx="349776" cy="261610"/>
+            </a:xfrm>
+            <a:prstGeom prst="rect">
+              <a:avLst/>
+            </a:prstGeom>
+            <a:noFill/>
+          </p:spPr>
+          <p:txBody>
+            <a:bodyPr wrap="none" rtlCol="0">
+              <a:spAutoFit/>
+            </a:bodyPr>
+            <a:lstStyle/>
+            <a:p>
+              <a:r>
+                <a:rPr lang="es-ES" sz="1100" dirty="0" smtClean="0"/>
+                <a:t>No</a:t>
+              </a:r>
+              <a:endParaRPr lang="es-CO" sz="1100" dirty="0"/>
+            </a:p>
+          </p:txBody>
+        </p:sp>
+        <p:sp>
+          <p:nvSpPr>
+            <p:cNvPr id="157" name="CuadroTexto 156"/>
+            <p:cNvSpPr txBox="1"/>
+            <p:nvPr/>
+          </p:nvSpPr>
+          <p:spPr>
+            <a:xfrm>
+              <a:off x="3480445" y="2490445"/>
+              <a:ext cx="694421" cy="261610"/>
+            </a:xfrm>
+            <a:prstGeom prst="rect">
+              <a:avLst/>
+            </a:prstGeom>
+            <a:noFill/>
+          </p:spPr>
+          <p:txBody>
+            <a:bodyPr wrap="none" rtlCol="0">
+              <a:spAutoFit/>
+            </a:bodyPr>
+            <a:lstStyle/>
+            <a:p>
+              <a:r>
+                <a:rPr lang="es-ES" sz="1100" dirty="0" smtClean="0"/>
+                <a:t>Opción 1</a:t>
+              </a:r>
+              <a:endParaRPr lang="es-CO" sz="1100" dirty="0"/>
+            </a:p>
+          </p:txBody>
+        </p:sp>
+        <p:sp>
+          <p:nvSpPr>
+            <p:cNvPr id="158" name="CuadroTexto 157"/>
+            <p:cNvSpPr txBox="1"/>
+            <p:nvPr/>
+          </p:nvSpPr>
+          <p:spPr>
+            <a:xfrm>
+              <a:off x="4202091" y="2905463"/>
+              <a:ext cx="280846" cy="261610"/>
+            </a:xfrm>
+            <a:prstGeom prst="rect">
+              <a:avLst/>
+            </a:prstGeom>
+            <a:noFill/>
+          </p:spPr>
+          <p:txBody>
+            <a:bodyPr wrap="none" rtlCol="0">
+              <a:spAutoFit/>
+            </a:bodyPr>
+            <a:lstStyle/>
+            <a:p>
+              <a:r>
+                <a:rPr lang="es-ES" sz="1100" dirty="0" smtClean="0"/>
+                <a:t>Si</a:t>
+              </a:r>
+              <a:endParaRPr lang="es-CO" sz="1100" dirty="0"/>
+            </a:p>
+          </p:txBody>
+        </p:sp>
+        <p:sp>
+          <p:nvSpPr>
+            <p:cNvPr id="159" name="CuadroTexto 158"/>
+            <p:cNvSpPr txBox="1"/>
+            <p:nvPr/>
+          </p:nvSpPr>
+          <p:spPr>
+            <a:xfrm>
+              <a:off x="3538053" y="3290747"/>
+              <a:ext cx="349776" cy="261610"/>
+            </a:xfrm>
+            <a:prstGeom prst="rect">
+              <a:avLst/>
+            </a:prstGeom>
+            <a:noFill/>
+          </p:spPr>
+          <p:txBody>
+            <a:bodyPr wrap="none" rtlCol="0">
+              <a:spAutoFit/>
+            </a:bodyPr>
+            <a:lstStyle/>
+            <a:p>
+              <a:r>
+                <a:rPr lang="es-ES" sz="1100" dirty="0" smtClean="0"/>
+                <a:t>No</a:t>
+              </a:r>
+              <a:endParaRPr lang="es-CO" sz="1100" dirty="0"/>
+            </a:p>
+          </p:txBody>
+        </p:sp>
+        <p:sp>
+          <p:nvSpPr>
+            <p:cNvPr id="161" name="CuadroTexto 160"/>
+            <p:cNvSpPr txBox="1"/>
+            <p:nvPr/>
+          </p:nvSpPr>
+          <p:spPr>
+            <a:xfrm>
+              <a:off x="3421108" y="3582088"/>
+              <a:ext cx="780983" cy="261610"/>
+            </a:xfrm>
+            <a:prstGeom prst="rect">
+              <a:avLst/>
+            </a:prstGeom>
+            <a:noFill/>
+          </p:spPr>
+          <p:txBody>
+            <a:bodyPr wrap="none" rtlCol="0">
+              <a:spAutoFit/>
+            </a:bodyPr>
+            <a:lstStyle/>
+            <a:p>
+              <a:r>
+                <a:rPr lang="es-ES" sz="1100" dirty="0" smtClean="0"/>
+                <a:t>Opción = z</a:t>
+              </a:r>
+              <a:endParaRPr lang="es-CO" sz="1100" dirty="0"/>
+            </a:p>
+          </p:txBody>
+        </p:sp>
+        <p:sp>
+          <p:nvSpPr>
+            <p:cNvPr id="171" name="Rectángulo 170"/>
+            <p:cNvSpPr/>
+            <p:nvPr/>
+          </p:nvSpPr>
+          <p:spPr>
+            <a:xfrm>
+              <a:off x="4583301" y="3237382"/>
+              <a:ext cx="890829" cy="168440"/>
+            </a:xfrm>
+            <a:prstGeom prst="rect">
+              <a:avLst/>
+            </a:prstGeom>
+          </p:spPr>
+          <p:style>
+            <a:lnRef idx="2">
+              <a:schemeClr val="accent1">
+                <a:shade val="50000"/>
+              </a:schemeClr>
+            </a:lnRef>
+            <a:fillRef idx="1">
+              <a:schemeClr val="accent1"/>
+            </a:fillRef>
+            <a:effectRef idx="0">
+              <a:schemeClr val="accent1"/>
+            </a:effectRef>
+            <a:fontRef idx="minor">
+              <a:schemeClr val="lt1"/>
+            </a:fontRef>
+          </p:style>
+          <p:txBody>
+            <a:bodyPr rtlCol="0" anchor="ctr"/>
+            <a:lstStyle/>
+            <a:p>
+              <a:pPr algn="ctr"/>
+              <a:endParaRPr lang="es-CO"/>
+            </a:p>
+          </p:txBody>
+        </p:sp>
+      </p:grpSp>
     </p:spTree>
     <p:extLst>
       <p:ext uri="{BB962C8B-B14F-4D97-AF65-F5344CB8AC3E}">
-        <p14:creationId xmlns:p14="http://schemas.microsoft.com/office/powerpoint/2010/main" val="734136230"/>
+        <p14:creationId xmlns:p14="http://schemas.microsoft.com/office/powerpoint/2010/main" val="2876127219"/>
       </p:ext>
     </p:extLst>
   </p:cSld>
@@ -3187,364 +4526,7 @@
 </p:sld>
 </file>
 
-<file path=ppt/slides/slide3.xml><?xml version="1.0" encoding="utf-8"?>
-<p:sld xmlns:a="http://schemas.openxmlformats.org/drawingml/2006/main" xmlns:r="http://schemas.openxmlformats.org/officeDocument/2006/relationships" xmlns:p="http://schemas.openxmlformats.org/presentationml/2006/main">
-  <p:cSld>
-    <p:spTree>
-      <p:nvGrpSpPr>
-        <p:cNvPr id="1" name=""/>
-        <p:cNvGrpSpPr/>
-        <p:nvPr/>
-      </p:nvGrpSpPr>
-      <p:grpSpPr>
-        <a:xfrm>
-          <a:off x="0" y="0"/>
-          <a:ext cx="0" cy="0"/>
-          <a:chOff x="0" y="0"/>
-          <a:chExt cx="0" cy="0"/>
-        </a:xfrm>
-      </p:grpSpPr>
-      <p:pic>
-        <p:nvPicPr>
-          <p:cNvPr id="4" name="Imagen 3"/>
-          <p:cNvPicPr>
-            <a:picLocks noChangeAspect="1"/>
-          </p:cNvPicPr>
-          <p:nvPr/>
-        </p:nvPicPr>
-        <p:blipFill>
-          <a:blip r:embed="rId2">
-            <a:extLst>
-              <a:ext uri="{28A0092B-C50C-407E-A947-70E740481C1C}">
-                <a14:useLocalDpi xmlns:a14="http://schemas.microsoft.com/office/drawing/2010/main" val="0"/>
-              </a:ext>
-            </a:extLst>
-          </a:blip>
-          <a:stretch>
-            <a:fillRect/>
-          </a:stretch>
-        </p:blipFill>
-        <p:spPr>
-          <a:xfrm>
-            <a:off x="1462067" y="-348573"/>
-            <a:ext cx="9416955" cy="6647909"/>
-          </a:xfrm>
-          <a:prstGeom prst="rect">
-            <a:avLst/>
-          </a:prstGeom>
-        </p:spPr>
-      </p:pic>
-    </p:spTree>
-    <p:extLst>
-      <p:ext uri="{BB962C8B-B14F-4D97-AF65-F5344CB8AC3E}">
-        <p14:creationId xmlns:p14="http://schemas.microsoft.com/office/powerpoint/2010/main" val="2821371087"/>
-      </p:ext>
-    </p:extLst>
-  </p:cSld>
-  <p:clrMapOvr>
-    <a:masterClrMapping/>
-  </p:clrMapOvr>
-  <p:timing>
-    <p:tnLst>
-      <p:par>
-        <p:cTn id="1" dur="indefinite" restart="never" nodeType="tmRoot"/>
-      </p:par>
-    </p:tnLst>
-  </p:timing>
-</p:sld>
-</file>
-
-<file path=ppt/slides/slide4.xml><?xml version="1.0" encoding="utf-8"?>
-<p:sld xmlns:a="http://schemas.openxmlformats.org/drawingml/2006/main" xmlns:r="http://schemas.openxmlformats.org/officeDocument/2006/relationships" xmlns:p="http://schemas.openxmlformats.org/presentationml/2006/main">
-  <p:cSld>
-    <p:spTree>
-      <p:nvGrpSpPr>
-        <p:cNvPr id="1" name=""/>
-        <p:cNvGrpSpPr/>
-        <p:nvPr/>
-      </p:nvGrpSpPr>
-      <p:grpSpPr>
-        <a:xfrm>
-          <a:off x="0" y="0"/>
-          <a:ext cx="0" cy="0"/>
-          <a:chOff x="0" y="0"/>
-          <a:chExt cx="0" cy="0"/>
-        </a:xfrm>
-      </p:grpSpPr>
-      <p:sp>
-        <p:nvSpPr>
-          <p:cNvPr id="2" name="Título 1"/>
-          <p:cNvSpPr>
-            <a:spLocks noGrp="1"/>
-          </p:cNvSpPr>
-          <p:nvPr>
-            <p:ph type="title"/>
-          </p:nvPr>
-        </p:nvSpPr>
-        <p:spPr/>
-        <p:txBody>
-          <a:bodyPr/>
-          <a:lstStyle/>
-          <a:p>
-            <a:endParaRPr lang="es-CO"/>
-          </a:p>
-        </p:txBody>
-      </p:sp>
-      <p:pic>
-        <p:nvPicPr>
-          <p:cNvPr id="4" name="Marcador de contenido 3"/>
-          <p:cNvPicPr>
-            <a:picLocks noGrp="1" noChangeAspect="1"/>
-          </p:cNvPicPr>
-          <p:nvPr>
-            <p:ph idx="1"/>
-          </p:nvPr>
-        </p:nvPicPr>
-        <p:blipFill>
-          <a:blip r:embed="rId2">
-            <a:extLst>
-              <a:ext uri="{28A0092B-C50C-407E-A947-70E740481C1C}">
-                <a14:useLocalDpi xmlns:a14="http://schemas.microsoft.com/office/drawing/2010/main" val="0"/>
-              </a:ext>
-            </a:extLst>
-          </a:blip>
-          <a:stretch>
-            <a:fillRect/>
-          </a:stretch>
-        </p:blipFill>
-        <p:spPr>
-          <a:xfrm rot="16200000">
-            <a:off x="2886901" y="-2314722"/>
-            <a:ext cx="6470389" cy="11502913"/>
-          </a:xfrm>
-        </p:spPr>
-      </p:pic>
-    </p:spTree>
-    <p:extLst>
-      <p:ext uri="{BB962C8B-B14F-4D97-AF65-F5344CB8AC3E}">
-        <p14:creationId xmlns:p14="http://schemas.microsoft.com/office/powerpoint/2010/main" val="2037173278"/>
-      </p:ext>
-    </p:extLst>
-  </p:cSld>
-  <p:clrMapOvr>
-    <a:masterClrMapping/>
-  </p:clrMapOvr>
-  <p:timing>
-    <p:tnLst>
-      <p:par>
-        <p:cTn id="1" dur="indefinite" restart="never" nodeType="tmRoot"/>
-      </p:par>
-    </p:tnLst>
-  </p:timing>
-</p:sld>
-</file>
-
-<file path=ppt/slides/slide5.xml><?xml version="1.0" encoding="utf-8"?>
-<p:sld xmlns:a="http://schemas.openxmlformats.org/drawingml/2006/main" xmlns:r="http://schemas.openxmlformats.org/officeDocument/2006/relationships" xmlns:p="http://schemas.openxmlformats.org/presentationml/2006/main">
-  <p:cSld>
-    <p:spTree>
-      <p:nvGrpSpPr>
-        <p:cNvPr id="1" name=""/>
-        <p:cNvGrpSpPr/>
-        <p:nvPr/>
-      </p:nvGrpSpPr>
-      <p:grpSpPr>
-        <a:xfrm>
-          <a:off x="0" y="0"/>
-          <a:ext cx="0" cy="0"/>
-          <a:chOff x="0" y="0"/>
-          <a:chExt cx="0" cy="0"/>
-        </a:xfrm>
-      </p:grpSpPr>
-      <p:sp>
-        <p:nvSpPr>
-          <p:cNvPr id="2" name="Título 1"/>
-          <p:cNvSpPr>
-            <a:spLocks noGrp="1"/>
-          </p:cNvSpPr>
-          <p:nvPr>
-            <p:ph type="title"/>
-          </p:nvPr>
-        </p:nvSpPr>
-        <p:spPr/>
-        <p:txBody>
-          <a:bodyPr/>
-          <a:lstStyle/>
-          <a:p>
-            <a:r>
-              <a:rPr lang="es-ES" dirty="0" smtClean="0"/>
-              <a:t>Cliente</a:t>
-            </a:r>
-            <a:endParaRPr lang="es-CO" dirty="0"/>
-          </a:p>
-        </p:txBody>
-      </p:sp>
-      <p:sp>
-        <p:nvSpPr>
-          <p:cNvPr id="3" name="Marcador de contenido 2"/>
-          <p:cNvSpPr>
-            <a:spLocks noGrp="1"/>
-          </p:cNvSpPr>
-          <p:nvPr>
-            <p:ph idx="1"/>
-          </p:nvPr>
-        </p:nvSpPr>
-        <p:spPr/>
-        <p:txBody>
-          <a:bodyPr/>
-          <a:lstStyle/>
-          <a:p>
-            <a:r>
-              <a:rPr lang="es-ES" dirty="0" smtClean="0"/>
-              <a:t>Tarea</a:t>
-            </a:r>
-          </a:p>
-          <a:p>
-            <a:pPr lvl="1"/>
-            <a:r>
-              <a:rPr lang="es-ES" dirty="0" smtClean="0"/>
-              <a:t>El sistema debe buscar los clientes y mostrarlos unas vez inicia el programa.</a:t>
-            </a:r>
-          </a:p>
-          <a:p>
-            <a:pPr lvl="1"/>
-            <a:r>
-              <a:rPr lang="es-ES" dirty="0" smtClean="0"/>
-              <a:t>El sistema debe preguntar, si es un cliente nuevo, </a:t>
-            </a:r>
-            <a:r>
-              <a:rPr lang="es-ES" dirty="0" smtClean="0"/>
-              <a:t>o me </a:t>
-            </a:r>
-            <a:r>
-              <a:rPr lang="es-ES" dirty="0" smtClean="0"/>
-              <a:t>equivoqué digitando.  </a:t>
-            </a:r>
-          </a:p>
-          <a:p>
-            <a:pPr lvl="2"/>
-            <a:r>
-              <a:rPr lang="es-ES" dirty="0" smtClean="0">
-                <a:solidFill>
-                  <a:schemeClr val="accent6">
-                    <a:lumMod val="50000"/>
-                  </a:schemeClr>
-                </a:solidFill>
-              </a:rPr>
-              <a:t>Si el cliente es nuevo entonces lo agregar</a:t>
-            </a:r>
-          </a:p>
-          <a:p>
-            <a:pPr lvl="2"/>
-            <a:r>
-              <a:rPr lang="es-ES" dirty="0" smtClean="0"/>
-              <a:t>Si me equivoqué digitando el cliente, entonces, el sistema debe permitir corregir el cliente, por ahora se debe escribir todo el nombre del cliente.</a:t>
-            </a:r>
-          </a:p>
-          <a:p>
-            <a:pPr lvl="1"/>
-            <a:r>
-              <a:rPr lang="es-ES" dirty="0" smtClean="0"/>
-              <a:t>El sistema debe permitir cambiar el nombre de los clientes.</a:t>
-            </a:r>
-          </a:p>
-          <a:p>
-            <a:pPr lvl="1"/>
-            <a:r>
-              <a:rPr lang="es-ES" dirty="0" smtClean="0"/>
-              <a:t>El sistema debe permitir eliminar un cliente.</a:t>
-            </a:r>
-            <a:endParaRPr lang="es-CO" dirty="0"/>
-          </a:p>
-        </p:txBody>
-      </p:sp>
-    </p:spTree>
-    <p:extLst>
-      <p:ext uri="{BB962C8B-B14F-4D97-AF65-F5344CB8AC3E}">
-        <p14:creationId xmlns:p14="http://schemas.microsoft.com/office/powerpoint/2010/main" val="697877812"/>
-      </p:ext>
-    </p:extLst>
-  </p:cSld>
-  <p:clrMapOvr>
-    <a:masterClrMapping/>
-  </p:clrMapOvr>
-  <p:timing>
-    <p:tnLst>
-      <p:par>
-        <p:cTn id="1" dur="indefinite" restart="never" nodeType="tmRoot"/>
-      </p:par>
-    </p:tnLst>
-  </p:timing>
-</p:sld>
-</file>
-
-<file path=ppt/slides/slide6.xml><?xml version="1.0" encoding="utf-8"?>
-<p:sld xmlns:a="http://schemas.openxmlformats.org/drawingml/2006/main" xmlns:r="http://schemas.openxmlformats.org/officeDocument/2006/relationships" xmlns:p="http://schemas.openxmlformats.org/presentationml/2006/main">
-  <p:cSld>
-    <p:spTree>
-      <p:nvGrpSpPr>
-        <p:cNvPr id="1" name=""/>
-        <p:cNvGrpSpPr/>
-        <p:nvPr/>
-      </p:nvGrpSpPr>
-      <p:grpSpPr>
-        <a:xfrm>
-          <a:off x="0" y="0"/>
-          <a:ext cx="0" cy="0"/>
-          <a:chOff x="0" y="0"/>
-          <a:chExt cx="0" cy="0"/>
-        </a:xfrm>
-      </p:grpSpPr>
-      <p:pic>
-        <p:nvPicPr>
-          <p:cNvPr id="4" name="Marcador de contenido 3"/>
-          <p:cNvPicPr>
-            <a:picLocks noGrp="1" noChangeAspect="1"/>
-          </p:cNvPicPr>
-          <p:nvPr>
-            <p:ph idx="1"/>
-          </p:nvPr>
-        </p:nvPicPr>
-        <p:blipFill>
-          <a:blip r:embed="rId2" cstate="print">
-            <a:extLst>
-              <a:ext uri="{28A0092B-C50C-407E-A947-70E740481C1C}">
-                <a14:useLocalDpi xmlns:a14="http://schemas.microsoft.com/office/drawing/2010/main" val="0"/>
-              </a:ext>
-            </a:extLst>
-          </a:blip>
-          <a:stretch>
-            <a:fillRect/>
-          </a:stretch>
-        </p:blipFill>
-        <p:spPr>
-          <a:xfrm>
-            <a:off x="2524042" y="0"/>
-            <a:ext cx="5118704" cy="7129426"/>
-          </a:xfrm>
-        </p:spPr>
-      </p:pic>
-    </p:spTree>
-    <p:extLst>
-      <p:ext uri="{BB962C8B-B14F-4D97-AF65-F5344CB8AC3E}">
-        <p14:creationId xmlns:p14="http://schemas.microsoft.com/office/powerpoint/2010/main" val="1887276535"/>
-      </p:ext>
-    </p:extLst>
-  </p:cSld>
-  <p:clrMapOvr>
-    <a:masterClrMapping/>
-  </p:clrMapOvr>
-  <p:timing>
-    <p:tnLst>
-      <p:par>
-        <p:cTn id="1" dur="indefinite" restart="never" nodeType="tmRoot"/>
-      </p:par>
-    </p:tnLst>
-  </p:timing>
-</p:sld>
-</file>
-
-<file path=ppt/slides/slide7.xml><?xml version="1.0" encoding="utf-8"?>
+<file path=ppt/slides/slide11.xml><?xml version="1.0" encoding="utf-8"?>
 <p:sld xmlns:a="http://schemas.openxmlformats.org/drawingml/2006/main" xmlns:r="http://schemas.openxmlformats.org/officeDocument/2006/relationships" xmlns:p="http://schemas.openxmlformats.org/presentationml/2006/main">
   <p:cSld>
     <p:spTree>
@@ -3640,12 +4622,8 @@
                     <a:lstStyle/>
                     <a:p>
                       <a:r>
-                        <a:rPr lang="es-ES" sz="1050" dirty="0" err="1" smtClean="0"/>
-                        <a:t>String</a:t>
-                      </a:r>
-                      <a:r>
                         <a:rPr lang="es-ES" sz="1050" dirty="0" smtClean="0"/>
-                        <a:t>: </a:t>
+                        <a:t>String: </a:t>
                       </a:r>
                     </a:p>
                     <a:p>
@@ -3993,7 +4971,7 @@
 </p:sld>
 </file>
 
-<file path=ppt/slides/slide8.xml><?xml version="1.0" encoding="utf-8"?>
+<file path=ppt/slides/slide12.xml><?xml version="1.0" encoding="utf-8"?>
 <p:sld xmlns:a="http://schemas.openxmlformats.org/drawingml/2006/main" xmlns:r="http://schemas.openxmlformats.org/officeDocument/2006/relationships" xmlns:p="http://schemas.openxmlformats.org/presentationml/2006/main">
   <p:cSld>
     <p:spTree>
@@ -7745,6 +8723,6624 @@
 </p:sld>
 </file>
 
+<file path=ppt/slides/slide2.xml><?xml version="1.0" encoding="utf-8"?>
+<p:sld xmlns:a="http://schemas.openxmlformats.org/drawingml/2006/main" xmlns:r="http://schemas.openxmlformats.org/officeDocument/2006/relationships" xmlns:p="http://schemas.openxmlformats.org/presentationml/2006/main">
+  <p:cSld>
+    <p:spTree>
+      <p:nvGrpSpPr>
+        <p:cNvPr id="1" name=""/>
+        <p:cNvGrpSpPr/>
+        <p:nvPr/>
+      </p:nvGrpSpPr>
+      <p:grpSpPr>
+        <a:xfrm>
+          <a:off x="0" y="0"/>
+          <a:ext cx="0" cy="0"/>
+          <a:chOff x="0" y="0"/>
+          <a:chExt cx="0" cy="0"/>
+        </a:xfrm>
+      </p:grpSpPr>
+      <p:cxnSp>
+        <p:nvCxnSpPr>
+          <p:cNvPr id="66" name="Conector recto 65"/>
+          <p:cNvCxnSpPr>
+            <a:stCxn id="117" idx="6"/>
+            <a:endCxn id="81" idx="1"/>
+          </p:cNvCxnSpPr>
+          <p:nvPr/>
+        </p:nvCxnSpPr>
+        <p:spPr>
+          <a:xfrm flipV="1">
+            <a:off x="8540731" y="4283473"/>
+            <a:ext cx="144950" cy="3088"/>
+          </a:xfrm>
+          <a:prstGeom prst="line">
+            <a:avLst/>
+          </a:prstGeom>
+          <a:effectLst>
+            <a:outerShdw blurRad="50800" dist="38100" dir="5400000" algn="t" rotWithShape="0">
+              <a:prstClr val="black">
+                <a:alpha val="40000"/>
+              </a:prstClr>
+            </a:outerShdw>
+          </a:effectLst>
+        </p:spPr>
+        <p:style>
+          <a:lnRef idx="3">
+            <a:schemeClr val="accent4"/>
+          </a:lnRef>
+          <a:fillRef idx="0">
+            <a:schemeClr val="accent4"/>
+          </a:fillRef>
+          <a:effectRef idx="2">
+            <a:schemeClr val="accent4"/>
+          </a:effectRef>
+          <a:fontRef idx="minor">
+            <a:schemeClr val="tx1"/>
+          </a:fontRef>
+        </p:style>
+      </p:cxnSp>
+      <p:cxnSp>
+        <p:nvCxnSpPr>
+          <p:cNvPr id="76" name="Conector recto 75"/>
+          <p:cNvCxnSpPr/>
+          <p:nvPr/>
+        </p:nvCxnSpPr>
+        <p:spPr>
+          <a:xfrm>
+            <a:off x="8498915" y="3282833"/>
+            <a:ext cx="114300" cy="0"/>
+          </a:xfrm>
+          <a:prstGeom prst="line">
+            <a:avLst/>
+          </a:prstGeom>
+          <a:effectLst>
+            <a:outerShdw blurRad="50800" dist="38100" dir="5400000" algn="t" rotWithShape="0">
+              <a:prstClr val="black">
+                <a:alpha val="40000"/>
+              </a:prstClr>
+            </a:outerShdw>
+          </a:effectLst>
+        </p:spPr>
+        <p:style>
+          <a:lnRef idx="3">
+            <a:schemeClr val="accent4"/>
+          </a:lnRef>
+          <a:fillRef idx="0">
+            <a:schemeClr val="accent4"/>
+          </a:fillRef>
+          <a:effectRef idx="2">
+            <a:schemeClr val="accent4"/>
+          </a:effectRef>
+          <a:fontRef idx="minor">
+            <a:schemeClr val="tx1"/>
+          </a:fontRef>
+        </p:style>
+      </p:cxnSp>
+      <p:sp>
+        <p:nvSpPr>
+          <p:cNvPr id="114" name="Elipse 113"/>
+          <p:cNvSpPr/>
+          <p:nvPr/>
+        </p:nvSpPr>
+        <p:spPr>
+          <a:xfrm>
+            <a:off x="8442980" y="3228644"/>
+            <a:ext cx="85294" cy="116874"/>
+          </a:xfrm>
+          <a:prstGeom prst="ellipse">
+            <a:avLst/>
+          </a:prstGeom>
+          <a:effectLst>
+            <a:outerShdw blurRad="50800" dist="38100" dir="10800000" algn="r" rotWithShape="0">
+              <a:prstClr val="black">
+                <a:alpha val="40000"/>
+              </a:prstClr>
+            </a:outerShdw>
+          </a:effectLst>
+        </p:spPr>
+        <p:style>
+          <a:lnRef idx="1">
+            <a:schemeClr val="accent4"/>
+          </a:lnRef>
+          <a:fillRef idx="2">
+            <a:schemeClr val="accent4"/>
+          </a:fillRef>
+          <a:effectRef idx="1">
+            <a:schemeClr val="accent4"/>
+          </a:effectRef>
+          <a:fontRef idx="minor">
+            <a:schemeClr val="dk1"/>
+          </a:fontRef>
+        </p:style>
+        <p:txBody>
+          <a:bodyPr rtlCol="0" anchor="ctr"/>
+          <a:lstStyle/>
+          <a:p>
+            <a:pPr algn="ctr"/>
+            <a:endParaRPr lang="es-CO"/>
+          </a:p>
+        </p:txBody>
+      </p:sp>
+      <p:sp>
+        <p:nvSpPr>
+          <p:cNvPr id="118" name="Elipse 117"/>
+          <p:cNvSpPr/>
+          <p:nvPr/>
+        </p:nvSpPr>
+        <p:spPr>
+          <a:xfrm>
+            <a:off x="5879460" y="4569145"/>
+            <a:ext cx="85294" cy="116874"/>
+          </a:xfrm>
+          <a:prstGeom prst="ellipse">
+            <a:avLst/>
+          </a:prstGeom>
+          <a:effectLst>
+            <a:outerShdw blurRad="50800" dist="38100" dir="10800000" algn="r" rotWithShape="0">
+              <a:prstClr val="black">
+                <a:alpha val="40000"/>
+              </a:prstClr>
+            </a:outerShdw>
+          </a:effectLst>
+        </p:spPr>
+        <p:style>
+          <a:lnRef idx="1">
+            <a:schemeClr val="accent4"/>
+          </a:lnRef>
+          <a:fillRef idx="2">
+            <a:schemeClr val="accent4"/>
+          </a:fillRef>
+          <a:effectRef idx="1">
+            <a:schemeClr val="accent4"/>
+          </a:effectRef>
+          <a:fontRef idx="minor">
+            <a:schemeClr val="dk1"/>
+          </a:fontRef>
+        </p:style>
+        <p:txBody>
+          <a:bodyPr rtlCol="0" anchor="ctr"/>
+          <a:lstStyle/>
+          <a:p>
+            <a:pPr algn="ctr"/>
+            <a:endParaRPr lang="es-CO"/>
+          </a:p>
+        </p:txBody>
+      </p:sp>
+      <p:cxnSp>
+        <p:nvCxnSpPr>
+          <p:cNvPr id="8" name="Conector recto de flecha 7"/>
+          <p:cNvCxnSpPr/>
+          <p:nvPr/>
+        </p:nvCxnSpPr>
+        <p:spPr>
+          <a:xfrm flipH="1" flipV="1">
+            <a:off x="4837537" y="1179199"/>
+            <a:ext cx="649728" cy="667498"/>
+          </a:xfrm>
+          <a:prstGeom prst="straightConnector1">
+            <a:avLst/>
+          </a:prstGeom>
+          <a:ln>
+            <a:tailEnd type="triangle"/>
+          </a:ln>
+          <a:effectLst>
+            <a:outerShdw blurRad="50800" dist="38100" dir="5400000" algn="t" rotWithShape="0">
+              <a:prstClr val="black">
+                <a:alpha val="40000"/>
+              </a:prstClr>
+            </a:outerShdw>
+          </a:effectLst>
+        </p:spPr>
+        <p:style>
+          <a:lnRef idx="3">
+            <a:schemeClr val="accent4"/>
+          </a:lnRef>
+          <a:fillRef idx="0">
+            <a:schemeClr val="accent4"/>
+          </a:fillRef>
+          <a:effectRef idx="2">
+            <a:schemeClr val="accent4"/>
+          </a:effectRef>
+          <a:fontRef idx="minor">
+            <a:schemeClr val="tx1"/>
+          </a:fontRef>
+        </p:style>
+      </p:cxnSp>
+      <p:grpSp>
+        <p:nvGrpSpPr>
+          <p:cNvPr id="11" name="Grupo 10"/>
+          <p:cNvGrpSpPr/>
+          <p:nvPr/>
+        </p:nvGrpSpPr>
+        <p:grpSpPr>
+          <a:xfrm>
+            <a:off x="2888270" y="519899"/>
+            <a:ext cx="7105138" cy="5400170"/>
+            <a:chOff x="3518891" y="560173"/>
+            <a:chExt cx="6654405" cy="5085873"/>
+          </a:xfrm>
+        </p:grpSpPr>
+        <p:cxnSp>
+          <p:nvCxnSpPr>
+            <p:cNvPr id="55" name="Conector recto 54"/>
+            <p:cNvCxnSpPr/>
+            <p:nvPr/>
+          </p:nvCxnSpPr>
+          <p:spPr>
+            <a:xfrm flipH="1" flipV="1">
+              <a:off x="4269836" y="3152968"/>
+              <a:ext cx="1644539" cy="9332"/>
+            </a:xfrm>
+            <a:prstGeom prst="line">
+              <a:avLst/>
+            </a:prstGeom>
+            <a:effectLst>
+              <a:outerShdw blurRad="50800" dist="38100" dir="5400000" algn="t" rotWithShape="0">
+                <a:prstClr val="black">
+                  <a:alpha val="40000"/>
+                </a:prstClr>
+              </a:outerShdw>
+            </a:effectLst>
+          </p:spPr>
+          <p:style>
+            <a:lnRef idx="3">
+              <a:schemeClr val="accent4"/>
+            </a:lnRef>
+            <a:fillRef idx="0">
+              <a:schemeClr val="accent4"/>
+            </a:fillRef>
+            <a:effectRef idx="2">
+              <a:schemeClr val="accent4"/>
+            </a:effectRef>
+            <a:fontRef idx="minor">
+              <a:schemeClr val="tx1"/>
+            </a:fontRef>
+          </p:style>
+        </p:cxnSp>
+        <p:grpSp>
+          <p:nvGrpSpPr>
+            <p:cNvPr id="7" name="Grupo 6"/>
+            <p:cNvGrpSpPr/>
+            <p:nvPr/>
+          </p:nvGrpSpPr>
+          <p:grpSpPr>
+            <a:xfrm>
+              <a:off x="3518891" y="560173"/>
+              <a:ext cx="6654405" cy="5085873"/>
+              <a:chOff x="3480254" y="533877"/>
+              <a:chExt cx="6654405" cy="5085873"/>
+            </a:xfrm>
+          </p:grpSpPr>
+          <p:sp>
+            <p:nvSpPr>
+              <p:cNvPr id="2" name="CuadroTexto 1"/>
+              <p:cNvSpPr txBox="1"/>
+              <p:nvPr/>
+            </p:nvSpPr>
+            <p:spPr>
+              <a:xfrm>
+                <a:off x="5443841" y="1872197"/>
+                <a:ext cx="941069" cy="307777"/>
+              </a:xfrm>
+              <a:prstGeom prst="rect">
+                <a:avLst/>
+              </a:prstGeom>
+            </p:spPr>
+            <p:style>
+              <a:lnRef idx="2">
+                <a:schemeClr val="accent4"/>
+              </a:lnRef>
+              <a:fillRef idx="1">
+                <a:schemeClr val="lt1"/>
+              </a:fillRef>
+              <a:effectRef idx="0">
+                <a:schemeClr val="accent4"/>
+              </a:effectRef>
+              <a:fontRef idx="minor">
+                <a:schemeClr val="dk1"/>
+              </a:fontRef>
+            </p:style>
+            <p:txBody>
+              <a:bodyPr wrap="square" rtlCol="0">
+                <a:spAutoFit/>
+              </a:bodyPr>
+              <a:lstStyle/>
+              <a:p>
+                <a:r>
+                  <a:rPr lang="es-ES" sz="1400" dirty="0" smtClean="0"/>
+                  <a:t>Error 1n…</a:t>
+                </a:r>
+              </a:p>
+            </p:txBody>
+          </p:sp>
+          <p:cxnSp>
+            <p:nvCxnSpPr>
+              <p:cNvPr id="6" name="Conector recto de flecha 5"/>
+              <p:cNvCxnSpPr/>
+              <p:nvPr/>
+            </p:nvCxnSpPr>
+            <p:spPr>
+              <a:xfrm flipH="1" flipV="1">
+                <a:off x="5583410" y="819350"/>
+                <a:ext cx="330966" cy="990400"/>
+              </a:xfrm>
+              <a:prstGeom prst="straightConnector1">
+                <a:avLst/>
+              </a:prstGeom>
+              <a:ln>
+                <a:tailEnd type="triangle"/>
+              </a:ln>
+              <a:effectLst>
+                <a:outerShdw blurRad="50800" dist="38100" dir="8100000" algn="tr" rotWithShape="0">
+                  <a:prstClr val="black">
+                    <a:alpha val="40000"/>
+                  </a:prstClr>
+                </a:outerShdw>
+              </a:effectLst>
+            </p:spPr>
+            <p:style>
+              <a:lnRef idx="3">
+                <a:schemeClr val="accent4"/>
+              </a:lnRef>
+              <a:fillRef idx="0">
+                <a:schemeClr val="accent4"/>
+              </a:fillRef>
+              <a:effectRef idx="2">
+                <a:schemeClr val="accent4"/>
+              </a:effectRef>
+              <a:fontRef idx="minor">
+                <a:schemeClr val="tx1"/>
+              </a:fontRef>
+            </p:style>
+          </p:cxnSp>
+          <p:cxnSp>
+            <p:nvCxnSpPr>
+              <p:cNvPr id="9" name="Conector recto de flecha 8"/>
+              <p:cNvCxnSpPr/>
+              <p:nvPr/>
+            </p:nvCxnSpPr>
+            <p:spPr>
+              <a:xfrm flipV="1">
+                <a:off x="5914376" y="1181100"/>
+                <a:ext cx="740229" cy="628650"/>
+              </a:xfrm>
+              <a:prstGeom prst="straightConnector1">
+                <a:avLst/>
+              </a:prstGeom>
+              <a:ln>
+                <a:tailEnd type="triangle"/>
+              </a:ln>
+              <a:effectLst>
+                <a:outerShdw blurRad="50800" dist="38100" algn="l" rotWithShape="0">
+                  <a:prstClr val="black">
+                    <a:alpha val="40000"/>
+                  </a:prstClr>
+                </a:outerShdw>
+              </a:effectLst>
+            </p:spPr>
+            <p:style>
+              <a:lnRef idx="3">
+                <a:schemeClr val="accent4"/>
+              </a:lnRef>
+              <a:fillRef idx="0">
+                <a:schemeClr val="accent4"/>
+              </a:fillRef>
+              <a:effectRef idx="2">
+                <a:schemeClr val="accent4"/>
+              </a:effectRef>
+              <a:fontRef idx="minor">
+                <a:schemeClr val="tx1"/>
+              </a:fontRef>
+            </p:style>
+          </p:cxnSp>
+          <p:cxnSp>
+            <p:nvCxnSpPr>
+              <p:cNvPr id="10" name="Conector recto de flecha 9"/>
+              <p:cNvCxnSpPr/>
+              <p:nvPr/>
+            </p:nvCxnSpPr>
+            <p:spPr>
+              <a:xfrm flipV="1">
+                <a:off x="5914376" y="819350"/>
+                <a:ext cx="435137" cy="990400"/>
+              </a:xfrm>
+              <a:prstGeom prst="straightConnector1">
+                <a:avLst/>
+              </a:prstGeom>
+              <a:ln>
+                <a:tailEnd type="triangle"/>
+              </a:ln>
+              <a:effectLst>
+                <a:outerShdw blurRad="50800" dist="38100" algn="l" rotWithShape="0">
+                  <a:prstClr val="black">
+                    <a:alpha val="40000"/>
+                  </a:prstClr>
+                </a:outerShdw>
+              </a:effectLst>
+            </p:spPr>
+            <p:style>
+              <a:lnRef idx="3">
+                <a:schemeClr val="accent4"/>
+              </a:lnRef>
+              <a:fillRef idx="0">
+                <a:schemeClr val="accent4"/>
+              </a:fillRef>
+              <a:effectRef idx="2">
+                <a:schemeClr val="accent4"/>
+              </a:effectRef>
+              <a:fontRef idx="minor">
+                <a:schemeClr val="tx1"/>
+              </a:fontRef>
+            </p:style>
+          </p:cxnSp>
+          <p:sp>
+            <p:nvSpPr>
+              <p:cNvPr id="24" name="CuadroTexto 23"/>
+              <p:cNvSpPr txBox="1"/>
+              <p:nvPr/>
+            </p:nvSpPr>
+            <p:spPr>
+              <a:xfrm>
+                <a:off x="4269836" y="915254"/>
+                <a:ext cx="1313572" cy="261610"/>
+              </a:xfrm>
+              <a:prstGeom prst="rect">
+                <a:avLst/>
+              </a:prstGeom>
+            </p:spPr>
+            <p:style>
+              <a:lnRef idx="2">
+                <a:schemeClr val="accent4"/>
+              </a:lnRef>
+              <a:fillRef idx="1">
+                <a:schemeClr val="lt1"/>
+              </a:fillRef>
+              <a:effectRef idx="0">
+                <a:schemeClr val="accent4"/>
+              </a:effectRef>
+              <a:fontRef idx="minor">
+                <a:schemeClr val="dk1"/>
+              </a:fontRef>
+            </p:style>
+            <p:txBody>
+              <a:bodyPr wrap="square" rtlCol="0">
+                <a:spAutoFit/>
+              </a:bodyPr>
+              <a:lstStyle/>
+              <a:p>
+                <a:r>
+                  <a:rPr lang="es-ES" sz="1100" dirty="0" smtClean="0"/>
+                  <a:t>Inadent Description</a:t>
+                </a:r>
+                <a:endParaRPr lang="es-CO" sz="1100" dirty="0"/>
+              </a:p>
+            </p:txBody>
+          </p:sp>
+          <p:sp>
+            <p:nvSpPr>
+              <p:cNvPr id="26" name="CuadroTexto 25"/>
+              <p:cNvSpPr txBox="1"/>
+              <p:nvPr/>
+            </p:nvSpPr>
+            <p:spPr>
+              <a:xfrm>
+                <a:off x="4801711" y="533877"/>
+                <a:ext cx="1197957" cy="276999"/>
+              </a:xfrm>
+              <a:prstGeom prst="rect">
+                <a:avLst/>
+              </a:prstGeom>
+            </p:spPr>
+            <p:style>
+              <a:lnRef idx="2">
+                <a:schemeClr val="accent4"/>
+              </a:lnRef>
+              <a:fillRef idx="1">
+                <a:schemeClr val="lt1"/>
+              </a:fillRef>
+              <a:effectRef idx="0">
+                <a:schemeClr val="accent4"/>
+              </a:effectRef>
+              <a:fontRef idx="minor">
+                <a:schemeClr val="dk1"/>
+              </a:fontRef>
+            </p:style>
+            <p:txBody>
+              <a:bodyPr wrap="none" rtlCol="0">
+                <a:spAutoFit/>
+              </a:bodyPr>
+              <a:lstStyle/>
+              <a:p>
+                <a:r>
+                  <a:rPr lang="es-ES" sz="1200" dirty="0" smtClean="0"/>
+                  <a:t>Incident Analisis</a:t>
+                </a:r>
+                <a:endParaRPr lang="es-CO" sz="1200" dirty="0"/>
+              </a:p>
+            </p:txBody>
+          </p:sp>
+          <p:sp>
+            <p:nvSpPr>
+              <p:cNvPr id="28" name="CuadroTexto 27"/>
+              <p:cNvSpPr txBox="1"/>
+              <p:nvPr/>
+            </p:nvSpPr>
+            <p:spPr>
+              <a:xfrm>
+                <a:off x="6210381" y="533877"/>
+                <a:ext cx="888448" cy="276999"/>
+              </a:xfrm>
+              <a:prstGeom prst="rect">
+                <a:avLst/>
+              </a:prstGeom>
+            </p:spPr>
+            <p:style>
+              <a:lnRef idx="2">
+                <a:schemeClr val="accent4"/>
+              </a:lnRef>
+              <a:fillRef idx="1">
+                <a:schemeClr val="lt1"/>
+              </a:fillRef>
+              <a:effectRef idx="0">
+                <a:schemeClr val="accent4"/>
+              </a:effectRef>
+              <a:fontRef idx="minor">
+                <a:schemeClr val="dk1"/>
+              </a:fontRef>
+            </p:style>
+            <p:txBody>
+              <a:bodyPr wrap="none" rtlCol="0">
+                <a:spAutoFit/>
+              </a:bodyPr>
+              <a:lstStyle/>
+              <a:p>
+                <a:r>
+                  <a:rPr lang="es-ES" sz="1200" dirty="0" smtClean="0"/>
+                  <a:t>Root Cause</a:t>
+                </a:r>
+                <a:endParaRPr lang="es-CO" sz="1200" dirty="0"/>
+              </a:p>
+            </p:txBody>
+          </p:sp>
+          <p:sp>
+            <p:nvSpPr>
+              <p:cNvPr id="32" name="CuadroTexto 31"/>
+              <p:cNvSpPr txBox="1"/>
+              <p:nvPr/>
+            </p:nvSpPr>
+            <p:spPr>
+              <a:xfrm>
+                <a:off x="6356255" y="895628"/>
+                <a:ext cx="1061509" cy="276999"/>
+              </a:xfrm>
+              <a:prstGeom prst="rect">
+                <a:avLst/>
+              </a:prstGeom>
+            </p:spPr>
+            <p:style>
+              <a:lnRef idx="2">
+                <a:schemeClr val="accent4"/>
+              </a:lnRef>
+              <a:fillRef idx="1">
+                <a:schemeClr val="lt1"/>
+              </a:fillRef>
+              <a:effectRef idx="0">
+                <a:schemeClr val="accent4"/>
+              </a:effectRef>
+              <a:fontRef idx="minor">
+                <a:schemeClr val="dk1"/>
+              </a:fontRef>
+            </p:style>
+            <p:txBody>
+              <a:bodyPr wrap="none" rtlCol="0">
+                <a:spAutoFit/>
+              </a:bodyPr>
+              <a:lstStyle/>
+              <a:p>
+                <a:r>
+                  <a:rPr lang="es-ES" sz="1200" dirty="0" smtClean="0"/>
+                  <a:t>Work Arraund</a:t>
+                </a:r>
+                <a:endParaRPr lang="es-CO" sz="1200" dirty="0"/>
+              </a:p>
+            </p:txBody>
+          </p:sp>
+          <p:cxnSp>
+            <p:nvCxnSpPr>
+              <p:cNvPr id="36" name="Conector recto de flecha 35"/>
+              <p:cNvCxnSpPr>
+                <a:stCxn id="2" idx="2"/>
+                <a:endCxn id="41" idx="0"/>
+              </p:cNvCxnSpPr>
+              <p:nvPr/>
+            </p:nvCxnSpPr>
+            <p:spPr>
+              <a:xfrm flipH="1">
+                <a:off x="5889485" y="2179974"/>
+                <a:ext cx="24891" cy="488462"/>
+              </a:xfrm>
+              <a:prstGeom prst="straightConnector1">
+                <a:avLst/>
+              </a:prstGeom>
+              <a:ln>
+                <a:tailEnd type="triangle"/>
+              </a:ln>
+              <a:effectLst>
+                <a:outerShdw blurRad="50800" dist="38100" dir="10800000" algn="r" rotWithShape="0">
+                  <a:prstClr val="black">
+                    <a:alpha val="40000"/>
+                  </a:prstClr>
+                </a:outerShdw>
+              </a:effectLst>
+            </p:spPr>
+            <p:style>
+              <a:lnRef idx="3">
+                <a:schemeClr val="accent4"/>
+              </a:lnRef>
+              <a:fillRef idx="0">
+                <a:schemeClr val="accent4"/>
+              </a:fillRef>
+              <a:effectRef idx="2">
+                <a:schemeClr val="accent4"/>
+              </a:effectRef>
+              <a:fontRef idx="minor">
+                <a:schemeClr val="tx1"/>
+              </a:fontRef>
+            </p:style>
+          </p:cxnSp>
+          <p:sp>
+            <p:nvSpPr>
+              <p:cNvPr id="41" name="CuadroTexto 40"/>
+              <p:cNvSpPr txBox="1"/>
+              <p:nvPr/>
+            </p:nvSpPr>
+            <p:spPr>
+              <a:xfrm>
+                <a:off x="5573533" y="2668436"/>
+                <a:ext cx="631904" cy="276999"/>
+              </a:xfrm>
+              <a:prstGeom prst="rect">
+                <a:avLst/>
+              </a:prstGeom>
+            </p:spPr>
+            <p:style>
+              <a:lnRef idx="2">
+                <a:schemeClr val="accent4"/>
+              </a:lnRef>
+              <a:fillRef idx="1">
+                <a:schemeClr val="lt1"/>
+              </a:fillRef>
+              <a:effectRef idx="0">
+                <a:schemeClr val="accent4"/>
+              </a:effectRef>
+              <a:fontRef idx="minor">
+                <a:schemeClr val="dk1"/>
+              </a:fontRef>
+            </p:style>
+            <p:txBody>
+              <a:bodyPr wrap="none" rtlCol="0">
+                <a:spAutoFit/>
+              </a:bodyPr>
+              <a:lstStyle/>
+              <a:p>
+                <a:r>
+                  <a:rPr lang="es-ES" sz="1200" dirty="0" smtClean="0"/>
+                  <a:t>Sondas</a:t>
+                </a:r>
+                <a:endParaRPr lang="es-CO" sz="1200" dirty="0"/>
+              </a:p>
+            </p:txBody>
+          </p:sp>
+          <p:cxnSp>
+            <p:nvCxnSpPr>
+              <p:cNvPr id="52" name="Conector recto 51"/>
+              <p:cNvCxnSpPr>
+                <a:stCxn id="41" idx="2"/>
+              </p:cNvCxnSpPr>
+              <p:nvPr/>
+            </p:nvCxnSpPr>
+            <p:spPr>
+              <a:xfrm>
+                <a:off x="5889485" y="2945435"/>
+                <a:ext cx="1" cy="637401"/>
+              </a:xfrm>
+              <a:prstGeom prst="line">
+                <a:avLst/>
+              </a:prstGeom>
+              <a:effectLst>
+                <a:outerShdw blurRad="50800" dist="38100" dir="13500000" algn="br" rotWithShape="0">
+                  <a:prstClr val="black">
+                    <a:alpha val="40000"/>
+                  </a:prstClr>
+                </a:outerShdw>
+              </a:effectLst>
+            </p:spPr>
+            <p:style>
+              <a:lnRef idx="3">
+                <a:schemeClr val="accent4"/>
+              </a:lnRef>
+              <a:fillRef idx="0">
+                <a:schemeClr val="accent4"/>
+              </a:fillRef>
+              <a:effectRef idx="2">
+                <a:schemeClr val="accent4"/>
+              </a:effectRef>
+              <a:fontRef idx="minor">
+                <a:schemeClr val="tx1"/>
+              </a:fontRef>
+            </p:style>
+          </p:cxnSp>
+          <p:cxnSp>
+            <p:nvCxnSpPr>
+              <p:cNvPr id="57" name="Conector recto 56"/>
+              <p:cNvCxnSpPr/>
+              <p:nvPr/>
+            </p:nvCxnSpPr>
+            <p:spPr>
+              <a:xfrm flipV="1">
+                <a:off x="5901930" y="3132474"/>
+                <a:ext cx="2820598" cy="29826"/>
+              </a:xfrm>
+              <a:prstGeom prst="line">
+                <a:avLst/>
+              </a:prstGeom>
+              <a:effectLst>
+                <a:outerShdw blurRad="50800" dist="38100" dir="2700000" algn="tl" rotWithShape="0">
+                  <a:prstClr val="black">
+                    <a:alpha val="40000"/>
+                  </a:prstClr>
+                </a:outerShdw>
+              </a:effectLst>
+            </p:spPr>
+            <p:style>
+              <a:lnRef idx="3">
+                <a:schemeClr val="accent4"/>
+              </a:lnRef>
+              <a:fillRef idx="0">
+                <a:schemeClr val="accent4"/>
+              </a:fillRef>
+              <a:effectRef idx="2">
+                <a:schemeClr val="accent4"/>
+              </a:effectRef>
+              <a:fontRef idx="minor">
+                <a:schemeClr val="tx1"/>
+              </a:fontRef>
+            </p:style>
+          </p:cxnSp>
+          <p:sp>
+            <p:nvSpPr>
+              <p:cNvPr id="60" name="CuadroTexto 59"/>
+              <p:cNvSpPr txBox="1"/>
+              <p:nvPr/>
+            </p:nvSpPr>
+            <p:spPr>
+              <a:xfrm>
+                <a:off x="6787164" y="2815989"/>
+                <a:ext cx="1137556" cy="276999"/>
+              </a:xfrm>
+              <a:prstGeom prst="rect">
+                <a:avLst/>
+              </a:prstGeom>
+            </p:spPr>
+            <p:style>
+              <a:lnRef idx="2">
+                <a:schemeClr val="accent4"/>
+              </a:lnRef>
+              <a:fillRef idx="1">
+                <a:schemeClr val="lt1"/>
+              </a:fillRef>
+              <a:effectRef idx="0">
+                <a:schemeClr val="accent4"/>
+              </a:effectRef>
+              <a:fontRef idx="minor">
+                <a:schemeClr val="dk1"/>
+              </a:fontRef>
+            </p:style>
+            <p:txBody>
+              <a:bodyPr wrap="none" rtlCol="0">
+                <a:spAutoFit/>
+              </a:bodyPr>
+              <a:lstStyle/>
+              <a:p>
+                <a:r>
+                  <a:rPr lang="es-ES" sz="1200" dirty="0" smtClean="0"/>
+                  <a:t>Cliente 1… Tigo</a:t>
+                </a:r>
+                <a:endParaRPr lang="es-CO" sz="1200" dirty="0"/>
+              </a:p>
+            </p:txBody>
+          </p:sp>
+          <p:sp>
+            <p:nvSpPr>
+              <p:cNvPr id="61" name="CuadroTexto 60"/>
+              <p:cNvSpPr txBox="1"/>
+              <p:nvPr/>
+            </p:nvSpPr>
+            <p:spPr>
+              <a:xfrm>
+                <a:off x="4556974" y="2806719"/>
+                <a:ext cx="711990" cy="276999"/>
+              </a:xfrm>
+              <a:prstGeom prst="rect">
+                <a:avLst/>
+              </a:prstGeom>
+            </p:spPr>
+            <p:style>
+              <a:lnRef idx="2">
+                <a:schemeClr val="accent4"/>
+              </a:lnRef>
+              <a:fillRef idx="1">
+                <a:schemeClr val="lt1"/>
+              </a:fillRef>
+              <a:effectRef idx="0">
+                <a:schemeClr val="accent4"/>
+              </a:effectRef>
+              <a:fontRef idx="minor">
+                <a:schemeClr val="dk1"/>
+              </a:fontRef>
+            </p:style>
+            <p:txBody>
+              <a:bodyPr wrap="none" rtlCol="0">
+                <a:spAutoFit/>
+              </a:bodyPr>
+              <a:lstStyle/>
+              <a:p>
+                <a:r>
+                  <a:rPr lang="es-ES" sz="1200" dirty="0" smtClean="0"/>
+                  <a:t>Contado</a:t>
+                </a:r>
+                <a:endParaRPr lang="es-CO" sz="1200" dirty="0"/>
+              </a:p>
+            </p:txBody>
+          </p:sp>
+          <p:cxnSp>
+            <p:nvCxnSpPr>
+              <p:cNvPr id="64" name="Conector recto 63"/>
+              <p:cNvCxnSpPr/>
+              <p:nvPr/>
+            </p:nvCxnSpPr>
+            <p:spPr>
+              <a:xfrm>
+                <a:off x="8722528" y="3167689"/>
+                <a:ext cx="12445" cy="995352"/>
+              </a:xfrm>
+              <a:prstGeom prst="line">
+                <a:avLst/>
+              </a:prstGeom>
+              <a:effectLst>
+                <a:outerShdw blurRad="50800" dist="38100" dir="8100000" algn="tr" rotWithShape="0">
+                  <a:prstClr val="black">
+                    <a:alpha val="40000"/>
+                  </a:prstClr>
+                </a:outerShdw>
+              </a:effectLst>
+            </p:spPr>
+            <p:style>
+              <a:lnRef idx="3">
+                <a:schemeClr val="accent4"/>
+              </a:lnRef>
+              <a:fillRef idx="0">
+                <a:schemeClr val="accent4"/>
+              </a:fillRef>
+              <a:effectRef idx="2">
+                <a:schemeClr val="accent4"/>
+              </a:effectRef>
+              <a:fontRef idx="minor">
+                <a:schemeClr val="tx1"/>
+              </a:fontRef>
+            </p:style>
+          </p:cxnSp>
+          <p:sp>
+            <p:nvSpPr>
+              <p:cNvPr id="78" name="CuadroTexto 77"/>
+              <p:cNvSpPr txBox="1"/>
+              <p:nvPr/>
+            </p:nvSpPr>
+            <p:spPr>
+              <a:xfrm>
+                <a:off x="8854467" y="3054401"/>
+                <a:ext cx="1169616" cy="276999"/>
+              </a:xfrm>
+              <a:prstGeom prst="rect">
+                <a:avLst/>
+              </a:prstGeom>
+            </p:spPr>
+            <p:style>
+              <a:lnRef idx="2">
+                <a:schemeClr val="accent4"/>
+              </a:lnRef>
+              <a:fillRef idx="1">
+                <a:schemeClr val="lt1"/>
+              </a:fillRef>
+              <a:effectRef idx="0">
+                <a:schemeClr val="accent4"/>
+              </a:effectRef>
+              <a:fontRef idx="minor">
+                <a:schemeClr val="dk1"/>
+              </a:fontRef>
+            </p:style>
+            <p:txBody>
+              <a:bodyPr wrap="none" rtlCol="0">
+                <a:spAutoFit/>
+              </a:bodyPr>
+              <a:lstStyle/>
+              <a:p>
+                <a:r>
+                  <a:rPr lang="es-ES" sz="1200" dirty="0" smtClean="0"/>
+                  <a:t>Reporte errores</a:t>
+                </a:r>
+                <a:endParaRPr lang="es-CO" sz="1200" dirty="0"/>
+              </a:p>
+            </p:txBody>
+          </p:sp>
+          <p:sp>
+            <p:nvSpPr>
+              <p:cNvPr id="80" name="CuadroTexto 79"/>
+              <p:cNvSpPr txBox="1"/>
+              <p:nvPr/>
+            </p:nvSpPr>
+            <p:spPr>
+              <a:xfrm>
+                <a:off x="8898595" y="3504813"/>
+                <a:ext cx="549509" cy="276999"/>
+              </a:xfrm>
+              <a:prstGeom prst="rect">
+                <a:avLst/>
+              </a:prstGeom>
+            </p:spPr>
+            <p:style>
+              <a:lnRef idx="2">
+                <a:schemeClr val="accent4"/>
+              </a:lnRef>
+              <a:fillRef idx="1">
+                <a:schemeClr val="lt1"/>
+              </a:fillRef>
+              <a:effectRef idx="0">
+                <a:schemeClr val="accent4"/>
+              </a:effectRef>
+              <a:fontRef idx="minor">
+                <a:schemeClr val="dk1"/>
+              </a:fontRef>
+            </p:style>
+            <p:txBody>
+              <a:bodyPr wrap="none" rtlCol="0">
+                <a:spAutoFit/>
+              </a:bodyPr>
+              <a:lstStyle/>
+              <a:p>
+                <a:r>
+                  <a:rPr lang="es-ES" sz="1200" dirty="0" smtClean="0"/>
+                  <a:t>Fecha</a:t>
+                </a:r>
+                <a:endParaRPr lang="es-CO" sz="1200" dirty="0"/>
+              </a:p>
+            </p:txBody>
+          </p:sp>
+          <p:sp>
+            <p:nvSpPr>
+              <p:cNvPr id="81" name="CuadroTexto 80"/>
+              <p:cNvSpPr txBox="1"/>
+              <p:nvPr/>
+            </p:nvSpPr>
+            <p:spPr>
+              <a:xfrm>
+                <a:off x="8909891" y="3939906"/>
+                <a:ext cx="1224768" cy="276999"/>
+              </a:xfrm>
+              <a:prstGeom prst="rect">
+                <a:avLst/>
+              </a:prstGeom>
+            </p:spPr>
+            <p:style>
+              <a:lnRef idx="2">
+                <a:schemeClr val="accent4"/>
+              </a:lnRef>
+              <a:fillRef idx="1">
+                <a:schemeClr val="lt1"/>
+              </a:fillRef>
+              <a:effectRef idx="0">
+                <a:schemeClr val="accent4"/>
+              </a:effectRef>
+              <a:fontRef idx="minor">
+                <a:schemeClr val="dk1"/>
+              </a:fontRef>
+            </p:style>
+            <p:txBody>
+              <a:bodyPr wrap="square" rtlCol="0">
+                <a:spAutoFit/>
+              </a:bodyPr>
+              <a:lstStyle/>
+              <a:p>
+                <a:r>
+                  <a:rPr lang="es-ES" sz="1200" dirty="0" smtClean="0"/>
+                  <a:t>Reporte.Doc</a:t>
+                </a:r>
+                <a:endParaRPr lang="es-CO" sz="1200" dirty="0"/>
+              </a:p>
+            </p:txBody>
+          </p:sp>
+          <p:sp>
+            <p:nvSpPr>
+              <p:cNvPr id="82" name="CuadroTexto 81"/>
+              <p:cNvSpPr txBox="1"/>
+              <p:nvPr/>
+            </p:nvSpPr>
+            <p:spPr>
+              <a:xfrm>
+                <a:off x="5487751" y="3504813"/>
+                <a:ext cx="853247" cy="276999"/>
+              </a:xfrm>
+              <a:prstGeom prst="rect">
+                <a:avLst/>
+              </a:prstGeom>
+            </p:spPr>
+            <p:style>
+              <a:lnRef idx="2">
+                <a:schemeClr val="accent4"/>
+              </a:lnRef>
+              <a:fillRef idx="1">
+                <a:schemeClr val="lt1"/>
+              </a:fillRef>
+              <a:effectRef idx="0">
+                <a:schemeClr val="accent4"/>
+              </a:effectRef>
+              <a:fontRef idx="minor">
+                <a:schemeClr val="dk1"/>
+              </a:fontRef>
+            </p:style>
+            <p:txBody>
+              <a:bodyPr wrap="none" rtlCol="0">
+                <a:spAutoFit/>
+              </a:bodyPr>
+              <a:lstStyle/>
+              <a:p>
+                <a:r>
+                  <a:rPr lang="es-ES" sz="1200" dirty="0" smtClean="0"/>
+                  <a:t>N cliente…</a:t>
+                </a:r>
+                <a:endParaRPr lang="es-CO" sz="1200" dirty="0"/>
+              </a:p>
+            </p:txBody>
+          </p:sp>
+          <p:cxnSp>
+            <p:nvCxnSpPr>
+              <p:cNvPr id="85" name="Conector recto 84"/>
+              <p:cNvCxnSpPr>
+                <a:stCxn id="82" idx="2"/>
+              </p:cNvCxnSpPr>
+              <p:nvPr/>
+            </p:nvCxnSpPr>
+            <p:spPr>
+              <a:xfrm>
+                <a:off x="5914375" y="3781812"/>
+                <a:ext cx="3372" cy="1837938"/>
+              </a:xfrm>
+              <a:prstGeom prst="line">
+                <a:avLst/>
+              </a:prstGeom>
+              <a:effectLst>
+                <a:outerShdw blurRad="50800" dist="38100" dir="10800000" algn="r" rotWithShape="0">
+                  <a:prstClr val="black">
+                    <a:alpha val="40000"/>
+                  </a:prstClr>
+                </a:outerShdw>
+              </a:effectLst>
+            </p:spPr>
+            <p:style>
+              <a:lnRef idx="3">
+                <a:schemeClr val="accent4"/>
+              </a:lnRef>
+              <a:fillRef idx="0">
+                <a:schemeClr val="accent4"/>
+              </a:fillRef>
+              <a:effectRef idx="2">
+                <a:schemeClr val="accent4"/>
+              </a:effectRef>
+              <a:fontRef idx="minor">
+                <a:schemeClr val="tx1"/>
+              </a:fontRef>
+            </p:style>
+          </p:cxnSp>
+          <p:sp>
+            <p:nvSpPr>
+              <p:cNvPr id="87" name="CuadroTexto 86"/>
+              <p:cNvSpPr txBox="1"/>
+              <p:nvPr/>
+            </p:nvSpPr>
+            <p:spPr>
+              <a:xfrm>
+                <a:off x="7134151" y="3512149"/>
+                <a:ext cx="1169038" cy="276999"/>
+              </a:xfrm>
+              <a:prstGeom prst="rect">
+                <a:avLst/>
+              </a:prstGeom>
+            </p:spPr>
+            <p:style>
+              <a:lnRef idx="2">
+                <a:schemeClr val="accent4"/>
+              </a:lnRef>
+              <a:fillRef idx="1">
+                <a:schemeClr val="lt1"/>
+              </a:fillRef>
+              <a:effectRef idx="0">
+                <a:schemeClr val="accent4"/>
+              </a:effectRef>
+              <a:fontRef idx="minor">
+                <a:schemeClr val="dk1"/>
+              </a:fontRef>
+            </p:style>
+            <p:txBody>
+              <a:bodyPr wrap="none" rtlCol="0">
+                <a:spAutoFit/>
+              </a:bodyPr>
+              <a:lstStyle/>
+              <a:p>
+                <a:r>
+                  <a:rPr lang="es-ES" sz="1200" dirty="0" smtClean="0"/>
+                  <a:t>Cliente di (imei)</a:t>
+                </a:r>
+                <a:endParaRPr lang="es-CO" sz="1200" dirty="0"/>
+              </a:p>
+            </p:txBody>
+          </p:sp>
+          <p:cxnSp>
+            <p:nvCxnSpPr>
+              <p:cNvPr id="90" name="Conector recto 89"/>
+              <p:cNvCxnSpPr>
+                <a:endCxn id="99" idx="3"/>
+              </p:cNvCxnSpPr>
+              <p:nvPr/>
+            </p:nvCxnSpPr>
+            <p:spPr>
+              <a:xfrm flipH="1" flipV="1">
+                <a:off x="5070935" y="4166646"/>
+                <a:ext cx="843442" cy="5306"/>
+              </a:xfrm>
+              <a:prstGeom prst="line">
+                <a:avLst/>
+              </a:prstGeom>
+              <a:effectLst>
+                <a:outerShdw blurRad="50800" dist="38100" dir="5400000" algn="t" rotWithShape="0">
+                  <a:prstClr val="black">
+                    <a:alpha val="40000"/>
+                  </a:prstClr>
+                </a:outerShdw>
+              </a:effectLst>
+            </p:spPr>
+            <p:style>
+              <a:lnRef idx="3">
+                <a:schemeClr val="accent4"/>
+              </a:lnRef>
+              <a:fillRef idx="0">
+                <a:schemeClr val="accent4"/>
+              </a:fillRef>
+              <a:effectRef idx="2">
+                <a:schemeClr val="accent4"/>
+              </a:effectRef>
+              <a:fontRef idx="minor">
+                <a:schemeClr val="tx1"/>
+              </a:fontRef>
+            </p:style>
+          </p:cxnSp>
+          <p:sp>
+            <p:nvSpPr>
+              <p:cNvPr id="99" name="CuadroTexto 98"/>
+              <p:cNvSpPr txBox="1"/>
+              <p:nvPr/>
+            </p:nvSpPr>
+            <p:spPr>
+              <a:xfrm>
+                <a:off x="3692352" y="4028146"/>
+                <a:ext cx="1378583" cy="276999"/>
+              </a:xfrm>
+              <a:prstGeom prst="rect">
+                <a:avLst/>
+              </a:prstGeom>
+            </p:spPr>
+            <p:style>
+              <a:lnRef idx="2">
+                <a:schemeClr val="accent4"/>
+              </a:lnRef>
+              <a:fillRef idx="1">
+                <a:schemeClr val="lt1"/>
+              </a:fillRef>
+              <a:effectRef idx="0">
+                <a:schemeClr val="accent4"/>
+              </a:effectRef>
+              <a:fontRef idx="minor">
+                <a:schemeClr val="dk1"/>
+              </a:fontRef>
+            </p:style>
+            <p:txBody>
+              <a:bodyPr wrap="none" rtlCol="0">
+                <a:spAutoFit/>
+              </a:bodyPr>
+              <a:lstStyle/>
+              <a:p>
+                <a:r>
+                  <a:rPr lang="es-ES" sz="1200" dirty="0" smtClean="0"/>
+                  <a:t>Nombre del cliente</a:t>
+                </a:r>
+                <a:endParaRPr lang="es-CO" sz="1200" dirty="0"/>
+              </a:p>
+            </p:txBody>
+          </p:sp>
+          <p:sp>
+            <p:nvSpPr>
+              <p:cNvPr id="101" name="CuadroTexto 100"/>
+              <p:cNvSpPr txBox="1"/>
+              <p:nvPr/>
+            </p:nvSpPr>
+            <p:spPr>
+              <a:xfrm>
+                <a:off x="3480254" y="4484026"/>
+                <a:ext cx="1595437" cy="276999"/>
+              </a:xfrm>
+              <a:prstGeom prst="rect">
+                <a:avLst/>
+              </a:prstGeom>
+            </p:spPr>
+            <p:style>
+              <a:lnRef idx="2">
+                <a:schemeClr val="accent4"/>
+              </a:lnRef>
+              <a:fillRef idx="1">
+                <a:schemeClr val="lt1"/>
+              </a:fillRef>
+              <a:effectRef idx="0">
+                <a:schemeClr val="accent4"/>
+              </a:effectRef>
+              <a:fontRef idx="minor">
+                <a:schemeClr val="dk1"/>
+              </a:fontRef>
+            </p:style>
+            <p:txBody>
+              <a:bodyPr wrap="none" rtlCol="0">
+                <a:spAutoFit/>
+              </a:bodyPr>
+              <a:lstStyle/>
+              <a:p>
+                <a:r>
+                  <a:rPr lang="es-ES" sz="1200" dirty="0" smtClean="0"/>
+                  <a:t>Descripción del cliente</a:t>
+                </a:r>
+                <a:endParaRPr lang="es-CO" sz="1200" dirty="0"/>
+              </a:p>
+            </p:txBody>
+          </p:sp>
+          <p:cxnSp>
+            <p:nvCxnSpPr>
+              <p:cNvPr id="103" name="Conector recto 102"/>
+              <p:cNvCxnSpPr/>
+              <p:nvPr/>
+            </p:nvCxnSpPr>
+            <p:spPr>
+              <a:xfrm flipH="1">
+                <a:off x="5070935" y="4622526"/>
+                <a:ext cx="843439" cy="1"/>
+              </a:xfrm>
+              <a:prstGeom prst="line">
+                <a:avLst/>
+              </a:prstGeom>
+              <a:effectLst>
+                <a:outerShdw blurRad="50800" dist="38100" dir="5400000" algn="t" rotWithShape="0">
+                  <a:prstClr val="black">
+                    <a:alpha val="40000"/>
+                  </a:prstClr>
+                </a:outerShdw>
+              </a:effectLst>
+            </p:spPr>
+            <p:style>
+              <a:lnRef idx="3">
+                <a:schemeClr val="accent4"/>
+              </a:lnRef>
+              <a:fillRef idx="0">
+                <a:schemeClr val="accent4"/>
+              </a:fillRef>
+              <a:effectRef idx="2">
+                <a:schemeClr val="accent4"/>
+              </a:effectRef>
+              <a:fontRef idx="minor">
+                <a:schemeClr val="tx1"/>
+              </a:fontRef>
+            </p:style>
+          </p:cxnSp>
+          <p:sp>
+            <p:nvSpPr>
+              <p:cNvPr id="107" name="CuadroTexto 106"/>
+              <p:cNvSpPr txBox="1"/>
+              <p:nvPr/>
+            </p:nvSpPr>
+            <p:spPr>
+              <a:xfrm>
+                <a:off x="6261733" y="4852242"/>
+                <a:ext cx="872418" cy="276999"/>
+              </a:xfrm>
+              <a:prstGeom prst="rect">
+                <a:avLst/>
+              </a:prstGeom>
+            </p:spPr>
+            <p:style>
+              <a:lnRef idx="2">
+                <a:schemeClr val="accent4"/>
+              </a:lnRef>
+              <a:fillRef idx="1">
+                <a:schemeClr val="lt1"/>
+              </a:fillRef>
+              <a:effectRef idx="0">
+                <a:schemeClr val="accent4"/>
+              </a:effectRef>
+              <a:fontRef idx="minor">
+                <a:schemeClr val="dk1"/>
+              </a:fontRef>
+            </p:style>
+            <p:txBody>
+              <a:bodyPr wrap="none" rtlCol="0">
+                <a:spAutoFit/>
+              </a:bodyPr>
+              <a:lstStyle/>
+              <a:p>
+                <a:r>
+                  <a:rPr lang="es-ES" sz="1200" dirty="0" smtClean="0"/>
+                  <a:t>Error fecha</a:t>
+                </a:r>
+                <a:endParaRPr lang="es-CO" sz="1200" dirty="0"/>
+              </a:p>
+            </p:txBody>
+          </p:sp>
+          <p:sp>
+            <p:nvSpPr>
+              <p:cNvPr id="108" name="CuadroTexto 107"/>
+              <p:cNvSpPr txBox="1"/>
+              <p:nvPr/>
+            </p:nvSpPr>
+            <p:spPr>
+              <a:xfrm>
+                <a:off x="6262773" y="5296594"/>
+                <a:ext cx="990207" cy="276999"/>
+              </a:xfrm>
+              <a:prstGeom prst="rect">
+                <a:avLst/>
+              </a:prstGeom>
+            </p:spPr>
+            <p:style>
+              <a:lnRef idx="2">
+                <a:schemeClr val="accent4"/>
+              </a:lnRef>
+              <a:fillRef idx="1">
+                <a:schemeClr val="lt1"/>
+              </a:fillRef>
+              <a:effectRef idx="0">
+                <a:schemeClr val="accent4"/>
+              </a:effectRef>
+              <a:fontRef idx="minor">
+                <a:schemeClr val="dk1"/>
+              </a:fontRef>
+            </p:style>
+            <p:txBody>
+              <a:bodyPr wrap="none" rtlCol="0">
+                <a:spAutoFit/>
+              </a:bodyPr>
+              <a:lstStyle/>
+              <a:p>
+                <a:r>
+                  <a:rPr lang="es-ES" sz="1200" dirty="0" smtClean="0"/>
+                  <a:t>Salto al error</a:t>
+                </a:r>
+                <a:endParaRPr lang="es-CO" sz="1200" dirty="0"/>
+              </a:p>
+            </p:txBody>
+          </p:sp>
+          <p:sp>
+            <p:nvSpPr>
+              <p:cNvPr id="113" name="Elipse 112"/>
+              <p:cNvSpPr/>
+              <p:nvPr/>
+            </p:nvSpPr>
+            <p:spPr>
+              <a:xfrm>
+                <a:off x="5875100" y="1754918"/>
+                <a:ext cx="85294" cy="116874"/>
+              </a:xfrm>
+              <a:prstGeom prst="ellipse">
+                <a:avLst/>
+              </a:prstGeom>
+              <a:effectLst>
+                <a:outerShdw blurRad="50800" dist="38100" dir="5400000" algn="t" rotWithShape="0">
+                  <a:prstClr val="black">
+                    <a:alpha val="40000"/>
+                  </a:prstClr>
+                </a:outerShdw>
+              </a:effectLst>
+            </p:spPr>
+            <p:style>
+              <a:lnRef idx="1">
+                <a:schemeClr val="accent4"/>
+              </a:lnRef>
+              <a:fillRef idx="2">
+                <a:schemeClr val="accent4"/>
+              </a:fillRef>
+              <a:effectRef idx="1">
+                <a:schemeClr val="accent4"/>
+              </a:effectRef>
+              <a:fontRef idx="minor">
+                <a:schemeClr val="dk1"/>
+              </a:fontRef>
+            </p:style>
+            <p:txBody>
+              <a:bodyPr rtlCol="0" anchor="ctr"/>
+              <a:lstStyle/>
+              <a:p>
+                <a:pPr algn="ctr"/>
+                <a:endParaRPr lang="es-CO"/>
+              </a:p>
+            </p:txBody>
+          </p:sp>
+          <p:sp>
+            <p:nvSpPr>
+              <p:cNvPr id="115" name="Elipse 114"/>
+              <p:cNvSpPr/>
+              <p:nvPr/>
+            </p:nvSpPr>
+            <p:spPr>
+              <a:xfrm>
+                <a:off x="5862679" y="3109252"/>
+                <a:ext cx="85294" cy="116874"/>
+              </a:xfrm>
+              <a:prstGeom prst="ellipse">
+                <a:avLst/>
+              </a:prstGeom>
+              <a:effectLst>
+                <a:outerShdw blurRad="50800" dist="38100" dir="10800000" algn="r" rotWithShape="0">
+                  <a:prstClr val="black">
+                    <a:alpha val="40000"/>
+                  </a:prstClr>
+                </a:outerShdw>
+              </a:effectLst>
+            </p:spPr>
+            <p:style>
+              <a:lnRef idx="1">
+                <a:schemeClr val="accent4"/>
+              </a:lnRef>
+              <a:fillRef idx="2">
+                <a:schemeClr val="accent4"/>
+              </a:fillRef>
+              <a:effectRef idx="1">
+                <a:schemeClr val="accent4"/>
+              </a:effectRef>
+              <a:fontRef idx="minor">
+                <a:schemeClr val="dk1"/>
+              </a:fontRef>
+            </p:style>
+            <p:txBody>
+              <a:bodyPr rtlCol="0" anchor="ctr"/>
+              <a:lstStyle/>
+              <a:p>
+                <a:pPr algn="ctr"/>
+                <a:endParaRPr lang="es-CO"/>
+              </a:p>
+            </p:txBody>
+          </p:sp>
+          <p:sp>
+            <p:nvSpPr>
+              <p:cNvPr id="117" name="Elipse 116"/>
+              <p:cNvSpPr/>
+              <p:nvPr/>
+            </p:nvSpPr>
+            <p:spPr>
+              <a:xfrm>
+                <a:off x="8688843" y="4022877"/>
+                <a:ext cx="85294" cy="116874"/>
+              </a:xfrm>
+              <a:prstGeom prst="ellipse">
+                <a:avLst/>
+              </a:prstGeom>
+              <a:effectLst>
+                <a:outerShdw blurRad="50800" dist="38100" dir="10800000" algn="r" rotWithShape="0">
+                  <a:prstClr val="black">
+                    <a:alpha val="40000"/>
+                  </a:prstClr>
+                </a:outerShdw>
+              </a:effectLst>
+            </p:spPr>
+            <p:style>
+              <a:lnRef idx="1">
+                <a:schemeClr val="accent4"/>
+              </a:lnRef>
+              <a:fillRef idx="2">
+                <a:schemeClr val="accent4"/>
+              </a:fillRef>
+              <a:effectRef idx="1">
+                <a:schemeClr val="accent4"/>
+              </a:effectRef>
+              <a:fontRef idx="minor">
+                <a:schemeClr val="dk1"/>
+              </a:fontRef>
+            </p:style>
+            <p:txBody>
+              <a:bodyPr rtlCol="0" anchor="ctr"/>
+              <a:lstStyle/>
+              <a:p>
+                <a:pPr algn="ctr"/>
+                <a:endParaRPr lang="es-CO"/>
+              </a:p>
+            </p:txBody>
+          </p:sp>
+          <p:sp>
+            <p:nvSpPr>
+              <p:cNvPr id="119" name="Elipse 118"/>
+              <p:cNvSpPr/>
+              <p:nvPr/>
+            </p:nvSpPr>
+            <p:spPr>
+              <a:xfrm>
+                <a:off x="5870745" y="4104604"/>
+                <a:ext cx="85294" cy="116874"/>
+              </a:xfrm>
+              <a:prstGeom prst="ellipse">
+                <a:avLst/>
+              </a:prstGeom>
+              <a:effectLst>
+                <a:outerShdw blurRad="50800" dist="38100" dir="10800000" algn="r" rotWithShape="0">
+                  <a:prstClr val="black">
+                    <a:alpha val="40000"/>
+                  </a:prstClr>
+                </a:outerShdw>
+              </a:effectLst>
+            </p:spPr>
+            <p:style>
+              <a:lnRef idx="1">
+                <a:schemeClr val="accent4"/>
+              </a:lnRef>
+              <a:fillRef idx="2">
+                <a:schemeClr val="accent4"/>
+              </a:fillRef>
+              <a:effectRef idx="1">
+                <a:schemeClr val="accent4"/>
+              </a:effectRef>
+              <a:fontRef idx="minor">
+                <a:schemeClr val="dk1"/>
+              </a:fontRef>
+            </p:style>
+            <p:txBody>
+              <a:bodyPr rtlCol="0" anchor="ctr"/>
+              <a:lstStyle/>
+              <a:p>
+                <a:pPr algn="ctr"/>
+                <a:endParaRPr lang="es-CO"/>
+              </a:p>
+            </p:txBody>
+          </p:sp>
+          <p:sp>
+            <p:nvSpPr>
+              <p:cNvPr id="120" name="Elipse 119"/>
+              <p:cNvSpPr/>
+              <p:nvPr/>
+            </p:nvSpPr>
+            <p:spPr>
+              <a:xfrm>
+                <a:off x="6569311" y="1156553"/>
+                <a:ext cx="85294" cy="109536"/>
+              </a:xfrm>
+              <a:prstGeom prst="ellipse">
+                <a:avLst/>
+              </a:prstGeom>
+              <a:effectLst>
+                <a:outerShdw blurRad="50800" dist="38100" algn="l" rotWithShape="0">
+                  <a:prstClr val="black">
+                    <a:alpha val="40000"/>
+                  </a:prstClr>
+                </a:outerShdw>
+              </a:effectLst>
+            </p:spPr>
+            <p:style>
+              <a:lnRef idx="1">
+                <a:schemeClr val="accent4"/>
+              </a:lnRef>
+              <a:fillRef idx="2">
+                <a:schemeClr val="accent4"/>
+              </a:fillRef>
+              <a:effectRef idx="1">
+                <a:schemeClr val="accent4"/>
+              </a:effectRef>
+              <a:fontRef idx="minor">
+                <a:schemeClr val="dk1"/>
+              </a:fontRef>
+            </p:style>
+            <p:txBody>
+              <a:bodyPr rtlCol="0" anchor="ctr"/>
+              <a:lstStyle/>
+              <a:p>
+                <a:pPr algn="ctr"/>
+                <a:endParaRPr lang="es-CO"/>
+              </a:p>
+            </p:txBody>
+          </p:sp>
+          <p:sp>
+            <p:nvSpPr>
+              <p:cNvPr id="121" name="Elipse 120"/>
+              <p:cNvSpPr/>
+              <p:nvPr/>
+            </p:nvSpPr>
+            <p:spPr>
+              <a:xfrm>
+                <a:off x="6277213" y="794815"/>
+                <a:ext cx="85294" cy="116874"/>
+              </a:xfrm>
+              <a:prstGeom prst="ellipse">
+                <a:avLst/>
+              </a:prstGeom>
+              <a:effectLst>
+                <a:outerShdw blurRad="50800" dist="38100" algn="l" rotWithShape="0">
+                  <a:prstClr val="black">
+                    <a:alpha val="40000"/>
+                  </a:prstClr>
+                </a:outerShdw>
+              </a:effectLst>
+            </p:spPr>
+            <p:style>
+              <a:lnRef idx="1">
+                <a:schemeClr val="accent4"/>
+              </a:lnRef>
+              <a:fillRef idx="2">
+                <a:schemeClr val="accent4"/>
+              </a:fillRef>
+              <a:effectRef idx="1">
+                <a:schemeClr val="accent4"/>
+              </a:effectRef>
+              <a:fontRef idx="minor">
+                <a:schemeClr val="dk1"/>
+              </a:fontRef>
+            </p:style>
+            <p:txBody>
+              <a:bodyPr rtlCol="0" anchor="ctr"/>
+              <a:lstStyle/>
+              <a:p>
+                <a:pPr algn="ctr"/>
+                <a:endParaRPr lang="es-CO"/>
+              </a:p>
+            </p:txBody>
+          </p:sp>
+          <p:sp>
+            <p:nvSpPr>
+              <p:cNvPr id="122" name="Elipse 121"/>
+              <p:cNvSpPr/>
+              <p:nvPr/>
+            </p:nvSpPr>
+            <p:spPr>
+              <a:xfrm>
+                <a:off x="5566637" y="771614"/>
+                <a:ext cx="85294" cy="116874"/>
+              </a:xfrm>
+              <a:prstGeom prst="ellipse">
+                <a:avLst/>
+              </a:prstGeom>
+              <a:effectLst>
+                <a:outerShdw blurRad="50800" dist="38100" dir="5400000" algn="t" rotWithShape="0">
+                  <a:prstClr val="black">
+                    <a:alpha val="40000"/>
+                  </a:prstClr>
+                </a:outerShdw>
+              </a:effectLst>
+            </p:spPr>
+            <p:style>
+              <a:lnRef idx="1">
+                <a:schemeClr val="accent4"/>
+              </a:lnRef>
+              <a:fillRef idx="2">
+                <a:schemeClr val="accent4"/>
+              </a:fillRef>
+              <a:effectRef idx="1">
+                <a:schemeClr val="accent4"/>
+              </a:effectRef>
+              <a:fontRef idx="minor">
+                <a:schemeClr val="dk1"/>
+              </a:fontRef>
+            </p:style>
+            <p:txBody>
+              <a:bodyPr rtlCol="0" anchor="ctr"/>
+              <a:lstStyle/>
+              <a:p>
+                <a:pPr algn="ctr"/>
+                <a:endParaRPr lang="es-CO"/>
+              </a:p>
+            </p:txBody>
+          </p:sp>
+          <p:sp>
+            <p:nvSpPr>
+              <p:cNvPr id="123" name="Elipse 122"/>
+              <p:cNvSpPr/>
+              <p:nvPr/>
+            </p:nvSpPr>
+            <p:spPr>
+              <a:xfrm>
+                <a:off x="5274791" y="1149215"/>
+                <a:ext cx="85294" cy="116874"/>
+              </a:xfrm>
+              <a:prstGeom prst="ellipse">
+                <a:avLst/>
+              </a:prstGeom>
+              <a:effectLst>
+                <a:outerShdw blurRad="50800" dist="38100" dir="5400000" algn="t" rotWithShape="0">
+                  <a:prstClr val="black">
+                    <a:alpha val="40000"/>
+                  </a:prstClr>
+                </a:outerShdw>
+              </a:effectLst>
+            </p:spPr>
+            <p:style>
+              <a:lnRef idx="1">
+                <a:schemeClr val="accent4"/>
+              </a:lnRef>
+              <a:fillRef idx="2">
+                <a:schemeClr val="accent4"/>
+              </a:fillRef>
+              <a:effectRef idx="1">
+                <a:schemeClr val="accent4"/>
+              </a:effectRef>
+              <a:fontRef idx="minor">
+                <a:schemeClr val="dk1"/>
+              </a:fontRef>
+            </p:style>
+            <p:txBody>
+              <a:bodyPr rtlCol="0" anchor="ctr"/>
+              <a:lstStyle/>
+              <a:p>
+                <a:pPr algn="ctr"/>
+                <a:endParaRPr lang="es-CO"/>
+              </a:p>
+            </p:txBody>
+          </p:sp>
+          <p:sp>
+            <p:nvSpPr>
+              <p:cNvPr id="124" name="Elipse 123"/>
+              <p:cNvSpPr/>
+              <p:nvPr/>
+            </p:nvSpPr>
+            <p:spPr>
+              <a:xfrm>
+                <a:off x="4235326" y="3100511"/>
+                <a:ext cx="85294" cy="116874"/>
+              </a:xfrm>
+              <a:prstGeom prst="ellipse">
+                <a:avLst/>
+              </a:prstGeom>
+              <a:effectLst>
+                <a:outerShdw blurRad="50800" dist="38100" dir="10800000" algn="r" rotWithShape="0">
+                  <a:prstClr val="black">
+                    <a:alpha val="40000"/>
+                  </a:prstClr>
+                </a:outerShdw>
+              </a:effectLst>
+            </p:spPr>
+            <p:style>
+              <a:lnRef idx="1">
+                <a:schemeClr val="accent4"/>
+              </a:lnRef>
+              <a:fillRef idx="2">
+                <a:schemeClr val="accent4"/>
+              </a:fillRef>
+              <a:effectRef idx="1">
+                <a:schemeClr val="accent4"/>
+              </a:effectRef>
+              <a:fontRef idx="minor">
+                <a:schemeClr val="dk1"/>
+              </a:fontRef>
+            </p:style>
+            <p:txBody>
+              <a:bodyPr rtlCol="0" anchor="ctr"/>
+              <a:lstStyle/>
+              <a:p>
+                <a:pPr algn="ctr"/>
+                <a:endParaRPr lang="es-CO"/>
+              </a:p>
+            </p:txBody>
+          </p:sp>
+          <p:sp>
+            <p:nvSpPr>
+              <p:cNvPr id="126" name="Elipse 125"/>
+              <p:cNvSpPr/>
+              <p:nvPr/>
+            </p:nvSpPr>
+            <p:spPr>
+              <a:xfrm>
+                <a:off x="5863747" y="2508907"/>
+                <a:ext cx="85294" cy="116874"/>
+              </a:xfrm>
+              <a:prstGeom prst="ellipse">
+                <a:avLst/>
+              </a:prstGeom>
+              <a:effectLst>
+                <a:outerShdw blurRad="50800" dist="38100" dir="10800000" algn="r" rotWithShape="0">
+                  <a:prstClr val="black">
+                    <a:alpha val="40000"/>
+                  </a:prstClr>
+                </a:outerShdw>
+              </a:effectLst>
+            </p:spPr>
+            <p:style>
+              <a:lnRef idx="1">
+                <a:schemeClr val="accent4"/>
+              </a:lnRef>
+              <a:fillRef idx="2">
+                <a:schemeClr val="accent4"/>
+              </a:fillRef>
+              <a:effectRef idx="1">
+                <a:schemeClr val="accent4"/>
+              </a:effectRef>
+              <a:fontRef idx="minor">
+                <a:schemeClr val="dk1"/>
+              </a:fontRef>
+            </p:style>
+            <p:txBody>
+              <a:bodyPr rtlCol="0" anchor="ctr"/>
+              <a:lstStyle/>
+              <a:p>
+                <a:pPr algn="ctr"/>
+                <a:endParaRPr lang="es-CO"/>
+              </a:p>
+            </p:txBody>
+          </p:sp>
+          <p:sp>
+            <p:nvSpPr>
+              <p:cNvPr id="153" name="Elipse 152"/>
+              <p:cNvSpPr/>
+              <p:nvPr/>
+            </p:nvSpPr>
+            <p:spPr>
+              <a:xfrm>
+                <a:off x="5870745" y="4932305"/>
+                <a:ext cx="85294" cy="116874"/>
+              </a:xfrm>
+              <a:prstGeom prst="ellipse">
+                <a:avLst/>
+              </a:prstGeom>
+              <a:effectLst>
+                <a:outerShdw blurRad="50800" dist="38100" dir="10800000" algn="r" rotWithShape="0">
+                  <a:prstClr val="black">
+                    <a:alpha val="40000"/>
+                  </a:prstClr>
+                </a:outerShdw>
+              </a:effectLst>
+            </p:spPr>
+            <p:style>
+              <a:lnRef idx="1">
+                <a:schemeClr val="accent4"/>
+              </a:lnRef>
+              <a:fillRef idx="2">
+                <a:schemeClr val="accent4"/>
+              </a:fillRef>
+              <a:effectRef idx="1">
+                <a:schemeClr val="accent4"/>
+              </a:effectRef>
+              <a:fontRef idx="minor">
+                <a:schemeClr val="dk1"/>
+              </a:fontRef>
+            </p:style>
+            <p:txBody>
+              <a:bodyPr rtlCol="0" anchor="ctr"/>
+              <a:lstStyle/>
+              <a:p>
+                <a:pPr algn="ctr"/>
+                <a:endParaRPr lang="es-CO"/>
+              </a:p>
+            </p:txBody>
+          </p:sp>
+          <p:sp>
+            <p:nvSpPr>
+              <p:cNvPr id="154" name="Elipse 153"/>
+              <p:cNvSpPr/>
+              <p:nvPr/>
+            </p:nvSpPr>
+            <p:spPr>
+              <a:xfrm>
+                <a:off x="5879460" y="5376657"/>
+                <a:ext cx="85294" cy="116874"/>
+              </a:xfrm>
+              <a:prstGeom prst="ellipse">
+                <a:avLst/>
+              </a:prstGeom>
+              <a:effectLst>
+                <a:outerShdw blurRad="50800" dist="38100" dir="10800000" algn="r" rotWithShape="0">
+                  <a:prstClr val="black">
+                    <a:alpha val="40000"/>
+                  </a:prstClr>
+                </a:outerShdw>
+              </a:effectLst>
+            </p:spPr>
+            <p:style>
+              <a:lnRef idx="1">
+                <a:schemeClr val="accent4"/>
+              </a:lnRef>
+              <a:fillRef idx="2">
+                <a:schemeClr val="accent4"/>
+              </a:fillRef>
+              <a:effectRef idx="1">
+                <a:schemeClr val="accent4"/>
+              </a:effectRef>
+              <a:fontRef idx="minor">
+                <a:schemeClr val="dk1"/>
+              </a:fontRef>
+            </p:style>
+            <p:txBody>
+              <a:bodyPr rtlCol="0" anchor="ctr"/>
+              <a:lstStyle/>
+              <a:p>
+                <a:pPr algn="ctr"/>
+                <a:endParaRPr lang="es-CO"/>
+              </a:p>
+            </p:txBody>
+          </p:sp>
+        </p:grpSp>
+      </p:grpSp>
+      <p:cxnSp>
+        <p:nvCxnSpPr>
+          <p:cNvPr id="156" name="Conector recto 155"/>
+          <p:cNvCxnSpPr>
+            <a:stCxn id="153" idx="6"/>
+            <a:endCxn id="107" idx="1"/>
+          </p:cNvCxnSpPr>
+          <p:nvPr/>
+        </p:nvCxnSpPr>
+        <p:spPr>
+          <a:xfrm>
+            <a:off x="5531751" y="5252190"/>
+            <a:ext cx="326400" cy="0"/>
+          </a:xfrm>
+          <a:prstGeom prst="line">
+            <a:avLst/>
+          </a:prstGeom>
+          <a:effectLst>
+            <a:outerShdw blurRad="50800" dist="38100" dir="5400000" algn="t" rotWithShape="0">
+              <a:prstClr val="black">
+                <a:alpha val="40000"/>
+              </a:prstClr>
+            </a:outerShdw>
+          </a:effectLst>
+        </p:spPr>
+        <p:style>
+          <a:lnRef idx="3">
+            <a:schemeClr val="accent4"/>
+          </a:lnRef>
+          <a:fillRef idx="0">
+            <a:schemeClr val="accent4"/>
+          </a:fillRef>
+          <a:effectRef idx="2">
+            <a:schemeClr val="accent4"/>
+          </a:effectRef>
+          <a:fontRef idx="minor">
+            <a:schemeClr val="tx1"/>
+          </a:fontRef>
+        </p:style>
+      </p:cxnSp>
+      <p:cxnSp>
+        <p:nvCxnSpPr>
+          <p:cNvPr id="158" name="Conector recto 157"/>
+          <p:cNvCxnSpPr>
+            <a:stCxn id="154" idx="6"/>
+            <a:endCxn id="108" idx="1"/>
+          </p:cNvCxnSpPr>
+          <p:nvPr/>
+        </p:nvCxnSpPr>
+        <p:spPr>
+          <a:xfrm>
+            <a:off x="5541056" y="5724002"/>
+            <a:ext cx="318206" cy="0"/>
+          </a:xfrm>
+          <a:prstGeom prst="line">
+            <a:avLst/>
+          </a:prstGeom>
+          <a:effectLst>
+            <a:outerShdw blurRad="50800" dist="38100" dir="5400000" algn="t" rotWithShape="0">
+              <a:prstClr val="black">
+                <a:alpha val="40000"/>
+              </a:prstClr>
+            </a:outerShdw>
+          </a:effectLst>
+        </p:spPr>
+        <p:style>
+          <a:lnRef idx="3">
+            <a:schemeClr val="accent4"/>
+          </a:lnRef>
+          <a:fillRef idx="0">
+            <a:schemeClr val="accent4"/>
+          </a:fillRef>
+          <a:effectRef idx="2">
+            <a:schemeClr val="accent4"/>
+          </a:effectRef>
+          <a:fontRef idx="minor">
+            <a:schemeClr val="tx1"/>
+          </a:fontRef>
+        </p:style>
+      </p:cxnSp>
+      <p:sp>
+        <p:nvSpPr>
+          <p:cNvPr id="14" name="Rectángulo 13"/>
+          <p:cNvSpPr/>
+          <p:nvPr/>
+        </p:nvSpPr>
+        <p:spPr>
+          <a:xfrm>
+            <a:off x="457674" y="281155"/>
+            <a:ext cx="189440" cy="6194738"/>
+          </a:xfrm>
+          <a:prstGeom prst="rect">
+            <a:avLst/>
+          </a:prstGeom>
+        </p:spPr>
+        <p:style>
+          <a:lnRef idx="3">
+            <a:schemeClr val="lt1"/>
+          </a:lnRef>
+          <a:fillRef idx="1">
+            <a:schemeClr val="accent2"/>
+          </a:fillRef>
+          <a:effectRef idx="1">
+            <a:schemeClr val="accent2"/>
+          </a:effectRef>
+          <a:fontRef idx="minor">
+            <a:schemeClr val="lt1"/>
+          </a:fontRef>
+        </p:style>
+        <p:txBody>
+          <a:bodyPr rtlCol="0" anchor="ctr"/>
+          <a:lstStyle/>
+          <a:p>
+            <a:pPr algn="ctr"/>
+            <a:r>
+              <a:rPr lang="es-CO"/>
+              <a:t> </a:t>
+            </a:r>
+          </a:p>
+        </p:txBody>
+      </p:sp>
+      <p:pic>
+        <p:nvPicPr>
+          <p:cNvPr id="17" name="Imagen 16"/>
+          <p:cNvPicPr>
+            <a:picLocks noChangeAspect="1"/>
+          </p:cNvPicPr>
+          <p:nvPr/>
+        </p:nvPicPr>
+        <p:blipFill rotWithShape="1">
+          <a:blip r:embed="rId2"/>
+          <a:srcRect l="-101409" t="2112" r="101409" b="-2112"/>
+          <a:stretch/>
+        </p:blipFill>
+        <p:spPr>
+          <a:xfrm>
+            <a:off x="421169" y="1512090"/>
+            <a:ext cx="6934200" cy="4876800"/>
+          </a:xfrm>
+          <a:prstGeom prst="rect">
+            <a:avLst/>
+          </a:prstGeom>
+        </p:spPr>
+      </p:pic>
+      <p:sp>
+        <p:nvSpPr>
+          <p:cNvPr id="62" name="Rectángulo 61"/>
+          <p:cNvSpPr/>
+          <p:nvPr/>
+        </p:nvSpPr>
+        <p:spPr>
+          <a:xfrm>
+            <a:off x="790055" y="281155"/>
+            <a:ext cx="202026" cy="6194738"/>
+          </a:xfrm>
+          <a:prstGeom prst="rect">
+            <a:avLst/>
+          </a:prstGeom>
+        </p:spPr>
+        <p:style>
+          <a:lnRef idx="3">
+            <a:schemeClr val="lt1"/>
+          </a:lnRef>
+          <a:fillRef idx="1">
+            <a:schemeClr val="accent6"/>
+          </a:fillRef>
+          <a:effectRef idx="1">
+            <a:schemeClr val="accent6"/>
+          </a:effectRef>
+          <a:fontRef idx="minor">
+            <a:schemeClr val="lt1"/>
+          </a:fontRef>
+        </p:style>
+        <p:txBody>
+          <a:bodyPr rtlCol="0" anchor="ctr"/>
+          <a:lstStyle/>
+          <a:p>
+            <a:pPr algn="ctr"/>
+            <a:r>
+              <a:rPr lang="es-CO"/>
+              <a:t> </a:t>
+            </a:r>
+          </a:p>
+        </p:txBody>
+      </p:sp>
+      <p:sp>
+        <p:nvSpPr>
+          <p:cNvPr id="18" name="Elipse 17"/>
+          <p:cNvSpPr/>
+          <p:nvPr/>
+        </p:nvSpPr>
+        <p:spPr>
+          <a:xfrm>
+            <a:off x="5281490" y="4619552"/>
+            <a:ext cx="115910" cy="116874"/>
+          </a:xfrm>
+          <a:prstGeom prst="ellipse">
+            <a:avLst/>
+          </a:prstGeom>
+          <a:effectLst>
+            <a:outerShdw blurRad="50800" dist="38100" dir="10800000" algn="r" rotWithShape="0">
+              <a:prstClr val="black">
+                <a:alpha val="40000"/>
+              </a:prstClr>
+            </a:outerShdw>
+          </a:effectLst>
+        </p:spPr>
+        <p:style>
+          <a:lnRef idx="0">
+            <a:schemeClr val="accent4"/>
+          </a:lnRef>
+          <a:fillRef idx="3">
+            <a:schemeClr val="accent4"/>
+          </a:fillRef>
+          <a:effectRef idx="3">
+            <a:schemeClr val="accent4"/>
+          </a:effectRef>
+          <a:fontRef idx="minor">
+            <a:schemeClr val="lt1"/>
+          </a:fontRef>
+        </p:style>
+        <p:txBody>
+          <a:bodyPr rtlCol="0" anchor="ctr"/>
+          <a:lstStyle/>
+          <a:p>
+            <a:pPr algn="ctr"/>
+            <a:endParaRPr lang="es-CO"/>
+          </a:p>
+        </p:txBody>
+      </p:sp>
+      <p:sp>
+        <p:nvSpPr>
+          <p:cNvPr id="67" name="Rectángulo 66"/>
+          <p:cNvSpPr/>
+          <p:nvPr/>
+        </p:nvSpPr>
+        <p:spPr>
+          <a:xfrm>
+            <a:off x="1160381" y="281155"/>
+            <a:ext cx="219114" cy="6194738"/>
+          </a:xfrm>
+          <a:prstGeom prst="rect">
+            <a:avLst/>
+          </a:prstGeom>
+        </p:spPr>
+        <p:style>
+          <a:lnRef idx="3">
+            <a:schemeClr val="lt1"/>
+          </a:lnRef>
+          <a:fillRef idx="1">
+            <a:schemeClr val="accent1"/>
+          </a:fillRef>
+          <a:effectRef idx="1">
+            <a:schemeClr val="accent1"/>
+          </a:effectRef>
+          <a:fontRef idx="minor">
+            <a:schemeClr val="lt1"/>
+          </a:fontRef>
+        </p:style>
+        <p:txBody>
+          <a:bodyPr rtlCol="0" anchor="ctr"/>
+          <a:lstStyle/>
+          <a:p>
+            <a:pPr algn="ctr"/>
+            <a:r>
+              <a:rPr lang="es-CO"/>
+              <a:t> </a:t>
+            </a:r>
+          </a:p>
+        </p:txBody>
+      </p:sp>
+      <p:sp>
+        <p:nvSpPr>
+          <p:cNvPr id="68" name="Rectángulo 67"/>
+          <p:cNvSpPr/>
+          <p:nvPr/>
+        </p:nvSpPr>
+        <p:spPr>
+          <a:xfrm>
+            <a:off x="11479000" y="245876"/>
+            <a:ext cx="315952" cy="6194738"/>
+          </a:xfrm>
+          <a:prstGeom prst="rect">
+            <a:avLst/>
+          </a:prstGeom>
+        </p:spPr>
+        <p:style>
+          <a:lnRef idx="2">
+            <a:schemeClr val="accent4">
+              <a:shade val="50000"/>
+            </a:schemeClr>
+          </a:lnRef>
+          <a:fillRef idx="1">
+            <a:schemeClr val="accent4"/>
+          </a:fillRef>
+          <a:effectRef idx="0">
+            <a:schemeClr val="accent4"/>
+          </a:effectRef>
+          <a:fontRef idx="minor">
+            <a:schemeClr val="lt1"/>
+          </a:fontRef>
+        </p:style>
+        <p:txBody>
+          <a:bodyPr rtlCol="0" anchor="ctr"/>
+          <a:lstStyle/>
+          <a:p>
+            <a:pPr algn="ctr"/>
+            <a:r>
+              <a:rPr lang="es-CO"/>
+              <a:t> </a:t>
+            </a:r>
+          </a:p>
+        </p:txBody>
+      </p:sp>
+      <p:pic>
+        <p:nvPicPr>
+          <p:cNvPr id="20" name="Imagen 19"/>
+          <p:cNvPicPr>
+            <a:picLocks noChangeAspect="1"/>
+          </p:cNvPicPr>
+          <p:nvPr/>
+        </p:nvPicPr>
+        <p:blipFill>
+          <a:blip r:embed="rId3">
+            <a:extLst>
+              <a:ext uri="{28A0092B-C50C-407E-A947-70E740481C1C}">
+                <a14:useLocalDpi xmlns:a14="http://schemas.microsoft.com/office/drawing/2010/main" val="0"/>
+              </a:ext>
+            </a:extLst>
+          </a:blip>
+          <a:stretch>
+            <a:fillRect/>
+          </a:stretch>
+        </p:blipFill>
+        <p:spPr>
+          <a:xfrm>
+            <a:off x="9515754" y="4619552"/>
+            <a:ext cx="1815180" cy="1815180"/>
+          </a:xfrm>
+          <a:prstGeom prst="rect">
+            <a:avLst/>
+          </a:prstGeom>
+        </p:spPr>
+      </p:pic>
+      <p:sp>
+        <p:nvSpPr>
+          <p:cNvPr id="70" name="Elipse 69"/>
+          <p:cNvSpPr/>
+          <p:nvPr/>
+        </p:nvSpPr>
+        <p:spPr>
+          <a:xfrm>
+            <a:off x="8468035" y="3759442"/>
+            <a:ext cx="91071" cy="124097"/>
+          </a:xfrm>
+          <a:prstGeom prst="ellipse">
+            <a:avLst/>
+          </a:prstGeom>
+          <a:effectLst>
+            <a:outerShdw blurRad="50800" dist="38100" dir="10800000" algn="r" rotWithShape="0">
+              <a:prstClr val="black">
+                <a:alpha val="40000"/>
+              </a:prstClr>
+            </a:outerShdw>
+          </a:effectLst>
+        </p:spPr>
+        <p:style>
+          <a:lnRef idx="1">
+            <a:schemeClr val="accent4"/>
+          </a:lnRef>
+          <a:fillRef idx="2">
+            <a:schemeClr val="accent4"/>
+          </a:fillRef>
+          <a:effectRef idx="1">
+            <a:schemeClr val="accent4"/>
+          </a:effectRef>
+          <a:fontRef idx="minor">
+            <a:schemeClr val="dk1"/>
+          </a:fontRef>
+        </p:style>
+        <p:txBody>
+          <a:bodyPr rtlCol="0" anchor="ctr"/>
+          <a:lstStyle/>
+          <a:p>
+            <a:pPr algn="ctr"/>
+            <a:endParaRPr lang="es-CO"/>
+          </a:p>
+        </p:txBody>
+      </p:sp>
+      <p:cxnSp>
+        <p:nvCxnSpPr>
+          <p:cNvPr id="23" name="Conector recto 22"/>
+          <p:cNvCxnSpPr>
+            <a:stCxn id="70" idx="6"/>
+            <a:endCxn id="80" idx="1"/>
+          </p:cNvCxnSpPr>
+          <p:nvPr/>
+        </p:nvCxnSpPr>
+        <p:spPr>
+          <a:xfrm>
+            <a:off x="8559106" y="3821491"/>
+            <a:ext cx="114514" cy="1"/>
+          </a:xfrm>
+          <a:prstGeom prst="line">
+            <a:avLst/>
+          </a:prstGeom>
+          <a:effectLst>
+            <a:outerShdw blurRad="50800" dist="38100" dir="5400000" algn="t" rotWithShape="0">
+              <a:prstClr val="black">
+                <a:alpha val="40000"/>
+              </a:prstClr>
+            </a:outerShdw>
+          </a:effectLst>
+        </p:spPr>
+        <p:style>
+          <a:lnRef idx="3">
+            <a:schemeClr val="accent4"/>
+          </a:lnRef>
+          <a:fillRef idx="0">
+            <a:schemeClr val="accent4"/>
+          </a:fillRef>
+          <a:effectRef idx="2">
+            <a:schemeClr val="accent4"/>
+          </a:effectRef>
+          <a:fontRef idx="minor">
+            <a:schemeClr val="tx1"/>
+          </a:fontRef>
+        </p:style>
+      </p:cxnSp>
+      <p:pic>
+        <p:nvPicPr>
+          <p:cNvPr id="79" name="Imagen 78"/>
+          <p:cNvPicPr>
+            <a:picLocks noChangeAspect="1"/>
+          </p:cNvPicPr>
+          <p:nvPr/>
+        </p:nvPicPr>
+        <p:blipFill rotWithShape="1">
+          <a:blip r:embed="rId2"/>
+          <a:srcRect l="-101409" t="2112" r="101409" b="-2112"/>
+          <a:stretch/>
+        </p:blipFill>
+        <p:spPr>
+          <a:xfrm>
+            <a:off x="428588" y="1574409"/>
+            <a:ext cx="6934200" cy="4876800"/>
+          </a:xfrm>
+          <a:prstGeom prst="rect">
+            <a:avLst/>
+          </a:prstGeom>
+        </p:spPr>
+      </p:pic>
+      <p:pic>
+        <p:nvPicPr>
+          <p:cNvPr id="83" name="Imagen 82"/>
+          <p:cNvPicPr>
+            <a:picLocks noChangeAspect="1"/>
+          </p:cNvPicPr>
+          <p:nvPr/>
+        </p:nvPicPr>
+        <p:blipFill rotWithShape="1">
+          <a:blip r:embed="rId2"/>
+          <a:srcRect l="-101409" t="2112" r="101409" b="-2112"/>
+          <a:stretch/>
+        </p:blipFill>
+        <p:spPr>
+          <a:xfrm>
+            <a:off x="428588" y="1445139"/>
+            <a:ext cx="6934200" cy="4876800"/>
+          </a:xfrm>
+          <a:prstGeom prst="rect">
+            <a:avLst/>
+          </a:prstGeom>
+        </p:spPr>
+      </p:pic>
+      <p:sp>
+        <p:nvSpPr>
+          <p:cNvPr id="63" name="Rectángulo 62"/>
+          <p:cNvSpPr/>
+          <p:nvPr/>
+        </p:nvSpPr>
+        <p:spPr>
+          <a:xfrm>
+            <a:off x="2012931" y="281155"/>
+            <a:ext cx="248169" cy="6194738"/>
+          </a:xfrm>
+          <a:prstGeom prst="rect">
+            <a:avLst/>
+          </a:prstGeom>
+        </p:spPr>
+        <p:style>
+          <a:lnRef idx="3">
+            <a:schemeClr val="lt1"/>
+          </a:lnRef>
+          <a:fillRef idx="1">
+            <a:schemeClr val="accent4"/>
+          </a:fillRef>
+          <a:effectRef idx="1">
+            <a:schemeClr val="accent4"/>
+          </a:effectRef>
+          <a:fontRef idx="minor">
+            <a:schemeClr val="lt1"/>
+          </a:fontRef>
+        </p:style>
+        <p:txBody>
+          <a:bodyPr rtlCol="0" anchor="ctr"/>
+          <a:lstStyle/>
+          <a:p>
+            <a:pPr algn="ctr"/>
+            <a:r>
+              <a:rPr lang="es-CO"/>
+              <a:t> </a:t>
+            </a:r>
+          </a:p>
+        </p:txBody>
+      </p:sp>
+      <p:sp>
+        <p:nvSpPr>
+          <p:cNvPr id="65" name="Rectángulo 64"/>
+          <p:cNvSpPr/>
+          <p:nvPr/>
+        </p:nvSpPr>
+        <p:spPr>
+          <a:xfrm>
+            <a:off x="1580543" y="281155"/>
+            <a:ext cx="249093" cy="6194738"/>
+          </a:xfrm>
+          <a:prstGeom prst="rect">
+            <a:avLst/>
+          </a:prstGeom>
+        </p:spPr>
+        <p:style>
+          <a:lnRef idx="3">
+            <a:schemeClr val="lt1"/>
+          </a:lnRef>
+          <a:fillRef idx="1">
+            <a:schemeClr val="accent3"/>
+          </a:fillRef>
+          <a:effectRef idx="1">
+            <a:schemeClr val="accent3"/>
+          </a:effectRef>
+          <a:fontRef idx="minor">
+            <a:schemeClr val="lt1"/>
+          </a:fontRef>
+        </p:style>
+        <p:txBody>
+          <a:bodyPr rtlCol="0" anchor="ctr"/>
+          <a:lstStyle/>
+          <a:p>
+            <a:pPr algn="ctr"/>
+            <a:r>
+              <a:rPr lang="es-CO"/>
+              <a:t> </a:t>
+            </a:r>
+          </a:p>
+        </p:txBody>
+      </p:sp>
+    </p:spTree>
+    <p:extLst>
+      <p:ext uri="{BB962C8B-B14F-4D97-AF65-F5344CB8AC3E}">
+        <p14:creationId xmlns:p14="http://schemas.microsoft.com/office/powerpoint/2010/main" val="734136230"/>
+      </p:ext>
+    </p:extLst>
+  </p:cSld>
+  <p:clrMapOvr>
+    <a:masterClrMapping/>
+  </p:clrMapOvr>
+  <p:timing>
+    <p:tnLst>
+      <p:par>
+        <p:cTn id="1" dur="indefinite" restart="never" nodeType="tmRoot"/>
+      </p:par>
+    </p:tnLst>
+  </p:timing>
+</p:sld>
+</file>
+
+<file path=ppt/slides/slide3.xml><?xml version="1.0" encoding="utf-8"?>
+<p:sld xmlns:a="http://schemas.openxmlformats.org/drawingml/2006/main" xmlns:r="http://schemas.openxmlformats.org/officeDocument/2006/relationships" xmlns:p="http://schemas.openxmlformats.org/presentationml/2006/main">
+  <p:cSld>
+    <p:spTree>
+      <p:nvGrpSpPr>
+        <p:cNvPr id="1" name=""/>
+        <p:cNvGrpSpPr/>
+        <p:nvPr/>
+      </p:nvGrpSpPr>
+      <p:grpSpPr>
+        <a:xfrm>
+          <a:off x="0" y="0"/>
+          <a:ext cx="0" cy="0"/>
+          <a:chOff x="0" y="0"/>
+          <a:chExt cx="0" cy="0"/>
+        </a:xfrm>
+      </p:grpSpPr>
+      <p:pic>
+        <p:nvPicPr>
+          <p:cNvPr id="4" name="Imagen 3"/>
+          <p:cNvPicPr>
+            <a:picLocks noChangeAspect="1"/>
+          </p:cNvPicPr>
+          <p:nvPr/>
+        </p:nvPicPr>
+        <p:blipFill>
+          <a:blip r:embed="rId2">
+            <a:extLst>
+              <a:ext uri="{28A0092B-C50C-407E-A947-70E740481C1C}">
+                <a14:useLocalDpi xmlns:a14="http://schemas.microsoft.com/office/drawing/2010/main" val="0"/>
+              </a:ext>
+            </a:extLst>
+          </a:blip>
+          <a:stretch>
+            <a:fillRect/>
+          </a:stretch>
+        </p:blipFill>
+        <p:spPr>
+          <a:xfrm>
+            <a:off x="762670" y="0"/>
+            <a:ext cx="9416955" cy="6647909"/>
+          </a:xfrm>
+          <a:prstGeom prst="rect">
+            <a:avLst/>
+          </a:prstGeom>
+        </p:spPr>
+      </p:pic>
+    </p:spTree>
+    <p:extLst>
+      <p:ext uri="{BB962C8B-B14F-4D97-AF65-F5344CB8AC3E}">
+        <p14:creationId xmlns:p14="http://schemas.microsoft.com/office/powerpoint/2010/main" val="2821371087"/>
+      </p:ext>
+    </p:extLst>
+  </p:cSld>
+  <p:clrMapOvr>
+    <a:masterClrMapping/>
+  </p:clrMapOvr>
+  <p:timing>
+    <p:tnLst>
+      <p:par>
+        <p:cTn id="1" dur="indefinite" restart="never" nodeType="tmRoot"/>
+      </p:par>
+    </p:tnLst>
+  </p:timing>
+</p:sld>
+</file>
+
+<file path=ppt/slides/slide4.xml><?xml version="1.0" encoding="utf-8"?>
+<p:sld xmlns:a="http://schemas.openxmlformats.org/drawingml/2006/main" xmlns:r="http://schemas.openxmlformats.org/officeDocument/2006/relationships" xmlns:p="http://schemas.openxmlformats.org/presentationml/2006/main">
+  <p:cSld>
+    <p:spTree>
+      <p:nvGrpSpPr>
+        <p:cNvPr id="1" name=""/>
+        <p:cNvGrpSpPr/>
+        <p:nvPr/>
+      </p:nvGrpSpPr>
+      <p:grpSpPr>
+        <a:xfrm>
+          <a:off x="0" y="0"/>
+          <a:ext cx="0" cy="0"/>
+          <a:chOff x="0" y="0"/>
+          <a:chExt cx="0" cy="0"/>
+        </a:xfrm>
+      </p:grpSpPr>
+      <p:sp>
+        <p:nvSpPr>
+          <p:cNvPr id="96" name="Rectángulo 95"/>
+          <p:cNvSpPr/>
+          <p:nvPr/>
+        </p:nvSpPr>
+        <p:spPr>
+          <a:xfrm>
+            <a:off x="242461" y="287776"/>
+            <a:ext cx="189440" cy="6194738"/>
+          </a:xfrm>
+          <a:prstGeom prst="rect">
+            <a:avLst/>
+          </a:prstGeom>
+        </p:spPr>
+        <p:style>
+          <a:lnRef idx="3">
+            <a:schemeClr val="lt1"/>
+          </a:lnRef>
+          <a:fillRef idx="1">
+            <a:schemeClr val="accent2"/>
+          </a:fillRef>
+          <a:effectRef idx="1">
+            <a:schemeClr val="accent2"/>
+          </a:effectRef>
+          <a:fontRef idx="minor">
+            <a:schemeClr val="lt1"/>
+          </a:fontRef>
+        </p:style>
+        <p:txBody>
+          <a:bodyPr rtlCol="0" anchor="ctr"/>
+          <a:lstStyle/>
+          <a:p>
+            <a:pPr algn="ctr"/>
+            <a:r>
+              <a:rPr lang="es-CO"/>
+              <a:t> </a:t>
+            </a:r>
+          </a:p>
+        </p:txBody>
+      </p:sp>
+      <p:sp>
+        <p:nvSpPr>
+          <p:cNvPr id="97" name="Rectángulo 96"/>
+          <p:cNvSpPr/>
+          <p:nvPr/>
+        </p:nvSpPr>
+        <p:spPr>
+          <a:xfrm>
+            <a:off x="561809" y="278877"/>
+            <a:ext cx="202026" cy="6194738"/>
+          </a:xfrm>
+          <a:prstGeom prst="rect">
+            <a:avLst/>
+          </a:prstGeom>
+        </p:spPr>
+        <p:style>
+          <a:lnRef idx="3">
+            <a:schemeClr val="lt1"/>
+          </a:lnRef>
+          <a:fillRef idx="1">
+            <a:schemeClr val="accent6"/>
+          </a:fillRef>
+          <a:effectRef idx="1">
+            <a:schemeClr val="accent6"/>
+          </a:effectRef>
+          <a:fontRef idx="minor">
+            <a:schemeClr val="lt1"/>
+          </a:fontRef>
+        </p:style>
+        <p:txBody>
+          <a:bodyPr rtlCol="0" anchor="ctr"/>
+          <a:lstStyle/>
+          <a:p>
+            <a:pPr algn="ctr"/>
+            <a:r>
+              <a:rPr lang="es-CO"/>
+              <a:t> </a:t>
+            </a:r>
+          </a:p>
+        </p:txBody>
+      </p:sp>
+      <p:sp>
+        <p:nvSpPr>
+          <p:cNvPr id="98" name="Rectángulo 97"/>
+          <p:cNvSpPr/>
+          <p:nvPr/>
+        </p:nvSpPr>
+        <p:spPr>
+          <a:xfrm>
+            <a:off x="943384" y="276519"/>
+            <a:ext cx="219114" cy="6194738"/>
+          </a:xfrm>
+          <a:prstGeom prst="rect">
+            <a:avLst/>
+          </a:prstGeom>
+        </p:spPr>
+        <p:style>
+          <a:lnRef idx="3">
+            <a:schemeClr val="lt1"/>
+          </a:lnRef>
+          <a:fillRef idx="1">
+            <a:schemeClr val="accent1"/>
+          </a:fillRef>
+          <a:effectRef idx="1">
+            <a:schemeClr val="accent1"/>
+          </a:effectRef>
+          <a:fontRef idx="minor">
+            <a:schemeClr val="lt1"/>
+          </a:fontRef>
+        </p:style>
+        <p:txBody>
+          <a:bodyPr rtlCol="0" anchor="ctr"/>
+          <a:lstStyle/>
+          <a:p>
+            <a:pPr algn="ctr"/>
+            <a:r>
+              <a:rPr lang="es-CO"/>
+              <a:t> </a:t>
+            </a:r>
+          </a:p>
+        </p:txBody>
+      </p:sp>
+      <p:sp>
+        <p:nvSpPr>
+          <p:cNvPr id="99" name="Rectángulo 98"/>
+          <p:cNvSpPr/>
+          <p:nvPr/>
+        </p:nvSpPr>
+        <p:spPr>
+          <a:xfrm>
+            <a:off x="1313156" y="276519"/>
+            <a:ext cx="248169" cy="6194738"/>
+          </a:xfrm>
+          <a:prstGeom prst="rect">
+            <a:avLst/>
+          </a:prstGeom>
+        </p:spPr>
+        <p:style>
+          <a:lnRef idx="3">
+            <a:schemeClr val="lt1"/>
+          </a:lnRef>
+          <a:fillRef idx="1">
+            <a:schemeClr val="accent4"/>
+          </a:fillRef>
+          <a:effectRef idx="1">
+            <a:schemeClr val="accent4"/>
+          </a:effectRef>
+          <a:fontRef idx="minor">
+            <a:schemeClr val="lt1"/>
+          </a:fontRef>
+        </p:style>
+        <p:txBody>
+          <a:bodyPr rtlCol="0" anchor="ctr"/>
+          <a:lstStyle/>
+          <a:p>
+            <a:pPr algn="ctr"/>
+            <a:r>
+              <a:rPr lang="es-CO"/>
+              <a:t> </a:t>
+            </a:r>
+          </a:p>
+        </p:txBody>
+      </p:sp>
+      <p:sp>
+        <p:nvSpPr>
+          <p:cNvPr id="100" name="Rectángulo 99"/>
+          <p:cNvSpPr/>
+          <p:nvPr/>
+        </p:nvSpPr>
+        <p:spPr>
+          <a:xfrm>
+            <a:off x="1679113" y="276519"/>
+            <a:ext cx="249093" cy="6194738"/>
+          </a:xfrm>
+          <a:prstGeom prst="rect">
+            <a:avLst/>
+          </a:prstGeom>
+        </p:spPr>
+        <p:style>
+          <a:lnRef idx="3">
+            <a:schemeClr val="lt1"/>
+          </a:lnRef>
+          <a:fillRef idx="1">
+            <a:schemeClr val="accent3"/>
+          </a:fillRef>
+          <a:effectRef idx="1">
+            <a:schemeClr val="accent3"/>
+          </a:effectRef>
+          <a:fontRef idx="minor">
+            <a:schemeClr val="lt1"/>
+          </a:fontRef>
+        </p:style>
+        <p:txBody>
+          <a:bodyPr rtlCol="0" anchor="ctr"/>
+          <a:lstStyle/>
+          <a:p>
+            <a:pPr algn="ctr"/>
+            <a:r>
+              <a:rPr lang="es-CO"/>
+              <a:t> </a:t>
+            </a:r>
+          </a:p>
+        </p:txBody>
+      </p:sp>
+      <p:sp>
+        <p:nvSpPr>
+          <p:cNvPr id="103" name="Rectángulo 102"/>
+          <p:cNvSpPr/>
+          <p:nvPr/>
+        </p:nvSpPr>
+        <p:spPr>
+          <a:xfrm>
+            <a:off x="11369097" y="303452"/>
+            <a:ext cx="249093" cy="6194738"/>
+          </a:xfrm>
+          <a:prstGeom prst="rect">
+            <a:avLst/>
+          </a:prstGeom>
+        </p:spPr>
+        <p:style>
+          <a:lnRef idx="3">
+            <a:schemeClr val="lt1"/>
+          </a:lnRef>
+          <a:fillRef idx="1">
+            <a:schemeClr val="accent3"/>
+          </a:fillRef>
+          <a:effectRef idx="1">
+            <a:schemeClr val="accent3"/>
+          </a:effectRef>
+          <a:fontRef idx="minor">
+            <a:schemeClr val="lt1"/>
+          </a:fontRef>
+        </p:style>
+        <p:txBody>
+          <a:bodyPr rtlCol="0" anchor="ctr"/>
+          <a:lstStyle/>
+          <a:p>
+            <a:pPr algn="ctr"/>
+            <a:r>
+              <a:rPr lang="es-CO"/>
+              <a:t> </a:t>
+            </a:r>
+          </a:p>
+        </p:txBody>
+      </p:sp>
+      <p:cxnSp>
+        <p:nvCxnSpPr>
+          <p:cNvPr id="93" name="Conector angular 92"/>
+          <p:cNvCxnSpPr>
+            <a:stCxn id="89" idx="3"/>
+            <a:endCxn id="95" idx="1"/>
+          </p:cNvCxnSpPr>
+          <p:nvPr/>
+        </p:nvCxnSpPr>
+        <p:spPr>
+          <a:xfrm flipV="1">
+            <a:off x="5745024" y="4953186"/>
+            <a:ext cx="1448748" cy="1220541"/>
+          </a:xfrm>
+          <a:prstGeom prst="bentConnector3">
+            <a:avLst/>
+          </a:prstGeom>
+          <a:ln>
+            <a:tailEnd type="triangle"/>
+          </a:ln>
+        </p:spPr>
+        <p:style>
+          <a:lnRef idx="3">
+            <a:schemeClr val="accent1"/>
+          </a:lnRef>
+          <a:fillRef idx="0">
+            <a:schemeClr val="accent1"/>
+          </a:fillRef>
+          <a:effectRef idx="2">
+            <a:schemeClr val="accent1"/>
+          </a:effectRef>
+          <a:fontRef idx="minor">
+            <a:schemeClr val="tx1"/>
+          </a:fontRef>
+        </p:style>
+      </p:cxnSp>
+      <p:sp>
+        <p:nvSpPr>
+          <p:cNvPr id="123" name="CuadroTexto 122"/>
+          <p:cNvSpPr txBox="1"/>
+          <p:nvPr/>
+        </p:nvSpPr>
+        <p:spPr>
+          <a:xfrm>
+            <a:off x="4534739" y="3052762"/>
+            <a:ext cx="1418978" cy="253916"/>
+          </a:xfrm>
+          <a:prstGeom prst="rect">
+            <a:avLst/>
+          </a:prstGeom>
+        </p:spPr>
+        <p:style>
+          <a:lnRef idx="2">
+            <a:schemeClr val="accent3"/>
+          </a:lnRef>
+          <a:fillRef idx="1">
+            <a:schemeClr val="lt1"/>
+          </a:fillRef>
+          <a:effectRef idx="0">
+            <a:schemeClr val="accent3"/>
+          </a:effectRef>
+          <a:fontRef idx="minor">
+            <a:schemeClr val="dk1"/>
+          </a:fontRef>
+        </p:style>
+        <p:txBody>
+          <a:bodyPr wrap="none" rtlCol="0">
+            <a:spAutoFit/>
+          </a:bodyPr>
+          <a:lstStyle/>
+          <a:p>
+            <a:r>
+              <a:rPr lang="es-ES" sz="1050" dirty="0" smtClean="0"/>
+              <a:t>¿Existe la sonda 3322?</a:t>
+            </a:r>
+            <a:endParaRPr lang="es-CO" sz="1050" dirty="0"/>
+          </a:p>
+        </p:txBody>
+      </p:sp>
+      <p:cxnSp>
+        <p:nvCxnSpPr>
+          <p:cNvPr id="61" name="Conector recto de flecha 60"/>
+          <p:cNvCxnSpPr>
+            <a:stCxn id="17" idx="2"/>
+            <a:endCxn id="123" idx="0"/>
+          </p:cNvCxnSpPr>
+          <p:nvPr/>
+        </p:nvCxnSpPr>
+        <p:spPr>
+          <a:xfrm flipH="1">
+            <a:off x="5244228" y="2931312"/>
+            <a:ext cx="4867" cy="121450"/>
+          </a:xfrm>
+          <a:prstGeom prst="straightConnector1">
+            <a:avLst/>
+          </a:prstGeom>
+          <a:ln>
+            <a:tailEnd type="triangle"/>
+          </a:ln>
+        </p:spPr>
+        <p:style>
+          <a:lnRef idx="3">
+            <a:schemeClr val="accent1"/>
+          </a:lnRef>
+          <a:fillRef idx="0">
+            <a:schemeClr val="accent1"/>
+          </a:fillRef>
+          <a:effectRef idx="2">
+            <a:schemeClr val="accent1"/>
+          </a:effectRef>
+          <a:fontRef idx="minor">
+            <a:schemeClr val="tx1"/>
+          </a:fontRef>
+        </p:style>
+      </p:cxnSp>
+      <p:cxnSp>
+        <p:nvCxnSpPr>
+          <p:cNvPr id="64" name="Conector recto de flecha 63"/>
+          <p:cNvCxnSpPr>
+            <a:stCxn id="123" idx="2"/>
+            <a:endCxn id="20" idx="0"/>
+          </p:cNvCxnSpPr>
+          <p:nvPr/>
+        </p:nvCxnSpPr>
+        <p:spPr>
+          <a:xfrm>
+            <a:off x="5244228" y="3306678"/>
+            <a:ext cx="4866" cy="156934"/>
+          </a:xfrm>
+          <a:prstGeom prst="straightConnector1">
+            <a:avLst/>
+          </a:prstGeom>
+          <a:ln>
+            <a:tailEnd type="triangle"/>
+          </a:ln>
+        </p:spPr>
+        <p:style>
+          <a:lnRef idx="3">
+            <a:schemeClr val="accent1"/>
+          </a:lnRef>
+          <a:fillRef idx="0">
+            <a:schemeClr val="accent1"/>
+          </a:fillRef>
+          <a:effectRef idx="2">
+            <a:schemeClr val="accent1"/>
+          </a:effectRef>
+          <a:fontRef idx="minor">
+            <a:schemeClr val="tx1"/>
+          </a:fontRef>
+        </p:style>
+      </p:cxnSp>
+      <p:grpSp>
+        <p:nvGrpSpPr>
+          <p:cNvPr id="120" name="Grupo 119"/>
+          <p:cNvGrpSpPr/>
+          <p:nvPr/>
+        </p:nvGrpSpPr>
+        <p:grpSpPr>
+          <a:xfrm>
+            <a:off x="2342162" y="500372"/>
+            <a:ext cx="8558283" cy="5686883"/>
+            <a:chOff x="2360345" y="486844"/>
+            <a:chExt cx="8558283" cy="5686883"/>
+          </a:xfrm>
+        </p:grpSpPr>
+        <p:cxnSp>
+          <p:nvCxnSpPr>
+            <p:cNvPr id="18" name="Conector recto de flecha 17"/>
+            <p:cNvCxnSpPr/>
+            <p:nvPr/>
+          </p:nvCxnSpPr>
+          <p:spPr>
+            <a:xfrm flipV="1">
+              <a:off x="5706943" y="2696144"/>
+              <a:ext cx="489732" cy="7035"/>
+            </a:xfrm>
+            <a:prstGeom prst="straightConnector1">
+              <a:avLst/>
+            </a:prstGeom>
+            <a:ln>
+              <a:tailEnd type="triangle"/>
+            </a:ln>
+          </p:spPr>
+          <p:style>
+            <a:lnRef idx="3">
+              <a:schemeClr val="accent1"/>
+            </a:lnRef>
+            <a:fillRef idx="0">
+              <a:schemeClr val="accent1"/>
+            </a:fillRef>
+            <a:effectRef idx="2">
+              <a:schemeClr val="accent1"/>
+            </a:effectRef>
+            <a:fontRef idx="minor">
+              <a:schemeClr val="tx1"/>
+            </a:fontRef>
+          </p:style>
+        </p:cxnSp>
+        <p:cxnSp>
+          <p:nvCxnSpPr>
+            <p:cNvPr id="36" name="Conector recto 35"/>
+            <p:cNvCxnSpPr/>
+            <p:nvPr/>
+          </p:nvCxnSpPr>
+          <p:spPr>
+            <a:xfrm>
+              <a:off x="5699564" y="3711431"/>
+              <a:ext cx="5219064" cy="13543"/>
+            </a:xfrm>
+            <a:prstGeom prst="line">
+              <a:avLst/>
+            </a:prstGeom>
+          </p:spPr>
+          <p:style>
+            <a:lnRef idx="3">
+              <a:schemeClr val="accent1"/>
+            </a:lnRef>
+            <a:fillRef idx="0">
+              <a:schemeClr val="accent1"/>
+            </a:fillRef>
+            <a:effectRef idx="2">
+              <a:schemeClr val="accent1"/>
+            </a:effectRef>
+            <a:fontRef idx="minor">
+              <a:schemeClr val="tx1"/>
+            </a:fontRef>
+          </p:style>
+        </p:cxnSp>
+        <p:cxnSp>
+          <p:nvCxnSpPr>
+            <p:cNvPr id="39" name="Conector recto 38"/>
+            <p:cNvCxnSpPr/>
+            <p:nvPr/>
+          </p:nvCxnSpPr>
+          <p:spPr>
+            <a:xfrm flipH="1" flipV="1">
+              <a:off x="10904738" y="3225131"/>
+              <a:ext cx="8362" cy="496440"/>
+            </a:xfrm>
+            <a:prstGeom prst="line">
+              <a:avLst/>
+            </a:prstGeom>
+          </p:spPr>
+          <p:style>
+            <a:lnRef idx="3">
+              <a:schemeClr val="accent1"/>
+            </a:lnRef>
+            <a:fillRef idx="0">
+              <a:schemeClr val="accent1"/>
+            </a:fillRef>
+            <a:effectRef idx="2">
+              <a:schemeClr val="accent1"/>
+            </a:effectRef>
+            <a:fontRef idx="minor">
+              <a:schemeClr val="tx1"/>
+            </a:fontRef>
+          </p:style>
+        </p:cxnSp>
+        <p:cxnSp>
+          <p:nvCxnSpPr>
+            <p:cNvPr id="45" name="Conector recto de flecha 44"/>
+            <p:cNvCxnSpPr/>
+            <p:nvPr/>
+          </p:nvCxnSpPr>
+          <p:spPr>
+            <a:xfrm>
+              <a:off x="7075604" y="2751299"/>
+              <a:ext cx="2395" cy="277462"/>
+            </a:xfrm>
+            <a:prstGeom prst="straightConnector1">
+              <a:avLst/>
+            </a:prstGeom>
+            <a:ln>
+              <a:tailEnd type="triangle"/>
+            </a:ln>
+          </p:spPr>
+          <p:style>
+            <a:lnRef idx="3">
+              <a:schemeClr val="accent1"/>
+            </a:lnRef>
+            <a:fillRef idx="0">
+              <a:schemeClr val="accent1"/>
+            </a:fillRef>
+            <a:effectRef idx="2">
+              <a:schemeClr val="accent1"/>
+            </a:effectRef>
+            <a:fontRef idx="minor">
+              <a:schemeClr val="tx1"/>
+            </a:fontRef>
+          </p:style>
+        </p:cxnSp>
+        <p:cxnSp>
+          <p:nvCxnSpPr>
+            <p:cNvPr id="48" name="Conector angular 47"/>
+            <p:cNvCxnSpPr>
+              <a:stCxn id="46" idx="2"/>
+            </p:cNvCxnSpPr>
+            <p:nvPr/>
+          </p:nvCxnSpPr>
+          <p:spPr>
+            <a:xfrm rot="16200000" flipH="1">
+              <a:off x="7291360" y="3123524"/>
+              <a:ext cx="100818" cy="527539"/>
+            </a:xfrm>
+            <a:prstGeom prst="bentConnector2">
+              <a:avLst/>
+            </a:prstGeom>
+            <a:ln>
+              <a:tailEnd type="triangle"/>
+            </a:ln>
+          </p:spPr>
+          <p:style>
+            <a:lnRef idx="3">
+              <a:schemeClr val="accent1"/>
+            </a:lnRef>
+            <a:fillRef idx="0">
+              <a:schemeClr val="accent1"/>
+            </a:fillRef>
+            <a:effectRef idx="2">
+              <a:schemeClr val="accent1"/>
+            </a:effectRef>
+            <a:fontRef idx="minor">
+              <a:schemeClr val="tx1"/>
+            </a:fontRef>
+          </p:style>
+        </p:cxnSp>
+        <p:cxnSp>
+          <p:nvCxnSpPr>
+            <p:cNvPr id="53" name="Conector recto de flecha 52"/>
+            <p:cNvCxnSpPr>
+              <a:stCxn id="46" idx="3"/>
+            </p:cNvCxnSpPr>
+            <p:nvPr/>
+          </p:nvCxnSpPr>
+          <p:spPr>
+            <a:xfrm>
+              <a:off x="7447277" y="3182140"/>
+              <a:ext cx="158262" cy="9378"/>
+            </a:xfrm>
+            <a:prstGeom prst="straightConnector1">
+              <a:avLst/>
+            </a:prstGeom>
+            <a:ln>
+              <a:tailEnd type="triangle"/>
+            </a:ln>
+          </p:spPr>
+          <p:style>
+            <a:lnRef idx="3">
+              <a:schemeClr val="accent1"/>
+            </a:lnRef>
+            <a:fillRef idx="0">
+              <a:schemeClr val="accent1"/>
+            </a:fillRef>
+            <a:effectRef idx="2">
+              <a:schemeClr val="accent1"/>
+            </a:effectRef>
+            <a:fontRef idx="minor">
+              <a:schemeClr val="tx1"/>
+            </a:fontRef>
+          </p:style>
+        </p:cxnSp>
+        <p:cxnSp>
+          <p:nvCxnSpPr>
+            <p:cNvPr id="55" name="Conector recto de flecha 54"/>
+            <p:cNvCxnSpPr/>
+            <p:nvPr/>
+          </p:nvCxnSpPr>
+          <p:spPr>
+            <a:xfrm>
+              <a:off x="7962871" y="3191911"/>
+              <a:ext cx="965471" cy="0"/>
+            </a:xfrm>
+            <a:prstGeom prst="straightConnector1">
+              <a:avLst/>
+            </a:prstGeom>
+            <a:ln>
+              <a:tailEnd type="triangle"/>
+            </a:ln>
+          </p:spPr>
+          <p:style>
+            <a:lnRef idx="3">
+              <a:schemeClr val="accent1"/>
+            </a:lnRef>
+            <a:fillRef idx="0">
+              <a:schemeClr val="accent1"/>
+            </a:fillRef>
+            <a:effectRef idx="2">
+              <a:schemeClr val="accent1"/>
+            </a:effectRef>
+            <a:fontRef idx="minor">
+              <a:schemeClr val="tx1"/>
+            </a:fontRef>
+          </p:style>
+        </p:cxnSp>
+        <p:cxnSp>
+          <p:nvCxnSpPr>
+            <p:cNvPr id="56" name="Conector recto de flecha 55"/>
+            <p:cNvCxnSpPr/>
+            <p:nvPr/>
+          </p:nvCxnSpPr>
+          <p:spPr>
+            <a:xfrm>
+              <a:off x="7962870" y="3422133"/>
+              <a:ext cx="965471" cy="0"/>
+            </a:xfrm>
+            <a:prstGeom prst="straightConnector1">
+              <a:avLst/>
+            </a:prstGeom>
+            <a:ln>
+              <a:tailEnd type="triangle"/>
+            </a:ln>
+          </p:spPr>
+          <p:style>
+            <a:lnRef idx="3">
+              <a:schemeClr val="accent1"/>
+            </a:lnRef>
+            <a:fillRef idx="0">
+              <a:schemeClr val="accent1"/>
+            </a:fillRef>
+            <a:effectRef idx="2">
+              <a:schemeClr val="accent1"/>
+            </a:effectRef>
+            <a:fontRef idx="minor">
+              <a:schemeClr val="tx1"/>
+            </a:fontRef>
+          </p:style>
+        </p:cxnSp>
+        <p:cxnSp>
+          <p:nvCxnSpPr>
+            <p:cNvPr id="67" name="Conector recto 66"/>
+            <p:cNvCxnSpPr>
+              <a:endCxn id="58" idx="3"/>
+            </p:cNvCxnSpPr>
+            <p:nvPr/>
+          </p:nvCxnSpPr>
+          <p:spPr>
+            <a:xfrm flipH="1">
+              <a:off x="10726891" y="3225130"/>
+              <a:ext cx="172319" cy="6143"/>
+            </a:xfrm>
+            <a:prstGeom prst="line">
+              <a:avLst/>
+            </a:prstGeom>
+          </p:spPr>
+          <p:style>
+            <a:lnRef idx="3">
+              <a:schemeClr val="accent1"/>
+            </a:lnRef>
+            <a:fillRef idx="0">
+              <a:schemeClr val="accent1"/>
+            </a:fillRef>
+            <a:effectRef idx="2">
+              <a:schemeClr val="accent1"/>
+            </a:effectRef>
+            <a:fontRef idx="minor">
+              <a:schemeClr val="tx1"/>
+            </a:fontRef>
+          </p:style>
+        </p:cxnSp>
+        <p:cxnSp>
+          <p:nvCxnSpPr>
+            <p:cNvPr id="73" name="Conector recto 72"/>
+            <p:cNvCxnSpPr/>
+            <p:nvPr/>
+          </p:nvCxnSpPr>
+          <p:spPr>
+            <a:xfrm flipH="1" flipV="1">
+              <a:off x="10731556" y="3555486"/>
+              <a:ext cx="167654" cy="1402"/>
+            </a:xfrm>
+            <a:prstGeom prst="line">
+              <a:avLst/>
+            </a:prstGeom>
+          </p:spPr>
+          <p:style>
+            <a:lnRef idx="3">
+              <a:schemeClr val="accent1"/>
+            </a:lnRef>
+            <a:fillRef idx="0">
+              <a:schemeClr val="accent1"/>
+            </a:fillRef>
+            <a:effectRef idx="2">
+              <a:schemeClr val="accent1"/>
+            </a:effectRef>
+            <a:fontRef idx="minor">
+              <a:schemeClr val="tx1"/>
+            </a:fontRef>
+          </p:style>
+        </p:cxnSp>
+        <p:cxnSp>
+          <p:nvCxnSpPr>
+            <p:cNvPr id="79" name="Conector recto de flecha 78"/>
+            <p:cNvCxnSpPr>
+              <a:stCxn id="20" idx="2"/>
+            </p:cNvCxnSpPr>
+            <p:nvPr/>
+          </p:nvCxnSpPr>
+          <p:spPr>
+            <a:xfrm flipH="1">
+              <a:off x="5249092" y="3927846"/>
+              <a:ext cx="2" cy="261609"/>
+            </a:xfrm>
+            <a:prstGeom prst="straightConnector1">
+              <a:avLst/>
+            </a:prstGeom>
+            <a:ln>
+              <a:tailEnd type="triangle"/>
+            </a:ln>
+          </p:spPr>
+          <p:style>
+            <a:lnRef idx="3">
+              <a:schemeClr val="accent1"/>
+            </a:lnRef>
+            <a:fillRef idx="0">
+              <a:schemeClr val="accent1"/>
+            </a:fillRef>
+            <a:effectRef idx="2">
+              <a:schemeClr val="accent1"/>
+            </a:effectRef>
+            <a:fontRef idx="minor">
+              <a:schemeClr val="tx1"/>
+            </a:fontRef>
+          </p:style>
+        </p:cxnSp>
+        <p:cxnSp>
+          <p:nvCxnSpPr>
+            <p:cNvPr id="84" name="Conector recto de flecha 83"/>
+            <p:cNvCxnSpPr>
+              <a:stCxn id="77" idx="2"/>
+            </p:cNvCxnSpPr>
+            <p:nvPr/>
+          </p:nvCxnSpPr>
+          <p:spPr>
+            <a:xfrm flipH="1">
+              <a:off x="5278152" y="4450226"/>
+              <a:ext cx="1" cy="235324"/>
+            </a:xfrm>
+            <a:prstGeom prst="straightConnector1">
+              <a:avLst/>
+            </a:prstGeom>
+            <a:ln>
+              <a:tailEnd type="triangle"/>
+            </a:ln>
+          </p:spPr>
+          <p:style>
+            <a:lnRef idx="3">
+              <a:schemeClr val="accent1"/>
+            </a:lnRef>
+            <a:fillRef idx="0">
+              <a:schemeClr val="accent1"/>
+            </a:fillRef>
+            <a:effectRef idx="2">
+              <a:schemeClr val="accent1"/>
+            </a:effectRef>
+            <a:fontRef idx="minor">
+              <a:schemeClr val="tx1"/>
+            </a:fontRef>
+          </p:style>
+        </p:cxnSp>
+        <p:cxnSp>
+          <p:nvCxnSpPr>
+            <p:cNvPr id="86" name="Conector recto de flecha 85"/>
+            <p:cNvCxnSpPr>
+              <a:stCxn id="76" idx="2"/>
+            </p:cNvCxnSpPr>
+            <p:nvPr/>
+          </p:nvCxnSpPr>
+          <p:spPr>
+            <a:xfrm flipH="1">
+              <a:off x="5278152" y="4952315"/>
+              <a:ext cx="1" cy="222245"/>
+            </a:xfrm>
+            <a:prstGeom prst="straightConnector1">
+              <a:avLst/>
+            </a:prstGeom>
+            <a:ln>
+              <a:tailEnd type="triangle"/>
+            </a:ln>
+          </p:spPr>
+          <p:style>
+            <a:lnRef idx="3">
+              <a:schemeClr val="accent1"/>
+            </a:lnRef>
+            <a:fillRef idx="0">
+              <a:schemeClr val="accent1"/>
+            </a:fillRef>
+            <a:effectRef idx="2">
+              <a:schemeClr val="accent1"/>
+            </a:effectRef>
+            <a:fontRef idx="minor">
+              <a:schemeClr val="tx1"/>
+            </a:fontRef>
+          </p:style>
+        </p:cxnSp>
+        <p:cxnSp>
+          <p:nvCxnSpPr>
+            <p:cNvPr id="88" name="Conector recto de flecha 87"/>
+            <p:cNvCxnSpPr>
+              <a:stCxn id="75" idx="2"/>
+            </p:cNvCxnSpPr>
+            <p:nvPr/>
+          </p:nvCxnSpPr>
+          <p:spPr>
+            <a:xfrm>
+              <a:off x="5278153" y="5401062"/>
+              <a:ext cx="707" cy="225209"/>
+            </a:xfrm>
+            <a:prstGeom prst="straightConnector1">
+              <a:avLst/>
+            </a:prstGeom>
+            <a:ln>
+              <a:tailEnd type="triangle"/>
+            </a:ln>
+          </p:spPr>
+          <p:style>
+            <a:lnRef idx="3">
+              <a:schemeClr val="accent1"/>
+            </a:lnRef>
+            <a:fillRef idx="0">
+              <a:schemeClr val="accent1"/>
+            </a:fillRef>
+            <a:effectRef idx="2">
+              <a:schemeClr val="accent1"/>
+            </a:effectRef>
+            <a:fontRef idx="minor">
+              <a:schemeClr val="tx1"/>
+            </a:fontRef>
+          </p:style>
+        </p:cxnSp>
+        <p:cxnSp>
+          <p:nvCxnSpPr>
+            <p:cNvPr id="27" name="Conector recto de flecha 26"/>
+            <p:cNvCxnSpPr/>
+            <p:nvPr/>
+          </p:nvCxnSpPr>
+          <p:spPr>
+            <a:xfrm>
+              <a:off x="2941172" y="2569623"/>
+              <a:ext cx="0" cy="253041"/>
+            </a:xfrm>
+            <a:prstGeom prst="straightConnector1">
+              <a:avLst/>
+            </a:prstGeom>
+            <a:ln>
+              <a:tailEnd type="triangle"/>
+            </a:ln>
+          </p:spPr>
+          <p:style>
+            <a:lnRef idx="3">
+              <a:schemeClr val="accent1"/>
+            </a:lnRef>
+            <a:fillRef idx="0">
+              <a:schemeClr val="accent1"/>
+            </a:fillRef>
+            <a:effectRef idx="2">
+              <a:schemeClr val="accent1"/>
+            </a:effectRef>
+            <a:fontRef idx="minor">
+              <a:schemeClr val="tx1"/>
+            </a:fontRef>
+          </p:style>
+        </p:cxnSp>
+        <p:cxnSp>
+          <p:nvCxnSpPr>
+            <p:cNvPr id="29" name="Conector recto de flecha 28"/>
+            <p:cNvCxnSpPr>
+              <a:stCxn id="10" idx="2"/>
+              <a:endCxn id="119" idx="0"/>
+            </p:cNvCxnSpPr>
+            <p:nvPr/>
+          </p:nvCxnSpPr>
+          <p:spPr>
+            <a:xfrm>
+              <a:off x="5242644" y="1948451"/>
+              <a:ext cx="4842" cy="133450"/>
+            </a:xfrm>
+            <a:prstGeom prst="straightConnector1">
+              <a:avLst/>
+            </a:prstGeom>
+            <a:ln>
+              <a:tailEnd type="triangle"/>
+            </a:ln>
+          </p:spPr>
+          <p:style>
+            <a:lnRef idx="3">
+              <a:schemeClr val="accent1"/>
+            </a:lnRef>
+            <a:fillRef idx="0">
+              <a:schemeClr val="accent1"/>
+            </a:fillRef>
+            <a:effectRef idx="2">
+              <a:schemeClr val="accent1"/>
+            </a:effectRef>
+            <a:fontRef idx="minor">
+              <a:schemeClr val="tx1"/>
+            </a:fontRef>
+          </p:style>
+        </p:cxnSp>
+        <p:cxnSp>
+          <p:nvCxnSpPr>
+            <p:cNvPr id="37" name="Conector recto de flecha 36"/>
+            <p:cNvCxnSpPr>
+              <a:stCxn id="119" idx="2"/>
+              <a:endCxn id="17" idx="0"/>
+            </p:cNvCxnSpPr>
+            <p:nvPr/>
+          </p:nvCxnSpPr>
+          <p:spPr>
+            <a:xfrm>
+              <a:off x="5247486" y="2335817"/>
+              <a:ext cx="1609" cy="131261"/>
+            </a:xfrm>
+            <a:prstGeom prst="straightConnector1">
+              <a:avLst/>
+            </a:prstGeom>
+            <a:ln>
+              <a:tailEnd type="triangle"/>
+            </a:ln>
+          </p:spPr>
+          <p:style>
+            <a:lnRef idx="3">
+              <a:schemeClr val="accent1"/>
+            </a:lnRef>
+            <a:fillRef idx="0">
+              <a:schemeClr val="accent1"/>
+            </a:fillRef>
+            <a:effectRef idx="2">
+              <a:schemeClr val="accent1"/>
+            </a:effectRef>
+            <a:fontRef idx="minor">
+              <a:schemeClr val="tx1"/>
+            </a:fontRef>
+          </p:style>
+        </p:cxnSp>
+        <p:cxnSp>
+          <p:nvCxnSpPr>
+            <p:cNvPr id="72" name="Conector recto de flecha 71"/>
+            <p:cNvCxnSpPr>
+              <a:stCxn id="4" idx="4"/>
+              <a:endCxn id="7" idx="0"/>
+            </p:cNvCxnSpPr>
+            <p:nvPr/>
+          </p:nvCxnSpPr>
+          <p:spPr>
+            <a:xfrm>
+              <a:off x="5242879" y="486844"/>
+              <a:ext cx="6215" cy="152408"/>
+            </a:xfrm>
+            <a:prstGeom prst="straightConnector1">
+              <a:avLst/>
+            </a:prstGeom>
+            <a:ln>
+              <a:tailEnd type="triangle"/>
+            </a:ln>
+          </p:spPr>
+          <p:style>
+            <a:lnRef idx="3">
+              <a:schemeClr val="accent1"/>
+            </a:lnRef>
+            <a:fillRef idx="0">
+              <a:schemeClr val="accent1"/>
+            </a:fillRef>
+            <a:effectRef idx="2">
+              <a:schemeClr val="accent1"/>
+            </a:effectRef>
+            <a:fontRef idx="minor">
+              <a:schemeClr val="tx1"/>
+            </a:fontRef>
+          </p:style>
+        </p:cxnSp>
+        <p:cxnSp>
+          <p:nvCxnSpPr>
+            <p:cNvPr id="82" name="Conector recto de flecha 81"/>
+            <p:cNvCxnSpPr>
+              <a:stCxn id="112" idx="2"/>
+              <a:endCxn id="10" idx="0"/>
+            </p:cNvCxnSpPr>
+            <p:nvPr/>
+          </p:nvCxnSpPr>
+          <p:spPr>
+            <a:xfrm>
+              <a:off x="5242644" y="1344274"/>
+              <a:ext cx="0" cy="139943"/>
+            </a:xfrm>
+            <a:prstGeom prst="straightConnector1">
+              <a:avLst/>
+            </a:prstGeom>
+            <a:ln>
+              <a:tailEnd type="triangle"/>
+            </a:ln>
+          </p:spPr>
+          <p:style>
+            <a:lnRef idx="3">
+              <a:schemeClr val="accent1"/>
+            </a:lnRef>
+            <a:fillRef idx="0">
+              <a:schemeClr val="accent1"/>
+            </a:fillRef>
+            <a:effectRef idx="2">
+              <a:schemeClr val="accent1"/>
+            </a:effectRef>
+            <a:fontRef idx="minor">
+              <a:schemeClr val="tx1"/>
+            </a:fontRef>
+          </p:style>
+        </p:cxnSp>
+        <p:cxnSp>
+          <p:nvCxnSpPr>
+            <p:cNvPr id="101" name="Conector recto de flecha 100"/>
+            <p:cNvCxnSpPr>
+              <a:stCxn id="7" idx="2"/>
+              <a:endCxn id="112" idx="0"/>
+            </p:cNvCxnSpPr>
+            <p:nvPr/>
+          </p:nvCxnSpPr>
+          <p:spPr>
+            <a:xfrm flipH="1">
+              <a:off x="5242644" y="973144"/>
+              <a:ext cx="6450" cy="117214"/>
+            </a:xfrm>
+            <a:prstGeom prst="straightConnector1">
+              <a:avLst/>
+            </a:prstGeom>
+            <a:ln>
+              <a:tailEnd type="triangle"/>
+            </a:ln>
+          </p:spPr>
+          <p:style>
+            <a:lnRef idx="3">
+              <a:schemeClr val="accent1"/>
+            </a:lnRef>
+            <a:fillRef idx="0">
+              <a:schemeClr val="accent1"/>
+            </a:fillRef>
+            <a:effectRef idx="2">
+              <a:schemeClr val="accent1"/>
+            </a:effectRef>
+            <a:fontRef idx="minor">
+              <a:schemeClr val="tx1"/>
+            </a:fontRef>
+          </p:style>
+        </p:cxnSp>
+        <p:cxnSp>
+          <p:nvCxnSpPr>
+            <p:cNvPr id="106" name="Conector recto de flecha 105"/>
+            <p:cNvCxnSpPr>
+              <a:stCxn id="123" idx="3"/>
+              <a:endCxn id="46" idx="1"/>
+            </p:cNvCxnSpPr>
+            <p:nvPr/>
+          </p:nvCxnSpPr>
+          <p:spPr>
+            <a:xfrm>
+              <a:off x="5953717" y="3179720"/>
+              <a:ext cx="755006" cy="2420"/>
+            </a:xfrm>
+            <a:prstGeom prst="straightConnector1">
+              <a:avLst/>
+            </a:prstGeom>
+            <a:ln>
+              <a:tailEnd type="triangle"/>
+            </a:ln>
+          </p:spPr>
+          <p:style>
+            <a:lnRef idx="3">
+              <a:schemeClr val="accent1"/>
+            </a:lnRef>
+            <a:fillRef idx="0">
+              <a:schemeClr val="accent1"/>
+            </a:fillRef>
+            <a:effectRef idx="2">
+              <a:schemeClr val="accent1"/>
+            </a:effectRef>
+            <a:fontRef idx="minor">
+              <a:schemeClr val="tx1"/>
+            </a:fontRef>
+          </p:style>
+        </p:cxnSp>
+        <p:cxnSp>
+          <p:nvCxnSpPr>
+            <p:cNvPr id="115" name="Conector recto de flecha 114"/>
+            <p:cNvCxnSpPr>
+              <a:stCxn id="10" idx="3"/>
+              <a:endCxn id="16" idx="1"/>
+            </p:cNvCxnSpPr>
+            <p:nvPr/>
+          </p:nvCxnSpPr>
+          <p:spPr>
+            <a:xfrm>
+              <a:off x="5709516" y="1716334"/>
+              <a:ext cx="550370" cy="1079"/>
+            </a:xfrm>
+            <a:prstGeom prst="straightConnector1">
+              <a:avLst/>
+            </a:prstGeom>
+            <a:ln>
+              <a:tailEnd type="triangle"/>
+            </a:ln>
+          </p:spPr>
+          <p:style>
+            <a:lnRef idx="1">
+              <a:schemeClr val="accent1"/>
+            </a:lnRef>
+            <a:fillRef idx="0">
+              <a:schemeClr val="accent1"/>
+            </a:fillRef>
+            <a:effectRef idx="0">
+              <a:schemeClr val="accent1"/>
+            </a:effectRef>
+            <a:fontRef idx="minor">
+              <a:schemeClr val="tx1"/>
+            </a:fontRef>
+          </p:style>
+        </p:cxnSp>
+        <p:cxnSp>
+          <p:nvCxnSpPr>
+            <p:cNvPr id="21" name="Conector angular 20"/>
+            <p:cNvCxnSpPr>
+              <a:stCxn id="20" idx="1"/>
+              <a:endCxn id="128" idx="3"/>
+            </p:cNvCxnSpPr>
+            <p:nvPr/>
+          </p:nvCxnSpPr>
+          <p:spPr>
+            <a:xfrm rot="10800000">
+              <a:off x="3519773" y="2404765"/>
+              <a:ext cx="1262449" cy="1290964"/>
+            </a:xfrm>
+            <a:prstGeom prst="bentConnector3">
+              <a:avLst/>
+            </a:prstGeom>
+            <a:ln>
+              <a:tailEnd type="triangle"/>
+            </a:ln>
+          </p:spPr>
+          <p:style>
+            <a:lnRef idx="3">
+              <a:schemeClr val="accent1"/>
+            </a:lnRef>
+            <a:fillRef idx="0">
+              <a:schemeClr val="accent1"/>
+            </a:fillRef>
+            <a:effectRef idx="2">
+              <a:schemeClr val="accent1"/>
+            </a:effectRef>
+            <a:fontRef idx="minor">
+              <a:schemeClr val="tx1"/>
+            </a:fontRef>
+          </p:style>
+        </p:cxnSp>
+        <p:cxnSp>
+          <p:nvCxnSpPr>
+            <p:cNvPr id="23" name="Conector angular 22"/>
+            <p:cNvCxnSpPr>
+              <a:stCxn id="89" idx="1"/>
+              <a:endCxn id="24" idx="3"/>
+            </p:cNvCxnSpPr>
+            <p:nvPr/>
+          </p:nvCxnSpPr>
+          <p:spPr>
+            <a:xfrm rot="10800000">
+              <a:off x="3603179" y="3891923"/>
+              <a:ext cx="1208100" cy="2281804"/>
+            </a:xfrm>
+            <a:prstGeom prst="bentConnector3">
+              <a:avLst>
+                <a:gd name="adj1" fmla="val 50000"/>
+              </a:avLst>
+            </a:prstGeom>
+            <a:ln>
+              <a:tailEnd type="triangle"/>
+            </a:ln>
+          </p:spPr>
+          <p:style>
+            <a:lnRef idx="3">
+              <a:schemeClr val="accent1"/>
+            </a:lnRef>
+            <a:fillRef idx="0">
+              <a:schemeClr val="accent1"/>
+            </a:fillRef>
+            <a:effectRef idx="2">
+              <a:schemeClr val="accent1"/>
+            </a:effectRef>
+            <a:fontRef idx="minor">
+              <a:schemeClr val="tx1"/>
+            </a:fontRef>
+          </p:style>
+        </p:cxnSp>
+        <p:cxnSp>
+          <p:nvCxnSpPr>
+            <p:cNvPr id="31" name="Conector recto de flecha 30"/>
+            <p:cNvCxnSpPr>
+              <a:stCxn id="24" idx="2"/>
+              <a:endCxn id="32" idx="0"/>
+            </p:cNvCxnSpPr>
+            <p:nvPr/>
+          </p:nvCxnSpPr>
+          <p:spPr>
+            <a:xfrm>
+              <a:off x="2962619" y="4018881"/>
+              <a:ext cx="0" cy="126958"/>
+            </a:xfrm>
+            <a:prstGeom prst="straightConnector1">
+              <a:avLst/>
+            </a:prstGeom>
+            <a:ln>
+              <a:tailEnd type="triangle"/>
+            </a:ln>
+          </p:spPr>
+          <p:style>
+            <a:lnRef idx="3">
+              <a:schemeClr val="accent1"/>
+            </a:lnRef>
+            <a:fillRef idx="0">
+              <a:schemeClr val="accent1"/>
+            </a:fillRef>
+            <a:effectRef idx="2">
+              <a:schemeClr val="accent1"/>
+            </a:effectRef>
+            <a:fontRef idx="minor">
+              <a:schemeClr val="tx1"/>
+            </a:fontRef>
+          </p:style>
+        </p:cxnSp>
+        <p:cxnSp>
+          <p:nvCxnSpPr>
+            <p:cNvPr id="42" name="Conector recto de flecha 41"/>
+            <p:cNvCxnSpPr>
+              <a:stCxn id="32" idx="2"/>
+              <a:endCxn id="38" idx="0"/>
+            </p:cNvCxnSpPr>
+            <p:nvPr/>
+          </p:nvCxnSpPr>
+          <p:spPr>
+            <a:xfrm>
+              <a:off x="2962619" y="4399755"/>
+              <a:ext cx="8546" cy="87732"/>
+            </a:xfrm>
+            <a:prstGeom prst="straightConnector1">
+              <a:avLst/>
+            </a:prstGeom>
+            <a:ln>
+              <a:tailEnd type="triangle"/>
+            </a:ln>
+          </p:spPr>
+          <p:style>
+            <a:lnRef idx="3">
+              <a:schemeClr val="accent1"/>
+            </a:lnRef>
+            <a:fillRef idx="0">
+              <a:schemeClr val="accent1"/>
+            </a:fillRef>
+            <a:effectRef idx="2">
+              <a:schemeClr val="accent1"/>
+            </a:effectRef>
+            <a:fontRef idx="minor">
+              <a:schemeClr val="tx1"/>
+            </a:fontRef>
+          </p:style>
+        </p:cxnSp>
+        <p:cxnSp>
+          <p:nvCxnSpPr>
+            <p:cNvPr id="47" name="Conector recto de flecha 46"/>
+            <p:cNvCxnSpPr>
+              <a:stCxn id="38" idx="2"/>
+              <a:endCxn id="49" idx="0"/>
+            </p:cNvCxnSpPr>
+            <p:nvPr/>
+          </p:nvCxnSpPr>
+          <p:spPr>
+            <a:xfrm>
+              <a:off x="2971165" y="4741403"/>
+              <a:ext cx="1374" cy="104032"/>
+            </a:xfrm>
+            <a:prstGeom prst="straightConnector1">
+              <a:avLst/>
+            </a:prstGeom>
+            <a:ln>
+              <a:tailEnd type="triangle"/>
+            </a:ln>
+          </p:spPr>
+          <p:style>
+            <a:lnRef idx="3">
+              <a:schemeClr val="accent1"/>
+            </a:lnRef>
+            <a:fillRef idx="0">
+              <a:schemeClr val="accent1"/>
+            </a:fillRef>
+            <a:effectRef idx="2">
+              <a:schemeClr val="accent1"/>
+            </a:effectRef>
+            <a:fontRef idx="minor">
+              <a:schemeClr val="tx1"/>
+            </a:fontRef>
+          </p:style>
+        </p:cxnSp>
+        <p:cxnSp>
+          <p:nvCxnSpPr>
+            <p:cNvPr id="71" name="Conector recto de flecha 70"/>
+            <p:cNvCxnSpPr>
+              <a:stCxn id="49" idx="2"/>
+              <a:endCxn id="110" idx="0"/>
+            </p:cNvCxnSpPr>
+            <p:nvPr/>
+          </p:nvCxnSpPr>
+          <p:spPr>
+            <a:xfrm flipH="1">
+              <a:off x="2971165" y="5099351"/>
+              <a:ext cx="1374" cy="182198"/>
+            </a:xfrm>
+            <a:prstGeom prst="straightConnector1">
+              <a:avLst/>
+            </a:prstGeom>
+            <a:ln>
+              <a:tailEnd type="triangle"/>
+            </a:ln>
+          </p:spPr>
+          <p:style>
+            <a:lnRef idx="3">
+              <a:schemeClr val="accent1"/>
+            </a:lnRef>
+            <a:fillRef idx="0">
+              <a:schemeClr val="accent1"/>
+            </a:fillRef>
+            <a:effectRef idx="2">
+              <a:schemeClr val="accent1"/>
+            </a:effectRef>
+            <a:fontRef idx="minor">
+              <a:schemeClr val="tx1"/>
+            </a:fontRef>
+          </p:style>
+        </p:cxnSp>
+        <p:cxnSp>
+          <p:nvCxnSpPr>
+            <p:cNvPr id="94" name="Conector angular 93"/>
+            <p:cNvCxnSpPr/>
+            <p:nvPr/>
+          </p:nvCxnSpPr>
+          <p:spPr>
+            <a:xfrm>
+              <a:off x="3363455" y="5453910"/>
+              <a:ext cx="210397" cy="316788"/>
+            </a:xfrm>
+            <a:prstGeom prst="bentConnector2">
+              <a:avLst/>
+            </a:prstGeom>
+            <a:ln>
+              <a:tailEnd type="triangle"/>
+            </a:ln>
+          </p:spPr>
+          <p:style>
+            <a:lnRef idx="3">
+              <a:schemeClr val="accent1"/>
+            </a:lnRef>
+            <a:fillRef idx="0">
+              <a:schemeClr val="accent1"/>
+            </a:fillRef>
+            <a:effectRef idx="2">
+              <a:schemeClr val="accent1"/>
+            </a:effectRef>
+            <a:fontRef idx="minor">
+              <a:schemeClr val="tx1"/>
+            </a:fontRef>
+          </p:style>
+        </p:cxnSp>
+        <p:cxnSp>
+          <p:nvCxnSpPr>
+            <p:cNvPr id="107" name="Conector angular 106"/>
+            <p:cNvCxnSpPr/>
+            <p:nvPr/>
+          </p:nvCxnSpPr>
+          <p:spPr>
+            <a:xfrm rot="10800000" flipV="1">
+              <a:off x="2360345" y="5453910"/>
+              <a:ext cx="208419" cy="316788"/>
+            </a:xfrm>
+            <a:prstGeom prst="bentConnector2">
+              <a:avLst/>
+            </a:prstGeom>
+            <a:ln>
+              <a:tailEnd type="triangle"/>
+            </a:ln>
+          </p:spPr>
+          <p:style>
+            <a:lnRef idx="3">
+              <a:schemeClr val="accent1"/>
+            </a:lnRef>
+            <a:fillRef idx="0">
+              <a:schemeClr val="accent1"/>
+            </a:fillRef>
+            <a:effectRef idx="2">
+              <a:schemeClr val="accent1"/>
+            </a:effectRef>
+            <a:fontRef idx="minor">
+              <a:schemeClr val="tx1"/>
+            </a:fontRef>
+          </p:style>
+        </p:cxnSp>
+      </p:grpSp>
+      <p:grpSp>
+        <p:nvGrpSpPr>
+          <p:cNvPr id="126" name="Grupo 125"/>
+          <p:cNvGrpSpPr/>
+          <p:nvPr/>
+        </p:nvGrpSpPr>
+        <p:grpSpPr>
+          <a:xfrm>
+            <a:off x="1947363" y="244897"/>
+            <a:ext cx="8779528" cy="6160947"/>
+            <a:chOff x="1947363" y="244897"/>
+            <a:chExt cx="8779528" cy="6160947"/>
+          </a:xfrm>
+        </p:grpSpPr>
+        <p:sp>
+          <p:nvSpPr>
+            <p:cNvPr id="16" name="Rectángulo 15"/>
+            <p:cNvSpPr/>
+            <p:nvPr/>
+          </p:nvSpPr>
+          <p:spPr>
+            <a:xfrm>
+              <a:off x="6259886" y="1604871"/>
+              <a:ext cx="1680501" cy="225083"/>
+            </a:xfrm>
+            <a:prstGeom prst="rect">
+              <a:avLst/>
+            </a:prstGeom>
+          </p:spPr>
+          <p:style>
+            <a:lnRef idx="2">
+              <a:schemeClr val="accent3"/>
+            </a:lnRef>
+            <a:fillRef idx="1">
+              <a:schemeClr val="lt1"/>
+            </a:fillRef>
+            <a:effectRef idx="0">
+              <a:schemeClr val="accent3"/>
+            </a:effectRef>
+            <a:fontRef idx="minor">
+              <a:schemeClr val="dk1"/>
+            </a:fontRef>
+          </p:style>
+          <p:txBody>
+            <a:bodyPr rtlCol="0" anchor="ctr"/>
+            <a:lstStyle/>
+            <a:p>
+              <a:pPr algn="ctr"/>
+              <a:r>
+                <a:rPr lang="es-ES" sz="1050" dirty="0" smtClean="0"/>
+                <a:t>¿</a:t>
+              </a:r>
+              <a:r>
+                <a:rPr lang="es-ES" sz="1050" dirty="0" smtClean="0"/>
+                <a:t>Agregar cliente?</a:t>
+              </a:r>
+              <a:endParaRPr lang="es-CO" sz="1050" dirty="0"/>
+            </a:p>
+          </p:txBody>
+        </p:sp>
+        <p:sp>
+          <p:nvSpPr>
+            <p:cNvPr id="20" name="Rombo 19"/>
+            <p:cNvSpPr/>
+            <p:nvPr/>
+          </p:nvSpPr>
+          <p:spPr>
+            <a:xfrm>
+              <a:off x="4782221" y="3463612"/>
+              <a:ext cx="933745" cy="464234"/>
+            </a:xfrm>
+            <a:prstGeom prst="diamond">
+              <a:avLst/>
+            </a:prstGeom>
+          </p:spPr>
+          <p:style>
+            <a:lnRef idx="3">
+              <a:schemeClr val="lt1"/>
+            </a:lnRef>
+            <a:fillRef idx="1">
+              <a:schemeClr val="accent3"/>
+            </a:fillRef>
+            <a:effectRef idx="1">
+              <a:schemeClr val="accent3"/>
+            </a:effectRef>
+            <a:fontRef idx="minor">
+              <a:schemeClr val="lt1"/>
+            </a:fontRef>
+          </p:style>
+          <p:txBody>
+            <a:bodyPr rtlCol="0" anchor="ctr"/>
+            <a:lstStyle/>
+            <a:p>
+              <a:pPr algn="ctr"/>
+              <a:endParaRPr lang="es-CO"/>
+            </a:p>
+          </p:txBody>
+        </p:sp>
+        <p:sp>
+          <p:nvSpPr>
+            <p:cNvPr id="40" name="Rectángulo 39"/>
+            <p:cNvSpPr/>
+            <p:nvPr/>
+          </p:nvSpPr>
+          <p:spPr>
+            <a:xfrm>
+              <a:off x="6230331" y="2580016"/>
+              <a:ext cx="2996727" cy="168567"/>
+            </a:xfrm>
+            <a:prstGeom prst="rect">
+              <a:avLst/>
+            </a:prstGeom>
+          </p:spPr>
+          <p:style>
+            <a:lnRef idx="2">
+              <a:schemeClr val="accent3"/>
+            </a:lnRef>
+            <a:fillRef idx="1">
+              <a:schemeClr val="lt1"/>
+            </a:fillRef>
+            <a:effectRef idx="0">
+              <a:schemeClr val="accent3"/>
+            </a:effectRef>
+            <a:fontRef idx="minor">
+              <a:schemeClr val="dk1"/>
+            </a:fontRef>
+          </p:style>
+          <p:txBody>
+            <a:bodyPr rtlCol="0" anchor="ctr"/>
+            <a:lstStyle/>
+            <a:p>
+              <a:pPr algn="ctr"/>
+              <a:r>
+                <a:rPr lang="es-ES" sz="1050" dirty="0" smtClean="0"/>
+                <a:t>¿La sonda es Nx cliente?</a:t>
+              </a:r>
+              <a:endParaRPr lang="es-CO" sz="1050" dirty="0"/>
+            </a:p>
+          </p:txBody>
+        </p:sp>
+        <p:sp>
+          <p:nvSpPr>
+            <p:cNvPr id="46" name="Rombo 45"/>
+            <p:cNvSpPr/>
+            <p:nvPr/>
+          </p:nvSpPr>
+          <p:spPr>
+            <a:xfrm>
+              <a:off x="6708723" y="3027395"/>
+              <a:ext cx="738554" cy="309490"/>
+            </a:xfrm>
+            <a:prstGeom prst="diamond">
+              <a:avLst/>
+            </a:prstGeom>
+          </p:spPr>
+          <p:style>
+            <a:lnRef idx="3">
+              <a:schemeClr val="lt1"/>
+            </a:lnRef>
+            <a:fillRef idx="1">
+              <a:schemeClr val="accent3"/>
+            </a:fillRef>
+            <a:effectRef idx="1">
+              <a:schemeClr val="accent3"/>
+            </a:effectRef>
+            <a:fontRef idx="minor">
+              <a:schemeClr val="lt1"/>
+            </a:fontRef>
+          </p:style>
+          <p:txBody>
+            <a:bodyPr rtlCol="0" anchor="ctr"/>
+            <a:lstStyle/>
+            <a:p>
+              <a:pPr algn="ctr"/>
+              <a:endParaRPr lang="es-CO"/>
+            </a:p>
+          </p:txBody>
+        </p:sp>
+        <p:sp>
+          <p:nvSpPr>
+            <p:cNvPr id="57" name="Rectángulo 56"/>
+            <p:cNvSpPr/>
+            <p:nvPr/>
+          </p:nvSpPr>
+          <p:spPr>
+            <a:xfrm>
+              <a:off x="9040097" y="3413186"/>
+              <a:ext cx="1680501" cy="225083"/>
+            </a:xfrm>
+            <a:prstGeom prst="rect">
+              <a:avLst/>
+            </a:prstGeom>
+          </p:spPr>
+          <p:style>
+            <a:lnRef idx="2">
+              <a:schemeClr val="accent3"/>
+            </a:lnRef>
+            <a:fillRef idx="1">
+              <a:schemeClr val="lt1"/>
+            </a:fillRef>
+            <a:effectRef idx="0">
+              <a:schemeClr val="accent3"/>
+            </a:effectRef>
+            <a:fontRef idx="minor">
+              <a:schemeClr val="dk1"/>
+            </a:fontRef>
+          </p:style>
+          <p:txBody>
+            <a:bodyPr rtlCol="0" anchor="ctr"/>
+            <a:lstStyle/>
+            <a:p>
+              <a:pPr algn="ctr"/>
+              <a:r>
+                <a:rPr lang="es-ES" sz="1050" dirty="0" smtClean="0"/>
+                <a:t>NxWire=fase</a:t>
+              </a:r>
+              <a:endParaRPr lang="es-CO" sz="1050" dirty="0"/>
+            </a:p>
+          </p:txBody>
+        </p:sp>
+        <p:sp>
+          <p:nvSpPr>
+            <p:cNvPr id="58" name="Rectángulo 57"/>
+            <p:cNvSpPr/>
+            <p:nvPr/>
+          </p:nvSpPr>
+          <p:spPr>
+            <a:xfrm>
+              <a:off x="9046390" y="3118731"/>
+              <a:ext cx="1680501" cy="225083"/>
+            </a:xfrm>
+            <a:prstGeom prst="rect">
+              <a:avLst/>
+            </a:prstGeom>
+          </p:spPr>
+          <p:style>
+            <a:lnRef idx="2">
+              <a:schemeClr val="accent3"/>
+            </a:lnRef>
+            <a:fillRef idx="1">
+              <a:schemeClr val="lt1"/>
+            </a:fillRef>
+            <a:effectRef idx="0">
+              <a:schemeClr val="accent3"/>
+            </a:effectRef>
+            <a:fontRef idx="minor">
+              <a:schemeClr val="dk1"/>
+            </a:fontRef>
+          </p:style>
+          <p:txBody>
+            <a:bodyPr rtlCol="0" anchor="ctr"/>
+            <a:lstStyle/>
+            <a:p>
+              <a:pPr algn="ctr"/>
+              <a:r>
+                <a:rPr lang="es-ES" sz="1050" dirty="0" smtClean="0"/>
+                <a:t>Nx cliente= true</a:t>
+              </a:r>
+              <a:endParaRPr lang="es-CO" sz="1050" dirty="0"/>
+            </a:p>
+          </p:txBody>
+        </p:sp>
+        <p:sp>
+          <p:nvSpPr>
+            <p:cNvPr id="89" name="Rombo 88"/>
+            <p:cNvSpPr/>
+            <p:nvPr/>
+          </p:nvSpPr>
+          <p:spPr>
+            <a:xfrm>
+              <a:off x="4811279" y="5941610"/>
+              <a:ext cx="933745" cy="464234"/>
+            </a:xfrm>
+            <a:prstGeom prst="diamond">
+              <a:avLst/>
+            </a:prstGeom>
+          </p:spPr>
+          <p:style>
+            <a:lnRef idx="3">
+              <a:schemeClr val="lt1"/>
+            </a:lnRef>
+            <a:fillRef idx="1">
+              <a:schemeClr val="accent3"/>
+            </a:fillRef>
+            <a:effectRef idx="1">
+              <a:schemeClr val="accent3"/>
+            </a:effectRef>
+            <a:fontRef idx="minor">
+              <a:schemeClr val="lt1"/>
+            </a:fontRef>
+          </p:style>
+          <p:txBody>
+            <a:bodyPr rtlCol="0" anchor="ctr"/>
+            <a:lstStyle/>
+            <a:p>
+              <a:pPr algn="ctr"/>
+              <a:endParaRPr lang="es-CO"/>
+            </a:p>
+          </p:txBody>
+        </p:sp>
+        <p:sp>
+          <p:nvSpPr>
+            <p:cNvPr id="119" name="Rectángulo 118"/>
+            <p:cNvSpPr/>
+            <p:nvPr/>
+          </p:nvSpPr>
+          <p:spPr>
+            <a:xfrm>
+              <a:off x="3638971" y="2081901"/>
+              <a:ext cx="3217030" cy="253916"/>
+            </a:xfrm>
+            <a:prstGeom prst="rect">
+              <a:avLst/>
+            </a:prstGeom>
+          </p:spPr>
+          <p:style>
+            <a:lnRef idx="2">
+              <a:schemeClr val="accent3"/>
+            </a:lnRef>
+            <a:fillRef idx="1">
+              <a:schemeClr val="lt1"/>
+            </a:fillRef>
+            <a:effectRef idx="0">
+              <a:schemeClr val="accent3"/>
+            </a:effectRef>
+            <a:fontRef idx="minor">
+              <a:schemeClr val="dk1"/>
+            </a:fontRef>
+          </p:style>
+          <p:txBody>
+            <a:bodyPr wrap="square">
+              <a:spAutoFit/>
+            </a:bodyPr>
+            <a:lstStyle/>
+            <a:p>
+              <a:pPr algn="ctr"/>
+              <a:r>
+                <a:rPr lang="es-ES" sz="1050" dirty="0"/>
+                <a:t>¿El cliente usa solo Nx cliente para los reportes?</a:t>
+              </a:r>
+              <a:endParaRPr lang="es-CO" sz="1050" dirty="0"/>
+            </a:p>
+          </p:txBody>
+        </p:sp>
+        <p:sp>
+          <p:nvSpPr>
+            <p:cNvPr id="124" name="CuadroTexto 123"/>
+            <p:cNvSpPr txBox="1"/>
+            <p:nvPr/>
+          </p:nvSpPr>
+          <p:spPr>
+            <a:xfrm>
+              <a:off x="7623603" y="3041259"/>
+              <a:ext cx="339268" cy="253916"/>
+            </a:xfrm>
+            <a:prstGeom prst="rect">
+              <a:avLst/>
+            </a:prstGeom>
+            <a:noFill/>
+          </p:spPr>
+          <p:txBody>
+            <a:bodyPr wrap="square" rtlCol="0">
+              <a:spAutoFit/>
+            </a:bodyPr>
+            <a:lstStyle/>
+            <a:p>
+              <a:r>
+                <a:rPr lang="es-ES" sz="1050" dirty="0" smtClean="0"/>
+                <a:t>Si</a:t>
+              </a:r>
+              <a:endParaRPr lang="es-CO" sz="1050" dirty="0"/>
+            </a:p>
+          </p:txBody>
+        </p:sp>
+        <p:sp>
+          <p:nvSpPr>
+            <p:cNvPr id="127" name="CuadroTexto 126"/>
+            <p:cNvSpPr txBox="1"/>
+            <p:nvPr/>
+          </p:nvSpPr>
+          <p:spPr>
+            <a:xfrm>
+              <a:off x="7595472" y="3295175"/>
+              <a:ext cx="341760" cy="253916"/>
+            </a:xfrm>
+            <a:prstGeom prst="rect">
+              <a:avLst/>
+            </a:prstGeom>
+            <a:noFill/>
+          </p:spPr>
+          <p:txBody>
+            <a:bodyPr wrap="none" rtlCol="0">
+              <a:spAutoFit/>
+            </a:bodyPr>
+            <a:lstStyle/>
+            <a:p>
+              <a:r>
+                <a:rPr lang="es-ES" sz="1050" dirty="0" smtClean="0"/>
+                <a:t>No</a:t>
+              </a:r>
+              <a:endParaRPr lang="es-CO" sz="1050" dirty="0"/>
+            </a:p>
+          </p:txBody>
+        </p:sp>
+        <p:sp>
+          <p:nvSpPr>
+            <p:cNvPr id="4" name="Elipse 3"/>
+            <p:cNvSpPr/>
+            <p:nvPr/>
+          </p:nvSpPr>
+          <p:spPr>
+            <a:xfrm>
+              <a:off x="5022970" y="244897"/>
+              <a:ext cx="439817" cy="241947"/>
+            </a:xfrm>
+            <a:prstGeom prst="ellipse">
+              <a:avLst/>
+            </a:prstGeom>
+          </p:spPr>
+          <p:style>
+            <a:lnRef idx="3">
+              <a:schemeClr val="lt1"/>
+            </a:lnRef>
+            <a:fillRef idx="1">
+              <a:schemeClr val="accent3"/>
+            </a:fillRef>
+            <a:effectRef idx="1">
+              <a:schemeClr val="accent3"/>
+            </a:effectRef>
+            <a:fontRef idx="minor">
+              <a:schemeClr val="lt1"/>
+            </a:fontRef>
+          </p:style>
+          <p:txBody>
+            <a:bodyPr rtlCol="0" anchor="ctr"/>
+            <a:lstStyle/>
+            <a:p>
+              <a:pPr algn="ctr"/>
+              <a:endParaRPr lang="es-CO"/>
+            </a:p>
+          </p:txBody>
+        </p:sp>
+        <p:sp>
+          <p:nvSpPr>
+            <p:cNvPr id="7" name="Rectángulo 6"/>
+            <p:cNvSpPr/>
+            <p:nvPr/>
+          </p:nvSpPr>
+          <p:spPr>
+            <a:xfrm>
+              <a:off x="4524027" y="639252"/>
+              <a:ext cx="1450134" cy="333892"/>
+            </a:xfrm>
+            <a:prstGeom prst="rect">
+              <a:avLst/>
+            </a:prstGeom>
+          </p:spPr>
+          <p:style>
+            <a:lnRef idx="2">
+              <a:schemeClr val="accent3"/>
+            </a:lnRef>
+            <a:fillRef idx="1">
+              <a:schemeClr val="lt1"/>
+            </a:fillRef>
+            <a:effectRef idx="0">
+              <a:schemeClr val="accent3"/>
+            </a:effectRef>
+            <a:fontRef idx="minor">
+              <a:schemeClr val="dk1"/>
+            </a:fontRef>
+          </p:style>
+          <p:txBody>
+            <a:bodyPr rtlCol="0" anchor="ctr"/>
+            <a:lstStyle/>
+            <a:p>
+              <a:r>
+                <a:rPr lang="es-ES" sz="1050" dirty="0" smtClean="0"/>
+                <a:t>String: Client=Tigoes</a:t>
+              </a:r>
+            </a:p>
+            <a:p>
+              <a:r>
+                <a:rPr lang="es-ES" sz="1050" dirty="0" smtClean="0"/>
+                <a:t>Integer: Sonda=3322</a:t>
+              </a:r>
+              <a:endParaRPr lang="es-CO" sz="1050" dirty="0"/>
+            </a:p>
+          </p:txBody>
+        </p:sp>
+        <p:sp>
+          <p:nvSpPr>
+            <p:cNvPr id="10" name="Rombo 9"/>
+            <p:cNvSpPr/>
+            <p:nvPr/>
+          </p:nvSpPr>
+          <p:spPr>
+            <a:xfrm>
+              <a:off x="4775771" y="1484217"/>
+              <a:ext cx="933745" cy="464234"/>
+            </a:xfrm>
+            <a:prstGeom prst="diamond">
+              <a:avLst/>
+            </a:prstGeom>
+          </p:spPr>
+          <p:style>
+            <a:lnRef idx="3">
+              <a:schemeClr val="lt1"/>
+            </a:lnRef>
+            <a:fillRef idx="1">
+              <a:schemeClr val="accent3"/>
+            </a:fillRef>
+            <a:effectRef idx="1">
+              <a:schemeClr val="accent3"/>
+            </a:effectRef>
+            <a:fontRef idx="minor">
+              <a:schemeClr val="lt1"/>
+            </a:fontRef>
+          </p:style>
+          <p:txBody>
+            <a:bodyPr rtlCol="0" anchor="ctr"/>
+            <a:lstStyle/>
+            <a:p>
+              <a:pPr algn="ctr"/>
+              <a:endParaRPr lang="es-CO"/>
+            </a:p>
+          </p:txBody>
+        </p:sp>
+        <p:sp>
+          <p:nvSpPr>
+            <p:cNvPr id="17" name="Rombo 16"/>
+            <p:cNvSpPr/>
+            <p:nvPr/>
+          </p:nvSpPr>
+          <p:spPr>
+            <a:xfrm>
+              <a:off x="4782222" y="2467078"/>
+              <a:ext cx="933745" cy="464234"/>
+            </a:xfrm>
+            <a:prstGeom prst="diamond">
+              <a:avLst/>
+            </a:prstGeom>
+          </p:spPr>
+          <p:style>
+            <a:lnRef idx="3">
+              <a:schemeClr val="lt1"/>
+            </a:lnRef>
+            <a:fillRef idx="1">
+              <a:schemeClr val="accent3"/>
+            </a:fillRef>
+            <a:effectRef idx="1">
+              <a:schemeClr val="accent3"/>
+            </a:effectRef>
+            <a:fontRef idx="minor">
+              <a:schemeClr val="lt1"/>
+            </a:fontRef>
+          </p:style>
+          <p:txBody>
+            <a:bodyPr rtlCol="0" anchor="ctr"/>
+            <a:lstStyle/>
+            <a:p>
+              <a:pPr algn="ctr"/>
+              <a:endParaRPr lang="es-CO"/>
+            </a:p>
+          </p:txBody>
+        </p:sp>
+        <p:sp>
+          <p:nvSpPr>
+            <p:cNvPr id="75" name="Rectángulo 74"/>
+            <p:cNvSpPr/>
+            <p:nvPr/>
+          </p:nvSpPr>
+          <p:spPr>
+            <a:xfrm>
+              <a:off x="4437902" y="5175979"/>
+              <a:ext cx="1680501" cy="225083"/>
+            </a:xfrm>
+            <a:prstGeom prst="rect">
+              <a:avLst/>
+            </a:prstGeom>
+          </p:spPr>
+          <p:style>
+            <a:lnRef idx="2">
+              <a:schemeClr val="accent3"/>
+            </a:lnRef>
+            <a:fillRef idx="1">
+              <a:schemeClr val="lt1"/>
+            </a:fillRef>
+            <a:effectRef idx="0">
+              <a:schemeClr val="accent3"/>
+            </a:effectRef>
+            <a:fontRef idx="minor">
+              <a:schemeClr val="dk1"/>
+            </a:fontRef>
+          </p:style>
+          <p:txBody>
+            <a:bodyPr rtlCol="0" anchor="ctr"/>
+            <a:lstStyle/>
+            <a:p>
+              <a:pPr algn="ctr"/>
+              <a:r>
+                <a:rPr lang="es-ES" sz="1050" dirty="0" smtClean="0"/>
+                <a:t>Selecciona error</a:t>
+              </a:r>
+              <a:endParaRPr lang="es-CO" sz="1050" dirty="0"/>
+            </a:p>
+          </p:txBody>
+        </p:sp>
+        <p:sp>
+          <p:nvSpPr>
+            <p:cNvPr id="76" name="Rectángulo 75"/>
+            <p:cNvSpPr/>
+            <p:nvPr/>
+          </p:nvSpPr>
+          <p:spPr>
+            <a:xfrm>
+              <a:off x="4437902" y="4727232"/>
+              <a:ext cx="1680501" cy="225083"/>
+            </a:xfrm>
+            <a:prstGeom prst="rect">
+              <a:avLst/>
+            </a:prstGeom>
+          </p:spPr>
+          <p:style>
+            <a:lnRef idx="2">
+              <a:schemeClr val="accent3"/>
+            </a:lnRef>
+            <a:fillRef idx="1">
+              <a:schemeClr val="lt1"/>
+            </a:fillRef>
+            <a:effectRef idx="0">
+              <a:schemeClr val="accent3"/>
+            </a:effectRef>
+            <a:fontRef idx="minor">
+              <a:schemeClr val="dk1"/>
+            </a:fontRef>
+          </p:style>
+          <p:txBody>
+            <a:bodyPr rtlCol="0" anchor="ctr"/>
+            <a:lstStyle/>
+            <a:p>
+              <a:pPr algn="ctr"/>
+              <a:r>
+                <a:rPr lang="es-ES" sz="1050" dirty="0" smtClean="0"/>
+                <a:t>Mostrar lista de errores</a:t>
+              </a:r>
+              <a:endParaRPr lang="es-CO" sz="1050" dirty="0"/>
+            </a:p>
+          </p:txBody>
+        </p:sp>
+        <p:sp>
+          <p:nvSpPr>
+            <p:cNvPr id="77" name="Rectángulo 76"/>
+            <p:cNvSpPr/>
+            <p:nvPr/>
+          </p:nvSpPr>
+          <p:spPr>
+            <a:xfrm>
+              <a:off x="4437902" y="4225143"/>
+              <a:ext cx="1680501" cy="225083"/>
+            </a:xfrm>
+            <a:prstGeom prst="rect">
+              <a:avLst/>
+            </a:prstGeom>
+          </p:spPr>
+          <p:style>
+            <a:lnRef idx="2">
+              <a:schemeClr val="accent3"/>
+            </a:lnRef>
+            <a:fillRef idx="1">
+              <a:schemeClr val="lt1"/>
+            </a:fillRef>
+            <a:effectRef idx="0">
+              <a:schemeClr val="accent3"/>
+            </a:effectRef>
+            <a:fontRef idx="minor">
+              <a:schemeClr val="dk1"/>
+            </a:fontRef>
+          </p:style>
+          <p:txBody>
+            <a:bodyPr rtlCol="0" anchor="ctr"/>
+            <a:lstStyle/>
+            <a:p>
+              <a:pPr algn="ctr"/>
+              <a:r>
+                <a:rPr lang="es-ES" sz="1050" dirty="0" smtClean="0"/>
+                <a:t>Buscar lista de errores</a:t>
+              </a:r>
+              <a:endParaRPr lang="es-CO" sz="1050" dirty="0"/>
+            </a:p>
+          </p:txBody>
+        </p:sp>
+        <p:sp>
+          <p:nvSpPr>
+            <p:cNvPr id="95" name="Rectángulo 94"/>
+            <p:cNvSpPr/>
+            <p:nvPr/>
+          </p:nvSpPr>
+          <p:spPr>
+            <a:xfrm>
+              <a:off x="7193772" y="4083908"/>
+              <a:ext cx="2619679" cy="1738556"/>
+            </a:xfrm>
+            <a:prstGeom prst="rect">
+              <a:avLst/>
+            </a:prstGeom>
+          </p:spPr>
+          <p:style>
+            <a:lnRef idx="2">
+              <a:schemeClr val="accent3"/>
+            </a:lnRef>
+            <a:fillRef idx="1">
+              <a:schemeClr val="lt1"/>
+            </a:fillRef>
+            <a:effectRef idx="0">
+              <a:schemeClr val="accent3"/>
+            </a:effectRef>
+            <a:fontRef idx="minor">
+              <a:schemeClr val="dk1"/>
+            </a:fontRef>
+          </p:style>
+          <p:txBody>
+            <a:bodyPr rtlCol="0" anchor="ctr"/>
+            <a:lstStyle/>
+            <a:p>
+              <a:pPr marL="171450" indent="-171450">
+                <a:buFont typeface="Arial" panose="020B0604020202020204" pitchFamily="34" charset="0"/>
+                <a:buChar char="•"/>
+              </a:pPr>
+              <a:r>
+                <a:rPr lang="es-ES" sz="1050" dirty="0" smtClean="0"/>
+                <a:t>Sonda.Incident.Nombre</a:t>
+              </a:r>
+            </a:p>
+            <a:p>
+              <a:pPr marL="171450" indent="-171450">
+                <a:buFont typeface="Arial" panose="020B0604020202020204" pitchFamily="34" charset="0"/>
+                <a:buChar char="•"/>
+              </a:pPr>
+              <a:r>
+                <a:rPr lang="es-ES" sz="1050" dirty="0" smtClean="0"/>
+                <a:t>Sonda.Incident.Description</a:t>
+              </a:r>
+              <a:r>
+                <a:rPr lang="es-CO" sz="1050" dirty="0" smtClean="0"/>
+                <a:t>.</a:t>
+              </a:r>
+              <a:r>
+                <a:rPr lang="es-CO" sz="1050" dirty="0" err="1" smtClean="0"/>
+                <a:t>Sintoms</a:t>
+              </a:r>
+              <a:endParaRPr lang="es-CO" sz="1050" dirty="0" smtClean="0"/>
+            </a:p>
+            <a:p>
+              <a:pPr marL="171450" indent="-171450">
+                <a:buFont typeface="Arial" panose="020B0604020202020204" pitchFamily="34" charset="0"/>
+                <a:buChar char="•"/>
+              </a:pPr>
+              <a:r>
+                <a:rPr lang="es-ES" sz="1050" dirty="0" smtClean="0"/>
+                <a:t>Sonda.Incident.Analisis</a:t>
+              </a:r>
+            </a:p>
+            <a:p>
+              <a:pPr marL="171450" indent="-171450">
+                <a:buFont typeface="Arial" panose="020B0604020202020204" pitchFamily="34" charset="0"/>
+                <a:buChar char="•"/>
+              </a:pPr>
+              <a:r>
+                <a:rPr lang="es-ES" sz="1050" dirty="0" smtClean="0"/>
+                <a:t>Sonda.Incident.Road.Cause</a:t>
+              </a:r>
+            </a:p>
+            <a:p>
+              <a:pPr marL="171450" indent="-171450">
+                <a:buFont typeface="Arial" panose="020B0604020202020204" pitchFamily="34" charset="0"/>
+                <a:buChar char="•"/>
+              </a:pPr>
+              <a:r>
+                <a:rPr lang="es-ES" sz="1050" dirty="0" smtClean="0"/>
+                <a:t>Sonda.Incident.Work.Arround</a:t>
+              </a:r>
+            </a:p>
+            <a:p>
+              <a:pPr marL="171450" indent="-171450">
+                <a:buFont typeface="Arial" panose="020B0604020202020204" pitchFamily="34" charset="0"/>
+                <a:buChar char="•"/>
+              </a:pPr>
+              <a:r>
+                <a:rPr lang="es-ES" sz="1050" dirty="0" smtClean="0"/>
+                <a:t>Sonda.Incident.Evidence</a:t>
+              </a:r>
+            </a:p>
+            <a:p>
+              <a:pPr marL="171450" indent="-171450">
+                <a:buFont typeface="Arial" panose="020B0604020202020204" pitchFamily="34" charset="0"/>
+                <a:buChar char="•"/>
+              </a:pPr>
+              <a:r>
+                <a:rPr lang="es-ES" sz="1050" dirty="0" smtClean="0"/>
+                <a:t>Sonda.Incident.Recomendation</a:t>
+              </a:r>
+            </a:p>
+            <a:p>
+              <a:pPr marL="171450" indent="-171450">
+                <a:buFont typeface="Arial" panose="020B0604020202020204" pitchFamily="34" charset="0"/>
+                <a:buChar char="•"/>
+              </a:pPr>
+              <a:r>
+                <a:rPr lang="es-ES" sz="1050" dirty="0" smtClean="0"/>
+                <a:t>Sonda.Incident Id=+</a:t>
+              </a:r>
+            </a:p>
+          </p:txBody>
+        </p:sp>
+        <p:sp>
+          <p:nvSpPr>
+            <p:cNvPr id="112" name="CuadroTexto 111"/>
+            <p:cNvSpPr txBox="1"/>
+            <p:nvPr/>
+          </p:nvSpPr>
+          <p:spPr>
+            <a:xfrm>
+              <a:off x="4655656" y="1090358"/>
+              <a:ext cx="1173976" cy="253916"/>
+            </a:xfrm>
+            <a:prstGeom prst="rect">
+              <a:avLst/>
+            </a:prstGeom>
+          </p:spPr>
+          <p:style>
+            <a:lnRef idx="2">
+              <a:schemeClr val="accent3"/>
+            </a:lnRef>
+            <a:fillRef idx="1">
+              <a:schemeClr val="lt1"/>
+            </a:fillRef>
+            <a:effectRef idx="0">
+              <a:schemeClr val="accent3"/>
+            </a:effectRef>
+            <a:fontRef idx="minor">
+              <a:schemeClr val="dk1"/>
+            </a:fontRef>
+          </p:style>
+          <p:txBody>
+            <a:bodyPr wrap="square" rtlCol="0">
+              <a:spAutoFit/>
+            </a:bodyPr>
+            <a:lstStyle/>
+            <a:p>
+              <a:r>
+                <a:rPr lang="es-ES" sz="1050" dirty="0"/>
+                <a:t>¿</a:t>
+              </a:r>
+              <a:r>
+                <a:rPr lang="es-ES" sz="1050" dirty="0" smtClean="0"/>
+                <a:t>El cliente existe?</a:t>
+              </a:r>
+              <a:endParaRPr lang="es-CO" sz="1050" dirty="0"/>
+            </a:p>
+          </p:txBody>
+        </p:sp>
+        <p:sp>
+          <p:nvSpPr>
+            <p:cNvPr id="113" name="CuadroTexto 112"/>
+            <p:cNvSpPr txBox="1"/>
+            <p:nvPr/>
+          </p:nvSpPr>
+          <p:spPr>
+            <a:xfrm>
+              <a:off x="5409285" y="1825704"/>
+              <a:ext cx="339268" cy="253916"/>
+            </a:xfrm>
+            <a:prstGeom prst="rect">
+              <a:avLst/>
+            </a:prstGeom>
+            <a:noFill/>
+          </p:spPr>
+          <p:txBody>
+            <a:bodyPr wrap="square" rtlCol="0">
+              <a:spAutoFit/>
+            </a:bodyPr>
+            <a:lstStyle/>
+            <a:p>
+              <a:r>
+                <a:rPr lang="es-ES" sz="1050" dirty="0" smtClean="0"/>
+                <a:t>Si</a:t>
+              </a:r>
+              <a:endParaRPr lang="es-CO" sz="1050" dirty="0"/>
+            </a:p>
+          </p:txBody>
+        </p:sp>
+        <p:sp>
+          <p:nvSpPr>
+            <p:cNvPr id="114" name="CuadroTexto 113"/>
+            <p:cNvSpPr txBox="1"/>
+            <p:nvPr/>
+          </p:nvSpPr>
+          <p:spPr>
+            <a:xfrm>
+              <a:off x="5667617" y="1459854"/>
+              <a:ext cx="341760" cy="253916"/>
+            </a:xfrm>
+            <a:prstGeom prst="rect">
+              <a:avLst/>
+            </a:prstGeom>
+            <a:noFill/>
+          </p:spPr>
+          <p:txBody>
+            <a:bodyPr wrap="none" rtlCol="0">
+              <a:spAutoFit/>
+            </a:bodyPr>
+            <a:lstStyle/>
+            <a:p>
+              <a:r>
+                <a:rPr lang="es-ES" sz="1050" dirty="0" smtClean="0"/>
+                <a:t>No</a:t>
+              </a:r>
+              <a:endParaRPr lang="es-CO" sz="1050" dirty="0"/>
+            </a:p>
+          </p:txBody>
+        </p:sp>
+        <p:sp>
+          <p:nvSpPr>
+            <p:cNvPr id="121" name="CuadroTexto 120"/>
+            <p:cNvSpPr txBox="1"/>
+            <p:nvPr/>
+          </p:nvSpPr>
+          <p:spPr>
+            <a:xfrm>
+              <a:off x="5409285" y="2780091"/>
+              <a:ext cx="339268" cy="253916"/>
+            </a:xfrm>
+            <a:prstGeom prst="rect">
+              <a:avLst/>
+            </a:prstGeom>
+            <a:noFill/>
+          </p:spPr>
+          <p:txBody>
+            <a:bodyPr wrap="square" rtlCol="0">
+              <a:spAutoFit/>
+            </a:bodyPr>
+            <a:lstStyle/>
+            <a:p>
+              <a:r>
+                <a:rPr lang="es-ES" sz="1050" dirty="0" smtClean="0"/>
+                <a:t>Si</a:t>
+              </a:r>
+              <a:endParaRPr lang="es-CO" sz="1050" dirty="0"/>
+            </a:p>
+          </p:txBody>
+        </p:sp>
+        <p:sp>
+          <p:nvSpPr>
+            <p:cNvPr id="122" name="CuadroTexto 121"/>
+            <p:cNvSpPr txBox="1"/>
+            <p:nvPr/>
+          </p:nvSpPr>
+          <p:spPr>
+            <a:xfrm>
+              <a:off x="5699564" y="2396069"/>
+              <a:ext cx="341760" cy="253916"/>
+            </a:xfrm>
+            <a:prstGeom prst="rect">
+              <a:avLst/>
+            </a:prstGeom>
+            <a:noFill/>
+          </p:spPr>
+          <p:txBody>
+            <a:bodyPr wrap="none" rtlCol="0">
+              <a:spAutoFit/>
+            </a:bodyPr>
+            <a:lstStyle/>
+            <a:p>
+              <a:r>
+                <a:rPr lang="es-ES" sz="1050" dirty="0" smtClean="0"/>
+                <a:t>No</a:t>
+              </a:r>
+              <a:endParaRPr lang="es-CO" sz="1050" dirty="0"/>
+            </a:p>
+          </p:txBody>
+        </p:sp>
+        <p:sp>
+          <p:nvSpPr>
+            <p:cNvPr id="128" name="CuadroTexto 127"/>
+            <p:cNvSpPr txBox="1"/>
+            <p:nvPr/>
+          </p:nvSpPr>
+          <p:spPr>
+            <a:xfrm>
+              <a:off x="2386128" y="2277807"/>
+              <a:ext cx="1133644" cy="253916"/>
+            </a:xfrm>
+            <a:prstGeom prst="rect">
+              <a:avLst/>
+            </a:prstGeom>
+          </p:spPr>
+          <p:style>
+            <a:lnRef idx="2">
+              <a:schemeClr val="accent3"/>
+            </a:lnRef>
+            <a:fillRef idx="1">
+              <a:schemeClr val="lt1"/>
+            </a:fillRef>
+            <a:effectRef idx="0">
+              <a:schemeClr val="accent3"/>
+            </a:effectRef>
+            <a:fontRef idx="minor">
+              <a:schemeClr val="dk1"/>
+            </a:fontRef>
+          </p:style>
+          <p:txBody>
+            <a:bodyPr wrap="none" rtlCol="0">
+              <a:spAutoFit/>
+            </a:bodyPr>
+            <a:lstStyle/>
+            <a:p>
+              <a:r>
+                <a:rPr lang="es-ES" sz="1050" dirty="0" smtClean="0"/>
+                <a:t>Gestión de sonda</a:t>
+              </a:r>
+              <a:endParaRPr lang="es-CO" sz="1050" dirty="0"/>
+            </a:p>
+          </p:txBody>
+        </p:sp>
+        <p:sp>
+          <p:nvSpPr>
+            <p:cNvPr id="129" name="CuadroTexto 128"/>
+            <p:cNvSpPr txBox="1"/>
+            <p:nvPr/>
+          </p:nvSpPr>
+          <p:spPr>
+            <a:xfrm>
+              <a:off x="4516303" y="3374518"/>
+              <a:ext cx="341760" cy="253916"/>
+            </a:xfrm>
+            <a:prstGeom prst="rect">
+              <a:avLst/>
+            </a:prstGeom>
+            <a:noFill/>
+          </p:spPr>
+          <p:txBody>
+            <a:bodyPr wrap="none" rtlCol="0">
+              <a:spAutoFit/>
+            </a:bodyPr>
+            <a:lstStyle/>
+            <a:p>
+              <a:r>
+                <a:rPr lang="es-ES" sz="1050" dirty="0" smtClean="0"/>
+                <a:t>No</a:t>
+              </a:r>
+              <a:endParaRPr lang="es-CO" sz="1050" dirty="0"/>
+            </a:p>
+          </p:txBody>
+        </p:sp>
+        <p:sp>
+          <p:nvSpPr>
+            <p:cNvPr id="130" name="CuadroTexto 129"/>
+            <p:cNvSpPr txBox="1"/>
+            <p:nvPr/>
+          </p:nvSpPr>
+          <p:spPr>
+            <a:xfrm>
+              <a:off x="5360296" y="3927846"/>
+              <a:ext cx="339268" cy="253916"/>
+            </a:xfrm>
+            <a:prstGeom prst="rect">
+              <a:avLst/>
+            </a:prstGeom>
+            <a:noFill/>
+          </p:spPr>
+          <p:txBody>
+            <a:bodyPr wrap="square" rtlCol="0">
+              <a:spAutoFit/>
+            </a:bodyPr>
+            <a:lstStyle/>
+            <a:p>
+              <a:r>
+                <a:rPr lang="es-ES" sz="1050" dirty="0"/>
+                <a:t>Si</a:t>
+              </a:r>
+              <a:endParaRPr lang="es-CO" sz="1050" dirty="0"/>
+            </a:p>
+          </p:txBody>
+        </p:sp>
+        <p:sp>
+          <p:nvSpPr>
+            <p:cNvPr id="131" name="CuadroTexto 130"/>
+            <p:cNvSpPr txBox="1"/>
+            <p:nvPr/>
+          </p:nvSpPr>
+          <p:spPr>
+            <a:xfrm>
+              <a:off x="2007868" y="2866365"/>
+              <a:ext cx="1896682" cy="738664"/>
+            </a:xfrm>
+            <a:prstGeom prst="rect">
+              <a:avLst/>
+            </a:prstGeom>
+          </p:spPr>
+          <p:style>
+            <a:lnRef idx="2">
+              <a:schemeClr val="accent3"/>
+            </a:lnRef>
+            <a:fillRef idx="1">
+              <a:schemeClr val="lt1"/>
+            </a:fillRef>
+            <a:effectRef idx="0">
+              <a:schemeClr val="accent3"/>
+            </a:effectRef>
+            <a:fontRef idx="minor">
+              <a:schemeClr val="dk1"/>
+            </a:fontRef>
+          </p:style>
+          <p:txBody>
+            <a:bodyPr wrap="square" rtlCol="0">
+              <a:spAutoFit/>
+            </a:bodyPr>
+            <a:lstStyle/>
+            <a:p>
+              <a:pPr marL="171450" indent="-171450">
+                <a:buFont typeface="Arial" panose="020B0604020202020204" pitchFamily="34" charset="0"/>
+                <a:buChar char="•"/>
+              </a:pPr>
+              <a:r>
+                <a:rPr lang="es-ES" sz="1050" dirty="0" smtClean="0"/>
+                <a:t>Sonda.nombre =“string”</a:t>
+              </a:r>
+            </a:p>
+            <a:p>
+              <a:pPr marL="171450" indent="-171450">
+                <a:buFont typeface="Arial" panose="020B0604020202020204" pitchFamily="34" charset="0"/>
+                <a:buChar char="•"/>
+              </a:pPr>
+              <a:r>
+                <a:rPr lang="es-ES" sz="1050" dirty="0" smtClean="0"/>
+                <a:t>Sonda.Id=</a:t>
+              </a:r>
+              <a:r>
+                <a:rPr lang="es-ES" sz="1050" dirty="0" err="1" smtClean="0"/>
+                <a:t>Int</a:t>
+              </a:r>
+              <a:endParaRPr lang="es-ES" sz="1050" dirty="0" smtClean="0"/>
+            </a:p>
+            <a:p>
+              <a:pPr marL="171450" indent="-171450">
+                <a:buFont typeface="Arial" panose="020B0604020202020204" pitchFamily="34" charset="0"/>
+                <a:buChar char="•"/>
+              </a:pPr>
+              <a:r>
+                <a:rPr lang="es-ES" sz="1050" dirty="0" smtClean="0"/>
+                <a:t>Sonda.descripción=“string”</a:t>
+              </a:r>
+            </a:p>
+            <a:p>
+              <a:pPr marL="171450" indent="-171450">
+                <a:buFont typeface="Arial" panose="020B0604020202020204" pitchFamily="34" charset="0"/>
+                <a:buChar char="•"/>
+              </a:pPr>
+              <a:endParaRPr lang="es-CO" sz="1050" dirty="0"/>
+            </a:p>
+          </p:txBody>
+        </p:sp>
+        <p:sp>
+          <p:nvSpPr>
+            <p:cNvPr id="132" name="CuadroTexto 131"/>
+            <p:cNvSpPr txBox="1"/>
+            <p:nvPr/>
+          </p:nvSpPr>
+          <p:spPr>
+            <a:xfrm>
+              <a:off x="4646551" y="5644080"/>
+              <a:ext cx="1234633" cy="253916"/>
+            </a:xfrm>
+            <a:prstGeom prst="rect">
+              <a:avLst/>
+            </a:prstGeom>
+          </p:spPr>
+          <p:style>
+            <a:lnRef idx="2">
+              <a:schemeClr val="accent3"/>
+            </a:lnRef>
+            <a:fillRef idx="1">
+              <a:schemeClr val="lt1"/>
+            </a:fillRef>
+            <a:effectRef idx="0">
+              <a:schemeClr val="accent3"/>
+            </a:effectRef>
+            <a:fontRef idx="minor">
+              <a:schemeClr val="dk1"/>
+            </a:fontRef>
+          </p:style>
+          <p:txBody>
+            <a:bodyPr wrap="none" rtlCol="0">
+              <a:spAutoFit/>
+            </a:bodyPr>
+            <a:lstStyle/>
+            <a:p>
+              <a:r>
+                <a:rPr lang="es-ES" sz="1050" dirty="0" smtClean="0"/>
+                <a:t>¿El error es nuevo?</a:t>
+              </a:r>
+              <a:endParaRPr lang="es-CO" sz="1050" dirty="0"/>
+            </a:p>
+          </p:txBody>
+        </p:sp>
+        <p:sp>
+          <p:nvSpPr>
+            <p:cNvPr id="133" name="CuadroTexto 132"/>
+            <p:cNvSpPr txBox="1"/>
+            <p:nvPr/>
+          </p:nvSpPr>
+          <p:spPr>
+            <a:xfrm>
+              <a:off x="5612541" y="5887524"/>
+              <a:ext cx="339268" cy="253916"/>
+            </a:xfrm>
+            <a:prstGeom prst="rect">
+              <a:avLst/>
+            </a:prstGeom>
+            <a:noFill/>
+          </p:spPr>
+          <p:txBody>
+            <a:bodyPr wrap="square" rtlCol="0">
+              <a:spAutoFit/>
+            </a:bodyPr>
+            <a:lstStyle/>
+            <a:p>
+              <a:r>
+                <a:rPr lang="es-ES" sz="1050" dirty="0"/>
+                <a:t>Si</a:t>
+              </a:r>
+              <a:endParaRPr lang="es-CO" sz="1050" dirty="0"/>
+            </a:p>
+          </p:txBody>
+        </p:sp>
+        <p:sp>
+          <p:nvSpPr>
+            <p:cNvPr id="134" name="CuadroTexto 133"/>
+            <p:cNvSpPr txBox="1"/>
+            <p:nvPr/>
+          </p:nvSpPr>
+          <p:spPr>
+            <a:xfrm>
+              <a:off x="4535766" y="5903040"/>
+              <a:ext cx="341760" cy="253916"/>
+            </a:xfrm>
+            <a:prstGeom prst="rect">
+              <a:avLst/>
+            </a:prstGeom>
+            <a:noFill/>
+          </p:spPr>
+          <p:txBody>
+            <a:bodyPr wrap="none" rtlCol="0">
+              <a:spAutoFit/>
+            </a:bodyPr>
+            <a:lstStyle/>
+            <a:p>
+              <a:r>
+                <a:rPr lang="es-ES" sz="1050" dirty="0" smtClean="0"/>
+                <a:t>No</a:t>
+              </a:r>
+              <a:endParaRPr lang="es-CO" sz="1050" dirty="0"/>
+            </a:p>
+          </p:txBody>
+        </p:sp>
+        <p:sp>
+          <p:nvSpPr>
+            <p:cNvPr id="24" name="CuadroTexto 23"/>
+            <p:cNvSpPr txBox="1"/>
+            <p:nvPr/>
+          </p:nvSpPr>
+          <p:spPr>
+            <a:xfrm>
+              <a:off x="2322059" y="3764965"/>
+              <a:ext cx="1281120" cy="253916"/>
+            </a:xfrm>
+            <a:prstGeom prst="rect">
+              <a:avLst/>
+            </a:prstGeom>
+          </p:spPr>
+          <p:style>
+            <a:lnRef idx="2">
+              <a:schemeClr val="accent3"/>
+            </a:lnRef>
+            <a:fillRef idx="1">
+              <a:schemeClr val="lt1"/>
+            </a:fillRef>
+            <a:effectRef idx="0">
+              <a:schemeClr val="accent3"/>
+            </a:effectRef>
+            <a:fontRef idx="minor">
+              <a:schemeClr val="dk1"/>
+            </a:fontRef>
+          </p:style>
+          <p:txBody>
+            <a:bodyPr wrap="none" rtlCol="0">
+              <a:spAutoFit/>
+            </a:bodyPr>
+            <a:lstStyle/>
+            <a:p>
+              <a:r>
+                <a:rPr lang="es-ES" sz="1050" dirty="0" smtClean="0"/>
+                <a:t>El error no es nuevo</a:t>
+              </a:r>
+              <a:endParaRPr lang="es-CO" sz="1050" dirty="0"/>
+            </a:p>
+          </p:txBody>
+        </p:sp>
+        <p:sp>
+          <p:nvSpPr>
+            <p:cNvPr id="32" name="CuadroTexto 31"/>
+            <p:cNvSpPr txBox="1"/>
+            <p:nvPr/>
+          </p:nvSpPr>
+          <p:spPr>
+            <a:xfrm>
+              <a:off x="2399804" y="4145839"/>
+              <a:ext cx="1125629" cy="253916"/>
+            </a:xfrm>
+            <a:prstGeom prst="rect">
+              <a:avLst/>
+            </a:prstGeom>
+          </p:spPr>
+          <p:style>
+            <a:lnRef idx="2">
+              <a:schemeClr val="accent3"/>
+            </a:lnRef>
+            <a:fillRef idx="1">
+              <a:schemeClr val="lt1"/>
+            </a:fillRef>
+            <a:effectRef idx="0">
+              <a:schemeClr val="accent3"/>
+            </a:effectRef>
+            <a:fontRef idx="minor">
+              <a:schemeClr val="dk1"/>
+            </a:fontRef>
+          </p:style>
+          <p:txBody>
+            <a:bodyPr wrap="none" rtlCol="0">
+              <a:spAutoFit/>
+            </a:bodyPr>
+            <a:lstStyle/>
+            <a:p>
+              <a:r>
+                <a:rPr lang="es-ES" sz="1050" dirty="0" smtClean="0"/>
+                <a:t>Reporte de fecha</a:t>
+              </a:r>
+              <a:endParaRPr lang="es-CO" sz="1050" dirty="0"/>
+            </a:p>
+          </p:txBody>
+        </p:sp>
+        <p:sp>
+          <p:nvSpPr>
+            <p:cNvPr id="38" name="CuadroTexto 37"/>
+            <p:cNvSpPr txBox="1"/>
+            <p:nvPr/>
+          </p:nvSpPr>
+          <p:spPr>
+            <a:xfrm>
+              <a:off x="2452433" y="4487487"/>
+              <a:ext cx="1037463" cy="253916"/>
+            </a:xfrm>
+            <a:prstGeom prst="rect">
+              <a:avLst/>
+            </a:prstGeom>
+          </p:spPr>
+          <p:style>
+            <a:lnRef idx="2">
+              <a:schemeClr val="accent3"/>
+            </a:lnRef>
+            <a:fillRef idx="1">
+              <a:schemeClr val="lt1"/>
+            </a:fillRef>
+            <a:effectRef idx="0">
+              <a:schemeClr val="accent3"/>
+            </a:effectRef>
+            <a:fontRef idx="minor">
+              <a:schemeClr val="dk1"/>
+            </a:fontRef>
+          </p:style>
+          <p:txBody>
+            <a:bodyPr wrap="none" rtlCol="0">
+              <a:spAutoFit/>
+            </a:bodyPr>
+            <a:lstStyle/>
+            <a:p>
+              <a:r>
+                <a:rPr lang="es-ES" sz="1050" dirty="0" smtClean="0"/>
+                <a:t>Reporte sondas</a:t>
+              </a:r>
+              <a:endParaRPr lang="es-CO" sz="1050" dirty="0"/>
+            </a:p>
+          </p:txBody>
+        </p:sp>
+        <p:sp>
+          <p:nvSpPr>
+            <p:cNvPr id="49" name="CuadroTexto 48"/>
+            <p:cNvSpPr txBox="1"/>
+            <p:nvPr/>
+          </p:nvSpPr>
+          <p:spPr>
+            <a:xfrm>
+              <a:off x="2380069" y="4845435"/>
+              <a:ext cx="1184940" cy="253916"/>
+            </a:xfrm>
+            <a:prstGeom prst="rect">
+              <a:avLst/>
+            </a:prstGeom>
+          </p:spPr>
+          <p:style>
+            <a:lnRef idx="2">
+              <a:schemeClr val="accent3"/>
+            </a:lnRef>
+            <a:fillRef idx="1">
+              <a:schemeClr val="lt1"/>
+            </a:fillRef>
+            <a:effectRef idx="0">
+              <a:schemeClr val="accent3"/>
+            </a:effectRef>
+            <a:fontRef idx="minor">
+              <a:schemeClr val="dk1"/>
+            </a:fontRef>
+          </p:style>
+          <p:txBody>
+            <a:bodyPr wrap="none" rtlCol="0">
+              <a:spAutoFit/>
+            </a:bodyPr>
+            <a:lstStyle/>
+            <a:p>
+              <a:r>
+                <a:rPr lang="es-ES" sz="1050" dirty="0" smtClean="0"/>
+                <a:t>¿Hay mas sondas?</a:t>
+              </a:r>
+              <a:endParaRPr lang="es-CO" sz="1050" dirty="0"/>
+            </a:p>
+          </p:txBody>
+        </p:sp>
+        <p:sp>
+          <p:nvSpPr>
+            <p:cNvPr id="110" name="Rombo 109"/>
+            <p:cNvSpPr/>
+            <p:nvPr/>
+          </p:nvSpPr>
+          <p:spPr>
+            <a:xfrm>
+              <a:off x="2530478" y="5281549"/>
+              <a:ext cx="881373" cy="344722"/>
+            </a:xfrm>
+            <a:prstGeom prst="diamond">
+              <a:avLst/>
+            </a:prstGeom>
+          </p:spPr>
+          <p:style>
+            <a:lnRef idx="3">
+              <a:schemeClr val="lt1"/>
+            </a:lnRef>
+            <a:fillRef idx="1">
+              <a:schemeClr val="accent3"/>
+            </a:fillRef>
+            <a:effectRef idx="1">
+              <a:schemeClr val="accent3"/>
+            </a:effectRef>
+            <a:fontRef idx="minor">
+              <a:schemeClr val="lt1"/>
+            </a:fontRef>
+          </p:style>
+          <p:txBody>
+            <a:bodyPr rtlCol="0" anchor="ctr"/>
+            <a:lstStyle/>
+            <a:p>
+              <a:pPr algn="ctr"/>
+              <a:endParaRPr lang="es-CO"/>
+            </a:p>
+          </p:txBody>
+        </p:sp>
+        <p:sp>
+          <p:nvSpPr>
+            <p:cNvPr id="108" name="CuadroTexto 107"/>
+            <p:cNvSpPr txBox="1"/>
+            <p:nvPr/>
+          </p:nvSpPr>
+          <p:spPr>
+            <a:xfrm>
+              <a:off x="3066195" y="5822464"/>
+              <a:ext cx="1125629" cy="253916"/>
+            </a:xfrm>
+            <a:prstGeom prst="rect">
+              <a:avLst/>
+            </a:prstGeom>
+          </p:spPr>
+          <p:style>
+            <a:lnRef idx="2">
+              <a:schemeClr val="accent3"/>
+            </a:lnRef>
+            <a:fillRef idx="1">
+              <a:schemeClr val="lt1"/>
+            </a:fillRef>
+            <a:effectRef idx="0">
+              <a:schemeClr val="accent3"/>
+            </a:effectRef>
+            <a:fontRef idx="minor">
+              <a:schemeClr val="dk1"/>
+            </a:fontRef>
+          </p:style>
+          <p:txBody>
+            <a:bodyPr wrap="none" rtlCol="0">
+              <a:spAutoFit/>
+            </a:bodyPr>
+            <a:lstStyle/>
+            <a:p>
+              <a:pPr algn="ctr"/>
+              <a:r>
+                <a:rPr lang="es-ES" sz="1050" dirty="0" smtClean="0"/>
+                <a:t>Reporte imprimir</a:t>
+              </a:r>
+              <a:endParaRPr lang="es-CO" sz="1050" dirty="0"/>
+            </a:p>
+          </p:txBody>
+        </p:sp>
+        <p:sp>
+          <p:nvSpPr>
+            <p:cNvPr id="109" name="CuadroTexto 108"/>
+            <p:cNvSpPr txBox="1"/>
+            <p:nvPr/>
+          </p:nvSpPr>
+          <p:spPr>
+            <a:xfrm>
+              <a:off x="1947363" y="5809151"/>
+              <a:ext cx="949299" cy="415498"/>
+            </a:xfrm>
+            <a:prstGeom prst="rect">
+              <a:avLst/>
+            </a:prstGeom>
+          </p:spPr>
+          <p:style>
+            <a:lnRef idx="2">
+              <a:schemeClr val="accent3"/>
+            </a:lnRef>
+            <a:fillRef idx="1">
+              <a:schemeClr val="lt1"/>
+            </a:fillRef>
+            <a:effectRef idx="0">
+              <a:schemeClr val="accent3"/>
+            </a:effectRef>
+            <a:fontRef idx="minor">
+              <a:schemeClr val="dk1"/>
+            </a:fontRef>
+          </p:style>
+          <p:txBody>
+            <a:bodyPr wrap="none" rtlCol="0">
+              <a:spAutoFit/>
+            </a:bodyPr>
+            <a:lstStyle/>
+            <a:p>
+              <a:pPr algn="ctr"/>
+              <a:r>
+                <a:rPr lang="es-ES" sz="1050" dirty="0" smtClean="0"/>
+                <a:t>Definir nueva </a:t>
+              </a:r>
+            </a:p>
+            <a:p>
+              <a:pPr algn="ctr"/>
+              <a:r>
+                <a:rPr lang="es-ES" sz="1050" dirty="0" smtClean="0"/>
+                <a:t>sonda </a:t>
+              </a:r>
+              <a:endParaRPr lang="es-CO" sz="1050" dirty="0"/>
+            </a:p>
+          </p:txBody>
+        </p:sp>
+        <p:sp>
+          <p:nvSpPr>
+            <p:cNvPr id="138" name="CuadroTexto 137"/>
+            <p:cNvSpPr txBox="1"/>
+            <p:nvPr/>
+          </p:nvSpPr>
+          <p:spPr>
+            <a:xfrm>
+              <a:off x="3351554" y="5161562"/>
+              <a:ext cx="341760" cy="253916"/>
+            </a:xfrm>
+            <a:prstGeom prst="rect">
+              <a:avLst/>
+            </a:prstGeom>
+            <a:noFill/>
+          </p:spPr>
+          <p:txBody>
+            <a:bodyPr wrap="none" rtlCol="0">
+              <a:spAutoFit/>
+            </a:bodyPr>
+            <a:lstStyle/>
+            <a:p>
+              <a:r>
+                <a:rPr lang="es-ES" sz="1050" dirty="0" smtClean="0"/>
+                <a:t>No</a:t>
+              </a:r>
+              <a:endParaRPr lang="es-CO" sz="1050" dirty="0"/>
+            </a:p>
+          </p:txBody>
+        </p:sp>
+        <p:sp>
+          <p:nvSpPr>
+            <p:cNvPr id="139" name="CuadroTexto 138"/>
+            <p:cNvSpPr txBox="1"/>
+            <p:nvPr/>
+          </p:nvSpPr>
+          <p:spPr>
+            <a:xfrm>
+              <a:off x="2212766" y="5161562"/>
+              <a:ext cx="339268" cy="253916"/>
+            </a:xfrm>
+            <a:prstGeom prst="rect">
+              <a:avLst/>
+            </a:prstGeom>
+            <a:noFill/>
+          </p:spPr>
+          <p:txBody>
+            <a:bodyPr wrap="square" rtlCol="0">
+              <a:spAutoFit/>
+            </a:bodyPr>
+            <a:lstStyle/>
+            <a:p>
+              <a:r>
+                <a:rPr lang="es-ES" sz="1050" dirty="0"/>
+                <a:t>Si</a:t>
+              </a:r>
+              <a:endParaRPr lang="es-CO" sz="1050" dirty="0"/>
+            </a:p>
+          </p:txBody>
+        </p:sp>
+      </p:grpSp>
+    </p:spTree>
+    <p:extLst>
+      <p:ext uri="{BB962C8B-B14F-4D97-AF65-F5344CB8AC3E}">
+        <p14:creationId xmlns:p14="http://schemas.microsoft.com/office/powerpoint/2010/main" val="1247329765"/>
+      </p:ext>
+    </p:extLst>
+  </p:cSld>
+  <p:clrMapOvr>
+    <a:masterClrMapping/>
+  </p:clrMapOvr>
+  <p:timing>
+    <p:tnLst>
+      <p:par>
+        <p:cTn id="1" dur="indefinite" restart="never" nodeType="tmRoot"/>
+      </p:par>
+    </p:tnLst>
+  </p:timing>
+</p:sld>
+</file>
+
+<file path=ppt/slides/slide5.xml><?xml version="1.0" encoding="utf-8"?>
+<p:sld xmlns:a="http://schemas.openxmlformats.org/drawingml/2006/main" xmlns:r="http://schemas.openxmlformats.org/officeDocument/2006/relationships" xmlns:p="http://schemas.openxmlformats.org/presentationml/2006/main">
+  <p:cSld>
+    <p:spTree>
+      <p:nvGrpSpPr>
+        <p:cNvPr id="1" name=""/>
+        <p:cNvGrpSpPr/>
+        <p:nvPr/>
+      </p:nvGrpSpPr>
+      <p:grpSpPr>
+        <a:xfrm>
+          <a:off x="0" y="0"/>
+          <a:ext cx="0" cy="0"/>
+          <a:chOff x="0" y="0"/>
+          <a:chExt cx="0" cy="0"/>
+        </a:xfrm>
+      </p:grpSpPr>
+      <p:sp>
+        <p:nvSpPr>
+          <p:cNvPr id="2" name="Título 1"/>
+          <p:cNvSpPr>
+            <a:spLocks noGrp="1"/>
+          </p:cNvSpPr>
+          <p:nvPr>
+            <p:ph type="title"/>
+          </p:nvPr>
+        </p:nvSpPr>
+        <p:spPr/>
+        <p:txBody>
+          <a:bodyPr/>
+          <a:lstStyle/>
+          <a:p>
+            <a:endParaRPr lang="es-CO"/>
+          </a:p>
+        </p:txBody>
+      </p:sp>
+      <p:pic>
+        <p:nvPicPr>
+          <p:cNvPr id="4" name="Marcador de contenido 3"/>
+          <p:cNvPicPr>
+            <a:picLocks noGrp="1" noChangeAspect="1"/>
+          </p:cNvPicPr>
+          <p:nvPr>
+            <p:ph idx="1"/>
+          </p:nvPr>
+        </p:nvPicPr>
+        <p:blipFill>
+          <a:blip r:embed="rId2">
+            <a:extLst>
+              <a:ext uri="{28A0092B-C50C-407E-A947-70E740481C1C}">
+                <a14:useLocalDpi xmlns:a14="http://schemas.microsoft.com/office/drawing/2010/main" val="0"/>
+              </a:ext>
+            </a:extLst>
+          </a:blip>
+          <a:stretch>
+            <a:fillRect/>
+          </a:stretch>
+        </p:blipFill>
+        <p:spPr>
+          <a:xfrm rot="16200000">
+            <a:off x="2886901" y="-2314722"/>
+            <a:ext cx="6470389" cy="11502913"/>
+          </a:xfrm>
+        </p:spPr>
+      </p:pic>
+    </p:spTree>
+    <p:extLst>
+      <p:ext uri="{BB962C8B-B14F-4D97-AF65-F5344CB8AC3E}">
+        <p14:creationId xmlns:p14="http://schemas.microsoft.com/office/powerpoint/2010/main" val="2037173278"/>
+      </p:ext>
+    </p:extLst>
+  </p:cSld>
+  <p:clrMapOvr>
+    <a:masterClrMapping/>
+  </p:clrMapOvr>
+  <p:timing>
+    <p:tnLst>
+      <p:par>
+        <p:cTn id="1" dur="indefinite" restart="never" nodeType="tmRoot"/>
+      </p:par>
+    </p:tnLst>
+  </p:timing>
+</p:sld>
+</file>
+
+<file path=ppt/slides/slide6.xml><?xml version="1.0" encoding="utf-8"?>
+<p:sld xmlns:a="http://schemas.openxmlformats.org/drawingml/2006/main" xmlns:r="http://schemas.openxmlformats.org/officeDocument/2006/relationships" xmlns:p="http://schemas.openxmlformats.org/presentationml/2006/main">
+  <p:cSld>
+    <p:spTree>
+      <p:nvGrpSpPr>
+        <p:cNvPr id="1" name=""/>
+        <p:cNvGrpSpPr/>
+        <p:nvPr/>
+      </p:nvGrpSpPr>
+      <p:grpSpPr>
+        <a:xfrm>
+          <a:off x="0" y="0"/>
+          <a:ext cx="0" cy="0"/>
+          <a:chOff x="0" y="0"/>
+          <a:chExt cx="0" cy="0"/>
+        </a:xfrm>
+      </p:grpSpPr>
+      <p:sp>
+        <p:nvSpPr>
+          <p:cNvPr id="2" name="Título 1"/>
+          <p:cNvSpPr>
+            <a:spLocks noGrp="1"/>
+          </p:cNvSpPr>
+          <p:nvPr>
+            <p:ph type="title"/>
+          </p:nvPr>
+        </p:nvSpPr>
+        <p:spPr/>
+        <p:txBody>
+          <a:bodyPr/>
+          <a:lstStyle/>
+          <a:p>
+            <a:r>
+              <a:rPr lang="es-ES" dirty="0" smtClean="0"/>
+              <a:t>Cliente</a:t>
+            </a:r>
+            <a:endParaRPr lang="es-CO" dirty="0"/>
+          </a:p>
+        </p:txBody>
+      </p:sp>
+      <p:sp>
+        <p:nvSpPr>
+          <p:cNvPr id="3" name="Marcador de contenido 2"/>
+          <p:cNvSpPr>
+            <a:spLocks noGrp="1"/>
+          </p:cNvSpPr>
+          <p:nvPr>
+            <p:ph idx="1"/>
+          </p:nvPr>
+        </p:nvSpPr>
+        <p:spPr/>
+        <p:txBody>
+          <a:bodyPr/>
+          <a:lstStyle/>
+          <a:p>
+            <a:r>
+              <a:rPr lang="es-ES" dirty="0" smtClean="0"/>
+              <a:t>Tarea</a:t>
+            </a:r>
+          </a:p>
+          <a:p>
+            <a:pPr lvl="1"/>
+            <a:r>
+              <a:rPr lang="es-ES" dirty="0">
+                <a:solidFill>
+                  <a:srgbClr val="00B050"/>
+                </a:solidFill>
+              </a:rPr>
+              <a:t>El sistema debe buscar los clientes y mostrarlos unas vez inicia el programa.</a:t>
+            </a:r>
+          </a:p>
+          <a:p>
+            <a:pPr lvl="1"/>
+            <a:r>
+              <a:rPr lang="es-ES" dirty="0" smtClean="0"/>
+              <a:t>El sistema debe preguntar, si es un cliente nuevo, o me equivoqué digitando.  </a:t>
+            </a:r>
+          </a:p>
+          <a:p>
+            <a:pPr lvl="2"/>
+            <a:r>
+              <a:rPr lang="es-ES" dirty="0" smtClean="0">
+                <a:solidFill>
+                  <a:schemeClr val="accent6">
+                    <a:lumMod val="50000"/>
+                  </a:schemeClr>
+                </a:solidFill>
+              </a:rPr>
+              <a:t>Si el cliente es nuevo entonces lo agregar</a:t>
+            </a:r>
+          </a:p>
+          <a:p>
+            <a:pPr lvl="2"/>
+            <a:r>
+              <a:rPr lang="es-ES" dirty="0" smtClean="0"/>
+              <a:t>Si me equivoqué digitando el cliente, entonces, el sistema debe permitir corregir el cliente, por ahora se debe escribir todo el nombre corto.</a:t>
+            </a:r>
+          </a:p>
+          <a:p>
+            <a:pPr lvl="1"/>
+            <a:r>
+              <a:rPr lang="es-ES" dirty="0" smtClean="0">
+                <a:solidFill>
+                  <a:srgbClr val="00B050"/>
+                </a:solidFill>
+              </a:rPr>
+              <a:t>El sistema debe permitir cambiar el nombre de los clientes.</a:t>
+            </a:r>
+          </a:p>
+          <a:p>
+            <a:pPr lvl="1"/>
+            <a:r>
+              <a:rPr lang="es-ES" dirty="0">
+                <a:solidFill>
+                  <a:srgbClr val="00B050"/>
+                </a:solidFill>
+              </a:rPr>
+              <a:t>El sistema debe permitir eliminar un cliente.</a:t>
+            </a:r>
+            <a:endParaRPr lang="es-CO" dirty="0">
+              <a:solidFill>
+                <a:srgbClr val="00B050"/>
+              </a:solidFill>
+            </a:endParaRPr>
+          </a:p>
+        </p:txBody>
+      </p:sp>
+    </p:spTree>
+    <p:extLst>
+      <p:ext uri="{BB962C8B-B14F-4D97-AF65-F5344CB8AC3E}">
+        <p14:creationId xmlns:p14="http://schemas.microsoft.com/office/powerpoint/2010/main" val="697877812"/>
+      </p:ext>
+    </p:extLst>
+  </p:cSld>
+  <p:clrMapOvr>
+    <a:masterClrMapping/>
+  </p:clrMapOvr>
+  <p:timing>
+    <p:tnLst>
+      <p:par>
+        <p:cTn id="1" dur="indefinite" restart="never" nodeType="tmRoot"/>
+      </p:par>
+    </p:tnLst>
+  </p:timing>
+</p:sld>
+</file>
+
+<file path=ppt/slides/slide7.xml><?xml version="1.0" encoding="utf-8"?>
+<p:sld xmlns:a="http://schemas.openxmlformats.org/drawingml/2006/main" xmlns:r="http://schemas.openxmlformats.org/officeDocument/2006/relationships" xmlns:p="http://schemas.openxmlformats.org/presentationml/2006/main">
+  <p:cSld>
+    <p:spTree>
+      <p:nvGrpSpPr>
+        <p:cNvPr id="1" name=""/>
+        <p:cNvGrpSpPr/>
+        <p:nvPr/>
+      </p:nvGrpSpPr>
+      <p:grpSpPr>
+        <a:xfrm>
+          <a:off x="0" y="0"/>
+          <a:ext cx="0" cy="0"/>
+          <a:chOff x="0" y="0"/>
+          <a:chExt cx="0" cy="0"/>
+        </a:xfrm>
+      </p:grpSpPr>
+      <p:sp>
+        <p:nvSpPr>
+          <p:cNvPr id="4" name="Elipse 3"/>
+          <p:cNvSpPr/>
+          <p:nvPr/>
+        </p:nvSpPr>
+        <p:spPr>
+          <a:xfrm>
+            <a:off x="986971" y="420914"/>
+            <a:ext cx="972458" cy="856343"/>
+          </a:xfrm>
+          <a:prstGeom prst="ellipse">
+            <a:avLst/>
+          </a:prstGeom>
+          <a:solidFill>
+            <a:schemeClr val="accent6">
+              <a:lumMod val="50000"/>
+            </a:schemeClr>
+          </a:solidFill>
+        </p:spPr>
+        <p:style>
+          <a:lnRef idx="3">
+            <a:schemeClr val="lt1"/>
+          </a:lnRef>
+          <a:fillRef idx="1">
+            <a:schemeClr val="accent2"/>
+          </a:fillRef>
+          <a:effectRef idx="1">
+            <a:schemeClr val="accent2"/>
+          </a:effectRef>
+          <a:fontRef idx="minor">
+            <a:schemeClr val="lt1"/>
+          </a:fontRef>
+        </p:style>
+        <p:txBody>
+          <a:bodyPr rtlCol="0" anchor="ctr"/>
+          <a:lstStyle/>
+          <a:p>
+            <a:pPr algn="ctr"/>
+            <a:endParaRPr lang="es-CO"/>
+          </a:p>
+        </p:txBody>
+      </p:sp>
+      <p:sp>
+        <p:nvSpPr>
+          <p:cNvPr id="5" name="Elipse 4"/>
+          <p:cNvSpPr/>
+          <p:nvPr/>
+        </p:nvSpPr>
+        <p:spPr>
+          <a:xfrm>
+            <a:off x="986971" y="1676399"/>
+            <a:ext cx="972458" cy="856343"/>
+          </a:xfrm>
+          <a:prstGeom prst="ellipse">
+            <a:avLst/>
+          </a:prstGeom>
+          <a:solidFill>
+            <a:schemeClr val="accent6">
+              <a:lumMod val="75000"/>
+            </a:schemeClr>
+          </a:solidFill>
+        </p:spPr>
+        <p:style>
+          <a:lnRef idx="3">
+            <a:schemeClr val="lt1"/>
+          </a:lnRef>
+          <a:fillRef idx="1">
+            <a:schemeClr val="accent4"/>
+          </a:fillRef>
+          <a:effectRef idx="1">
+            <a:schemeClr val="accent4"/>
+          </a:effectRef>
+          <a:fontRef idx="minor">
+            <a:schemeClr val="lt1"/>
+          </a:fontRef>
+        </p:style>
+        <p:txBody>
+          <a:bodyPr rtlCol="0" anchor="ctr"/>
+          <a:lstStyle/>
+          <a:p>
+            <a:pPr algn="ctr"/>
+            <a:endParaRPr lang="es-CO"/>
+          </a:p>
+        </p:txBody>
+      </p:sp>
+      <p:sp>
+        <p:nvSpPr>
+          <p:cNvPr id="6" name="Elipse 5"/>
+          <p:cNvSpPr/>
+          <p:nvPr/>
+        </p:nvSpPr>
+        <p:spPr>
+          <a:xfrm>
+            <a:off x="986971" y="2931884"/>
+            <a:ext cx="972458" cy="856343"/>
+          </a:xfrm>
+          <a:prstGeom prst="ellipse">
+            <a:avLst/>
+          </a:prstGeom>
+          <a:solidFill>
+            <a:schemeClr val="accent6">
+              <a:lumMod val="60000"/>
+              <a:lumOff val="40000"/>
+            </a:schemeClr>
+          </a:solidFill>
+        </p:spPr>
+        <p:style>
+          <a:lnRef idx="3">
+            <a:schemeClr val="lt1"/>
+          </a:lnRef>
+          <a:fillRef idx="1">
+            <a:schemeClr val="accent6"/>
+          </a:fillRef>
+          <a:effectRef idx="1">
+            <a:schemeClr val="accent6"/>
+          </a:effectRef>
+          <a:fontRef idx="minor">
+            <a:schemeClr val="lt1"/>
+          </a:fontRef>
+        </p:style>
+        <p:txBody>
+          <a:bodyPr rtlCol="0" anchor="ctr"/>
+          <a:lstStyle/>
+          <a:p>
+            <a:pPr algn="ctr"/>
+            <a:endParaRPr lang="es-CO"/>
+          </a:p>
+        </p:txBody>
+      </p:sp>
+      <p:sp>
+        <p:nvSpPr>
+          <p:cNvPr id="7" name="Elipse 6"/>
+          <p:cNvSpPr/>
+          <p:nvPr/>
+        </p:nvSpPr>
+        <p:spPr>
+          <a:xfrm>
+            <a:off x="986972" y="4187370"/>
+            <a:ext cx="972458" cy="849088"/>
+          </a:xfrm>
+          <a:prstGeom prst="ellipse">
+            <a:avLst/>
+          </a:prstGeom>
+          <a:solidFill>
+            <a:schemeClr val="accent6">
+              <a:lumMod val="40000"/>
+              <a:lumOff val="60000"/>
+            </a:schemeClr>
+          </a:solidFill>
+        </p:spPr>
+        <p:style>
+          <a:lnRef idx="3">
+            <a:schemeClr val="lt1"/>
+          </a:lnRef>
+          <a:fillRef idx="1">
+            <a:schemeClr val="accent5"/>
+          </a:fillRef>
+          <a:effectRef idx="1">
+            <a:schemeClr val="accent5"/>
+          </a:effectRef>
+          <a:fontRef idx="minor">
+            <a:schemeClr val="lt1"/>
+          </a:fontRef>
+        </p:style>
+        <p:txBody>
+          <a:bodyPr rtlCol="0" anchor="ctr"/>
+          <a:lstStyle/>
+          <a:p>
+            <a:pPr algn="ctr"/>
+            <a:endParaRPr lang="es-CO"/>
+          </a:p>
+        </p:txBody>
+      </p:sp>
+      <p:sp>
+        <p:nvSpPr>
+          <p:cNvPr id="8" name="Elipse 7"/>
+          <p:cNvSpPr/>
+          <p:nvPr/>
+        </p:nvSpPr>
+        <p:spPr>
+          <a:xfrm>
+            <a:off x="986971" y="5442854"/>
+            <a:ext cx="972458" cy="856343"/>
+          </a:xfrm>
+          <a:prstGeom prst="ellipse">
+            <a:avLst/>
+          </a:prstGeom>
+          <a:solidFill>
+            <a:schemeClr val="accent6">
+              <a:lumMod val="20000"/>
+              <a:lumOff val="80000"/>
+            </a:schemeClr>
+          </a:solidFill>
+        </p:spPr>
+        <p:style>
+          <a:lnRef idx="3">
+            <a:schemeClr val="lt1"/>
+          </a:lnRef>
+          <a:fillRef idx="1">
+            <a:schemeClr val="accent3"/>
+          </a:fillRef>
+          <a:effectRef idx="1">
+            <a:schemeClr val="accent3"/>
+          </a:effectRef>
+          <a:fontRef idx="minor">
+            <a:schemeClr val="lt1"/>
+          </a:fontRef>
+        </p:style>
+        <p:txBody>
+          <a:bodyPr rtlCol="0" anchor="ctr"/>
+          <a:lstStyle/>
+          <a:p>
+            <a:pPr algn="ctr"/>
+            <a:endParaRPr lang="es-CO"/>
+          </a:p>
+        </p:txBody>
+      </p:sp>
+      <p:sp>
+        <p:nvSpPr>
+          <p:cNvPr id="14" name="CuadroTexto 13"/>
+          <p:cNvSpPr txBox="1"/>
+          <p:nvPr/>
+        </p:nvSpPr>
+        <p:spPr>
+          <a:xfrm>
+            <a:off x="4949371" y="420914"/>
+            <a:ext cx="2743200" cy="830997"/>
+          </a:xfrm>
+          <a:prstGeom prst="rect">
+            <a:avLst/>
+          </a:prstGeom>
+          <a:noFill/>
+        </p:spPr>
+        <p:txBody>
+          <a:bodyPr wrap="square" rtlCol="0">
+            <a:spAutoFit/>
+          </a:bodyPr>
+          <a:lstStyle/>
+          <a:p>
+            <a:r>
+              <a:rPr lang="es-ES" sz="4800" dirty="0" smtClean="0">
+                <a:solidFill>
+                  <a:schemeClr val="accent6">
+                    <a:lumMod val="75000"/>
+                  </a:schemeClr>
+                </a:solidFill>
+              </a:rPr>
+              <a:t>CLIENTE</a:t>
+            </a:r>
+            <a:endParaRPr lang="es-CO" sz="4800" dirty="0">
+              <a:solidFill>
+                <a:schemeClr val="accent6">
+                  <a:lumMod val="75000"/>
+                </a:schemeClr>
+              </a:solidFill>
+            </a:endParaRPr>
+          </a:p>
+        </p:txBody>
+      </p:sp>
+      <p:sp>
+        <p:nvSpPr>
+          <p:cNvPr id="18" name="Marcador de contenido 17"/>
+          <p:cNvSpPr>
+            <a:spLocks noGrp="1"/>
+          </p:cNvSpPr>
+          <p:nvPr>
+            <p:ph idx="1"/>
+          </p:nvPr>
+        </p:nvSpPr>
+        <p:spPr>
+          <a:xfrm>
+            <a:off x="2481942" y="1277257"/>
+            <a:ext cx="8737601" cy="4601029"/>
+          </a:xfrm>
+        </p:spPr>
+        <p:txBody>
+          <a:bodyPr/>
+          <a:lstStyle/>
+          <a:p>
+            <a:r>
+              <a:rPr lang="es-ES" dirty="0">
+                <a:solidFill>
+                  <a:schemeClr val="accent6">
+                    <a:lumMod val="75000"/>
+                  </a:schemeClr>
+                </a:solidFill>
+              </a:rPr>
+              <a:t>Tarea</a:t>
+            </a:r>
+          </a:p>
+          <a:p>
+            <a:pPr lvl="1"/>
+            <a:r>
+              <a:rPr lang="es-ES" dirty="0">
+                <a:solidFill>
+                  <a:srgbClr val="00B050"/>
+                </a:solidFill>
+              </a:rPr>
+              <a:t>El sistema debe buscar los clientes y mostrarlos unas vez inicia el programa.</a:t>
+            </a:r>
+          </a:p>
+          <a:p>
+            <a:pPr lvl="1"/>
+            <a:r>
+              <a:rPr lang="es-ES" dirty="0"/>
+              <a:t>El sistema debe preguntar, si es un cliente nuevo, o me equivoqué digitando.  </a:t>
+            </a:r>
+          </a:p>
+          <a:p>
+            <a:pPr lvl="2"/>
+            <a:r>
+              <a:rPr lang="es-ES" dirty="0">
+                <a:solidFill>
+                  <a:schemeClr val="accent6">
+                    <a:lumMod val="75000"/>
+                  </a:schemeClr>
+                </a:solidFill>
+              </a:rPr>
+              <a:t>Si el cliente es nuevo entonces lo agregar</a:t>
+            </a:r>
+          </a:p>
+          <a:p>
+            <a:pPr lvl="2"/>
+            <a:r>
+              <a:rPr lang="es-ES" dirty="0"/>
+              <a:t>Si me equivoqué digitando el cliente, entonces, el sistema debe permitir corregir el cliente, por ahora se debe escribir todo el nombre corto.</a:t>
+            </a:r>
+          </a:p>
+          <a:p>
+            <a:pPr lvl="1"/>
+            <a:r>
+              <a:rPr lang="es-ES" dirty="0">
+                <a:solidFill>
+                  <a:srgbClr val="00B050"/>
+                </a:solidFill>
+              </a:rPr>
+              <a:t>El sistema debe permitir cambiar el nombre de los clientes.</a:t>
+            </a:r>
+          </a:p>
+          <a:p>
+            <a:pPr lvl="1"/>
+            <a:r>
+              <a:rPr lang="es-ES" dirty="0">
+                <a:solidFill>
+                  <a:srgbClr val="00B050"/>
+                </a:solidFill>
+              </a:rPr>
+              <a:t>El sistema debe permitir eliminar un cliente.</a:t>
+            </a:r>
+            <a:endParaRPr lang="es-CO" dirty="0">
+              <a:solidFill>
+                <a:srgbClr val="00B050"/>
+              </a:solidFill>
+            </a:endParaRPr>
+          </a:p>
+          <a:p>
+            <a:pPr marL="0" indent="0">
+              <a:buNone/>
+            </a:pPr>
+            <a:endParaRPr lang="es-ES" dirty="0" smtClean="0"/>
+          </a:p>
+        </p:txBody>
+      </p:sp>
+      <p:pic>
+        <p:nvPicPr>
+          <p:cNvPr id="19" name="Imagen 18"/>
+          <p:cNvPicPr>
+            <a:picLocks noChangeAspect="1"/>
+          </p:cNvPicPr>
+          <p:nvPr/>
+        </p:nvPicPr>
+        <p:blipFill>
+          <a:blip r:embed="rId2">
+            <a:extLst>
+              <a:ext uri="{28A0092B-C50C-407E-A947-70E740481C1C}">
+                <a14:useLocalDpi xmlns:a14="http://schemas.microsoft.com/office/drawing/2010/main" val="0"/>
+              </a:ext>
+            </a:extLst>
+          </a:blip>
+          <a:stretch>
+            <a:fillRect/>
+          </a:stretch>
+        </p:blipFill>
+        <p:spPr>
+          <a:xfrm>
+            <a:off x="9808023" y="4904009"/>
+            <a:ext cx="1934032" cy="1934032"/>
+          </a:xfrm>
+          <a:prstGeom prst="rect">
+            <a:avLst/>
+          </a:prstGeom>
+        </p:spPr>
+      </p:pic>
+    </p:spTree>
+    <p:extLst>
+      <p:ext uri="{BB962C8B-B14F-4D97-AF65-F5344CB8AC3E}">
+        <p14:creationId xmlns:p14="http://schemas.microsoft.com/office/powerpoint/2010/main" val="3345418287"/>
+      </p:ext>
+    </p:extLst>
+  </p:cSld>
+  <p:clrMapOvr>
+    <a:masterClrMapping/>
+  </p:clrMapOvr>
+</p:sld>
+</file>
+
+<file path=ppt/slides/slide8.xml><?xml version="1.0" encoding="utf-8"?>
+<p:sld xmlns:a="http://schemas.openxmlformats.org/drawingml/2006/main" xmlns:r="http://schemas.openxmlformats.org/officeDocument/2006/relationships" xmlns:p="http://schemas.openxmlformats.org/presentationml/2006/main">
+  <p:cSld>
+    <p:spTree>
+      <p:nvGrpSpPr>
+        <p:cNvPr id="1" name=""/>
+        <p:cNvGrpSpPr/>
+        <p:nvPr/>
+      </p:nvGrpSpPr>
+      <p:grpSpPr>
+        <a:xfrm>
+          <a:off x="0" y="0"/>
+          <a:ext cx="0" cy="0"/>
+          <a:chOff x="0" y="0"/>
+          <a:chExt cx="0" cy="0"/>
+        </a:xfrm>
+      </p:grpSpPr>
+      <p:sp>
+        <p:nvSpPr>
+          <p:cNvPr id="2" name="Título 1"/>
+          <p:cNvSpPr>
+            <a:spLocks noGrp="1"/>
+          </p:cNvSpPr>
+          <p:nvPr>
+            <p:ph type="title"/>
+          </p:nvPr>
+        </p:nvSpPr>
+        <p:spPr/>
+        <p:txBody>
+          <a:bodyPr/>
+          <a:lstStyle/>
+          <a:p>
+            <a:r>
+              <a:rPr lang="es-ES" dirty="0" smtClean="0"/>
+              <a:t>incidentes</a:t>
+            </a:r>
+            <a:endParaRPr lang="es-CO" dirty="0"/>
+          </a:p>
+        </p:txBody>
+      </p:sp>
+      <p:sp>
+        <p:nvSpPr>
+          <p:cNvPr id="3" name="Marcador de contenido 2"/>
+          <p:cNvSpPr>
+            <a:spLocks noGrp="1"/>
+          </p:cNvSpPr>
+          <p:nvPr>
+            <p:ph idx="1"/>
+          </p:nvPr>
+        </p:nvSpPr>
+        <p:spPr/>
+        <p:txBody>
+          <a:bodyPr/>
+          <a:lstStyle/>
+          <a:p>
+            <a:r>
+              <a:rPr lang="es-ES" dirty="0" smtClean="0"/>
+              <a:t>Crear una clase tal que se gestionen los </a:t>
+            </a:r>
+            <a:r>
+              <a:rPr lang="es-ES" dirty="0" err="1" smtClean="0"/>
+              <a:t>issues</a:t>
+            </a:r>
+            <a:endParaRPr lang="es-ES" dirty="0" smtClean="0"/>
+          </a:p>
+          <a:p>
+            <a:pPr lvl="1"/>
+            <a:r>
+              <a:rPr lang="es-ES" dirty="0" err="1" smtClean="0"/>
+              <a:t>Sonda.Incident.Nombre</a:t>
+            </a:r>
+            <a:endParaRPr lang="es-ES" dirty="0" smtClean="0"/>
+          </a:p>
+          <a:p>
+            <a:pPr lvl="1"/>
+            <a:r>
+              <a:rPr lang="es-ES" dirty="0" err="1" smtClean="0"/>
+              <a:t>Sonda.Incident.Deseription.Simtoms</a:t>
+            </a:r>
+            <a:endParaRPr lang="es-ES" dirty="0" smtClean="0"/>
+          </a:p>
+          <a:p>
+            <a:pPr lvl="1"/>
+            <a:r>
+              <a:rPr lang="es-ES" dirty="0" err="1" smtClean="0"/>
+              <a:t>Sonda.Incident.Analisis</a:t>
+            </a:r>
+            <a:endParaRPr lang="es-ES" dirty="0" smtClean="0"/>
+          </a:p>
+          <a:p>
+            <a:pPr lvl="1"/>
+            <a:r>
+              <a:rPr lang="es-ES" dirty="0" err="1" smtClean="0"/>
+              <a:t>Sonda.Incident.Root.Cause</a:t>
+            </a:r>
+            <a:endParaRPr lang="es-ES" dirty="0" smtClean="0"/>
+          </a:p>
+          <a:p>
+            <a:pPr lvl="1"/>
+            <a:r>
+              <a:rPr lang="es-ES" dirty="0" err="1" smtClean="0"/>
+              <a:t>Sonda.Incident.Work.Arround</a:t>
+            </a:r>
+            <a:endParaRPr lang="es-ES" dirty="0" smtClean="0"/>
+          </a:p>
+          <a:p>
+            <a:pPr lvl="1"/>
+            <a:r>
+              <a:rPr lang="es-ES" dirty="0" err="1" smtClean="0"/>
+              <a:t>Sonda.Incident.Evidence</a:t>
+            </a:r>
+            <a:endParaRPr lang="es-ES" dirty="0" smtClean="0"/>
+          </a:p>
+          <a:p>
+            <a:pPr lvl="1"/>
+            <a:r>
+              <a:rPr lang="es-ES" dirty="0" err="1" smtClean="0"/>
+              <a:t>Sonda.Incident.Recomendation</a:t>
+            </a:r>
+            <a:endParaRPr lang="es-ES" dirty="0" smtClean="0"/>
+          </a:p>
+          <a:p>
+            <a:pPr lvl="1"/>
+            <a:r>
+              <a:rPr lang="es-ES" dirty="0" err="1" smtClean="0"/>
+              <a:t>Sonda.Incident.Id</a:t>
+            </a:r>
+            <a:r>
+              <a:rPr lang="es-ES" dirty="0" smtClean="0"/>
+              <a:t>=+</a:t>
+            </a:r>
+          </a:p>
+          <a:p>
+            <a:pPr lvl="1"/>
+            <a:endParaRPr lang="es-CO" dirty="0"/>
+          </a:p>
+        </p:txBody>
+      </p:sp>
+      <p:pic>
+        <p:nvPicPr>
+          <p:cNvPr id="4" name="Imagen 3"/>
+          <p:cNvPicPr>
+            <a:picLocks noChangeAspect="1"/>
+          </p:cNvPicPr>
+          <p:nvPr/>
+        </p:nvPicPr>
+        <p:blipFill rotWithShape="1">
+          <a:blip r:embed="rId2">
+            <a:extLst>
+              <a:ext uri="{28A0092B-C50C-407E-A947-70E740481C1C}">
+                <a14:useLocalDpi xmlns:a14="http://schemas.microsoft.com/office/drawing/2010/main" val="0"/>
+              </a:ext>
+            </a:extLst>
+          </a:blip>
+          <a:srcRect l="55174" t="69288" r="3946" b="2056"/>
+          <a:stretch/>
+        </p:blipFill>
+        <p:spPr>
+          <a:xfrm>
+            <a:off x="7223403" y="2455941"/>
+            <a:ext cx="7007093" cy="3362324"/>
+          </a:xfrm>
+          <a:prstGeom prst="rect">
+            <a:avLst/>
+          </a:prstGeom>
+        </p:spPr>
+      </p:pic>
+    </p:spTree>
+    <p:extLst>
+      <p:ext uri="{BB962C8B-B14F-4D97-AF65-F5344CB8AC3E}">
+        <p14:creationId xmlns:p14="http://schemas.microsoft.com/office/powerpoint/2010/main" val="2756725647"/>
+      </p:ext>
+    </p:extLst>
+  </p:cSld>
+  <p:clrMapOvr>
+    <a:masterClrMapping/>
+  </p:clrMapOvr>
+  <p:timing>
+    <p:tnLst>
+      <p:par>
+        <p:cTn id="1" dur="indefinite" restart="never" nodeType="tmRoot"/>
+      </p:par>
+    </p:tnLst>
+  </p:timing>
+</p:sld>
+</file>
+
+<file path=ppt/slides/slide9.xml><?xml version="1.0" encoding="utf-8"?>
+<p:sld xmlns:a="http://schemas.openxmlformats.org/drawingml/2006/main" xmlns:r="http://schemas.openxmlformats.org/officeDocument/2006/relationships" xmlns:p="http://schemas.openxmlformats.org/presentationml/2006/main">
+  <p:cSld>
+    <p:spTree>
+      <p:nvGrpSpPr>
+        <p:cNvPr id="1" name=""/>
+        <p:cNvGrpSpPr/>
+        <p:nvPr/>
+      </p:nvGrpSpPr>
+      <p:grpSpPr>
+        <a:xfrm>
+          <a:off x="0" y="0"/>
+          <a:ext cx="0" cy="0"/>
+          <a:chOff x="0" y="0"/>
+          <a:chExt cx="0" cy="0"/>
+        </a:xfrm>
+      </p:grpSpPr>
+      <p:pic>
+        <p:nvPicPr>
+          <p:cNvPr id="4" name="Marcador de contenido 3"/>
+          <p:cNvPicPr>
+            <a:picLocks noGrp="1" noChangeAspect="1"/>
+          </p:cNvPicPr>
+          <p:nvPr>
+            <p:ph idx="1"/>
+          </p:nvPr>
+        </p:nvPicPr>
+        <p:blipFill>
+          <a:blip r:embed="rId2" cstate="print">
+            <a:extLst>
+              <a:ext uri="{28A0092B-C50C-407E-A947-70E740481C1C}">
+                <a14:useLocalDpi xmlns:a14="http://schemas.microsoft.com/office/drawing/2010/main" val="0"/>
+              </a:ext>
+            </a:extLst>
+          </a:blip>
+          <a:stretch>
+            <a:fillRect/>
+          </a:stretch>
+        </p:blipFill>
+        <p:spPr>
+          <a:xfrm>
+            <a:off x="3033199" y="-271426"/>
+            <a:ext cx="5118704" cy="7129426"/>
+          </a:xfrm>
+        </p:spPr>
+      </p:pic>
+    </p:spTree>
+    <p:extLst>
+      <p:ext uri="{BB962C8B-B14F-4D97-AF65-F5344CB8AC3E}">
+        <p14:creationId xmlns:p14="http://schemas.microsoft.com/office/powerpoint/2010/main" val="1887276535"/>
+      </p:ext>
+    </p:extLst>
+  </p:cSld>
+  <p:clrMapOvr>
+    <a:masterClrMapping/>
+  </p:clrMapOvr>
+  <p:timing>
+    <p:tnLst>
+      <p:par>
+        <p:cTn id="1" dur="indefinite" restart="never" nodeType="tmRoot"/>
+      </p:par>
+    </p:tnLst>
+  </p:timing>
+</p:sld>
+</file>
+
 <file path=ppt/theme/theme1.xml><?xml version="1.0" encoding="utf-8"?>
 <a:theme xmlns:a="http://schemas.openxmlformats.org/drawingml/2006/main" name="Tema de Office">
   <a:themeElements>

--- a/Documentación/Documentation.pptx
+++ b/Documentación/Documentation.pptx
@@ -288,7 +288,7 @@
           <a:p>
             <a:fld id="{5DB37A09-4840-4F25-837A-CE4EEBE13FCB}" type="datetimeFigureOut">
               <a:rPr lang="es-CO" smtClean="0"/>
-              <a:t>1/07/2020</a:t>
+              <a:t>12/08/2020</a:t>
             </a:fld>
             <a:endParaRPr lang="es-CO"/>
           </a:p>
@@ -458,7 +458,7 @@
           <a:p>
             <a:fld id="{5DB37A09-4840-4F25-837A-CE4EEBE13FCB}" type="datetimeFigureOut">
               <a:rPr lang="es-CO" smtClean="0"/>
-              <a:t>1/07/2020</a:t>
+              <a:t>12/08/2020</a:t>
             </a:fld>
             <a:endParaRPr lang="es-CO"/>
           </a:p>
@@ -638,7 +638,7 @@
           <a:p>
             <a:fld id="{5DB37A09-4840-4F25-837A-CE4EEBE13FCB}" type="datetimeFigureOut">
               <a:rPr lang="es-CO" smtClean="0"/>
-              <a:t>1/07/2020</a:t>
+              <a:t>12/08/2020</a:t>
             </a:fld>
             <a:endParaRPr lang="es-CO"/>
           </a:p>
@@ -808,7 +808,7 @@
           <a:p>
             <a:fld id="{5DB37A09-4840-4F25-837A-CE4EEBE13FCB}" type="datetimeFigureOut">
               <a:rPr lang="es-CO" smtClean="0"/>
-              <a:t>1/07/2020</a:t>
+              <a:t>12/08/2020</a:t>
             </a:fld>
             <a:endParaRPr lang="es-CO"/>
           </a:p>
@@ -1054,7 +1054,7 @@
           <a:p>
             <a:fld id="{5DB37A09-4840-4F25-837A-CE4EEBE13FCB}" type="datetimeFigureOut">
               <a:rPr lang="es-CO" smtClean="0"/>
-              <a:t>1/07/2020</a:t>
+              <a:t>12/08/2020</a:t>
             </a:fld>
             <a:endParaRPr lang="es-CO"/>
           </a:p>
@@ -1286,7 +1286,7 @@
           <a:p>
             <a:fld id="{5DB37A09-4840-4F25-837A-CE4EEBE13FCB}" type="datetimeFigureOut">
               <a:rPr lang="es-CO" smtClean="0"/>
-              <a:t>1/07/2020</a:t>
+              <a:t>12/08/2020</a:t>
             </a:fld>
             <a:endParaRPr lang="es-CO"/>
           </a:p>
@@ -1653,7 +1653,7 @@
           <a:p>
             <a:fld id="{5DB37A09-4840-4F25-837A-CE4EEBE13FCB}" type="datetimeFigureOut">
               <a:rPr lang="es-CO" smtClean="0"/>
-              <a:t>1/07/2020</a:t>
+              <a:t>12/08/2020</a:t>
             </a:fld>
             <a:endParaRPr lang="es-CO"/>
           </a:p>
@@ -1771,7 +1771,7 @@
           <a:p>
             <a:fld id="{5DB37A09-4840-4F25-837A-CE4EEBE13FCB}" type="datetimeFigureOut">
               <a:rPr lang="es-CO" smtClean="0"/>
-              <a:t>1/07/2020</a:t>
+              <a:t>12/08/2020</a:t>
             </a:fld>
             <a:endParaRPr lang="es-CO"/>
           </a:p>
@@ -1866,7 +1866,7 @@
           <a:p>
             <a:fld id="{5DB37A09-4840-4F25-837A-CE4EEBE13FCB}" type="datetimeFigureOut">
               <a:rPr lang="es-CO" smtClean="0"/>
-              <a:t>1/07/2020</a:t>
+              <a:t>12/08/2020</a:t>
             </a:fld>
             <a:endParaRPr lang="es-CO"/>
           </a:p>
@@ -2143,7 +2143,7 @@
           <a:p>
             <a:fld id="{5DB37A09-4840-4F25-837A-CE4EEBE13FCB}" type="datetimeFigureOut">
               <a:rPr lang="es-CO" smtClean="0"/>
-              <a:t>1/07/2020</a:t>
+              <a:t>12/08/2020</a:t>
             </a:fld>
             <a:endParaRPr lang="es-CO"/>
           </a:p>
@@ -2396,7 +2396,7 @@
           <a:p>
             <a:fld id="{5DB37A09-4840-4F25-837A-CE4EEBE13FCB}" type="datetimeFigureOut">
               <a:rPr lang="es-CO" smtClean="0"/>
-              <a:t>1/07/2020</a:t>
+              <a:t>12/08/2020</a:t>
             </a:fld>
             <a:endParaRPr lang="es-CO"/>
           </a:p>
@@ -2609,7 +2609,7 @@
           <a:p>
             <a:fld id="{5DB37A09-4840-4F25-837A-CE4EEBE13FCB}" type="datetimeFigureOut">
               <a:rPr lang="es-CO" smtClean="0"/>
-              <a:t>1/07/2020</a:t>
+              <a:t>12/08/2020</a:t>
             </a:fld>
             <a:endParaRPr lang="es-CO"/>
           </a:p>
@@ -10754,7 +10754,6 @@
               <a:rPr lang="es-ES" dirty="0"/>
               <a:t>ARCHIVO LOG</a:t>
             </a:r>
-            <a:endParaRPr lang="es-ES" dirty="0"/>
           </a:p>
         </p:txBody>
       </p:sp>
@@ -11440,7 +11439,6 @@
               <a:rPr lang="es-ES" dirty="0"/>
               <a:t>ARCHIVO LOG</a:t>
             </a:r>
-            <a:endParaRPr lang="es-ES" dirty="0"/>
           </a:p>
         </p:txBody>
       </p:sp>
@@ -11638,38 +11636,818 @@
       </p:grpSpPr>
       <p:sp>
         <p:nvSpPr>
-          <p:cNvPr id="2" name="Título 1"/>
-          <p:cNvSpPr>
-            <a:spLocks noGrp="1"/>
-          </p:cNvSpPr>
-          <p:nvPr>
-            <p:ph type="title"/>
-          </p:nvPr>
-        </p:nvSpPr>
-        <p:spPr/>
-        <p:txBody>
-          <a:bodyPr/>
-          <a:lstStyle/>
-          <a:p>
+          <p:cNvPr id="4" name="Rectángulo 3"/>
+          <p:cNvSpPr/>
+          <p:nvPr/>
+        </p:nvSpPr>
+        <p:spPr>
+          <a:xfrm>
+            <a:off x="2305319" y="927280"/>
+            <a:ext cx="5409126" cy="218940"/>
+          </a:xfrm>
+          <a:prstGeom prst="rect">
+            <a:avLst/>
+          </a:prstGeom>
+        </p:spPr>
+        <p:style>
+          <a:lnRef idx="2">
+            <a:schemeClr val="accent1">
+              <a:shade val="50000"/>
+            </a:schemeClr>
+          </a:lnRef>
+          <a:fillRef idx="1">
+            <a:schemeClr val="accent1"/>
+          </a:fillRef>
+          <a:effectRef idx="0">
+            <a:schemeClr val="accent1"/>
+          </a:effectRef>
+          <a:fontRef idx="minor">
+            <a:schemeClr val="lt1"/>
+          </a:fontRef>
+        </p:style>
+        <p:txBody>
+          <a:bodyPr rtlCol="0" anchor="ctr"/>
+          <a:lstStyle/>
+          <a:p>
+            <a:pPr algn="ctr"/>
+            <a:r>
+              <a:rPr lang="es-ES" dirty="0" smtClean="0"/>
+              <a:t>TIGO 3322 7458</a:t>
+            </a:r>
+            <a:endParaRPr lang="es-CO" dirty="0"/>
+          </a:p>
+        </p:txBody>
+      </p:sp>
+      <p:sp>
+        <p:nvSpPr>
+          <p:cNvPr id="5" name="Rectángulo redondeado 4"/>
+          <p:cNvSpPr/>
+          <p:nvPr/>
+        </p:nvSpPr>
+        <p:spPr>
+          <a:xfrm>
+            <a:off x="8010660" y="918659"/>
+            <a:ext cx="1287887" cy="227562"/>
+          </a:xfrm>
+          <a:prstGeom prst="roundRect">
+            <a:avLst/>
+          </a:prstGeom>
+          <a:ln>
+            <a:noFill/>
+          </a:ln>
+          <a:effectLst>
+            <a:outerShdw blurRad="190500" dist="228600" dir="2700000" algn="ctr">
+              <a:srgbClr val="000000">
+                <a:alpha val="30000"/>
+              </a:srgbClr>
+            </a:outerShdw>
+          </a:effectLst>
+          <a:scene3d>
+            <a:camera prst="orthographicFront">
+              <a:rot lat="0" lon="0" rev="0"/>
+            </a:camera>
+            <a:lightRig rig="glow" dir="t">
+              <a:rot lat="0" lon="0" rev="4800000"/>
+            </a:lightRig>
+          </a:scene3d>
+          <a:sp3d prstMaterial="matte">
+            <a:bevelT w="127000" h="63500"/>
+          </a:sp3d>
+        </p:spPr>
+        <p:style>
+          <a:lnRef idx="2">
+            <a:schemeClr val="accent1">
+              <a:shade val="50000"/>
+            </a:schemeClr>
+          </a:lnRef>
+          <a:fillRef idx="1">
+            <a:schemeClr val="accent1"/>
+          </a:fillRef>
+          <a:effectRef idx="0">
+            <a:schemeClr val="accent1"/>
+          </a:effectRef>
+          <a:fontRef idx="minor">
+            <a:schemeClr val="lt1"/>
+          </a:fontRef>
+        </p:style>
+        <p:txBody>
+          <a:bodyPr rtlCol="0" anchor="ctr"/>
+          <a:lstStyle/>
+          <a:p>
+            <a:pPr algn="ctr"/>
+            <a:r>
+              <a:rPr lang="es-ES" dirty="0" smtClean="0"/>
+              <a:t>Buscar</a:t>
+            </a:r>
+            <a:endParaRPr lang="es-CO" dirty="0"/>
+          </a:p>
+        </p:txBody>
+      </p:sp>
+      <p:sp>
+        <p:nvSpPr>
+          <p:cNvPr id="6" name="Rectángulo 5"/>
+          <p:cNvSpPr/>
+          <p:nvPr/>
+        </p:nvSpPr>
+        <p:spPr>
+          <a:xfrm>
+            <a:off x="1390919" y="1738649"/>
+            <a:ext cx="1416676" cy="3670479"/>
+          </a:xfrm>
+          <a:prstGeom prst="rect">
+            <a:avLst/>
+          </a:prstGeom>
+        </p:spPr>
+        <p:style>
+          <a:lnRef idx="2">
+            <a:schemeClr val="accent1">
+              <a:shade val="50000"/>
+            </a:schemeClr>
+          </a:lnRef>
+          <a:fillRef idx="1">
+            <a:schemeClr val="accent1"/>
+          </a:fillRef>
+          <a:effectRef idx="0">
+            <a:schemeClr val="accent1"/>
+          </a:effectRef>
+          <a:fontRef idx="minor">
+            <a:schemeClr val="lt1"/>
+          </a:fontRef>
+        </p:style>
+        <p:txBody>
+          <a:bodyPr rtlCol="0" anchor="ctr"/>
+          <a:lstStyle/>
+          <a:p>
+            <a:pPr algn="ctr"/>
+            <a:r>
+              <a:rPr lang="es-ES" dirty="0" smtClean="0"/>
+              <a:t>clientes</a:t>
+            </a:r>
+            <a:endParaRPr lang="es-CO" dirty="0"/>
+          </a:p>
+        </p:txBody>
+      </p:sp>
+      <p:sp>
+        <p:nvSpPr>
+          <p:cNvPr id="7" name="Rectángulo 6"/>
+          <p:cNvSpPr/>
+          <p:nvPr/>
+        </p:nvSpPr>
+        <p:spPr>
+          <a:xfrm>
+            <a:off x="3670479" y="1738649"/>
+            <a:ext cx="1931831" cy="3760631"/>
+          </a:xfrm>
+          <a:prstGeom prst="rect">
+            <a:avLst/>
+          </a:prstGeom>
+        </p:spPr>
+        <p:style>
+          <a:lnRef idx="2">
+            <a:schemeClr val="accent1">
+              <a:shade val="50000"/>
+            </a:schemeClr>
+          </a:lnRef>
+          <a:fillRef idx="1">
+            <a:schemeClr val="accent1"/>
+          </a:fillRef>
+          <a:effectRef idx="0">
+            <a:schemeClr val="accent1"/>
+          </a:effectRef>
+          <a:fontRef idx="minor">
+            <a:schemeClr val="lt1"/>
+          </a:fontRef>
+        </p:style>
+        <p:txBody>
+          <a:bodyPr rtlCol="0" anchor="ctr"/>
+          <a:lstStyle/>
+          <a:p>
+            <a:pPr algn="ctr"/>
+            <a:r>
+              <a:rPr lang="es-ES" dirty="0" smtClean="0"/>
+              <a:t>sondas</a:t>
+            </a:r>
+            <a:endParaRPr lang="es-CO" dirty="0"/>
+          </a:p>
+        </p:txBody>
+      </p:sp>
+      <p:sp>
+        <p:nvSpPr>
+          <p:cNvPr id="8" name="Rectángulo 7"/>
+          <p:cNvSpPr/>
+          <p:nvPr/>
+        </p:nvSpPr>
+        <p:spPr>
+          <a:xfrm>
+            <a:off x="6194738" y="1738649"/>
+            <a:ext cx="1815922" cy="3760631"/>
+          </a:xfrm>
+          <a:prstGeom prst="rect">
+            <a:avLst/>
+          </a:prstGeom>
+        </p:spPr>
+        <p:style>
+          <a:lnRef idx="2">
+            <a:schemeClr val="accent1">
+              <a:shade val="50000"/>
+            </a:schemeClr>
+          </a:lnRef>
+          <a:fillRef idx="1">
+            <a:schemeClr val="accent1"/>
+          </a:fillRef>
+          <a:effectRef idx="0">
+            <a:schemeClr val="accent1"/>
+          </a:effectRef>
+          <a:fontRef idx="minor">
+            <a:schemeClr val="lt1"/>
+          </a:fontRef>
+        </p:style>
+        <p:txBody>
+          <a:bodyPr rtlCol="0" anchor="ctr"/>
+          <a:lstStyle/>
+          <a:p>
+            <a:pPr algn="ctr"/>
+            <a:r>
+              <a:rPr lang="es-ES" dirty="0" err="1" smtClean="0"/>
+              <a:t>issues</a:t>
+            </a:r>
+            <a:endParaRPr lang="es-CO" dirty="0"/>
+          </a:p>
+        </p:txBody>
+      </p:sp>
+      <p:sp>
+        <p:nvSpPr>
+          <p:cNvPr id="9" name="Rectángulo 8"/>
+          <p:cNvSpPr/>
+          <p:nvPr/>
+        </p:nvSpPr>
+        <p:spPr>
+          <a:xfrm>
+            <a:off x="8654602" y="1738649"/>
+            <a:ext cx="2640169" cy="3876540"/>
+          </a:xfrm>
+          <a:prstGeom prst="rect">
+            <a:avLst/>
+          </a:prstGeom>
+        </p:spPr>
+        <p:style>
+          <a:lnRef idx="2">
+            <a:schemeClr val="accent1">
+              <a:shade val="50000"/>
+            </a:schemeClr>
+          </a:lnRef>
+          <a:fillRef idx="1">
+            <a:schemeClr val="accent1"/>
+          </a:fillRef>
+          <a:effectRef idx="0">
+            <a:schemeClr val="accent1"/>
+          </a:effectRef>
+          <a:fontRef idx="minor">
+            <a:schemeClr val="lt1"/>
+          </a:fontRef>
+        </p:style>
+        <p:txBody>
+          <a:bodyPr rtlCol="0" anchor="ctr"/>
+          <a:lstStyle/>
+          <a:p>
+            <a:pPr algn="ctr"/>
             <a:endParaRPr lang="es-CO"/>
           </a:p>
         </p:txBody>
       </p:sp>
       <p:sp>
         <p:nvSpPr>
-          <p:cNvPr id="3" name="Marcador de contenido 2"/>
-          <p:cNvSpPr>
-            <a:spLocks noGrp="1"/>
-          </p:cNvSpPr>
-          <p:nvPr>
-            <p:ph idx="1"/>
-          </p:nvPr>
-        </p:nvSpPr>
-        <p:spPr/>
-        <p:txBody>
-          <a:bodyPr/>
-          <a:lstStyle/>
-          <a:p>
+          <p:cNvPr id="10" name="Rectángulo 9"/>
+          <p:cNvSpPr/>
+          <p:nvPr/>
+        </p:nvSpPr>
+        <p:spPr>
+          <a:xfrm>
+            <a:off x="1571223" y="2009105"/>
+            <a:ext cx="1081825" cy="708338"/>
+          </a:xfrm>
+          <a:prstGeom prst="rect">
+            <a:avLst/>
+          </a:prstGeom>
+          <a:solidFill>
+            <a:schemeClr val="accent1">
+              <a:lumMod val="50000"/>
+            </a:schemeClr>
+          </a:solidFill>
+        </p:spPr>
+        <p:style>
+          <a:lnRef idx="2">
+            <a:schemeClr val="accent1">
+              <a:shade val="50000"/>
+            </a:schemeClr>
+          </a:lnRef>
+          <a:fillRef idx="1">
+            <a:schemeClr val="accent1"/>
+          </a:fillRef>
+          <a:effectRef idx="0">
+            <a:schemeClr val="accent1"/>
+          </a:effectRef>
+          <a:fontRef idx="minor">
+            <a:schemeClr val="lt1"/>
+          </a:fontRef>
+        </p:style>
+        <p:txBody>
+          <a:bodyPr rtlCol="0" anchor="ctr"/>
+          <a:lstStyle/>
+          <a:p>
+            <a:pPr algn="ctr"/>
+            <a:r>
+              <a:rPr lang="es-ES" dirty="0" smtClean="0"/>
+              <a:t>TIGO</a:t>
+            </a:r>
+            <a:endParaRPr lang="es-CO" dirty="0"/>
+          </a:p>
+        </p:txBody>
+      </p:sp>
+      <p:sp>
+        <p:nvSpPr>
+          <p:cNvPr id="11" name="Rectángulo 10"/>
+          <p:cNvSpPr/>
+          <p:nvPr/>
+        </p:nvSpPr>
+        <p:spPr>
+          <a:xfrm>
+            <a:off x="4018208" y="1906074"/>
+            <a:ext cx="1223493" cy="695459"/>
+          </a:xfrm>
+          <a:prstGeom prst="rect">
+            <a:avLst/>
+          </a:prstGeom>
+          <a:solidFill>
+            <a:schemeClr val="accent6">
+              <a:lumMod val="75000"/>
+            </a:schemeClr>
+          </a:solidFill>
+        </p:spPr>
+        <p:style>
+          <a:lnRef idx="2">
+            <a:schemeClr val="accent1">
+              <a:shade val="50000"/>
+            </a:schemeClr>
+          </a:lnRef>
+          <a:fillRef idx="1">
+            <a:schemeClr val="accent1"/>
+          </a:fillRef>
+          <a:effectRef idx="0">
+            <a:schemeClr val="accent1"/>
+          </a:effectRef>
+          <a:fontRef idx="minor">
+            <a:schemeClr val="lt1"/>
+          </a:fontRef>
+        </p:style>
+        <p:txBody>
+          <a:bodyPr rtlCol="0" anchor="ctr"/>
+          <a:lstStyle/>
+          <a:p>
+            <a:pPr algn="ctr"/>
+            <a:r>
+              <a:rPr lang="es-ES" smtClean="0"/>
+              <a:t>3322</a:t>
+            </a:r>
+            <a:endParaRPr lang="es-CO"/>
+          </a:p>
+        </p:txBody>
+      </p:sp>
+      <p:sp>
+        <p:nvSpPr>
+          <p:cNvPr id="12" name="Rectángulo 11"/>
+          <p:cNvSpPr/>
+          <p:nvPr/>
+        </p:nvSpPr>
+        <p:spPr>
+          <a:xfrm>
+            <a:off x="4018207" y="2768958"/>
+            <a:ext cx="1223493" cy="695459"/>
+          </a:xfrm>
+          <a:prstGeom prst="rect">
+            <a:avLst/>
+          </a:prstGeom>
+          <a:solidFill>
+            <a:schemeClr val="accent3"/>
+          </a:solidFill>
+        </p:spPr>
+        <p:style>
+          <a:lnRef idx="2">
+            <a:schemeClr val="accent1">
+              <a:shade val="50000"/>
+            </a:schemeClr>
+          </a:lnRef>
+          <a:fillRef idx="1">
+            <a:schemeClr val="accent1"/>
+          </a:fillRef>
+          <a:effectRef idx="0">
+            <a:schemeClr val="accent1"/>
+          </a:effectRef>
+          <a:fontRef idx="minor">
+            <a:schemeClr val="lt1"/>
+          </a:fontRef>
+        </p:style>
+        <p:txBody>
+          <a:bodyPr rtlCol="0" anchor="ctr"/>
+          <a:lstStyle/>
+          <a:p>
+            <a:pPr algn="ctr"/>
+            <a:r>
+              <a:rPr lang="es-ES" dirty="0" smtClean="0"/>
+              <a:t>7458</a:t>
+            </a:r>
+            <a:endParaRPr lang="es-CO" dirty="0"/>
+          </a:p>
+        </p:txBody>
+      </p:sp>
+      <p:sp>
+        <p:nvSpPr>
+          <p:cNvPr id="13" name="Rectángulo 12"/>
+          <p:cNvSpPr/>
+          <p:nvPr/>
+        </p:nvSpPr>
+        <p:spPr>
+          <a:xfrm>
+            <a:off x="6323527" y="2009105"/>
+            <a:ext cx="1390918" cy="450761"/>
+          </a:xfrm>
+          <a:prstGeom prst="rect">
+            <a:avLst/>
+          </a:prstGeom>
+          <a:solidFill>
+            <a:schemeClr val="accent3"/>
+          </a:solidFill>
+        </p:spPr>
+        <p:style>
+          <a:lnRef idx="2">
+            <a:schemeClr val="accent1">
+              <a:shade val="50000"/>
+            </a:schemeClr>
+          </a:lnRef>
+          <a:fillRef idx="1">
+            <a:schemeClr val="accent1"/>
+          </a:fillRef>
+          <a:effectRef idx="0">
+            <a:schemeClr val="accent1"/>
+          </a:effectRef>
+          <a:fontRef idx="minor">
+            <a:schemeClr val="lt1"/>
+          </a:fontRef>
+        </p:style>
+        <p:txBody>
+          <a:bodyPr rtlCol="0" anchor="ctr"/>
+          <a:lstStyle/>
+          <a:p>
+            <a:pPr algn="ctr"/>
+            <a:r>
+              <a:rPr lang="es-ES" dirty="0" smtClean="0"/>
+              <a:t>ISSUE 1</a:t>
+            </a:r>
+            <a:endParaRPr lang="es-CO" dirty="0"/>
+          </a:p>
+        </p:txBody>
+      </p:sp>
+      <p:sp>
+        <p:nvSpPr>
+          <p:cNvPr id="14" name="Rectángulo 13"/>
+          <p:cNvSpPr/>
+          <p:nvPr/>
+        </p:nvSpPr>
+        <p:spPr>
+          <a:xfrm>
+            <a:off x="6323527" y="2620852"/>
+            <a:ext cx="1390918" cy="450761"/>
+          </a:xfrm>
+          <a:prstGeom prst="rect">
+            <a:avLst/>
+          </a:prstGeom>
+          <a:solidFill>
+            <a:schemeClr val="accent6">
+              <a:lumMod val="75000"/>
+            </a:schemeClr>
+          </a:solidFill>
+        </p:spPr>
+        <p:style>
+          <a:lnRef idx="2">
+            <a:schemeClr val="accent1">
+              <a:shade val="50000"/>
+            </a:schemeClr>
+          </a:lnRef>
+          <a:fillRef idx="1">
+            <a:schemeClr val="accent1"/>
+          </a:fillRef>
+          <a:effectRef idx="0">
+            <a:schemeClr val="accent1"/>
+          </a:effectRef>
+          <a:fontRef idx="minor">
+            <a:schemeClr val="lt1"/>
+          </a:fontRef>
+        </p:style>
+        <p:txBody>
+          <a:bodyPr rtlCol="0" anchor="ctr"/>
+          <a:lstStyle/>
+          <a:p>
+            <a:pPr algn="ctr"/>
+            <a:r>
+              <a:rPr lang="es-ES" dirty="0" smtClean="0"/>
+              <a:t>ISSUE 2</a:t>
+            </a:r>
+            <a:endParaRPr lang="es-CO" dirty="0"/>
+          </a:p>
+        </p:txBody>
+      </p:sp>
+      <p:sp>
+        <p:nvSpPr>
+          <p:cNvPr id="15" name="CuadroTexto 14"/>
+          <p:cNvSpPr txBox="1"/>
+          <p:nvPr/>
+        </p:nvSpPr>
+        <p:spPr>
+          <a:xfrm>
+            <a:off x="8822029" y="1906074"/>
+            <a:ext cx="2343955" cy="369332"/>
+          </a:xfrm>
+          <a:prstGeom prst="rect">
+            <a:avLst/>
+          </a:prstGeom>
+          <a:noFill/>
+        </p:spPr>
+        <p:txBody>
+          <a:bodyPr wrap="square" rtlCol="0">
+            <a:spAutoFit/>
+          </a:bodyPr>
+          <a:lstStyle/>
+          <a:p>
+            <a:r>
+              <a:rPr lang="es-ES" dirty="0" smtClean="0"/>
+              <a:t>Reporte</a:t>
+            </a:r>
+            <a:endParaRPr lang="es-CO" dirty="0"/>
+          </a:p>
+        </p:txBody>
+      </p:sp>
+      <p:sp>
+        <p:nvSpPr>
+          <p:cNvPr id="16" name="Rectángulo 15"/>
+          <p:cNvSpPr/>
+          <p:nvPr/>
+        </p:nvSpPr>
+        <p:spPr>
+          <a:xfrm>
+            <a:off x="9047406" y="2346241"/>
+            <a:ext cx="927280" cy="418562"/>
+          </a:xfrm>
+          <a:prstGeom prst="rect">
+            <a:avLst/>
+          </a:prstGeom>
+          <a:solidFill>
+            <a:schemeClr val="accent6">
+              <a:lumMod val="75000"/>
+            </a:schemeClr>
+          </a:solidFill>
+        </p:spPr>
+        <p:style>
+          <a:lnRef idx="2">
+            <a:schemeClr val="accent1">
+              <a:shade val="50000"/>
+            </a:schemeClr>
+          </a:lnRef>
+          <a:fillRef idx="1">
+            <a:schemeClr val="accent1"/>
+          </a:fillRef>
+          <a:effectRef idx="0">
+            <a:schemeClr val="accent1"/>
+          </a:effectRef>
+          <a:fontRef idx="minor">
+            <a:schemeClr val="lt1"/>
+          </a:fontRef>
+        </p:style>
+        <p:txBody>
+          <a:bodyPr rtlCol="0" anchor="ctr"/>
+          <a:lstStyle/>
+          <a:p>
+            <a:pPr algn="ctr"/>
+            <a:r>
+              <a:rPr lang="es-ES" smtClean="0"/>
+              <a:t>3322</a:t>
+            </a:r>
+            <a:endParaRPr lang="es-CO"/>
+          </a:p>
+        </p:txBody>
+      </p:sp>
+      <p:sp>
+        <p:nvSpPr>
+          <p:cNvPr id="17" name="Rectángulo 16"/>
+          <p:cNvSpPr/>
+          <p:nvPr/>
+        </p:nvSpPr>
+        <p:spPr>
+          <a:xfrm>
+            <a:off x="9375819" y="2854955"/>
+            <a:ext cx="1390918" cy="450761"/>
+          </a:xfrm>
+          <a:prstGeom prst="rect">
+            <a:avLst/>
+          </a:prstGeom>
+          <a:solidFill>
+            <a:schemeClr val="accent6">
+              <a:lumMod val="75000"/>
+            </a:schemeClr>
+          </a:solidFill>
+        </p:spPr>
+        <p:style>
+          <a:lnRef idx="2">
+            <a:schemeClr val="accent1">
+              <a:shade val="50000"/>
+            </a:schemeClr>
+          </a:lnRef>
+          <a:fillRef idx="1">
+            <a:schemeClr val="accent1"/>
+          </a:fillRef>
+          <a:effectRef idx="0">
+            <a:schemeClr val="accent1"/>
+          </a:effectRef>
+          <a:fontRef idx="minor">
+            <a:schemeClr val="lt1"/>
+          </a:fontRef>
+        </p:style>
+        <p:txBody>
+          <a:bodyPr rtlCol="0" anchor="ctr"/>
+          <a:lstStyle/>
+          <a:p>
+            <a:pPr algn="ctr"/>
+            <a:r>
+              <a:rPr lang="es-ES" dirty="0" smtClean="0"/>
+              <a:t>ISSUE 2</a:t>
+            </a:r>
+            <a:endParaRPr lang="es-CO" dirty="0"/>
+          </a:p>
+        </p:txBody>
+      </p:sp>
+      <p:sp>
+        <p:nvSpPr>
+          <p:cNvPr id="18" name="Rectángulo 17"/>
+          <p:cNvSpPr/>
+          <p:nvPr/>
+        </p:nvSpPr>
+        <p:spPr>
+          <a:xfrm>
+            <a:off x="9047406" y="3752218"/>
+            <a:ext cx="1036751" cy="266094"/>
+          </a:xfrm>
+          <a:prstGeom prst="rect">
+            <a:avLst/>
+          </a:prstGeom>
+          <a:solidFill>
+            <a:schemeClr val="accent6">
+              <a:lumMod val="75000"/>
+            </a:schemeClr>
+          </a:solidFill>
+        </p:spPr>
+        <p:style>
+          <a:lnRef idx="2">
+            <a:schemeClr val="accent1">
+              <a:shade val="50000"/>
+            </a:schemeClr>
+          </a:lnRef>
+          <a:fillRef idx="1">
+            <a:schemeClr val="accent1"/>
+          </a:fillRef>
+          <a:effectRef idx="0">
+            <a:schemeClr val="accent1"/>
+          </a:effectRef>
+          <a:fontRef idx="minor">
+            <a:schemeClr val="lt1"/>
+          </a:fontRef>
+        </p:style>
+        <p:txBody>
+          <a:bodyPr rtlCol="0" anchor="ctr"/>
+          <a:lstStyle/>
+          <a:p>
+            <a:pPr algn="ctr"/>
+            <a:r>
+              <a:rPr lang="es-ES" dirty="0" smtClean="0"/>
+              <a:t>7458</a:t>
+            </a:r>
+            <a:endParaRPr lang="es-CO" dirty="0"/>
+          </a:p>
+        </p:txBody>
+      </p:sp>
+      <p:sp>
+        <p:nvSpPr>
+          <p:cNvPr id="19" name="Rectángulo 18"/>
+          <p:cNvSpPr/>
+          <p:nvPr/>
+        </p:nvSpPr>
+        <p:spPr>
+          <a:xfrm>
+            <a:off x="9388698" y="4140609"/>
+            <a:ext cx="1390918" cy="450761"/>
+          </a:xfrm>
+          <a:prstGeom prst="rect">
+            <a:avLst/>
+          </a:prstGeom>
+          <a:solidFill>
+            <a:schemeClr val="accent6">
+              <a:lumMod val="75000"/>
+            </a:schemeClr>
+          </a:solidFill>
+        </p:spPr>
+        <p:style>
+          <a:lnRef idx="2">
+            <a:schemeClr val="accent1">
+              <a:shade val="50000"/>
+            </a:schemeClr>
+          </a:lnRef>
+          <a:fillRef idx="1">
+            <a:schemeClr val="accent1"/>
+          </a:fillRef>
+          <a:effectRef idx="0">
+            <a:schemeClr val="accent1"/>
+          </a:effectRef>
+          <a:fontRef idx="minor">
+            <a:schemeClr val="lt1"/>
+          </a:fontRef>
+        </p:style>
+        <p:txBody>
+          <a:bodyPr rtlCol="0" anchor="ctr"/>
+          <a:lstStyle/>
+          <a:p>
+            <a:pPr algn="ctr"/>
+            <a:r>
+              <a:rPr lang="es-ES" dirty="0" smtClean="0"/>
+              <a:t>ISSUE 2</a:t>
+            </a:r>
+            <a:endParaRPr lang="es-CO" dirty="0"/>
+          </a:p>
+        </p:txBody>
+      </p:sp>
+      <p:sp>
+        <p:nvSpPr>
+          <p:cNvPr id="20" name="Rectángulo 19"/>
+          <p:cNvSpPr/>
+          <p:nvPr/>
+        </p:nvSpPr>
+        <p:spPr>
+          <a:xfrm>
+            <a:off x="9607640" y="4961638"/>
+            <a:ext cx="1313646" cy="418562"/>
+          </a:xfrm>
+          <a:prstGeom prst="rect">
+            <a:avLst/>
+          </a:prstGeom>
+          <a:solidFill>
+            <a:schemeClr val="accent6">
+              <a:lumMod val="75000"/>
+            </a:schemeClr>
+          </a:solidFill>
+          <a:ln>
+            <a:noFill/>
+          </a:ln>
+          <a:effectLst>
+            <a:outerShdw blurRad="44450" dist="27940" dir="5400000" algn="ctr">
+              <a:srgbClr val="000000">
+                <a:alpha val="32000"/>
+              </a:srgbClr>
+            </a:outerShdw>
+          </a:effectLst>
+          <a:scene3d>
+            <a:camera prst="orthographicFront">
+              <a:rot lat="0" lon="0" rev="0"/>
+            </a:camera>
+            <a:lightRig rig="balanced" dir="t">
+              <a:rot lat="0" lon="0" rev="8700000"/>
+            </a:lightRig>
+          </a:scene3d>
+          <a:sp3d>
+            <a:bevelT w="190500" h="38100"/>
+          </a:sp3d>
+        </p:spPr>
+        <p:style>
+          <a:lnRef idx="2">
+            <a:schemeClr val="accent1">
+              <a:shade val="50000"/>
+            </a:schemeClr>
+          </a:lnRef>
+          <a:fillRef idx="1">
+            <a:schemeClr val="accent1"/>
+          </a:fillRef>
+          <a:effectRef idx="0">
+            <a:schemeClr val="accent1"/>
+          </a:effectRef>
+          <a:fontRef idx="minor">
+            <a:schemeClr val="lt1"/>
+          </a:fontRef>
+        </p:style>
+        <p:txBody>
+          <a:bodyPr rtlCol="0" anchor="ctr"/>
+          <a:lstStyle/>
+          <a:p>
+            <a:pPr algn="ctr"/>
+            <a:r>
+              <a:rPr lang="es-ES" dirty="0" smtClean="0"/>
+              <a:t>generar</a:t>
+            </a:r>
             <a:endParaRPr lang="es-CO" dirty="0"/>
           </a:p>
         </p:txBody>
